--- a/Telecom Customer Churn - Presentation.pptx
+++ b/Telecom Customer Churn - Presentation.pptx
@@ -8,7 +8,7 @@
     <p:sldMasterId id="2147483723" r:id="rId4"/>
   </p:sldMasterIdLst>
   <p:notesMasterIdLst>
-    <p:notesMasterId r:id="rId38"/>
+    <p:notesMasterId r:id="rId37"/>
   </p:notesMasterIdLst>
   <p:sldIdLst>
     <p:sldId id="257" r:id="rId5"/>
@@ -31,19 +31,18 @@
     <p:sldId id="290" r:id="rId22"/>
     <p:sldId id="262" r:id="rId23"/>
     <p:sldId id="263" r:id="rId24"/>
-    <p:sldId id="268" r:id="rId25"/>
-    <p:sldId id="272" r:id="rId26"/>
-    <p:sldId id="270" r:id="rId27"/>
-    <p:sldId id="271" r:id="rId28"/>
-    <p:sldId id="264" r:id="rId29"/>
-    <p:sldId id="284" r:id="rId30"/>
-    <p:sldId id="285" r:id="rId31"/>
-    <p:sldId id="292" r:id="rId32"/>
-    <p:sldId id="293" r:id="rId33"/>
-    <p:sldId id="274" r:id="rId34"/>
-    <p:sldId id="288" r:id="rId35"/>
-    <p:sldId id="276" r:id="rId36"/>
-    <p:sldId id="291" r:id="rId37"/>
+    <p:sldId id="297" r:id="rId25"/>
+    <p:sldId id="270" r:id="rId26"/>
+    <p:sldId id="271" r:id="rId27"/>
+    <p:sldId id="264" r:id="rId28"/>
+    <p:sldId id="284" r:id="rId29"/>
+    <p:sldId id="285" r:id="rId30"/>
+    <p:sldId id="292" r:id="rId31"/>
+    <p:sldId id="293" r:id="rId32"/>
+    <p:sldId id="274" r:id="rId33"/>
+    <p:sldId id="288" r:id="rId34"/>
+    <p:sldId id="276" r:id="rId35"/>
+    <p:sldId id="291" r:id="rId36"/>
   </p:sldIdLst>
   <p:sldSz cx="12192000" cy="6858000"/>
   <p:notesSz cx="6858000" cy="9144000"/>
@@ -175,8 +174,7 @@
           <p14:sldIdLst>
             <p14:sldId id="262"/>
             <p14:sldId id="263"/>
-            <p14:sldId id="268"/>
-            <p14:sldId id="272"/>
+            <p14:sldId id="297"/>
           </p14:sldIdLst>
         </p14:section>
         <p14:section name="KNN" id="{0DAD77B1-60C5-4EB2-933E-C56E97A5B2A7}">
@@ -2081,733 +2079,6 @@
   <c:roundedCorners val="0"/>
   <mc:AlternateContent xmlns:mc="http://schemas.openxmlformats.org/markup-compatibility/2006">
     <mc:Choice xmlns:c14="http://schemas.microsoft.com/office/drawing/2007/8/2/chart" Requires="c14">
-      <c14:style val="103"/>
-    </mc:Choice>
-    <mc:Fallback>
-      <c:style val="3"/>
-    </mc:Fallback>
-  </mc:AlternateContent>
-  <c:chart>
-    <c:autoTitleDeleted val="1"/>
-    <c:plotArea>
-      <c:layout/>
-      <c:barChart>
-        <c:barDir val="col"/>
-        <c:grouping val="clustered"/>
-        <c:varyColors val="0"/>
-        <c:ser>
-          <c:idx val="0"/>
-          <c:order val="0"/>
-          <c:tx>
-            <c:strRef>
-              <c:f>Sheet1!$B$1</c:f>
-              <c:strCache>
-                <c:ptCount val="1"/>
-                <c:pt idx="0">
-                  <c:v>Series 1</c:v>
-                </c:pt>
-              </c:strCache>
-            </c:strRef>
-          </c:tx>
-          <c:spPr>
-            <a:gradFill rotWithShape="1">
-              <a:gsLst>
-                <a:gs pos="0">
-                  <a:schemeClr val="accent1">
-                    <a:shade val="65000"/>
-                    <a:tint val="94000"/>
-                    <a:satMod val="103000"/>
-                    <a:lumMod val="102000"/>
-                  </a:schemeClr>
-                </a:gs>
-                <a:gs pos="50000">
-                  <a:schemeClr val="accent1">
-                    <a:shade val="65000"/>
-                    <a:shade val="100000"/>
-                    <a:satMod val="110000"/>
-                    <a:lumMod val="100000"/>
-                  </a:schemeClr>
-                </a:gs>
-                <a:gs pos="100000">
-                  <a:schemeClr val="accent1">
-                    <a:shade val="65000"/>
-                    <a:shade val="78000"/>
-                    <a:satMod val="120000"/>
-                    <a:lumMod val="99000"/>
-                  </a:schemeClr>
-                </a:gs>
-              </a:gsLst>
-              <a:lin ang="5400000" scaled="0"/>
-            </a:gradFill>
-            <a:ln>
-              <a:noFill/>
-            </a:ln>
-            <a:effectLst>
-              <a:outerShdw blurRad="57150" dist="19050" dir="5400000" algn="ctr" rotWithShape="0">
-                <a:srgbClr val="000000">
-                  <a:alpha val="63000"/>
-                </a:srgbClr>
-              </a:outerShdw>
-            </a:effectLst>
-          </c:spPr>
-          <c:invertIfNegative val="0"/>
-          <c:dLbls>
-            <c:spPr>
-              <a:noFill/>
-              <a:ln>
-                <a:noFill/>
-              </a:ln>
-              <a:effectLst/>
-            </c:spPr>
-            <c:txPr>
-              <a:bodyPr rot="0" spcFirstLastPara="1" vertOverflow="ellipsis" vert="horz" wrap="square" lIns="38100" tIns="19050" rIns="38100" bIns="19050" anchor="ctr" anchorCtr="1">
-                <a:spAutoFit/>
-              </a:bodyPr>
-              <a:lstStyle/>
-              <a:p>
-                <a:pPr>
-                  <a:defRPr sz="1197" b="0" i="0" u="none" strike="noStrike" kern="1200" baseline="0">
-                    <a:solidFill>
-                      <a:schemeClr val="lt1">
-                        <a:lumMod val="85000"/>
-                      </a:schemeClr>
-                    </a:solidFill>
-                    <a:latin typeface="+mn-lt"/>
-                    <a:ea typeface="+mn-ea"/>
-                    <a:cs typeface="+mn-cs"/>
-                  </a:defRPr>
-                </a:pPr>
-                <a:endParaRPr lang="en-US"/>
-              </a:p>
-            </c:txPr>
-            <c:dLblPos val="outEnd"/>
-            <c:showLegendKey val="0"/>
-            <c:showVal val="1"/>
-            <c:showCatName val="0"/>
-            <c:showSerName val="0"/>
-            <c:showPercent val="0"/>
-            <c:showBubbleSize val="0"/>
-            <c:showLeaderLines val="0"/>
-            <c:extLst>
-              <c:ext xmlns:c15="http://schemas.microsoft.com/office/drawing/2012/chart" uri="{CE6537A1-D6FC-4f65-9D91-7224C49458BB}">
-                <c15:showLeaderLines val="1"/>
-                <c15:leaderLines>
-                  <c:spPr>
-                    <a:ln w="9525">
-                      <a:solidFill>
-                        <a:schemeClr val="lt1">
-                          <a:lumMod val="95000"/>
-                          <a:alpha val="54000"/>
-                        </a:schemeClr>
-                      </a:solidFill>
-                    </a:ln>
-                    <a:effectLst/>
-                  </c:spPr>
-                </c15:leaderLines>
-              </c:ext>
-            </c:extLst>
-          </c:dLbls>
-          <c:cat>
-            <c:strRef>
-              <c:f>Sheet1!$A$2:$A$5</c:f>
-              <c:strCache>
-                <c:ptCount val="4"/>
-                <c:pt idx="0">
-                  <c:v>Category 1</c:v>
-                </c:pt>
-                <c:pt idx="1">
-                  <c:v>Category 2</c:v>
-                </c:pt>
-                <c:pt idx="2">
-                  <c:v>Category 3</c:v>
-                </c:pt>
-                <c:pt idx="3">
-                  <c:v>Category 4</c:v>
-                </c:pt>
-              </c:strCache>
-            </c:strRef>
-          </c:cat>
-          <c:val>
-            <c:numRef>
-              <c:f>Sheet1!$B$2:$B$5</c:f>
-              <c:numCache>
-                <c:formatCode>General</c:formatCode>
-                <c:ptCount val="4"/>
-                <c:pt idx="0">
-                  <c:v>4.3</c:v>
-                </c:pt>
-                <c:pt idx="1">
-                  <c:v>2.5</c:v>
-                </c:pt>
-                <c:pt idx="2">
-                  <c:v>3.5</c:v>
-                </c:pt>
-                <c:pt idx="3">
-                  <c:v>4.5</c:v>
-                </c:pt>
-              </c:numCache>
-            </c:numRef>
-          </c:val>
-          <c:extLst>
-            <c:ext xmlns:c16="http://schemas.microsoft.com/office/drawing/2014/chart" uri="{C3380CC4-5D6E-409C-BE32-E72D297353CC}">
-              <c16:uniqueId val="{00000000-FC39-4DD8-A2A7-4771B27ACAAC}"/>
-            </c:ext>
-          </c:extLst>
-        </c:ser>
-        <c:ser>
-          <c:idx val="1"/>
-          <c:order val="1"/>
-          <c:tx>
-            <c:strRef>
-              <c:f>Sheet1!$C$1</c:f>
-              <c:strCache>
-                <c:ptCount val="1"/>
-                <c:pt idx="0">
-                  <c:v>Series 2</c:v>
-                </c:pt>
-              </c:strCache>
-            </c:strRef>
-          </c:tx>
-          <c:spPr>
-            <a:gradFill rotWithShape="1">
-              <a:gsLst>
-                <a:gs pos="0">
-                  <a:schemeClr val="accent1">
-                    <a:tint val="94000"/>
-                    <a:satMod val="103000"/>
-                    <a:lumMod val="102000"/>
-                  </a:schemeClr>
-                </a:gs>
-                <a:gs pos="50000">
-                  <a:schemeClr val="accent1">
-                    <a:shade val="100000"/>
-                    <a:satMod val="110000"/>
-                    <a:lumMod val="100000"/>
-                  </a:schemeClr>
-                </a:gs>
-                <a:gs pos="100000">
-                  <a:schemeClr val="accent1">
-                    <a:shade val="78000"/>
-                    <a:satMod val="120000"/>
-                    <a:lumMod val="99000"/>
-                  </a:schemeClr>
-                </a:gs>
-              </a:gsLst>
-              <a:lin ang="5400000" scaled="0"/>
-            </a:gradFill>
-            <a:ln>
-              <a:noFill/>
-            </a:ln>
-            <a:effectLst>
-              <a:outerShdw blurRad="57150" dist="19050" dir="5400000" algn="ctr" rotWithShape="0">
-                <a:srgbClr val="000000">
-                  <a:alpha val="63000"/>
-                </a:srgbClr>
-              </a:outerShdw>
-            </a:effectLst>
-          </c:spPr>
-          <c:invertIfNegative val="0"/>
-          <c:dLbls>
-            <c:spPr>
-              <a:noFill/>
-              <a:ln>
-                <a:noFill/>
-              </a:ln>
-              <a:effectLst/>
-            </c:spPr>
-            <c:txPr>
-              <a:bodyPr rot="0" spcFirstLastPara="1" vertOverflow="ellipsis" vert="horz" wrap="square" lIns="38100" tIns="19050" rIns="38100" bIns="19050" anchor="ctr" anchorCtr="1">
-                <a:spAutoFit/>
-              </a:bodyPr>
-              <a:lstStyle/>
-              <a:p>
-                <a:pPr>
-                  <a:defRPr sz="1197" b="0" i="0" u="none" strike="noStrike" kern="1200" baseline="0">
-                    <a:solidFill>
-                      <a:schemeClr val="lt1">
-                        <a:lumMod val="85000"/>
-                      </a:schemeClr>
-                    </a:solidFill>
-                    <a:latin typeface="+mn-lt"/>
-                    <a:ea typeface="+mn-ea"/>
-                    <a:cs typeface="+mn-cs"/>
-                  </a:defRPr>
-                </a:pPr>
-                <a:endParaRPr lang="en-US"/>
-              </a:p>
-            </c:txPr>
-            <c:dLblPos val="outEnd"/>
-            <c:showLegendKey val="0"/>
-            <c:showVal val="1"/>
-            <c:showCatName val="0"/>
-            <c:showSerName val="0"/>
-            <c:showPercent val="0"/>
-            <c:showBubbleSize val="0"/>
-            <c:showLeaderLines val="0"/>
-            <c:extLst>
-              <c:ext xmlns:c15="http://schemas.microsoft.com/office/drawing/2012/chart" uri="{CE6537A1-D6FC-4f65-9D91-7224C49458BB}">
-                <c15:showLeaderLines val="1"/>
-                <c15:leaderLines>
-                  <c:spPr>
-                    <a:ln w="9525">
-                      <a:solidFill>
-                        <a:schemeClr val="lt1">
-                          <a:lumMod val="95000"/>
-                          <a:alpha val="54000"/>
-                        </a:schemeClr>
-                      </a:solidFill>
-                    </a:ln>
-                    <a:effectLst/>
-                  </c:spPr>
-                </c15:leaderLines>
-              </c:ext>
-            </c:extLst>
-          </c:dLbls>
-          <c:cat>
-            <c:strRef>
-              <c:f>Sheet1!$A$2:$A$5</c:f>
-              <c:strCache>
-                <c:ptCount val="4"/>
-                <c:pt idx="0">
-                  <c:v>Category 1</c:v>
-                </c:pt>
-                <c:pt idx="1">
-                  <c:v>Category 2</c:v>
-                </c:pt>
-                <c:pt idx="2">
-                  <c:v>Category 3</c:v>
-                </c:pt>
-                <c:pt idx="3">
-                  <c:v>Category 4</c:v>
-                </c:pt>
-              </c:strCache>
-            </c:strRef>
-          </c:cat>
-          <c:val>
-            <c:numRef>
-              <c:f>Sheet1!$C$2:$C$5</c:f>
-              <c:numCache>
-                <c:formatCode>General</c:formatCode>
-                <c:ptCount val="4"/>
-                <c:pt idx="0">
-                  <c:v>2.4</c:v>
-                </c:pt>
-                <c:pt idx="1">
-                  <c:v>4.4000000000000004</c:v>
-                </c:pt>
-                <c:pt idx="2">
-                  <c:v>1.8</c:v>
-                </c:pt>
-                <c:pt idx="3">
-                  <c:v>2.8</c:v>
-                </c:pt>
-              </c:numCache>
-            </c:numRef>
-          </c:val>
-          <c:extLst>
-            <c:ext xmlns:c16="http://schemas.microsoft.com/office/drawing/2014/chart" uri="{C3380CC4-5D6E-409C-BE32-E72D297353CC}">
-              <c16:uniqueId val="{00000001-FC39-4DD8-A2A7-4771B27ACAAC}"/>
-            </c:ext>
-          </c:extLst>
-        </c:ser>
-        <c:ser>
-          <c:idx val="2"/>
-          <c:order val="2"/>
-          <c:tx>
-            <c:strRef>
-              <c:f>Sheet1!$D$1</c:f>
-              <c:strCache>
-                <c:ptCount val="1"/>
-                <c:pt idx="0">
-                  <c:v>Series 3</c:v>
-                </c:pt>
-              </c:strCache>
-            </c:strRef>
-          </c:tx>
-          <c:spPr>
-            <a:gradFill rotWithShape="1">
-              <a:gsLst>
-                <a:gs pos="0">
-                  <a:schemeClr val="accent1">
-                    <a:tint val="65000"/>
-                    <a:tint val="94000"/>
-                    <a:satMod val="103000"/>
-                    <a:lumMod val="102000"/>
-                  </a:schemeClr>
-                </a:gs>
-                <a:gs pos="50000">
-                  <a:schemeClr val="accent1">
-                    <a:tint val="65000"/>
-                    <a:shade val="100000"/>
-                    <a:satMod val="110000"/>
-                    <a:lumMod val="100000"/>
-                  </a:schemeClr>
-                </a:gs>
-                <a:gs pos="100000">
-                  <a:schemeClr val="accent1">
-                    <a:tint val="65000"/>
-                    <a:shade val="78000"/>
-                    <a:satMod val="120000"/>
-                    <a:lumMod val="99000"/>
-                  </a:schemeClr>
-                </a:gs>
-              </a:gsLst>
-              <a:lin ang="5400000" scaled="0"/>
-            </a:gradFill>
-            <a:ln>
-              <a:noFill/>
-            </a:ln>
-            <a:effectLst>
-              <a:outerShdw blurRad="57150" dist="19050" dir="5400000" algn="ctr" rotWithShape="0">
-                <a:srgbClr val="000000">
-                  <a:alpha val="63000"/>
-                </a:srgbClr>
-              </a:outerShdw>
-            </a:effectLst>
-          </c:spPr>
-          <c:invertIfNegative val="0"/>
-          <c:dLbls>
-            <c:spPr>
-              <a:noFill/>
-              <a:ln>
-                <a:noFill/>
-              </a:ln>
-              <a:effectLst/>
-            </c:spPr>
-            <c:txPr>
-              <a:bodyPr rot="0" spcFirstLastPara="1" vertOverflow="ellipsis" vert="horz" wrap="square" lIns="38100" tIns="19050" rIns="38100" bIns="19050" anchor="ctr" anchorCtr="1">
-                <a:spAutoFit/>
-              </a:bodyPr>
-              <a:lstStyle/>
-              <a:p>
-                <a:pPr>
-                  <a:defRPr sz="1197" b="0" i="0" u="none" strike="noStrike" kern="1200" baseline="0">
-                    <a:solidFill>
-                      <a:schemeClr val="lt1">
-                        <a:lumMod val="85000"/>
-                      </a:schemeClr>
-                    </a:solidFill>
-                    <a:latin typeface="+mn-lt"/>
-                    <a:ea typeface="+mn-ea"/>
-                    <a:cs typeface="+mn-cs"/>
-                  </a:defRPr>
-                </a:pPr>
-                <a:endParaRPr lang="en-US"/>
-              </a:p>
-            </c:txPr>
-            <c:dLblPos val="outEnd"/>
-            <c:showLegendKey val="0"/>
-            <c:showVal val="1"/>
-            <c:showCatName val="0"/>
-            <c:showSerName val="0"/>
-            <c:showPercent val="0"/>
-            <c:showBubbleSize val="0"/>
-            <c:showLeaderLines val="0"/>
-            <c:extLst>
-              <c:ext xmlns:c15="http://schemas.microsoft.com/office/drawing/2012/chart" uri="{CE6537A1-D6FC-4f65-9D91-7224C49458BB}">
-                <c15:showLeaderLines val="1"/>
-                <c15:leaderLines>
-                  <c:spPr>
-                    <a:ln w="9525">
-                      <a:solidFill>
-                        <a:schemeClr val="lt1">
-                          <a:lumMod val="95000"/>
-                          <a:alpha val="54000"/>
-                        </a:schemeClr>
-                      </a:solidFill>
-                    </a:ln>
-                    <a:effectLst/>
-                  </c:spPr>
-                </c15:leaderLines>
-              </c:ext>
-            </c:extLst>
-          </c:dLbls>
-          <c:cat>
-            <c:strRef>
-              <c:f>Sheet1!$A$2:$A$5</c:f>
-              <c:strCache>
-                <c:ptCount val="4"/>
-                <c:pt idx="0">
-                  <c:v>Category 1</c:v>
-                </c:pt>
-                <c:pt idx="1">
-                  <c:v>Category 2</c:v>
-                </c:pt>
-                <c:pt idx="2">
-                  <c:v>Category 3</c:v>
-                </c:pt>
-                <c:pt idx="3">
-                  <c:v>Category 4</c:v>
-                </c:pt>
-              </c:strCache>
-            </c:strRef>
-          </c:cat>
-          <c:val>
-            <c:numRef>
-              <c:f>Sheet1!$D$2:$D$5</c:f>
-              <c:numCache>
-                <c:formatCode>General</c:formatCode>
-                <c:ptCount val="4"/>
-                <c:pt idx="0">
-                  <c:v>2</c:v>
-                </c:pt>
-                <c:pt idx="1">
-                  <c:v>2</c:v>
-                </c:pt>
-                <c:pt idx="2">
-                  <c:v>3</c:v>
-                </c:pt>
-                <c:pt idx="3">
-                  <c:v>5</c:v>
-                </c:pt>
-              </c:numCache>
-            </c:numRef>
-          </c:val>
-          <c:extLst>
-            <c:ext xmlns:c16="http://schemas.microsoft.com/office/drawing/2014/chart" uri="{C3380CC4-5D6E-409C-BE32-E72D297353CC}">
-              <c16:uniqueId val="{00000002-FC39-4DD8-A2A7-4771B27ACAAC}"/>
-            </c:ext>
-          </c:extLst>
-        </c:ser>
-        <c:dLbls>
-          <c:dLblPos val="outEnd"/>
-          <c:showLegendKey val="0"/>
-          <c:showVal val="1"/>
-          <c:showCatName val="0"/>
-          <c:showSerName val="0"/>
-          <c:showPercent val="0"/>
-          <c:showBubbleSize val="0"/>
-        </c:dLbls>
-        <c:gapWidth val="100"/>
-        <c:overlap val="-24"/>
-        <c:axId val="244385544"/>
-        <c:axId val="244385936"/>
-      </c:barChart>
-      <c:catAx>
-        <c:axId val="244385544"/>
-        <c:scaling>
-          <c:orientation val="minMax"/>
-        </c:scaling>
-        <c:delete val="0"/>
-        <c:axPos val="b"/>
-        <c:numFmt formatCode="General" sourceLinked="1"/>
-        <c:majorTickMark val="none"/>
-        <c:minorTickMark val="none"/>
-        <c:tickLblPos val="nextTo"/>
-        <c:spPr>
-          <a:noFill/>
-          <a:ln w="12700" cap="flat" cmpd="sng" algn="ctr">
-            <a:solidFill>
-              <a:schemeClr val="lt1">
-                <a:lumMod val="95000"/>
-                <a:alpha val="54000"/>
-              </a:schemeClr>
-            </a:solidFill>
-            <a:round/>
-          </a:ln>
-          <a:effectLst/>
-        </c:spPr>
-        <c:txPr>
-          <a:bodyPr rot="-60000000" spcFirstLastPara="1" vertOverflow="ellipsis" vert="horz" wrap="square" anchor="ctr" anchorCtr="1"/>
-          <a:lstStyle/>
-          <a:p>
-            <a:pPr>
-              <a:defRPr sz="1197" b="0" i="0" u="none" strike="noStrike" kern="1200" baseline="0">
-                <a:solidFill>
-                  <a:schemeClr val="lt1">
-                    <a:lumMod val="85000"/>
-                  </a:schemeClr>
-                </a:solidFill>
-                <a:latin typeface="+mn-lt"/>
-                <a:ea typeface="+mn-ea"/>
-                <a:cs typeface="+mn-cs"/>
-              </a:defRPr>
-            </a:pPr>
-            <a:endParaRPr lang="en-US"/>
-          </a:p>
-        </c:txPr>
-        <c:crossAx val="244385936"/>
-        <c:crosses val="autoZero"/>
-        <c:auto val="1"/>
-        <c:lblAlgn val="ctr"/>
-        <c:lblOffset val="100"/>
-        <c:noMultiLvlLbl val="0"/>
-      </c:catAx>
-      <c:valAx>
-        <c:axId val="244385936"/>
-        <c:scaling>
-          <c:orientation val="minMax"/>
-        </c:scaling>
-        <c:delete val="0"/>
-        <c:axPos val="l"/>
-        <c:majorGridlines>
-          <c:spPr>
-            <a:ln w="9525" cap="flat" cmpd="sng" algn="ctr">
-              <a:solidFill>
-                <a:schemeClr val="lt1">
-                  <a:lumMod val="95000"/>
-                  <a:alpha val="10000"/>
-                </a:schemeClr>
-              </a:solidFill>
-              <a:round/>
-            </a:ln>
-            <a:effectLst/>
-          </c:spPr>
-        </c:majorGridlines>
-        <c:title>
-          <c:overlay val="0"/>
-          <c:spPr>
-            <a:noFill/>
-            <a:ln>
-              <a:noFill/>
-            </a:ln>
-            <a:effectLst/>
-          </c:spPr>
-          <c:txPr>
-            <a:bodyPr rot="-5400000" spcFirstLastPara="1" vertOverflow="ellipsis" vert="horz" wrap="square" anchor="ctr" anchorCtr="1"/>
-            <a:lstStyle/>
-            <a:p>
-              <a:pPr>
-                <a:defRPr sz="1197" b="1" i="0" u="none" strike="noStrike" kern="1200" cap="all" baseline="0">
-                  <a:solidFill>
-                    <a:schemeClr val="lt1">
-                      <a:lumMod val="85000"/>
-                    </a:schemeClr>
-                  </a:solidFill>
-                  <a:latin typeface="+mn-lt"/>
-                  <a:ea typeface="+mn-ea"/>
-                  <a:cs typeface="+mn-cs"/>
-                </a:defRPr>
-              </a:pPr>
-              <a:endParaRPr lang="en-US"/>
-            </a:p>
-          </c:txPr>
-        </c:title>
-        <c:numFmt formatCode="General" sourceLinked="1"/>
-        <c:majorTickMark val="none"/>
-        <c:minorTickMark val="none"/>
-        <c:tickLblPos val="nextTo"/>
-        <c:spPr>
-          <a:noFill/>
-          <a:ln>
-            <a:noFill/>
-          </a:ln>
-          <a:effectLst/>
-        </c:spPr>
-        <c:txPr>
-          <a:bodyPr rot="-60000000" spcFirstLastPara="1" vertOverflow="ellipsis" vert="horz" wrap="square" anchor="ctr" anchorCtr="1"/>
-          <a:lstStyle/>
-          <a:p>
-            <a:pPr>
-              <a:defRPr sz="1197" b="0" i="0" u="none" strike="noStrike" kern="1200" baseline="0">
-                <a:solidFill>
-                  <a:schemeClr val="lt1">
-                    <a:lumMod val="85000"/>
-                  </a:schemeClr>
-                </a:solidFill>
-                <a:latin typeface="+mn-lt"/>
-                <a:ea typeface="+mn-ea"/>
-                <a:cs typeface="+mn-cs"/>
-              </a:defRPr>
-            </a:pPr>
-            <a:endParaRPr lang="en-US"/>
-          </a:p>
-        </c:txPr>
-        <c:crossAx val="244385544"/>
-        <c:crosses val="autoZero"/>
-        <c:crossBetween val="between"/>
-      </c:valAx>
-      <c:spPr>
-        <a:noFill/>
-        <a:ln>
-          <a:noFill/>
-        </a:ln>
-        <a:effectLst/>
-      </c:spPr>
-    </c:plotArea>
-    <c:legend>
-      <c:legendPos val="b"/>
-      <c:overlay val="0"/>
-      <c:spPr>
-        <a:noFill/>
-        <a:ln>
-          <a:noFill/>
-        </a:ln>
-        <a:effectLst/>
-      </c:spPr>
-      <c:txPr>
-        <a:bodyPr rot="0" spcFirstLastPara="1" vertOverflow="ellipsis" vert="horz" wrap="square" anchor="ctr" anchorCtr="1"/>
-        <a:lstStyle/>
-        <a:p>
-          <a:pPr>
-            <a:defRPr sz="1197" b="0" i="0" u="none" strike="noStrike" kern="1200" baseline="0">
-              <a:solidFill>
-                <a:schemeClr val="lt1">
-                  <a:lumMod val="85000"/>
-                </a:schemeClr>
-              </a:solidFill>
-              <a:latin typeface="+mn-lt"/>
-              <a:ea typeface="+mn-ea"/>
-              <a:cs typeface="+mn-cs"/>
-            </a:defRPr>
-          </a:pPr>
-          <a:endParaRPr lang="en-US"/>
-        </a:p>
-      </c:txPr>
-    </c:legend>
-    <c:plotVisOnly val="1"/>
-    <c:dispBlanksAs val="gap"/>
-    <c:showDLblsOverMax val="0"/>
-  </c:chart>
-  <c:spPr>
-    <a:gradFill flip="none" rotWithShape="1">
-      <a:gsLst>
-        <a:gs pos="0">
-          <a:schemeClr val="dk1">
-            <a:lumMod val="65000"/>
-            <a:lumOff val="35000"/>
-          </a:schemeClr>
-        </a:gs>
-        <a:gs pos="100000">
-          <a:schemeClr val="dk1">
-            <a:lumMod val="85000"/>
-            <a:lumOff val="15000"/>
-          </a:schemeClr>
-        </a:gs>
-      </a:gsLst>
-      <a:path path="circle">
-        <a:fillToRect l="50000" t="50000" r="50000" b="50000"/>
-      </a:path>
-      <a:tileRect/>
-    </a:gradFill>
-    <a:ln>
-      <a:noFill/>
-    </a:ln>
-    <a:effectLst/>
-  </c:spPr>
-  <c:txPr>
-    <a:bodyPr/>
-    <a:lstStyle/>
-    <a:p>
-      <a:pPr>
-        <a:defRPr/>
-      </a:pPr>
-      <a:endParaRPr lang="en-US"/>
-    </a:p>
-  </c:txPr>
-  <c:externalData r:id="rId3">
-    <c:autoUpdate val="0"/>
-  </c:externalData>
-</c:chartSpace>
-</file>
-
-<file path=ppt/charts/chart2.xml><?xml version="1.0" encoding="utf-8"?>
-<c:chartSpace xmlns:c="http://schemas.openxmlformats.org/drawingml/2006/chart" xmlns:a="http://schemas.openxmlformats.org/drawingml/2006/main" xmlns:r="http://schemas.openxmlformats.org/officeDocument/2006/relationships" xmlns:c16r2="http://schemas.microsoft.com/office/drawing/2015/06/chart">
-  <c:date1904 val="0"/>
-  <c:lang val="en-US"/>
-  <c:roundedCorners val="0"/>
-  <mc:AlternateContent xmlns:mc="http://schemas.openxmlformats.org/markup-compatibility/2006">
-    <mc:Choice xmlns:c14="http://schemas.microsoft.com/office/drawing/2007/8/2/chart" Requires="c14">
       <c14:style val="102"/>
     </mc:Choice>
     <mc:Fallback>
@@ -3292,12 +2563,6 @@
 </file>
 
 <file path=ppt/charts/colors1.xml><?xml version="1.0" encoding="utf-8"?>
-<cs:colorStyle xmlns:cs="http://schemas.microsoft.com/office/drawing/2012/chartStyle" xmlns:a="http://schemas.openxmlformats.org/drawingml/2006/main" meth="withinLinear" id="14">
-  <a:schemeClr val="accent1"/>
-</cs:colorStyle>
-</file>
-
-<file path=ppt/charts/colors2.xml><?xml version="1.0" encoding="utf-8"?>
 <cs:colorStyle xmlns:cs="http://schemas.microsoft.com/office/drawing/2012/chartStyle" xmlns:a="http://schemas.openxmlformats.org/drawingml/2006/main" meth="cycle" id="10">
   <a:schemeClr val="accent1"/>
   <a:schemeClr val="accent2"/>
@@ -3338,502 +2603,6 @@
 </file>
 
 <file path=ppt/charts/style1.xml><?xml version="1.0" encoding="utf-8"?>
-<cs:chartStyle xmlns:cs="http://schemas.microsoft.com/office/drawing/2012/chartStyle" xmlns:a="http://schemas.openxmlformats.org/drawingml/2006/main" id="209">
-  <cs:axisTitle>
-    <cs:lnRef idx="0"/>
-    <cs:fillRef idx="0"/>
-    <cs:effectRef idx="0"/>
-    <cs:fontRef idx="minor">
-      <a:schemeClr val="lt1">
-        <a:lumMod val="85000"/>
-      </a:schemeClr>
-    </cs:fontRef>
-    <cs:defRPr sz="1197" b="1" kern="1200" cap="all"/>
-  </cs:axisTitle>
-  <cs:categoryAxis>
-    <cs:lnRef idx="0"/>
-    <cs:fillRef idx="0"/>
-    <cs:effectRef idx="0"/>
-    <cs:fontRef idx="minor">
-      <a:schemeClr val="lt1">
-        <a:lumMod val="85000"/>
-      </a:schemeClr>
-    </cs:fontRef>
-    <cs:spPr>
-      <a:ln w="12700" cap="flat" cmpd="sng" algn="ctr">
-        <a:solidFill>
-          <a:schemeClr val="lt1">
-            <a:lumMod val="95000"/>
-            <a:alpha val="54000"/>
-          </a:schemeClr>
-        </a:solidFill>
-        <a:round/>
-      </a:ln>
-    </cs:spPr>
-    <cs:defRPr sz="1197" kern="1200"/>
-  </cs:categoryAxis>
-  <cs:chartArea>
-    <cs:lnRef idx="0"/>
-    <cs:fillRef idx="0"/>
-    <cs:effectRef idx="0"/>
-    <cs:fontRef idx="minor">
-      <a:schemeClr val="dk1"/>
-    </cs:fontRef>
-    <cs:spPr>
-      <a:gradFill flip="none" rotWithShape="1">
-        <a:gsLst>
-          <a:gs pos="0">
-            <a:schemeClr val="dk1">
-              <a:lumMod val="65000"/>
-              <a:lumOff val="35000"/>
-            </a:schemeClr>
-          </a:gs>
-          <a:gs pos="100000">
-            <a:schemeClr val="dk1">
-              <a:lumMod val="85000"/>
-              <a:lumOff val="15000"/>
-            </a:schemeClr>
-          </a:gs>
-        </a:gsLst>
-        <a:path path="circle">
-          <a:fillToRect l="50000" t="50000" r="50000" b="50000"/>
-        </a:path>
-        <a:tileRect/>
-      </a:gradFill>
-    </cs:spPr>
-    <cs:defRPr sz="1330" kern="1200"/>
-  </cs:chartArea>
-  <cs:dataLabel>
-    <cs:lnRef idx="0"/>
-    <cs:fillRef idx="0"/>
-    <cs:effectRef idx="0"/>
-    <cs:fontRef idx="minor">
-      <a:schemeClr val="lt1">
-        <a:lumMod val="85000"/>
-      </a:schemeClr>
-    </cs:fontRef>
-    <cs:defRPr sz="1197" kern="1200"/>
-  </cs:dataLabel>
-  <cs:dataLabelCallout>
-    <cs:lnRef idx="0"/>
-    <cs:fillRef idx="0"/>
-    <cs:effectRef idx="0"/>
-    <cs:fontRef idx="minor">
-      <a:schemeClr val="dk1">
-        <a:lumMod val="65000"/>
-        <a:lumOff val="35000"/>
-      </a:schemeClr>
-    </cs:fontRef>
-    <cs:spPr>
-      <a:solidFill>
-        <a:schemeClr val="lt1"/>
-      </a:solidFill>
-    </cs:spPr>
-    <cs:defRPr sz="1197" kern="1200"/>
-    <cs:bodyPr rot="0" spcFirstLastPara="1" vertOverflow="clip" horzOverflow="clip" vert="horz" wrap="square" lIns="36576" tIns="18288" rIns="36576" bIns="18288" anchor="ctr" anchorCtr="1">
-      <a:spAutoFit/>
-    </cs:bodyPr>
-  </cs:dataLabelCallout>
-  <cs:dataPoint>
-    <cs:lnRef idx="0"/>
-    <cs:fillRef idx="3">
-      <cs:styleClr val="auto"/>
-    </cs:fillRef>
-    <cs:effectRef idx="3"/>
-    <cs:fontRef idx="minor">
-      <a:schemeClr val="lt1"/>
-    </cs:fontRef>
-  </cs:dataPoint>
-  <cs:dataPoint3D>
-    <cs:lnRef idx="0"/>
-    <cs:fillRef idx="3">
-      <cs:styleClr val="auto"/>
-    </cs:fillRef>
-    <cs:effectRef idx="3"/>
-    <cs:fontRef idx="minor">
-      <a:schemeClr val="lt1"/>
-    </cs:fontRef>
-  </cs:dataPoint3D>
-  <cs:dataPointLine>
-    <cs:lnRef idx="0">
-      <cs:styleClr val="auto"/>
-    </cs:lnRef>
-    <cs:fillRef idx="3"/>
-    <cs:effectRef idx="3"/>
-    <cs:fontRef idx="minor">
-      <a:schemeClr val="lt1"/>
-    </cs:fontRef>
-    <cs:spPr>
-      <a:ln w="34925" cap="rnd">
-        <a:solidFill>
-          <a:schemeClr val="phClr"/>
-        </a:solidFill>
-        <a:round/>
-      </a:ln>
-    </cs:spPr>
-  </cs:dataPointLine>
-  <cs:dataPointMarker>
-    <cs:lnRef idx="0">
-      <cs:styleClr val="auto"/>
-    </cs:lnRef>
-    <cs:fillRef idx="3">
-      <cs:styleClr val="auto"/>
-    </cs:fillRef>
-    <cs:effectRef idx="3"/>
-    <cs:fontRef idx="minor">
-      <a:schemeClr val="lt1"/>
-    </cs:fontRef>
-    <cs:spPr>
-      <a:ln w="9525">
-        <a:solidFill>
-          <a:schemeClr val="phClr"/>
-        </a:solidFill>
-        <a:round/>
-      </a:ln>
-    </cs:spPr>
-  </cs:dataPointMarker>
-  <cs:dataPointMarkerLayout symbol="circle" size="6"/>
-  <cs:dataPointWireframe>
-    <cs:lnRef idx="0">
-      <cs:styleClr val="auto"/>
-    </cs:lnRef>
-    <cs:fillRef idx="3"/>
-    <cs:effectRef idx="3"/>
-    <cs:fontRef idx="minor">
-      <a:schemeClr val="lt1"/>
-    </cs:fontRef>
-    <cs:spPr>
-      <a:ln w="9525" cap="rnd">
-        <a:solidFill>
-          <a:schemeClr val="phClr"/>
-        </a:solidFill>
-        <a:round/>
-      </a:ln>
-    </cs:spPr>
-  </cs:dataPointWireframe>
-  <cs:dataTable>
-    <cs:lnRef idx="0"/>
-    <cs:fillRef idx="0"/>
-    <cs:effectRef idx="0"/>
-    <cs:fontRef idx="minor">
-      <a:schemeClr val="lt1">
-        <a:lumMod val="85000"/>
-      </a:schemeClr>
-    </cs:fontRef>
-    <cs:spPr>
-      <a:ln w="9525">
-        <a:solidFill>
-          <a:schemeClr val="lt1">
-            <a:lumMod val="95000"/>
-            <a:alpha val="54000"/>
-          </a:schemeClr>
-        </a:solidFill>
-      </a:ln>
-    </cs:spPr>
-    <cs:defRPr sz="1197" kern="1200"/>
-  </cs:dataTable>
-  <cs:downBar>
-    <cs:lnRef idx="0"/>
-    <cs:fillRef idx="0"/>
-    <cs:effectRef idx="0"/>
-    <cs:fontRef idx="minor">
-      <a:schemeClr val="lt1"/>
-    </cs:fontRef>
-    <cs:spPr>
-      <a:solidFill>
-        <a:schemeClr val="dk1">
-          <a:lumMod val="75000"/>
-          <a:lumOff val="25000"/>
-        </a:schemeClr>
-      </a:solidFill>
-      <a:ln w="9525">
-        <a:solidFill>
-          <a:schemeClr val="lt1">
-            <a:lumMod val="95000"/>
-            <a:alpha val="54000"/>
-          </a:schemeClr>
-        </a:solidFill>
-      </a:ln>
-    </cs:spPr>
-  </cs:downBar>
-  <cs:dropLine>
-    <cs:lnRef idx="0"/>
-    <cs:fillRef idx="0"/>
-    <cs:effectRef idx="0"/>
-    <cs:fontRef idx="minor">
-      <a:schemeClr val="lt1"/>
-    </cs:fontRef>
-    <cs:spPr>
-      <a:ln w="9525">
-        <a:solidFill>
-          <a:schemeClr val="lt1">
-            <a:lumMod val="95000"/>
-            <a:alpha val="54000"/>
-          </a:schemeClr>
-        </a:solidFill>
-        <a:prstDash val="dash"/>
-      </a:ln>
-    </cs:spPr>
-  </cs:dropLine>
-  <cs:errorBar>
-    <cs:lnRef idx="0"/>
-    <cs:fillRef idx="0"/>
-    <cs:effectRef idx="0"/>
-    <cs:fontRef idx="minor">
-      <a:schemeClr val="lt1"/>
-    </cs:fontRef>
-    <cs:spPr>
-      <a:ln w="9525" cap="flat" cmpd="sng" algn="ctr">
-        <a:solidFill>
-          <a:schemeClr val="lt1">
-            <a:lumMod val="95000"/>
-          </a:schemeClr>
-        </a:solidFill>
-        <a:round/>
-      </a:ln>
-    </cs:spPr>
-  </cs:errorBar>
-  <cs:floor>
-    <cs:lnRef idx="0"/>
-    <cs:fillRef idx="0"/>
-    <cs:effectRef idx="0"/>
-    <cs:fontRef idx="minor">
-      <a:schemeClr val="lt1"/>
-    </cs:fontRef>
-  </cs:floor>
-  <cs:gridlineMajor>
-    <cs:lnRef idx="0"/>
-    <cs:fillRef idx="0"/>
-    <cs:effectRef idx="0"/>
-    <cs:fontRef idx="minor">
-      <a:schemeClr val="lt1"/>
-    </cs:fontRef>
-    <cs:spPr>
-      <a:ln w="9525" cap="flat" cmpd="sng" algn="ctr">
-        <a:solidFill>
-          <a:schemeClr val="lt1">
-            <a:lumMod val="95000"/>
-            <a:alpha val="10000"/>
-          </a:schemeClr>
-        </a:solidFill>
-        <a:round/>
-      </a:ln>
-    </cs:spPr>
-  </cs:gridlineMajor>
-  <cs:gridlineMinor>
-    <cs:lnRef idx="0"/>
-    <cs:fillRef idx="0"/>
-    <cs:effectRef idx="0"/>
-    <cs:fontRef idx="minor">
-      <a:schemeClr val="lt1"/>
-    </cs:fontRef>
-    <cs:spPr>
-      <a:ln>
-        <a:solidFill>
-          <a:schemeClr val="lt1">
-            <a:lumMod val="95000"/>
-            <a:alpha val="5000"/>
-          </a:schemeClr>
-        </a:solidFill>
-      </a:ln>
-    </cs:spPr>
-  </cs:gridlineMinor>
-  <cs:hiLoLine>
-    <cs:lnRef idx="0"/>
-    <cs:fillRef idx="0"/>
-    <cs:effectRef idx="0"/>
-    <cs:fontRef idx="minor">
-      <a:schemeClr val="lt1"/>
-    </cs:fontRef>
-    <cs:spPr>
-      <a:ln w="9525">
-        <a:solidFill>
-          <a:schemeClr val="lt1">
-            <a:lumMod val="95000"/>
-            <a:alpha val="54000"/>
-          </a:schemeClr>
-        </a:solidFill>
-        <a:prstDash val="dash"/>
-      </a:ln>
-    </cs:spPr>
-  </cs:hiLoLine>
-  <cs:leaderLine>
-    <cs:lnRef idx="0"/>
-    <cs:fillRef idx="0"/>
-    <cs:effectRef idx="0"/>
-    <cs:fontRef idx="minor">
-      <a:schemeClr val="lt1"/>
-    </cs:fontRef>
-    <cs:spPr>
-      <a:ln w="9525">
-        <a:solidFill>
-          <a:schemeClr val="lt1">
-            <a:lumMod val="95000"/>
-            <a:alpha val="54000"/>
-          </a:schemeClr>
-        </a:solidFill>
-      </a:ln>
-    </cs:spPr>
-  </cs:leaderLine>
-  <cs:legend>
-    <cs:lnRef idx="0"/>
-    <cs:fillRef idx="0"/>
-    <cs:effectRef idx="0"/>
-    <cs:fontRef idx="minor">
-      <a:schemeClr val="lt1">
-        <a:lumMod val="85000"/>
-      </a:schemeClr>
-    </cs:fontRef>
-    <cs:defRPr sz="1197" kern="1200"/>
-  </cs:legend>
-  <cs:plotArea>
-    <cs:lnRef idx="0"/>
-    <cs:fillRef idx="0"/>
-    <cs:effectRef idx="0"/>
-    <cs:fontRef idx="minor">
-      <a:schemeClr val="lt1"/>
-    </cs:fontRef>
-  </cs:plotArea>
-  <cs:plotArea3D>
-    <cs:lnRef idx="0"/>
-    <cs:fillRef idx="0"/>
-    <cs:effectRef idx="0"/>
-    <cs:fontRef idx="minor">
-      <a:schemeClr val="lt1"/>
-    </cs:fontRef>
-  </cs:plotArea3D>
-  <cs:seriesAxis>
-    <cs:lnRef idx="0"/>
-    <cs:fillRef idx="0"/>
-    <cs:effectRef idx="0"/>
-    <cs:fontRef idx="minor">
-      <a:schemeClr val="lt1">
-        <a:lumMod val="85000"/>
-      </a:schemeClr>
-    </cs:fontRef>
-    <cs:spPr>
-      <a:ln w="12700" cap="flat" cmpd="sng" algn="ctr">
-        <a:solidFill>
-          <a:schemeClr val="lt1">
-            <a:lumMod val="95000"/>
-            <a:alpha val="54000"/>
-          </a:schemeClr>
-        </a:solidFill>
-        <a:round/>
-      </a:ln>
-    </cs:spPr>
-    <cs:defRPr sz="1197" kern="1200"/>
-  </cs:seriesAxis>
-  <cs:seriesLine>
-    <cs:lnRef idx="0"/>
-    <cs:fillRef idx="0"/>
-    <cs:effectRef idx="0"/>
-    <cs:fontRef idx="minor">
-      <a:schemeClr val="lt1"/>
-    </cs:fontRef>
-    <cs:spPr>
-      <a:ln w="9525" cap="flat" cmpd="sng" algn="ctr">
-        <a:solidFill>
-          <a:schemeClr val="lt1">
-            <a:lumMod val="95000"/>
-            <a:alpha val="54000"/>
-          </a:schemeClr>
-        </a:solidFill>
-        <a:round/>
-      </a:ln>
-    </cs:spPr>
-  </cs:seriesLine>
-  <cs:title>
-    <cs:lnRef idx="0"/>
-    <cs:fillRef idx="0"/>
-    <cs:effectRef idx="0"/>
-    <cs:fontRef idx="minor">
-      <a:schemeClr val="lt1">
-        <a:lumMod val="95000"/>
-      </a:schemeClr>
-    </cs:fontRef>
-    <cs:defRPr sz="2128" b="1" kern="1200" spc="100" baseline="0">
-      <a:effectLst>
-        <a:outerShdw blurRad="50800" dist="38100" dir="5400000" algn="t" rotWithShape="0">
-          <a:prstClr val="black">
-            <a:alpha val="40000"/>
-          </a:prstClr>
-        </a:outerShdw>
-      </a:effectLst>
-    </cs:defRPr>
-  </cs:title>
-  <cs:trendline>
-    <cs:lnRef idx="0">
-      <cs:styleClr val="auto"/>
-    </cs:lnRef>
-    <cs:fillRef idx="0"/>
-    <cs:effectRef idx="0"/>
-    <cs:fontRef idx="minor">
-      <a:schemeClr val="lt1"/>
-    </cs:fontRef>
-    <cs:spPr>
-      <a:ln w="19050" cap="rnd">
-        <a:solidFill>
-          <a:schemeClr val="phClr"/>
-        </a:solidFill>
-      </a:ln>
-    </cs:spPr>
-  </cs:trendline>
-  <cs:trendlineLabel>
-    <cs:lnRef idx="0"/>
-    <cs:fillRef idx="0"/>
-    <cs:effectRef idx="0"/>
-    <cs:fontRef idx="minor">
-      <a:schemeClr val="lt1">
-        <a:lumMod val="85000"/>
-      </a:schemeClr>
-    </cs:fontRef>
-    <cs:defRPr sz="1197" kern="1200"/>
-  </cs:trendlineLabel>
-  <cs:upBar>
-    <cs:lnRef idx="0"/>
-    <cs:fillRef idx="0"/>
-    <cs:effectRef idx="0"/>
-    <cs:fontRef idx="minor">
-      <a:schemeClr val="lt1"/>
-    </cs:fontRef>
-    <cs:spPr>
-      <a:solidFill>
-        <a:schemeClr val="lt1"/>
-      </a:solidFill>
-      <a:ln w="9525">
-        <a:solidFill>
-          <a:schemeClr val="lt1">
-            <a:lumMod val="95000"/>
-            <a:alpha val="54000"/>
-          </a:schemeClr>
-        </a:solidFill>
-      </a:ln>
-    </cs:spPr>
-  </cs:upBar>
-  <cs:valueAxis>
-    <cs:lnRef idx="0"/>
-    <cs:fillRef idx="0"/>
-    <cs:effectRef idx="0"/>
-    <cs:fontRef idx="minor">
-      <a:schemeClr val="lt1">
-        <a:lumMod val="85000"/>
-      </a:schemeClr>
-    </cs:fontRef>
-    <cs:defRPr sz="1197" kern="1200"/>
-  </cs:valueAxis>
-  <cs:wall>
-    <cs:lnRef idx="0"/>
-    <cs:fillRef idx="0"/>
-    <cs:effectRef idx="0"/>
-    <cs:fontRef idx="minor">
-      <a:schemeClr val="lt1"/>
-    </cs:fontRef>
-  </cs:wall>
-</cs:chartStyle>
-</file>
-
-<file path=ppt/charts/style2.xml><?xml version="1.0" encoding="utf-8"?>
 <cs:chartStyle xmlns:cs="http://schemas.microsoft.com/office/drawing/2012/chartStyle" xmlns:a="http://schemas.openxmlformats.org/drawingml/2006/main" id="233">
   <cs:axisTitle>
     <cs:lnRef idx="0"/>
@@ -4329,4065 +3098,6 @@
 </cs:chartStyle>
 </file>
 
-<file path=ppt/diagrams/colors1.xml><?xml version="1.0" encoding="utf-8"?>
-<dgm:colorsDef xmlns:dgm="http://schemas.openxmlformats.org/drawingml/2006/diagram" xmlns:a="http://schemas.openxmlformats.org/drawingml/2006/main" uniqueId="urn:microsoft.com/office/officeart/2005/8/colors/accent1_5">
-  <dgm:title val=""/>
-  <dgm:desc val=""/>
-  <dgm:catLst>
-    <dgm:cat type="accent1" pri="11500"/>
-  </dgm:catLst>
-  <dgm:styleLbl name="node0">
-    <dgm:fillClrLst meth="cycle">
-      <a:schemeClr val="accent1">
-        <a:alpha val="80000"/>
-      </a:schemeClr>
-    </dgm:fillClrLst>
-    <dgm:linClrLst meth="repeat">
-      <a:schemeClr val="lt1"/>
-    </dgm:linClrLst>
-    <dgm:effectClrLst/>
-    <dgm:txLinClrLst/>
-    <dgm:txFillClrLst/>
-    <dgm:txEffectClrLst/>
-  </dgm:styleLbl>
-  <dgm:styleLbl name="node1">
-    <dgm:fillClrLst>
-      <a:schemeClr val="accent1">
-        <a:alpha val="90000"/>
-      </a:schemeClr>
-      <a:schemeClr val="accent1">
-        <a:alpha val="50000"/>
-      </a:schemeClr>
-    </dgm:fillClrLst>
-    <dgm:linClrLst meth="repeat">
-      <a:schemeClr val="lt1"/>
-    </dgm:linClrLst>
-    <dgm:effectClrLst/>
-    <dgm:txLinClrLst/>
-    <dgm:txFillClrLst/>
-    <dgm:txEffectClrLst/>
-  </dgm:styleLbl>
-  <dgm:styleLbl name="alignNode1">
-    <dgm:fillClrLst>
-      <a:schemeClr val="accent1">
-        <a:alpha val="90000"/>
-      </a:schemeClr>
-      <a:schemeClr val="accent1">
-        <a:alpha val="50000"/>
-      </a:schemeClr>
-    </dgm:fillClrLst>
-    <dgm:linClrLst>
-      <a:schemeClr val="accent1">
-        <a:alpha val="90000"/>
-      </a:schemeClr>
-      <a:schemeClr val="accent1">
-        <a:alpha val="50000"/>
-      </a:schemeClr>
-    </dgm:linClrLst>
-    <dgm:effectClrLst/>
-    <dgm:txLinClrLst/>
-    <dgm:txFillClrLst/>
-    <dgm:txEffectClrLst/>
-  </dgm:styleLbl>
-  <dgm:styleLbl name="lnNode1">
-    <dgm:fillClrLst>
-      <a:schemeClr val="accent1">
-        <a:shade val="90000"/>
-      </a:schemeClr>
-      <a:schemeClr val="accent1">
-        <a:alpha val="50000"/>
-        <a:tint val="50000"/>
-      </a:schemeClr>
-    </dgm:fillClrLst>
-    <dgm:linClrLst meth="repeat">
-      <a:schemeClr val="lt1"/>
-    </dgm:linClrLst>
-    <dgm:effectClrLst/>
-    <dgm:txLinClrLst/>
-    <dgm:txFillClrLst/>
-    <dgm:txEffectClrLst/>
-  </dgm:styleLbl>
-  <dgm:styleLbl name="vennNode1">
-    <dgm:fillClrLst>
-      <a:schemeClr val="accent1">
-        <a:shade val="80000"/>
-        <a:alpha val="50000"/>
-      </a:schemeClr>
-      <a:schemeClr val="accent1">
-        <a:alpha val="80000"/>
-      </a:schemeClr>
-    </dgm:fillClrLst>
-    <dgm:linClrLst meth="repeat">
-      <a:schemeClr val="lt1"/>
-    </dgm:linClrLst>
-    <dgm:effectClrLst/>
-    <dgm:txLinClrLst/>
-    <dgm:txFillClrLst/>
-    <dgm:txEffectClrLst/>
-  </dgm:styleLbl>
-  <dgm:styleLbl name="node2">
-    <dgm:fillClrLst>
-      <a:schemeClr val="accent1">
-        <a:alpha val="70000"/>
-      </a:schemeClr>
-    </dgm:fillClrLst>
-    <dgm:linClrLst meth="repeat">
-      <a:schemeClr val="lt1"/>
-    </dgm:linClrLst>
-    <dgm:effectClrLst/>
-    <dgm:txLinClrLst/>
-    <dgm:txFillClrLst/>
-    <dgm:txEffectClrLst/>
-  </dgm:styleLbl>
-  <dgm:styleLbl name="node3">
-    <dgm:fillClrLst>
-      <a:schemeClr val="accent1">
-        <a:alpha val="50000"/>
-      </a:schemeClr>
-    </dgm:fillClrLst>
-    <dgm:linClrLst meth="repeat">
-      <a:schemeClr val="lt1"/>
-    </dgm:linClrLst>
-    <dgm:effectClrLst/>
-    <dgm:txLinClrLst/>
-    <dgm:txFillClrLst/>
-    <dgm:txEffectClrLst/>
-  </dgm:styleLbl>
-  <dgm:styleLbl name="node4">
-    <dgm:fillClrLst>
-      <a:schemeClr val="accent1">
-        <a:alpha val="30000"/>
-      </a:schemeClr>
-    </dgm:fillClrLst>
-    <dgm:linClrLst meth="repeat">
-      <a:schemeClr val="lt1"/>
-    </dgm:linClrLst>
-    <dgm:effectClrLst/>
-    <dgm:txLinClrLst/>
-    <dgm:txFillClrLst/>
-    <dgm:txEffectClrLst/>
-  </dgm:styleLbl>
-  <dgm:styleLbl name="fgImgPlace1">
-    <dgm:fillClrLst>
-      <a:schemeClr val="accent1">
-        <a:tint val="50000"/>
-        <a:alpha val="90000"/>
-      </a:schemeClr>
-      <a:schemeClr val="accent1">
-        <a:tint val="20000"/>
-        <a:alpha val="50000"/>
-      </a:schemeClr>
-    </dgm:fillClrLst>
-    <dgm:linClrLst meth="repeat">
-      <a:schemeClr val="lt1"/>
-    </dgm:linClrLst>
-    <dgm:effectClrLst/>
-    <dgm:txLinClrLst/>
-    <dgm:txFillClrLst meth="repeat">
-      <a:schemeClr val="lt1"/>
-    </dgm:txFillClrLst>
-    <dgm:txEffectClrLst/>
-  </dgm:styleLbl>
-  <dgm:styleLbl name="alignImgPlace1">
-    <dgm:fillClrLst>
-      <a:schemeClr val="accent1">
-        <a:tint val="50000"/>
-      </a:schemeClr>
-      <a:schemeClr val="accent1">
-        <a:tint val="20000"/>
-      </a:schemeClr>
-    </dgm:fillClrLst>
-    <dgm:linClrLst meth="repeat">
-      <a:schemeClr val="lt1"/>
-    </dgm:linClrLst>
-    <dgm:effectClrLst/>
-    <dgm:txLinClrLst/>
-    <dgm:txFillClrLst meth="repeat">
-      <a:schemeClr val="lt1"/>
-    </dgm:txFillClrLst>
-    <dgm:txEffectClrLst/>
-  </dgm:styleLbl>
-  <dgm:styleLbl name="bgImgPlace1">
-    <dgm:fillClrLst>
-      <a:schemeClr val="accent1">
-        <a:tint val="50000"/>
-      </a:schemeClr>
-      <a:schemeClr val="accent1">
-        <a:tint val="20000"/>
-      </a:schemeClr>
-    </dgm:fillClrLst>
-    <dgm:linClrLst meth="repeat">
-      <a:schemeClr val="lt1"/>
-    </dgm:linClrLst>
-    <dgm:effectClrLst/>
-    <dgm:txLinClrLst/>
-    <dgm:txFillClrLst meth="repeat">
-      <a:schemeClr val="lt1"/>
-    </dgm:txFillClrLst>
-    <dgm:txEffectClrLst/>
-  </dgm:styleLbl>
-  <dgm:styleLbl name="sibTrans2D1">
-    <dgm:fillClrLst>
-      <a:schemeClr val="accent1">
-        <a:shade val="90000"/>
-      </a:schemeClr>
-      <a:schemeClr val="accent1">
-        <a:tint val="50000"/>
-      </a:schemeClr>
-    </dgm:fillClrLst>
-    <dgm:linClrLst>
-      <a:schemeClr val="accent1">
-        <a:shade val="90000"/>
-      </a:schemeClr>
-      <a:schemeClr val="accent1">
-        <a:tint val="50000"/>
-      </a:schemeClr>
-    </dgm:linClrLst>
-    <dgm:effectClrLst/>
-    <dgm:txLinClrLst/>
-    <dgm:txFillClrLst/>
-    <dgm:txEffectClrLst/>
-  </dgm:styleLbl>
-  <dgm:styleLbl name="fgSibTrans2D1">
-    <dgm:fillClrLst>
-      <a:schemeClr val="accent1">
-        <a:shade val="90000"/>
-      </a:schemeClr>
-      <a:schemeClr val="accent1">
-        <a:tint val="50000"/>
-      </a:schemeClr>
-    </dgm:fillClrLst>
-    <dgm:linClrLst>
-      <a:schemeClr val="accent1">
-        <a:shade val="90000"/>
-      </a:schemeClr>
-      <a:schemeClr val="accent1">
-        <a:tint val="50000"/>
-      </a:schemeClr>
-    </dgm:linClrLst>
-    <dgm:effectClrLst/>
-    <dgm:txLinClrLst/>
-    <dgm:txFillClrLst/>
-    <dgm:txEffectClrLst/>
-  </dgm:styleLbl>
-  <dgm:styleLbl name="bgSibTrans2D1">
-    <dgm:fillClrLst>
-      <a:schemeClr val="accent1">
-        <a:shade val="90000"/>
-      </a:schemeClr>
-      <a:schemeClr val="accent1">
-        <a:tint val="50000"/>
-      </a:schemeClr>
-    </dgm:fillClrLst>
-    <dgm:linClrLst>
-      <a:schemeClr val="accent1">
-        <a:shade val="90000"/>
-      </a:schemeClr>
-      <a:schemeClr val="accent1">
-        <a:tint val="50000"/>
-      </a:schemeClr>
-    </dgm:linClrLst>
-    <dgm:effectClrLst/>
-    <dgm:txLinClrLst/>
-    <dgm:txFillClrLst/>
-    <dgm:txEffectClrLst/>
-  </dgm:styleLbl>
-  <dgm:styleLbl name="sibTrans1D1">
-    <dgm:fillClrLst>
-      <a:schemeClr val="accent1">
-        <a:shade val="90000"/>
-      </a:schemeClr>
-      <a:schemeClr val="accent1">
-        <a:tint val="50000"/>
-      </a:schemeClr>
-    </dgm:fillClrLst>
-    <dgm:linClrLst>
-      <a:schemeClr val="accent1">
-        <a:shade val="90000"/>
-      </a:schemeClr>
-      <a:schemeClr val="accent1">
-        <a:tint val="50000"/>
-      </a:schemeClr>
-    </dgm:linClrLst>
-    <dgm:effectClrLst/>
-    <dgm:txLinClrLst/>
-    <dgm:txFillClrLst meth="repeat">
-      <a:schemeClr val="tx1"/>
-    </dgm:txFillClrLst>
-    <dgm:txEffectClrLst/>
-  </dgm:styleLbl>
-  <dgm:styleLbl name="callout">
-    <dgm:fillClrLst meth="repeat">
-      <a:schemeClr val="accent1"/>
-    </dgm:fillClrLst>
-    <dgm:linClrLst meth="repeat">
-      <a:schemeClr val="accent1"/>
-    </dgm:linClrLst>
-    <dgm:effectClrLst/>
-    <dgm:txLinClrLst/>
-    <dgm:txFillClrLst meth="repeat">
-      <a:schemeClr val="tx1"/>
-    </dgm:txFillClrLst>
-    <dgm:txEffectClrLst/>
-  </dgm:styleLbl>
-  <dgm:styleLbl name="asst0">
-    <dgm:fillClrLst meth="repeat">
-      <a:schemeClr val="accent1">
-        <a:alpha val="90000"/>
-      </a:schemeClr>
-    </dgm:fillClrLst>
-    <dgm:linClrLst meth="repeat">
-      <a:schemeClr val="lt1"/>
-    </dgm:linClrLst>
-    <dgm:effectClrLst/>
-    <dgm:txLinClrLst/>
-    <dgm:txFillClrLst/>
-    <dgm:txEffectClrLst/>
-  </dgm:styleLbl>
-  <dgm:styleLbl name="asst1">
-    <dgm:fillClrLst meth="repeat">
-      <a:schemeClr val="accent1">
-        <a:alpha val="90000"/>
-      </a:schemeClr>
-    </dgm:fillClrLst>
-    <dgm:linClrLst meth="repeat">
-      <a:schemeClr val="lt1"/>
-    </dgm:linClrLst>
-    <dgm:effectClrLst/>
-    <dgm:txLinClrLst/>
-    <dgm:txFillClrLst/>
-    <dgm:txEffectClrLst/>
-  </dgm:styleLbl>
-  <dgm:styleLbl name="asst2">
-    <dgm:fillClrLst>
-      <a:schemeClr val="accent1">
-        <a:alpha val="90000"/>
-      </a:schemeClr>
-    </dgm:fillClrLst>
-    <dgm:linClrLst meth="repeat">
-      <a:schemeClr val="lt1"/>
-    </dgm:linClrLst>
-    <dgm:effectClrLst/>
-    <dgm:txLinClrLst/>
-    <dgm:txFillClrLst/>
-    <dgm:txEffectClrLst/>
-  </dgm:styleLbl>
-  <dgm:styleLbl name="asst3">
-    <dgm:fillClrLst>
-      <a:schemeClr val="accent1">
-        <a:alpha val="70000"/>
-      </a:schemeClr>
-    </dgm:fillClrLst>
-    <dgm:linClrLst meth="repeat">
-      <a:schemeClr val="lt1"/>
-    </dgm:linClrLst>
-    <dgm:effectClrLst/>
-    <dgm:txLinClrLst/>
-    <dgm:txFillClrLst/>
-    <dgm:txEffectClrLst/>
-  </dgm:styleLbl>
-  <dgm:styleLbl name="asst4">
-    <dgm:fillClrLst>
-      <a:schemeClr val="accent1">
-        <a:alpha val="50000"/>
-      </a:schemeClr>
-    </dgm:fillClrLst>
-    <dgm:linClrLst meth="repeat">
-      <a:schemeClr val="lt1"/>
-    </dgm:linClrLst>
-    <dgm:effectClrLst/>
-    <dgm:txLinClrLst/>
-    <dgm:txFillClrLst/>
-    <dgm:txEffectClrLst/>
-  </dgm:styleLbl>
-  <dgm:styleLbl name="parChTrans2D1">
-    <dgm:fillClrLst meth="repeat">
-      <a:schemeClr val="accent1">
-        <a:shade val="80000"/>
-      </a:schemeClr>
-    </dgm:fillClrLst>
-    <dgm:linClrLst meth="repeat">
-      <a:schemeClr val="accent1">
-        <a:shade val="80000"/>
-      </a:schemeClr>
-    </dgm:linClrLst>
-    <dgm:effectClrLst/>
-    <dgm:txLinClrLst/>
-    <dgm:txFillClrLst/>
-    <dgm:txEffectClrLst/>
-  </dgm:styleLbl>
-  <dgm:styleLbl name="parChTrans2D2">
-    <dgm:fillClrLst meth="repeat">
-      <a:schemeClr val="accent1">
-        <a:tint val="90000"/>
-      </a:schemeClr>
-    </dgm:fillClrLst>
-    <dgm:linClrLst meth="repeat">
-      <a:schemeClr val="accent1">
-        <a:tint val="90000"/>
-      </a:schemeClr>
-    </dgm:linClrLst>
-    <dgm:effectClrLst/>
-    <dgm:txLinClrLst/>
-    <dgm:txFillClrLst/>
-    <dgm:txEffectClrLst/>
-  </dgm:styleLbl>
-  <dgm:styleLbl name="parChTrans2D3">
-    <dgm:fillClrLst meth="repeat">
-      <a:schemeClr val="accent1">
-        <a:tint val="70000"/>
-      </a:schemeClr>
-    </dgm:fillClrLst>
-    <dgm:linClrLst meth="repeat">
-      <a:schemeClr val="accent1">
-        <a:tint val="70000"/>
-      </a:schemeClr>
-    </dgm:linClrLst>
-    <dgm:effectClrLst/>
-    <dgm:txLinClrLst/>
-    <dgm:txFillClrLst/>
-    <dgm:txEffectClrLst/>
-  </dgm:styleLbl>
-  <dgm:styleLbl name="parChTrans2D4">
-    <dgm:fillClrLst meth="repeat">
-      <a:schemeClr val="accent1">
-        <a:tint val="50000"/>
-      </a:schemeClr>
-    </dgm:fillClrLst>
-    <dgm:linClrLst meth="repeat">
-      <a:schemeClr val="accent1">
-        <a:tint val="50000"/>
-      </a:schemeClr>
-    </dgm:linClrLst>
-    <dgm:effectClrLst/>
-    <dgm:txLinClrLst/>
-    <dgm:txFillClrLst meth="repeat">
-      <a:schemeClr val="dk1"/>
-    </dgm:txFillClrLst>
-    <dgm:txEffectClrLst/>
-  </dgm:styleLbl>
-  <dgm:styleLbl name="parChTrans1D1">
-    <dgm:fillClrLst meth="repeat">
-      <a:schemeClr val="accent1">
-        <a:shade val="80000"/>
-      </a:schemeClr>
-    </dgm:fillClrLst>
-    <dgm:linClrLst meth="repeat">
-      <a:schemeClr val="accent1">
-        <a:shade val="80000"/>
-      </a:schemeClr>
-    </dgm:linClrLst>
-    <dgm:effectClrLst/>
-    <dgm:txLinClrLst/>
-    <dgm:txFillClrLst meth="repeat">
-      <a:schemeClr val="tx1"/>
-    </dgm:txFillClrLst>
-    <dgm:txEffectClrLst/>
-  </dgm:styleLbl>
-  <dgm:styleLbl name="parChTrans1D2">
-    <dgm:fillClrLst meth="repeat">
-      <a:schemeClr val="accent1">
-        <a:tint val="90000"/>
-      </a:schemeClr>
-    </dgm:fillClrLst>
-    <dgm:linClrLst meth="repeat">
-      <a:schemeClr val="accent1">
-        <a:tint val="90000"/>
-      </a:schemeClr>
-    </dgm:linClrLst>
-    <dgm:effectClrLst/>
-    <dgm:txLinClrLst/>
-    <dgm:txFillClrLst meth="repeat">
-      <a:schemeClr val="tx1"/>
-    </dgm:txFillClrLst>
-    <dgm:txEffectClrLst/>
-  </dgm:styleLbl>
-  <dgm:styleLbl name="parChTrans1D3">
-    <dgm:fillClrLst meth="repeat">
-      <a:schemeClr val="accent1">
-        <a:tint val="70000"/>
-      </a:schemeClr>
-    </dgm:fillClrLst>
-    <dgm:linClrLst meth="repeat">
-      <a:schemeClr val="accent1">
-        <a:tint val="70000"/>
-      </a:schemeClr>
-    </dgm:linClrLst>
-    <dgm:effectClrLst/>
-    <dgm:txLinClrLst/>
-    <dgm:txFillClrLst meth="repeat">
-      <a:schemeClr val="tx1"/>
-    </dgm:txFillClrLst>
-    <dgm:txEffectClrLst/>
-  </dgm:styleLbl>
-  <dgm:styleLbl name="parChTrans1D4">
-    <dgm:fillClrLst meth="repeat">
-      <a:schemeClr val="accent1">
-        <a:tint val="50000"/>
-      </a:schemeClr>
-    </dgm:fillClrLst>
-    <dgm:linClrLst meth="repeat">
-      <a:schemeClr val="accent1">
-        <a:tint val="50000"/>
-      </a:schemeClr>
-    </dgm:linClrLst>
-    <dgm:effectClrLst/>
-    <dgm:txLinClrLst/>
-    <dgm:txFillClrLst meth="repeat">
-      <a:schemeClr val="tx1"/>
-    </dgm:txFillClrLst>
-    <dgm:txEffectClrLst/>
-  </dgm:styleLbl>
-  <dgm:styleLbl name="fgAcc1">
-    <dgm:fillClrLst meth="repeat">
-      <a:schemeClr val="lt1">
-        <a:alpha val="90000"/>
-      </a:schemeClr>
-    </dgm:fillClrLst>
-    <dgm:linClrLst>
-      <a:schemeClr val="accent1">
-        <a:alpha val="90000"/>
-      </a:schemeClr>
-      <a:schemeClr val="accent1">
-        <a:alpha val="50000"/>
-      </a:schemeClr>
-    </dgm:linClrLst>
-    <dgm:effectClrLst/>
-    <dgm:txLinClrLst/>
-    <dgm:txFillClrLst meth="repeat">
-      <a:schemeClr val="dk1"/>
-    </dgm:txFillClrLst>
-    <dgm:txEffectClrLst/>
-  </dgm:styleLbl>
-  <dgm:styleLbl name="conFgAcc1">
-    <dgm:fillClrLst meth="repeat">
-      <a:schemeClr val="lt1">
-        <a:alpha val="90000"/>
-      </a:schemeClr>
-    </dgm:fillClrLst>
-    <dgm:linClrLst>
-      <a:schemeClr val="accent1">
-        <a:alpha val="90000"/>
-      </a:schemeClr>
-      <a:schemeClr val="accent1">
-        <a:alpha val="50000"/>
-      </a:schemeClr>
-    </dgm:linClrLst>
-    <dgm:effectClrLst/>
-    <dgm:txLinClrLst/>
-    <dgm:txFillClrLst meth="repeat">
-      <a:schemeClr val="dk1"/>
-    </dgm:txFillClrLst>
-    <dgm:txEffectClrLst/>
-  </dgm:styleLbl>
-  <dgm:styleLbl name="alignAcc1">
-    <dgm:fillClrLst meth="repeat">
-      <a:schemeClr val="lt1">
-        <a:alpha val="90000"/>
-      </a:schemeClr>
-    </dgm:fillClrLst>
-    <dgm:linClrLst>
-      <a:schemeClr val="accent1">
-        <a:alpha val="90000"/>
-      </a:schemeClr>
-      <a:schemeClr val="accent1">
-        <a:alpha val="50000"/>
-      </a:schemeClr>
-    </dgm:linClrLst>
-    <dgm:effectClrLst/>
-    <dgm:txLinClrLst/>
-    <dgm:txFillClrLst meth="repeat">
-      <a:schemeClr val="dk1"/>
-    </dgm:txFillClrLst>
-    <dgm:txEffectClrLst/>
-  </dgm:styleLbl>
-  <dgm:styleLbl name="trAlignAcc1">
-    <dgm:fillClrLst meth="repeat">
-      <a:schemeClr val="lt1">
-        <a:alpha val="40000"/>
-      </a:schemeClr>
-    </dgm:fillClrLst>
-    <dgm:linClrLst>
-      <a:schemeClr val="accent1">
-        <a:alpha val="90000"/>
-      </a:schemeClr>
-      <a:schemeClr val="accent1">
-        <a:alpha val="50000"/>
-      </a:schemeClr>
-    </dgm:linClrLst>
-    <dgm:effectClrLst/>
-    <dgm:txLinClrLst/>
-    <dgm:txFillClrLst meth="repeat">
-      <a:schemeClr val="dk1"/>
-    </dgm:txFillClrLst>
-    <dgm:txEffectClrLst/>
-  </dgm:styleLbl>
-  <dgm:styleLbl name="bgAcc1">
-    <dgm:fillClrLst meth="repeat">
-      <a:schemeClr val="lt1">
-        <a:alpha val="90000"/>
-      </a:schemeClr>
-    </dgm:fillClrLst>
-    <dgm:linClrLst>
-      <a:schemeClr val="accent1">
-        <a:alpha val="90000"/>
-      </a:schemeClr>
-      <a:schemeClr val="accent1">
-        <a:alpha val="50000"/>
-      </a:schemeClr>
-    </dgm:linClrLst>
-    <dgm:effectClrLst/>
-    <dgm:txLinClrLst/>
-    <dgm:txFillClrLst meth="repeat">
-      <a:schemeClr val="dk1"/>
-    </dgm:txFillClrLst>
-    <dgm:txEffectClrLst/>
-  </dgm:styleLbl>
-  <dgm:styleLbl name="solidFgAcc1">
-    <dgm:fillClrLst meth="repeat">
-      <a:schemeClr val="lt1"/>
-    </dgm:fillClrLst>
-    <dgm:linClrLst>
-      <a:schemeClr val="accent1">
-        <a:alpha val="90000"/>
-      </a:schemeClr>
-      <a:schemeClr val="accent1">
-        <a:alpha val="50000"/>
-      </a:schemeClr>
-    </dgm:linClrLst>
-    <dgm:effectClrLst/>
-    <dgm:txLinClrLst/>
-    <dgm:txFillClrLst meth="repeat">
-      <a:schemeClr val="dk1"/>
-    </dgm:txFillClrLst>
-    <dgm:txEffectClrLst/>
-  </dgm:styleLbl>
-  <dgm:styleLbl name="solidAlignAcc1">
-    <dgm:fillClrLst meth="repeat">
-      <a:schemeClr val="lt1"/>
-    </dgm:fillClrLst>
-    <dgm:linClrLst meth="repeat">
-      <a:schemeClr val="accent1"/>
-    </dgm:linClrLst>
-    <dgm:effectClrLst/>
-    <dgm:txLinClrLst/>
-    <dgm:txFillClrLst meth="repeat">
-      <a:schemeClr val="dk1"/>
-    </dgm:txFillClrLst>
-    <dgm:txEffectClrLst/>
-  </dgm:styleLbl>
-  <dgm:styleLbl name="solidBgAcc1">
-    <dgm:fillClrLst meth="repeat">
-      <a:schemeClr val="lt1"/>
-    </dgm:fillClrLst>
-    <dgm:linClrLst meth="repeat">
-      <a:schemeClr val="accent1"/>
-    </dgm:linClrLst>
-    <dgm:effectClrLst/>
-    <dgm:txLinClrLst/>
-    <dgm:txFillClrLst meth="repeat">
-      <a:schemeClr val="dk1"/>
-    </dgm:txFillClrLst>
-    <dgm:txEffectClrLst/>
-  </dgm:styleLbl>
-  <dgm:styleLbl name="fgAccFollowNode1">
-    <dgm:fillClrLst>
-      <a:schemeClr val="accent1">
-        <a:alpha val="90000"/>
-        <a:tint val="40000"/>
-      </a:schemeClr>
-      <a:schemeClr val="accent1">
-        <a:alpha val="50000"/>
-        <a:tint val="40000"/>
-      </a:schemeClr>
-    </dgm:fillClrLst>
-    <dgm:linClrLst meth="repeat">
-      <a:schemeClr val="accent1">
-        <a:alpha val="90000"/>
-        <a:tint val="40000"/>
-      </a:schemeClr>
-    </dgm:linClrLst>
-    <dgm:effectClrLst/>
-    <dgm:txLinClrLst/>
-    <dgm:txFillClrLst meth="repeat">
-      <a:schemeClr val="dk1"/>
-    </dgm:txFillClrLst>
-    <dgm:txEffectClrLst/>
-  </dgm:styleLbl>
-  <dgm:styleLbl name="alignAccFollowNode1">
-    <dgm:fillClrLst meth="repeat">
-      <a:schemeClr val="accent1">
-        <a:alpha val="90000"/>
-        <a:tint val="40000"/>
-      </a:schemeClr>
-    </dgm:fillClrLst>
-    <dgm:linClrLst meth="repeat">
-      <a:schemeClr val="accent1">
-        <a:alpha val="90000"/>
-        <a:tint val="40000"/>
-      </a:schemeClr>
-    </dgm:linClrLst>
-    <dgm:effectClrLst/>
-    <dgm:txLinClrLst/>
-    <dgm:txFillClrLst meth="repeat">
-      <a:schemeClr val="dk1"/>
-    </dgm:txFillClrLst>
-    <dgm:txEffectClrLst/>
-  </dgm:styleLbl>
-  <dgm:styleLbl name="bgAccFollowNode1">
-    <dgm:fillClrLst meth="repeat">
-      <a:schemeClr val="accent1">
-        <a:alpha val="90000"/>
-        <a:tint val="40000"/>
-      </a:schemeClr>
-    </dgm:fillClrLst>
-    <dgm:linClrLst meth="repeat">
-      <a:schemeClr val="lt1"/>
-    </dgm:linClrLst>
-    <dgm:effectClrLst/>
-    <dgm:txLinClrLst/>
-    <dgm:txFillClrLst meth="repeat">
-      <a:schemeClr val="dk1"/>
-    </dgm:txFillClrLst>
-    <dgm:txEffectClrLst/>
-  </dgm:styleLbl>
-  <dgm:styleLbl name="fgAcc0">
-    <dgm:fillClrLst meth="repeat">
-      <a:schemeClr val="lt1">
-        <a:alpha val="90000"/>
-      </a:schemeClr>
-    </dgm:fillClrLst>
-    <dgm:linClrLst meth="repeat">
-      <a:schemeClr val="accent1">
-        <a:shade val="80000"/>
-      </a:schemeClr>
-    </dgm:linClrLst>
-    <dgm:effectClrLst/>
-    <dgm:txLinClrLst/>
-    <dgm:txFillClrLst meth="repeat">
-      <a:schemeClr val="dk1"/>
-    </dgm:txFillClrLst>
-    <dgm:txEffectClrLst/>
-  </dgm:styleLbl>
-  <dgm:styleLbl name="fgAcc2">
-    <dgm:fillClrLst meth="repeat">
-      <a:schemeClr val="lt1">
-        <a:alpha val="90000"/>
-      </a:schemeClr>
-    </dgm:fillClrLst>
-    <dgm:linClrLst meth="repeat">
-      <a:schemeClr val="accent1">
-        <a:tint val="90000"/>
-      </a:schemeClr>
-    </dgm:linClrLst>
-    <dgm:effectClrLst/>
-    <dgm:txLinClrLst/>
-    <dgm:txFillClrLst meth="repeat">
-      <a:schemeClr val="dk1"/>
-    </dgm:txFillClrLst>
-    <dgm:txEffectClrLst/>
-  </dgm:styleLbl>
-  <dgm:styleLbl name="fgAcc3">
-    <dgm:fillClrLst meth="repeat">
-      <a:schemeClr val="lt1">
-        <a:alpha val="90000"/>
-      </a:schemeClr>
-    </dgm:fillClrLst>
-    <dgm:linClrLst meth="repeat">
-      <a:schemeClr val="accent1">
-        <a:tint val="70000"/>
-      </a:schemeClr>
-    </dgm:linClrLst>
-    <dgm:effectClrLst/>
-    <dgm:txLinClrLst/>
-    <dgm:txFillClrLst meth="repeat">
-      <a:schemeClr val="dk1"/>
-    </dgm:txFillClrLst>
-    <dgm:txEffectClrLst/>
-  </dgm:styleLbl>
-  <dgm:styleLbl name="fgAcc4">
-    <dgm:fillClrLst meth="repeat">
-      <a:schemeClr val="lt1">
-        <a:alpha val="90000"/>
-      </a:schemeClr>
-    </dgm:fillClrLst>
-    <dgm:linClrLst meth="repeat">
-      <a:schemeClr val="accent1">
-        <a:tint val="50000"/>
-      </a:schemeClr>
-    </dgm:linClrLst>
-    <dgm:effectClrLst/>
-    <dgm:txLinClrLst/>
-    <dgm:txFillClrLst meth="repeat">
-      <a:schemeClr val="dk1"/>
-    </dgm:txFillClrLst>
-    <dgm:txEffectClrLst/>
-  </dgm:styleLbl>
-  <dgm:styleLbl name="bgShp">
-    <dgm:fillClrLst meth="repeat">
-      <a:schemeClr val="accent1">
-        <a:tint val="40000"/>
-      </a:schemeClr>
-    </dgm:fillClrLst>
-    <dgm:linClrLst meth="repeat">
-      <a:schemeClr val="dk1"/>
-    </dgm:linClrLst>
-    <dgm:effectClrLst/>
-    <dgm:txLinClrLst/>
-    <dgm:txFillClrLst meth="repeat">
-      <a:schemeClr val="dk1"/>
-    </dgm:txFillClrLst>
-    <dgm:txEffectClrLst/>
-  </dgm:styleLbl>
-  <dgm:styleLbl name="dkBgShp">
-    <dgm:fillClrLst meth="repeat">
-      <a:schemeClr val="accent1">
-        <a:shade val="90000"/>
-      </a:schemeClr>
-    </dgm:fillClrLst>
-    <dgm:linClrLst meth="repeat">
-      <a:schemeClr val="dk1"/>
-    </dgm:linClrLst>
-    <dgm:effectClrLst/>
-    <dgm:txLinClrLst/>
-    <dgm:txFillClrLst meth="repeat">
-      <a:schemeClr val="lt1"/>
-    </dgm:txFillClrLst>
-    <dgm:txEffectClrLst/>
-  </dgm:styleLbl>
-  <dgm:styleLbl name="trBgShp">
-    <dgm:fillClrLst meth="repeat">
-      <a:schemeClr val="accent1">
-        <a:tint val="50000"/>
-        <a:alpha val="40000"/>
-      </a:schemeClr>
-    </dgm:fillClrLst>
-    <dgm:linClrLst meth="repeat">
-      <a:schemeClr val="accent1"/>
-    </dgm:linClrLst>
-    <dgm:effectClrLst/>
-    <dgm:txLinClrLst/>
-    <dgm:txFillClrLst meth="repeat">
-      <a:schemeClr val="lt1"/>
-    </dgm:txFillClrLst>
-    <dgm:txEffectClrLst/>
-  </dgm:styleLbl>
-  <dgm:styleLbl name="fgShp">
-    <dgm:fillClrLst meth="repeat">
-      <a:schemeClr val="accent1">
-        <a:tint val="40000"/>
-      </a:schemeClr>
-    </dgm:fillClrLst>
-    <dgm:linClrLst meth="repeat">
-      <a:schemeClr val="lt1"/>
-    </dgm:linClrLst>
-    <dgm:effectClrLst/>
-    <dgm:txLinClrLst/>
-    <dgm:txFillClrLst meth="repeat">
-      <a:schemeClr val="dk1"/>
-    </dgm:txFillClrLst>
-    <dgm:txEffectClrLst/>
-  </dgm:styleLbl>
-  <dgm:styleLbl name="revTx">
-    <dgm:fillClrLst meth="repeat">
-      <a:schemeClr val="lt1">
-        <a:alpha val="0"/>
-      </a:schemeClr>
-    </dgm:fillClrLst>
-    <dgm:linClrLst meth="repeat">
-      <a:schemeClr val="dk1">
-        <a:alpha val="0"/>
-      </a:schemeClr>
-    </dgm:linClrLst>
-    <dgm:effectClrLst/>
-    <dgm:txLinClrLst/>
-    <dgm:txFillClrLst meth="repeat">
-      <a:schemeClr val="tx1"/>
-    </dgm:txFillClrLst>
-    <dgm:txEffectClrLst/>
-  </dgm:styleLbl>
-</dgm:colorsDef>
-</file>
-
-<file path=ppt/diagrams/data1.xml><?xml version="1.0" encoding="utf-8"?>
-<dgm:dataModel xmlns:dgm="http://schemas.openxmlformats.org/drawingml/2006/diagram" xmlns:a="http://schemas.openxmlformats.org/drawingml/2006/main">
-  <dgm:ptLst>
-    <dgm:pt modelId="{3B5884D6-3BB1-4C7A-9958-3549A252B586}" type="doc">
-      <dgm:prSet loTypeId="urn:microsoft.com/office/officeart/2005/8/layout/hProcess7" loCatId="process" qsTypeId="urn:microsoft.com/office/officeart/2005/8/quickstyle/simple5" qsCatId="simple" csTypeId="urn:microsoft.com/office/officeart/2005/8/colors/accent1_5" csCatId="accent1" phldr="1"/>
-      <dgm:spPr/>
-      <dgm:t>
-        <a:bodyPr/>
-        <a:lstStyle/>
-        <a:p>
-          <a:endParaRPr lang="en-US"/>
-        </a:p>
-      </dgm:t>
-    </dgm:pt>
-    <dgm:pt modelId="{CBB4726E-AC91-486A-9831-3C73E5C3A40D}">
-      <dgm:prSet phldrT="[Text]"/>
-      <dgm:spPr/>
-      <dgm:t>
-        <a:bodyPr/>
-        <a:lstStyle/>
-        <a:p>
-          <a:r>
-            <a:rPr lang="en-US"/>
-            <a:t>Item</a:t>
-          </a:r>
-        </a:p>
-      </dgm:t>
-    </dgm:pt>
-    <dgm:pt modelId="{4D6F7DE9-F890-465D-896D-EB7F06F3FCA4}" type="parTrans" cxnId="{170C6B92-7B7F-4B14-9CA2-362E963776FB}">
-      <dgm:prSet/>
-      <dgm:spPr/>
-      <dgm:t>
-        <a:bodyPr/>
-        <a:lstStyle/>
-        <a:p>
-          <a:endParaRPr lang="en-US"/>
-        </a:p>
-      </dgm:t>
-    </dgm:pt>
-    <dgm:pt modelId="{FD6A68BD-479F-4AF1-B090-C85511CDCD40}" type="sibTrans" cxnId="{170C6B92-7B7F-4B14-9CA2-362E963776FB}">
-      <dgm:prSet/>
-      <dgm:spPr/>
-      <dgm:t>
-        <a:bodyPr/>
-        <a:lstStyle/>
-        <a:p>
-          <a:endParaRPr lang="en-US"/>
-        </a:p>
-      </dgm:t>
-    </dgm:pt>
-    <dgm:pt modelId="{97BF57BE-D03A-4AD9-86DC-75B69C13E876}">
-      <dgm:prSet phldrT="[Text]"/>
-      <dgm:spPr/>
-      <dgm:t>
-        <a:bodyPr/>
-        <a:lstStyle/>
-        <a:p>
-          <a:r>
-            <a:rPr lang="en-US"/>
-            <a:t>Text</a:t>
-          </a:r>
-        </a:p>
-      </dgm:t>
-    </dgm:pt>
-    <dgm:pt modelId="{F42D08D6-D259-4940-8C5B-344DC55D290F}" type="parTrans" cxnId="{01FA4A28-9B9F-46B8-AF19-E6EBBA82716B}">
-      <dgm:prSet/>
-      <dgm:spPr/>
-      <dgm:t>
-        <a:bodyPr/>
-        <a:lstStyle/>
-        <a:p>
-          <a:endParaRPr lang="en-US"/>
-        </a:p>
-      </dgm:t>
-    </dgm:pt>
-    <dgm:pt modelId="{0BB7D230-6C36-4DE0-AA50-71E0A02BE01B}" type="sibTrans" cxnId="{01FA4A28-9B9F-46B8-AF19-E6EBBA82716B}">
-      <dgm:prSet/>
-      <dgm:spPr/>
-      <dgm:t>
-        <a:bodyPr/>
-        <a:lstStyle/>
-        <a:p>
-          <a:endParaRPr lang="en-US"/>
-        </a:p>
-      </dgm:t>
-    </dgm:pt>
-    <dgm:pt modelId="{79FA98B1-E03E-48AA-BF19-2A636D041FCD}">
-      <dgm:prSet phldrT="[Text]"/>
-      <dgm:spPr/>
-      <dgm:t>
-        <a:bodyPr/>
-        <a:lstStyle/>
-        <a:p>
-          <a:r>
-            <a:rPr lang="en-US"/>
-            <a:t>Item</a:t>
-          </a:r>
-        </a:p>
-      </dgm:t>
-    </dgm:pt>
-    <dgm:pt modelId="{1384A03D-C4EF-41E0-96F4-155E3FFE8E39}" type="parTrans" cxnId="{8FB9F488-F6CA-4431-A695-02C7C260DF03}">
-      <dgm:prSet/>
-      <dgm:spPr/>
-      <dgm:t>
-        <a:bodyPr/>
-        <a:lstStyle/>
-        <a:p>
-          <a:endParaRPr lang="en-US"/>
-        </a:p>
-      </dgm:t>
-    </dgm:pt>
-    <dgm:pt modelId="{CF728D67-BDA2-40A0-A9E3-999DBAFB51FC}" type="sibTrans" cxnId="{8FB9F488-F6CA-4431-A695-02C7C260DF03}">
-      <dgm:prSet/>
-      <dgm:spPr/>
-      <dgm:t>
-        <a:bodyPr/>
-        <a:lstStyle/>
-        <a:p>
-          <a:endParaRPr lang="en-US"/>
-        </a:p>
-      </dgm:t>
-    </dgm:pt>
-    <dgm:pt modelId="{483E9BB6-2098-4EA1-BE95-6D2C33525E9A}">
-      <dgm:prSet phldrT="[Text]"/>
-      <dgm:spPr/>
-      <dgm:t>
-        <a:bodyPr/>
-        <a:lstStyle/>
-        <a:p>
-          <a:r>
-            <a:rPr lang="en-US"/>
-            <a:t>Text</a:t>
-          </a:r>
-        </a:p>
-      </dgm:t>
-    </dgm:pt>
-    <dgm:pt modelId="{F48A9973-28C0-4A35-8C70-77B8077F41EA}" type="parTrans" cxnId="{021A4501-2B02-4B30-9097-0ECE013D372E}">
-      <dgm:prSet/>
-      <dgm:spPr/>
-      <dgm:t>
-        <a:bodyPr/>
-        <a:lstStyle/>
-        <a:p>
-          <a:endParaRPr lang="en-US"/>
-        </a:p>
-      </dgm:t>
-    </dgm:pt>
-    <dgm:pt modelId="{442E10EF-3A01-4108-80E7-42DCB5F914EE}" type="sibTrans" cxnId="{021A4501-2B02-4B30-9097-0ECE013D372E}">
-      <dgm:prSet/>
-      <dgm:spPr/>
-      <dgm:t>
-        <a:bodyPr/>
-        <a:lstStyle/>
-        <a:p>
-          <a:endParaRPr lang="en-US"/>
-        </a:p>
-      </dgm:t>
-    </dgm:pt>
-    <dgm:pt modelId="{7C96374A-BB1C-498B-A862-B1C8CE248781}">
-      <dgm:prSet phldrT="[Text]"/>
-      <dgm:spPr/>
-      <dgm:t>
-        <a:bodyPr/>
-        <a:lstStyle/>
-        <a:p>
-          <a:r>
-            <a:rPr lang="en-US"/>
-            <a:t>Item</a:t>
-          </a:r>
-        </a:p>
-      </dgm:t>
-    </dgm:pt>
-    <dgm:pt modelId="{04456B23-BD8D-4AFC-A79C-8B8E89F24B5C}" type="parTrans" cxnId="{F727B982-8474-48EF-B46E-F3A747A0BC5C}">
-      <dgm:prSet/>
-      <dgm:spPr/>
-      <dgm:t>
-        <a:bodyPr/>
-        <a:lstStyle/>
-        <a:p>
-          <a:endParaRPr lang="en-US"/>
-        </a:p>
-      </dgm:t>
-    </dgm:pt>
-    <dgm:pt modelId="{0768D594-6F2A-430C-9F9D-004BD3769FF0}" type="sibTrans" cxnId="{F727B982-8474-48EF-B46E-F3A747A0BC5C}">
-      <dgm:prSet/>
-      <dgm:spPr/>
-      <dgm:t>
-        <a:bodyPr/>
-        <a:lstStyle/>
-        <a:p>
-          <a:endParaRPr lang="en-US"/>
-        </a:p>
-      </dgm:t>
-    </dgm:pt>
-    <dgm:pt modelId="{DF709940-0038-47A4-B2C5-5158E0AB11E3}">
-      <dgm:prSet phldrT="[Text]"/>
-      <dgm:spPr/>
-      <dgm:t>
-        <a:bodyPr/>
-        <a:lstStyle/>
-        <a:p>
-          <a:r>
-            <a:rPr lang="en-US"/>
-            <a:t>Text</a:t>
-          </a:r>
-        </a:p>
-      </dgm:t>
-    </dgm:pt>
-    <dgm:pt modelId="{414F2A37-5820-4CD0-AC35-177E20A7A1CC}" type="parTrans" cxnId="{C914FB38-DF1E-4F4E-826B-5E0AF62502F9}">
-      <dgm:prSet/>
-      <dgm:spPr/>
-      <dgm:t>
-        <a:bodyPr/>
-        <a:lstStyle/>
-        <a:p>
-          <a:endParaRPr lang="en-US"/>
-        </a:p>
-      </dgm:t>
-    </dgm:pt>
-    <dgm:pt modelId="{87297EC5-70A7-45B5-970E-CAE982770F81}" type="sibTrans" cxnId="{C914FB38-DF1E-4F4E-826B-5E0AF62502F9}">
-      <dgm:prSet/>
-      <dgm:spPr/>
-      <dgm:t>
-        <a:bodyPr/>
-        <a:lstStyle/>
-        <a:p>
-          <a:endParaRPr lang="en-US"/>
-        </a:p>
-      </dgm:t>
-    </dgm:pt>
-    <dgm:pt modelId="{242E3341-A476-421B-8FAD-8F480FA2A80E}">
-      <dgm:prSet phldrT="[Text]"/>
-      <dgm:spPr/>
-      <dgm:t>
-        <a:bodyPr/>
-        <a:lstStyle/>
-        <a:p>
-          <a:r>
-            <a:rPr lang="en-US"/>
-            <a:t>Item</a:t>
-          </a:r>
-        </a:p>
-      </dgm:t>
-    </dgm:pt>
-    <dgm:pt modelId="{D9EE479C-65E1-4D7B-83CD-4A907C8A675C}" type="parTrans" cxnId="{D83A8DCF-83A0-45A9-A956-F3C96B54427C}">
-      <dgm:prSet/>
-      <dgm:spPr/>
-      <dgm:t>
-        <a:bodyPr/>
-        <a:lstStyle/>
-        <a:p>
-          <a:endParaRPr lang="en-US"/>
-        </a:p>
-      </dgm:t>
-    </dgm:pt>
-    <dgm:pt modelId="{BAD25D22-F953-4DD8-B268-088B3F9A20C1}" type="sibTrans" cxnId="{D83A8DCF-83A0-45A9-A956-F3C96B54427C}">
-      <dgm:prSet/>
-      <dgm:spPr/>
-      <dgm:t>
-        <a:bodyPr/>
-        <a:lstStyle/>
-        <a:p>
-          <a:endParaRPr lang="en-US"/>
-        </a:p>
-      </dgm:t>
-    </dgm:pt>
-    <dgm:pt modelId="{FC570A8E-CEE4-43E8-84BB-9A7529349B5E}">
-      <dgm:prSet phldrT="[Text]"/>
-      <dgm:spPr/>
-      <dgm:t>
-        <a:bodyPr/>
-        <a:lstStyle/>
-        <a:p>
-          <a:r>
-            <a:rPr lang="en-US"/>
-            <a:t>Text</a:t>
-          </a:r>
-        </a:p>
-      </dgm:t>
-    </dgm:pt>
-    <dgm:pt modelId="{BF865601-7A54-42F5-8595-E528056EC20A}" type="parTrans" cxnId="{6ECCC40D-498C-485F-98EA-C57AB0E69596}">
-      <dgm:prSet/>
-      <dgm:spPr/>
-      <dgm:t>
-        <a:bodyPr/>
-        <a:lstStyle/>
-        <a:p>
-          <a:endParaRPr lang="en-US"/>
-        </a:p>
-      </dgm:t>
-    </dgm:pt>
-    <dgm:pt modelId="{E4A8F694-FE93-4996-A0C3-D671E5ECEEEA}" type="sibTrans" cxnId="{6ECCC40D-498C-485F-98EA-C57AB0E69596}">
-      <dgm:prSet/>
-      <dgm:spPr/>
-      <dgm:t>
-        <a:bodyPr/>
-        <a:lstStyle/>
-        <a:p>
-          <a:endParaRPr lang="en-US"/>
-        </a:p>
-      </dgm:t>
-    </dgm:pt>
-    <dgm:pt modelId="{B617CC86-A9B2-45C7-80F0-437B13FFBD41}">
-      <dgm:prSet phldrT="[Text]"/>
-      <dgm:spPr/>
-      <dgm:t>
-        <a:bodyPr/>
-        <a:lstStyle/>
-        <a:p>
-          <a:r>
-            <a:rPr lang="en-US"/>
-            <a:t>Item</a:t>
-          </a:r>
-        </a:p>
-      </dgm:t>
-    </dgm:pt>
-    <dgm:pt modelId="{D5FDD172-A783-4C84-A056-C1A465C2D30D}" type="parTrans" cxnId="{EE7C2B3C-F6F6-4807-A76F-4134B5D897EC}">
-      <dgm:prSet/>
-      <dgm:spPr/>
-      <dgm:t>
-        <a:bodyPr/>
-        <a:lstStyle/>
-        <a:p>
-          <a:endParaRPr lang="en-US"/>
-        </a:p>
-      </dgm:t>
-    </dgm:pt>
-    <dgm:pt modelId="{F1F0BE42-6FA7-4881-96D2-75FA7C85581E}" type="sibTrans" cxnId="{EE7C2B3C-F6F6-4807-A76F-4134B5D897EC}">
-      <dgm:prSet/>
-      <dgm:spPr/>
-      <dgm:t>
-        <a:bodyPr/>
-        <a:lstStyle/>
-        <a:p>
-          <a:endParaRPr lang="en-US"/>
-        </a:p>
-      </dgm:t>
-    </dgm:pt>
-    <dgm:pt modelId="{C80B5D68-33D0-44B8-A326-6783BCBDE615}">
-      <dgm:prSet phldrT="[Text]"/>
-      <dgm:spPr/>
-      <dgm:t>
-        <a:bodyPr/>
-        <a:lstStyle/>
-        <a:p>
-          <a:r>
-            <a:rPr lang="en-US"/>
-            <a:t>Text</a:t>
-          </a:r>
-        </a:p>
-      </dgm:t>
-    </dgm:pt>
-    <dgm:pt modelId="{83FA8EC8-1258-4DD3-8EB6-8F93B5D0F616}" type="parTrans" cxnId="{A7A9075F-02FA-48C0-BBF8-89ED076634B4}">
-      <dgm:prSet/>
-      <dgm:spPr/>
-      <dgm:t>
-        <a:bodyPr/>
-        <a:lstStyle/>
-        <a:p>
-          <a:endParaRPr lang="en-US"/>
-        </a:p>
-      </dgm:t>
-    </dgm:pt>
-    <dgm:pt modelId="{AB866728-2E92-4FCC-AF08-94F0A386C6ED}" type="sibTrans" cxnId="{A7A9075F-02FA-48C0-BBF8-89ED076634B4}">
-      <dgm:prSet/>
-      <dgm:spPr/>
-      <dgm:t>
-        <a:bodyPr/>
-        <a:lstStyle/>
-        <a:p>
-          <a:endParaRPr lang="en-US"/>
-        </a:p>
-      </dgm:t>
-    </dgm:pt>
-    <dgm:pt modelId="{E36243BA-743F-4042-AD08-F23C42D17CD2}" type="pres">
-      <dgm:prSet presAssocID="{3B5884D6-3BB1-4C7A-9958-3549A252B586}" presName="Name0" presStyleCnt="0">
-        <dgm:presLayoutVars>
-          <dgm:dir/>
-          <dgm:animLvl val="lvl"/>
-          <dgm:resizeHandles val="exact"/>
-        </dgm:presLayoutVars>
-      </dgm:prSet>
-      <dgm:spPr/>
-    </dgm:pt>
-    <dgm:pt modelId="{767AE51B-ECBF-4DDE-B3D5-81BBAEDD071E}" type="pres">
-      <dgm:prSet presAssocID="{CBB4726E-AC91-486A-9831-3C73E5C3A40D}" presName="compositeNode" presStyleCnt="0">
-        <dgm:presLayoutVars>
-          <dgm:bulletEnabled val="1"/>
-        </dgm:presLayoutVars>
-      </dgm:prSet>
-      <dgm:spPr/>
-    </dgm:pt>
-    <dgm:pt modelId="{B6FCD7B7-199F-44A3-B6BF-5E3FACA6C604}" type="pres">
-      <dgm:prSet presAssocID="{CBB4726E-AC91-486A-9831-3C73E5C3A40D}" presName="bgRect" presStyleLbl="node1" presStyleIdx="0" presStyleCnt="5"/>
-      <dgm:spPr/>
-    </dgm:pt>
-    <dgm:pt modelId="{B03DAC02-8446-4C35-BF4A-FCA8CE02D6BA}" type="pres">
-      <dgm:prSet presAssocID="{CBB4726E-AC91-486A-9831-3C73E5C3A40D}" presName="parentNode" presStyleLbl="node1" presStyleIdx="0" presStyleCnt="5">
-        <dgm:presLayoutVars>
-          <dgm:chMax val="0"/>
-          <dgm:bulletEnabled val="1"/>
-        </dgm:presLayoutVars>
-      </dgm:prSet>
-      <dgm:spPr/>
-    </dgm:pt>
-    <dgm:pt modelId="{586ABF2D-8623-413E-8ED0-11EDC83194A9}" type="pres">
-      <dgm:prSet presAssocID="{CBB4726E-AC91-486A-9831-3C73E5C3A40D}" presName="childNode" presStyleLbl="node1" presStyleIdx="0" presStyleCnt="5">
-        <dgm:presLayoutVars>
-          <dgm:bulletEnabled val="1"/>
-        </dgm:presLayoutVars>
-      </dgm:prSet>
-      <dgm:spPr/>
-    </dgm:pt>
-    <dgm:pt modelId="{23BAEE65-D0C8-405C-96A7-A3DF995A65A0}" type="pres">
-      <dgm:prSet presAssocID="{FD6A68BD-479F-4AF1-B090-C85511CDCD40}" presName="hSp" presStyleCnt="0"/>
-      <dgm:spPr/>
-    </dgm:pt>
-    <dgm:pt modelId="{B4BF9838-FEBF-4A3A-8857-BA7C63058D08}" type="pres">
-      <dgm:prSet presAssocID="{FD6A68BD-479F-4AF1-B090-C85511CDCD40}" presName="vProcSp" presStyleCnt="0"/>
-      <dgm:spPr/>
-    </dgm:pt>
-    <dgm:pt modelId="{07C06DFE-5B72-4088-85FE-D5299A57753E}" type="pres">
-      <dgm:prSet presAssocID="{FD6A68BD-479F-4AF1-B090-C85511CDCD40}" presName="vSp1" presStyleCnt="0"/>
-      <dgm:spPr/>
-    </dgm:pt>
-    <dgm:pt modelId="{575D6E97-7D1F-4E7F-8320-35996600DDD6}" type="pres">
-      <dgm:prSet presAssocID="{FD6A68BD-479F-4AF1-B090-C85511CDCD40}" presName="simulatedConn" presStyleLbl="solidFgAcc1" presStyleIdx="0" presStyleCnt="4"/>
-      <dgm:spPr/>
-    </dgm:pt>
-    <dgm:pt modelId="{BC4BBC8C-81E7-4782-86BA-E8BB4BDC4936}" type="pres">
-      <dgm:prSet presAssocID="{FD6A68BD-479F-4AF1-B090-C85511CDCD40}" presName="vSp2" presStyleCnt="0"/>
-      <dgm:spPr/>
-    </dgm:pt>
-    <dgm:pt modelId="{3F6F0940-D586-4300-947F-95EBD619E35D}" type="pres">
-      <dgm:prSet presAssocID="{FD6A68BD-479F-4AF1-B090-C85511CDCD40}" presName="sibTrans" presStyleCnt="0"/>
-      <dgm:spPr/>
-    </dgm:pt>
-    <dgm:pt modelId="{1D3B1CD7-C916-43CB-85BE-53AF7C9D3A97}" type="pres">
-      <dgm:prSet presAssocID="{79FA98B1-E03E-48AA-BF19-2A636D041FCD}" presName="compositeNode" presStyleCnt="0">
-        <dgm:presLayoutVars>
-          <dgm:bulletEnabled val="1"/>
-        </dgm:presLayoutVars>
-      </dgm:prSet>
-      <dgm:spPr/>
-    </dgm:pt>
-    <dgm:pt modelId="{65CAE1A9-4C5D-44E8-B2ED-F097165FA6E4}" type="pres">
-      <dgm:prSet presAssocID="{79FA98B1-E03E-48AA-BF19-2A636D041FCD}" presName="bgRect" presStyleLbl="node1" presStyleIdx="1" presStyleCnt="5"/>
-      <dgm:spPr/>
-    </dgm:pt>
-    <dgm:pt modelId="{095627DB-6AC8-4EEE-8BCF-3B8BF11845B2}" type="pres">
-      <dgm:prSet presAssocID="{79FA98B1-E03E-48AA-BF19-2A636D041FCD}" presName="parentNode" presStyleLbl="node1" presStyleIdx="1" presStyleCnt="5">
-        <dgm:presLayoutVars>
-          <dgm:chMax val="0"/>
-          <dgm:bulletEnabled val="1"/>
-        </dgm:presLayoutVars>
-      </dgm:prSet>
-      <dgm:spPr/>
-    </dgm:pt>
-    <dgm:pt modelId="{4F74D6F0-9C4F-466B-BCFF-5DE26B1648F7}" type="pres">
-      <dgm:prSet presAssocID="{79FA98B1-E03E-48AA-BF19-2A636D041FCD}" presName="childNode" presStyleLbl="node1" presStyleIdx="1" presStyleCnt="5">
-        <dgm:presLayoutVars>
-          <dgm:bulletEnabled val="1"/>
-        </dgm:presLayoutVars>
-      </dgm:prSet>
-      <dgm:spPr/>
-    </dgm:pt>
-    <dgm:pt modelId="{DF98642D-BFDF-47D6-9CCF-C6B53445CFB6}" type="pres">
-      <dgm:prSet presAssocID="{CF728D67-BDA2-40A0-A9E3-999DBAFB51FC}" presName="hSp" presStyleCnt="0"/>
-      <dgm:spPr/>
-    </dgm:pt>
-    <dgm:pt modelId="{651A902E-E4EF-4BE5-A3EB-7EC7114520D7}" type="pres">
-      <dgm:prSet presAssocID="{CF728D67-BDA2-40A0-A9E3-999DBAFB51FC}" presName="vProcSp" presStyleCnt="0"/>
-      <dgm:spPr/>
-    </dgm:pt>
-    <dgm:pt modelId="{7387DD2D-2D87-48D4-8833-09359ACD6409}" type="pres">
-      <dgm:prSet presAssocID="{CF728D67-BDA2-40A0-A9E3-999DBAFB51FC}" presName="vSp1" presStyleCnt="0"/>
-      <dgm:spPr/>
-    </dgm:pt>
-    <dgm:pt modelId="{A4A3366A-C914-4596-BD30-55F951F84C58}" type="pres">
-      <dgm:prSet presAssocID="{CF728D67-BDA2-40A0-A9E3-999DBAFB51FC}" presName="simulatedConn" presStyleLbl="solidFgAcc1" presStyleIdx="1" presStyleCnt="4"/>
-      <dgm:spPr/>
-    </dgm:pt>
-    <dgm:pt modelId="{66FD636E-7EE3-4F9C-A439-0D87FCF962A9}" type="pres">
-      <dgm:prSet presAssocID="{CF728D67-BDA2-40A0-A9E3-999DBAFB51FC}" presName="vSp2" presStyleCnt="0"/>
-      <dgm:spPr/>
-    </dgm:pt>
-    <dgm:pt modelId="{774B3F2C-7DDC-4E76-BAFA-DFE75048E6B9}" type="pres">
-      <dgm:prSet presAssocID="{CF728D67-BDA2-40A0-A9E3-999DBAFB51FC}" presName="sibTrans" presStyleCnt="0"/>
-      <dgm:spPr/>
-    </dgm:pt>
-    <dgm:pt modelId="{3543DFED-309D-4086-AF02-D6218F5356C2}" type="pres">
-      <dgm:prSet presAssocID="{7C96374A-BB1C-498B-A862-B1C8CE248781}" presName="compositeNode" presStyleCnt="0">
-        <dgm:presLayoutVars>
-          <dgm:bulletEnabled val="1"/>
-        </dgm:presLayoutVars>
-      </dgm:prSet>
-      <dgm:spPr/>
-    </dgm:pt>
-    <dgm:pt modelId="{9C17B0C7-EFC7-477F-8080-909280801ED3}" type="pres">
-      <dgm:prSet presAssocID="{7C96374A-BB1C-498B-A862-B1C8CE248781}" presName="bgRect" presStyleLbl="node1" presStyleIdx="2" presStyleCnt="5"/>
-      <dgm:spPr/>
-    </dgm:pt>
-    <dgm:pt modelId="{10A5F8B1-5BAC-47A3-9AB5-B9C79C2450BC}" type="pres">
-      <dgm:prSet presAssocID="{7C96374A-BB1C-498B-A862-B1C8CE248781}" presName="parentNode" presStyleLbl="node1" presStyleIdx="2" presStyleCnt="5">
-        <dgm:presLayoutVars>
-          <dgm:chMax val="0"/>
-          <dgm:bulletEnabled val="1"/>
-        </dgm:presLayoutVars>
-      </dgm:prSet>
-      <dgm:spPr/>
-    </dgm:pt>
-    <dgm:pt modelId="{78C60AE9-8046-4121-9399-60884B5D2F50}" type="pres">
-      <dgm:prSet presAssocID="{7C96374A-BB1C-498B-A862-B1C8CE248781}" presName="childNode" presStyleLbl="node1" presStyleIdx="2" presStyleCnt="5">
-        <dgm:presLayoutVars>
-          <dgm:bulletEnabled val="1"/>
-        </dgm:presLayoutVars>
-      </dgm:prSet>
-      <dgm:spPr/>
-    </dgm:pt>
-    <dgm:pt modelId="{5FD7878D-B160-4C2C-98D3-A616FDAA9EA7}" type="pres">
-      <dgm:prSet presAssocID="{0768D594-6F2A-430C-9F9D-004BD3769FF0}" presName="hSp" presStyleCnt="0"/>
-      <dgm:spPr/>
-    </dgm:pt>
-    <dgm:pt modelId="{A3BE3DDB-758D-4FD9-9BAE-E302A48FAEF1}" type="pres">
-      <dgm:prSet presAssocID="{0768D594-6F2A-430C-9F9D-004BD3769FF0}" presName="vProcSp" presStyleCnt="0"/>
-      <dgm:spPr/>
-    </dgm:pt>
-    <dgm:pt modelId="{36D2CEF4-8F41-4315-B94C-A4280E7F9903}" type="pres">
-      <dgm:prSet presAssocID="{0768D594-6F2A-430C-9F9D-004BD3769FF0}" presName="vSp1" presStyleCnt="0"/>
-      <dgm:spPr/>
-    </dgm:pt>
-    <dgm:pt modelId="{ED9207CD-B51E-492C-9B07-F1B5D103B657}" type="pres">
-      <dgm:prSet presAssocID="{0768D594-6F2A-430C-9F9D-004BD3769FF0}" presName="simulatedConn" presStyleLbl="solidFgAcc1" presStyleIdx="2" presStyleCnt="4"/>
-      <dgm:spPr/>
-    </dgm:pt>
-    <dgm:pt modelId="{5F05A89D-43B2-448E-BA78-F02B07204FC6}" type="pres">
-      <dgm:prSet presAssocID="{0768D594-6F2A-430C-9F9D-004BD3769FF0}" presName="vSp2" presStyleCnt="0"/>
-      <dgm:spPr/>
-    </dgm:pt>
-    <dgm:pt modelId="{5765922A-FA4C-4968-9253-8D89CAC111F8}" type="pres">
-      <dgm:prSet presAssocID="{0768D594-6F2A-430C-9F9D-004BD3769FF0}" presName="sibTrans" presStyleCnt="0"/>
-      <dgm:spPr/>
-    </dgm:pt>
-    <dgm:pt modelId="{186BEA57-4D7E-4785-90E7-B091A8619184}" type="pres">
-      <dgm:prSet presAssocID="{242E3341-A476-421B-8FAD-8F480FA2A80E}" presName="compositeNode" presStyleCnt="0">
-        <dgm:presLayoutVars>
-          <dgm:bulletEnabled val="1"/>
-        </dgm:presLayoutVars>
-      </dgm:prSet>
-      <dgm:spPr/>
-    </dgm:pt>
-    <dgm:pt modelId="{58C317E8-1F04-49C0-9B07-F9D479104094}" type="pres">
-      <dgm:prSet presAssocID="{242E3341-A476-421B-8FAD-8F480FA2A80E}" presName="bgRect" presStyleLbl="node1" presStyleIdx="3" presStyleCnt="5"/>
-      <dgm:spPr/>
-    </dgm:pt>
-    <dgm:pt modelId="{A87B0397-91A9-4FDA-832A-887538E3E39A}" type="pres">
-      <dgm:prSet presAssocID="{242E3341-A476-421B-8FAD-8F480FA2A80E}" presName="parentNode" presStyleLbl="node1" presStyleIdx="3" presStyleCnt="5">
-        <dgm:presLayoutVars>
-          <dgm:chMax val="0"/>
-          <dgm:bulletEnabled val="1"/>
-        </dgm:presLayoutVars>
-      </dgm:prSet>
-      <dgm:spPr/>
-    </dgm:pt>
-    <dgm:pt modelId="{03C543D7-1896-4C0F-8B6A-E6BFC5169822}" type="pres">
-      <dgm:prSet presAssocID="{242E3341-A476-421B-8FAD-8F480FA2A80E}" presName="childNode" presStyleLbl="node1" presStyleIdx="3" presStyleCnt="5">
-        <dgm:presLayoutVars>
-          <dgm:bulletEnabled val="1"/>
-        </dgm:presLayoutVars>
-      </dgm:prSet>
-      <dgm:spPr/>
-    </dgm:pt>
-    <dgm:pt modelId="{E6A2B839-0DDE-4D61-85D5-8C4947AAA033}" type="pres">
-      <dgm:prSet presAssocID="{BAD25D22-F953-4DD8-B268-088B3F9A20C1}" presName="hSp" presStyleCnt="0"/>
-      <dgm:spPr/>
-    </dgm:pt>
-    <dgm:pt modelId="{48099DDB-0894-440F-B47B-923E83552525}" type="pres">
-      <dgm:prSet presAssocID="{BAD25D22-F953-4DD8-B268-088B3F9A20C1}" presName="vProcSp" presStyleCnt="0"/>
-      <dgm:spPr/>
-    </dgm:pt>
-    <dgm:pt modelId="{B2A55F91-C4D7-4924-8F98-AC399F05DE9E}" type="pres">
-      <dgm:prSet presAssocID="{BAD25D22-F953-4DD8-B268-088B3F9A20C1}" presName="vSp1" presStyleCnt="0"/>
-      <dgm:spPr/>
-    </dgm:pt>
-    <dgm:pt modelId="{7C5CFA38-39E4-4CE8-AE0B-B032E79F1FF7}" type="pres">
-      <dgm:prSet presAssocID="{BAD25D22-F953-4DD8-B268-088B3F9A20C1}" presName="simulatedConn" presStyleLbl="solidFgAcc1" presStyleIdx="3" presStyleCnt="4"/>
-      <dgm:spPr/>
-    </dgm:pt>
-    <dgm:pt modelId="{CA6DFC88-288C-4A00-AA49-AC3625D6307C}" type="pres">
-      <dgm:prSet presAssocID="{BAD25D22-F953-4DD8-B268-088B3F9A20C1}" presName="vSp2" presStyleCnt="0"/>
-      <dgm:spPr/>
-    </dgm:pt>
-    <dgm:pt modelId="{373D78B9-6ADA-4E42-B643-3E7CFAD00380}" type="pres">
-      <dgm:prSet presAssocID="{BAD25D22-F953-4DD8-B268-088B3F9A20C1}" presName="sibTrans" presStyleCnt="0"/>
-      <dgm:spPr/>
-    </dgm:pt>
-    <dgm:pt modelId="{7884429D-D526-4F69-AB9D-C8989E38B63F}" type="pres">
-      <dgm:prSet presAssocID="{B617CC86-A9B2-45C7-80F0-437B13FFBD41}" presName="compositeNode" presStyleCnt="0">
-        <dgm:presLayoutVars>
-          <dgm:bulletEnabled val="1"/>
-        </dgm:presLayoutVars>
-      </dgm:prSet>
-      <dgm:spPr/>
-    </dgm:pt>
-    <dgm:pt modelId="{073EAD77-6DC4-4185-AF91-F0FC2408C2DE}" type="pres">
-      <dgm:prSet presAssocID="{B617CC86-A9B2-45C7-80F0-437B13FFBD41}" presName="bgRect" presStyleLbl="node1" presStyleIdx="4" presStyleCnt="5"/>
-      <dgm:spPr/>
-    </dgm:pt>
-    <dgm:pt modelId="{B09FDC9A-276E-40CD-84DD-1E2D82DD3AC7}" type="pres">
-      <dgm:prSet presAssocID="{B617CC86-A9B2-45C7-80F0-437B13FFBD41}" presName="parentNode" presStyleLbl="node1" presStyleIdx="4" presStyleCnt="5">
-        <dgm:presLayoutVars>
-          <dgm:chMax val="0"/>
-          <dgm:bulletEnabled val="1"/>
-        </dgm:presLayoutVars>
-      </dgm:prSet>
-      <dgm:spPr/>
-    </dgm:pt>
-    <dgm:pt modelId="{F395DE95-9EB9-49BD-A06D-E6418CF83799}" type="pres">
-      <dgm:prSet presAssocID="{B617CC86-A9B2-45C7-80F0-437B13FFBD41}" presName="childNode" presStyleLbl="node1" presStyleIdx="4" presStyleCnt="5">
-        <dgm:presLayoutVars>
-          <dgm:bulletEnabled val="1"/>
-        </dgm:presLayoutVars>
-      </dgm:prSet>
-      <dgm:spPr/>
-    </dgm:pt>
-  </dgm:ptLst>
-  <dgm:cxnLst>
-    <dgm:cxn modelId="{021A4501-2B02-4B30-9097-0ECE013D372E}" srcId="{79FA98B1-E03E-48AA-BF19-2A636D041FCD}" destId="{483E9BB6-2098-4EA1-BE95-6D2C33525E9A}" srcOrd="0" destOrd="0" parTransId="{F48A9973-28C0-4A35-8C70-77B8077F41EA}" sibTransId="{442E10EF-3A01-4108-80E7-42DCB5F914EE}"/>
-    <dgm:cxn modelId="{6ECCC40D-498C-485F-98EA-C57AB0E69596}" srcId="{242E3341-A476-421B-8FAD-8F480FA2A80E}" destId="{FC570A8E-CEE4-43E8-84BB-9A7529349B5E}" srcOrd="0" destOrd="0" parTransId="{BF865601-7A54-42F5-8595-E528056EC20A}" sibTransId="{E4A8F694-FE93-4996-A0C3-D671E5ECEEEA}"/>
-    <dgm:cxn modelId="{08A7DC0D-E68E-4343-ADBE-44553446BEE9}" type="presOf" srcId="{B617CC86-A9B2-45C7-80F0-437B13FFBD41}" destId="{073EAD77-6DC4-4185-AF91-F0FC2408C2DE}" srcOrd="0" destOrd="0" presId="urn:microsoft.com/office/officeart/2005/8/layout/hProcess7"/>
-    <dgm:cxn modelId="{28E79E0F-8CF7-48BE-81BA-154AB81A7754}" type="presOf" srcId="{3B5884D6-3BB1-4C7A-9958-3549A252B586}" destId="{E36243BA-743F-4042-AD08-F23C42D17CD2}" srcOrd="0" destOrd="0" presId="urn:microsoft.com/office/officeart/2005/8/layout/hProcess7"/>
-    <dgm:cxn modelId="{0DD6E412-7329-4380-9239-C599A3AD34F7}" type="presOf" srcId="{C80B5D68-33D0-44B8-A326-6783BCBDE615}" destId="{F395DE95-9EB9-49BD-A06D-E6418CF83799}" srcOrd="0" destOrd="0" presId="urn:microsoft.com/office/officeart/2005/8/layout/hProcess7"/>
-    <dgm:cxn modelId="{46C04C19-E108-4F0F-925F-24B3C8FD2DD9}" type="presOf" srcId="{79FA98B1-E03E-48AA-BF19-2A636D041FCD}" destId="{65CAE1A9-4C5D-44E8-B2ED-F097165FA6E4}" srcOrd="0" destOrd="0" presId="urn:microsoft.com/office/officeart/2005/8/layout/hProcess7"/>
-    <dgm:cxn modelId="{01FA4A28-9B9F-46B8-AF19-E6EBBA82716B}" srcId="{CBB4726E-AC91-486A-9831-3C73E5C3A40D}" destId="{97BF57BE-D03A-4AD9-86DC-75B69C13E876}" srcOrd="0" destOrd="0" parTransId="{F42D08D6-D259-4940-8C5B-344DC55D290F}" sibTransId="{0BB7D230-6C36-4DE0-AA50-71E0A02BE01B}"/>
-    <dgm:cxn modelId="{9E974636-B9C9-4587-A02D-FD7F6FF41793}" type="presOf" srcId="{7C96374A-BB1C-498B-A862-B1C8CE248781}" destId="{10A5F8B1-5BAC-47A3-9AB5-B9C79C2450BC}" srcOrd="1" destOrd="0" presId="urn:microsoft.com/office/officeart/2005/8/layout/hProcess7"/>
-    <dgm:cxn modelId="{C914FB38-DF1E-4F4E-826B-5E0AF62502F9}" srcId="{7C96374A-BB1C-498B-A862-B1C8CE248781}" destId="{DF709940-0038-47A4-B2C5-5158E0AB11E3}" srcOrd="0" destOrd="0" parTransId="{414F2A37-5820-4CD0-AC35-177E20A7A1CC}" sibTransId="{87297EC5-70A7-45B5-970E-CAE982770F81}"/>
-    <dgm:cxn modelId="{EE7C2B3C-F6F6-4807-A76F-4134B5D897EC}" srcId="{3B5884D6-3BB1-4C7A-9958-3549A252B586}" destId="{B617CC86-A9B2-45C7-80F0-437B13FFBD41}" srcOrd="4" destOrd="0" parTransId="{D5FDD172-A783-4C84-A056-C1A465C2D30D}" sibTransId="{F1F0BE42-6FA7-4881-96D2-75FA7C85581E}"/>
-    <dgm:cxn modelId="{A681A75D-5662-4A56-A186-2768B17E1328}" type="presOf" srcId="{DF709940-0038-47A4-B2C5-5158E0AB11E3}" destId="{78C60AE9-8046-4121-9399-60884B5D2F50}" srcOrd="0" destOrd="0" presId="urn:microsoft.com/office/officeart/2005/8/layout/hProcess7"/>
-    <dgm:cxn modelId="{A7A9075F-02FA-48C0-BBF8-89ED076634B4}" srcId="{B617CC86-A9B2-45C7-80F0-437B13FFBD41}" destId="{C80B5D68-33D0-44B8-A326-6783BCBDE615}" srcOrd="0" destOrd="0" parTransId="{83FA8EC8-1258-4DD3-8EB6-8F93B5D0F616}" sibTransId="{AB866728-2E92-4FCC-AF08-94F0A386C6ED}"/>
-    <dgm:cxn modelId="{8DCE7165-8FD7-4088-9C9F-4F48E29725D7}" type="presOf" srcId="{242E3341-A476-421B-8FAD-8F480FA2A80E}" destId="{58C317E8-1F04-49C0-9B07-F9D479104094}" srcOrd="0" destOrd="0" presId="urn:microsoft.com/office/officeart/2005/8/layout/hProcess7"/>
-    <dgm:cxn modelId="{D7776D6A-C7D0-4C4E-97BE-69BDE314D21B}" type="presOf" srcId="{FC570A8E-CEE4-43E8-84BB-9A7529349B5E}" destId="{03C543D7-1896-4C0F-8B6A-E6BFC5169822}" srcOrd="0" destOrd="0" presId="urn:microsoft.com/office/officeart/2005/8/layout/hProcess7"/>
-    <dgm:cxn modelId="{34CCAB6D-1655-4B8C-8AB5-A7EA33E1DC46}" type="presOf" srcId="{CBB4726E-AC91-486A-9831-3C73E5C3A40D}" destId="{B6FCD7B7-199F-44A3-B6BF-5E3FACA6C604}" srcOrd="0" destOrd="0" presId="urn:microsoft.com/office/officeart/2005/8/layout/hProcess7"/>
-    <dgm:cxn modelId="{6CB8C27E-6367-4D07-946D-EDC7C100A29D}" type="presOf" srcId="{7C96374A-BB1C-498B-A862-B1C8CE248781}" destId="{9C17B0C7-EFC7-477F-8080-909280801ED3}" srcOrd="0" destOrd="0" presId="urn:microsoft.com/office/officeart/2005/8/layout/hProcess7"/>
-    <dgm:cxn modelId="{F727B982-8474-48EF-B46E-F3A747A0BC5C}" srcId="{3B5884D6-3BB1-4C7A-9958-3549A252B586}" destId="{7C96374A-BB1C-498B-A862-B1C8CE248781}" srcOrd="2" destOrd="0" parTransId="{04456B23-BD8D-4AFC-A79C-8B8E89F24B5C}" sibTransId="{0768D594-6F2A-430C-9F9D-004BD3769FF0}"/>
-    <dgm:cxn modelId="{8FB9F488-F6CA-4431-A695-02C7C260DF03}" srcId="{3B5884D6-3BB1-4C7A-9958-3549A252B586}" destId="{79FA98B1-E03E-48AA-BF19-2A636D041FCD}" srcOrd="1" destOrd="0" parTransId="{1384A03D-C4EF-41E0-96F4-155E3FFE8E39}" sibTransId="{CF728D67-BDA2-40A0-A9E3-999DBAFB51FC}"/>
-    <dgm:cxn modelId="{B905FA8E-369B-47F4-B712-8D42E1565880}" type="presOf" srcId="{B617CC86-A9B2-45C7-80F0-437B13FFBD41}" destId="{B09FDC9A-276E-40CD-84DD-1E2D82DD3AC7}" srcOrd="1" destOrd="0" presId="urn:microsoft.com/office/officeart/2005/8/layout/hProcess7"/>
-    <dgm:cxn modelId="{170C6B92-7B7F-4B14-9CA2-362E963776FB}" srcId="{3B5884D6-3BB1-4C7A-9958-3549A252B586}" destId="{CBB4726E-AC91-486A-9831-3C73E5C3A40D}" srcOrd="0" destOrd="0" parTransId="{4D6F7DE9-F890-465D-896D-EB7F06F3FCA4}" sibTransId="{FD6A68BD-479F-4AF1-B090-C85511CDCD40}"/>
-    <dgm:cxn modelId="{3A9D65A0-53D1-4E9E-972C-5CC4834D083C}" type="presOf" srcId="{483E9BB6-2098-4EA1-BE95-6D2C33525E9A}" destId="{4F74D6F0-9C4F-466B-BCFF-5DE26B1648F7}" srcOrd="0" destOrd="0" presId="urn:microsoft.com/office/officeart/2005/8/layout/hProcess7"/>
-    <dgm:cxn modelId="{39F6C8AE-A43B-4D39-A1CD-0664AF98B11C}" type="presOf" srcId="{242E3341-A476-421B-8FAD-8F480FA2A80E}" destId="{A87B0397-91A9-4FDA-832A-887538E3E39A}" srcOrd="1" destOrd="0" presId="urn:microsoft.com/office/officeart/2005/8/layout/hProcess7"/>
-    <dgm:cxn modelId="{7055D3C6-DC43-40D0-9D1B-CEBC8C9C588B}" type="presOf" srcId="{CBB4726E-AC91-486A-9831-3C73E5C3A40D}" destId="{B03DAC02-8446-4C35-BF4A-FCA8CE02D6BA}" srcOrd="1" destOrd="0" presId="urn:microsoft.com/office/officeart/2005/8/layout/hProcess7"/>
-    <dgm:cxn modelId="{D83A8DCF-83A0-45A9-A956-F3C96B54427C}" srcId="{3B5884D6-3BB1-4C7A-9958-3549A252B586}" destId="{242E3341-A476-421B-8FAD-8F480FA2A80E}" srcOrd="3" destOrd="0" parTransId="{D9EE479C-65E1-4D7B-83CD-4A907C8A675C}" sibTransId="{BAD25D22-F953-4DD8-B268-088B3F9A20C1}"/>
-    <dgm:cxn modelId="{FA8E0EE7-B44A-4940-878A-10E8EB9F1317}" type="presOf" srcId="{79FA98B1-E03E-48AA-BF19-2A636D041FCD}" destId="{095627DB-6AC8-4EEE-8BCF-3B8BF11845B2}" srcOrd="1" destOrd="0" presId="urn:microsoft.com/office/officeart/2005/8/layout/hProcess7"/>
-    <dgm:cxn modelId="{B895EEEE-F597-4577-BDEA-0A17BB571DA3}" type="presOf" srcId="{97BF57BE-D03A-4AD9-86DC-75B69C13E876}" destId="{586ABF2D-8623-413E-8ED0-11EDC83194A9}" srcOrd="0" destOrd="0" presId="urn:microsoft.com/office/officeart/2005/8/layout/hProcess7"/>
-    <dgm:cxn modelId="{DB0AD0CE-5517-48F1-8085-8935470B6A69}" type="presParOf" srcId="{E36243BA-743F-4042-AD08-F23C42D17CD2}" destId="{767AE51B-ECBF-4DDE-B3D5-81BBAEDD071E}" srcOrd="0" destOrd="0" presId="urn:microsoft.com/office/officeart/2005/8/layout/hProcess7"/>
-    <dgm:cxn modelId="{1F1C9402-E25D-4A51-8FBF-C0AF3534160D}" type="presParOf" srcId="{767AE51B-ECBF-4DDE-B3D5-81BBAEDD071E}" destId="{B6FCD7B7-199F-44A3-B6BF-5E3FACA6C604}" srcOrd="0" destOrd="0" presId="urn:microsoft.com/office/officeart/2005/8/layout/hProcess7"/>
-    <dgm:cxn modelId="{6B687FF3-7F22-47A8-B72E-0D7CD9E5AB21}" type="presParOf" srcId="{767AE51B-ECBF-4DDE-B3D5-81BBAEDD071E}" destId="{B03DAC02-8446-4C35-BF4A-FCA8CE02D6BA}" srcOrd="1" destOrd="0" presId="urn:microsoft.com/office/officeart/2005/8/layout/hProcess7"/>
-    <dgm:cxn modelId="{AA5A9896-42D6-4A51-8C84-25340E2C68D1}" type="presParOf" srcId="{767AE51B-ECBF-4DDE-B3D5-81BBAEDD071E}" destId="{586ABF2D-8623-413E-8ED0-11EDC83194A9}" srcOrd="2" destOrd="0" presId="urn:microsoft.com/office/officeart/2005/8/layout/hProcess7"/>
-    <dgm:cxn modelId="{94E95F92-9D86-450F-B294-2EA616A5EEA8}" type="presParOf" srcId="{E36243BA-743F-4042-AD08-F23C42D17CD2}" destId="{23BAEE65-D0C8-405C-96A7-A3DF995A65A0}" srcOrd="1" destOrd="0" presId="urn:microsoft.com/office/officeart/2005/8/layout/hProcess7"/>
-    <dgm:cxn modelId="{A1C2C491-83C5-443D-9951-5AACC6D30316}" type="presParOf" srcId="{E36243BA-743F-4042-AD08-F23C42D17CD2}" destId="{B4BF9838-FEBF-4A3A-8857-BA7C63058D08}" srcOrd="2" destOrd="0" presId="urn:microsoft.com/office/officeart/2005/8/layout/hProcess7"/>
-    <dgm:cxn modelId="{43D25A57-570C-46CB-8170-F823CFF747E2}" type="presParOf" srcId="{B4BF9838-FEBF-4A3A-8857-BA7C63058D08}" destId="{07C06DFE-5B72-4088-85FE-D5299A57753E}" srcOrd="0" destOrd="0" presId="urn:microsoft.com/office/officeart/2005/8/layout/hProcess7"/>
-    <dgm:cxn modelId="{4526C91C-7881-4AF1-9402-FFF3F6A2694D}" type="presParOf" srcId="{B4BF9838-FEBF-4A3A-8857-BA7C63058D08}" destId="{575D6E97-7D1F-4E7F-8320-35996600DDD6}" srcOrd="1" destOrd="0" presId="urn:microsoft.com/office/officeart/2005/8/layout/hProcess7"/>
-    <dgm:cxn modelId="{45699BD4-787B-4DBB-8D65-A218C6F202CD}" type="presParOf" srcId="{B4BF9838-FEBF-4A3A-8857-BA7C63058D08}" destId="{BC4BBC8C-81E7-4782-86BA-E8BB4BDC4936}" srcOrd="2" destOrd="0" presId="urn:microsoft.com/office/officeart/2005/8/layout/hProcess7"/>
-    <dgm:cxn modelId="{AC07F86E-F3DD-4457-A132-D538403BF65B}" type="presParOf" srcId="{E36243BA-743F-4042-AD08-F23C42D17CD2}" destId="{3F6F0940-D586-4300-947F-95EBD619E35D}" srcOrd="3" destOrd="0" presId="urn:microsoft.com/office/officeart/2005/8/layout/hProcess7"/>
-    <dgm:cxn modelId="{D93FA2EB-FCF5-4B12-AFA3-E4235D9193D6}" type="presParOf" srcId="{E36243BA-743F-4042-AD08-F23C42D17CD2}" destId="{1D3B1CD7-C916-43CB-85BE-53AF7C9D3A97}" srcOrd="4" destOrd="0" presId="urn:microsoft.com/office/officeart/2005/8/layout/hProcess7"/>
-    <dgm:cxn modelId="{B08DC8BB-CC6B-4DF3-B5BC-99A896042422}" type="presParOf" srcId="{1D3B1CD7-C916-43CB-85BE-53AF7C9D3A97}" destId="{65CAE1A9-4C5D-44E8-B2ED-F097165FA6E4}" srcOrd="0" destOrd="0" presId="urn:microsoft.com/office/officeart/2005/8/layout/hProcess7"/>
-    <dgm:cxn modelId="{E411DFD4-32F3-46C9-ADAD-728244288A82}" type="presParOf" srcId="{1D3B1CD7-C916-43CB-85BE-53AF7C9D3A97}" destId="{095627DB-6AC8-4EEE-8BCF-3B8BF11845B2}" srcOrd="1" destOrd="0" presId="urn:microsoft.com/office/officeart/2005/8/layout/hProcess7"/>
-    <dgm:cxn modelId="{42439AEB-BD37-4634-99D0-BF607627D718}" type="presParOf" srcId="{1D3B1CD7-C916-43CB-85BE-53AF7C9D3A97}" destId="{4F74D6F0-9C4F-466B-BCFF-5DE26B1648F7}" srcOrd="2" destOrd="0" presId="urn:microsoft.com/office/officeart/2005/8/layout/hProcess7"/>
-    <dgm:cxn modelId="{B5879D4F-543A-4DA5-812E-5B4A35B6BF11}" type="presParOf" srcId="{E36243BA-743F-4042-AD08-F23C42D17CD2}" destId="{DF98642D-BFDF-47D6-9CCF-C6B53445CFB6}" srcOrd="5" destOrd="0" presId="urn:microsoft.com/office/officeart/2005/8/layout/hProcess7"/>
-    <dgm:cxn modelId="{EFB01EDD-861D-41C2-8514-41D3FF91D30C}" type="presParOf" srcId="{E36243BA-743F-4042-AD08-F23C42D17CD2}" destId="{651A902E-E4EF-4BE5-A3EB-7EC7114520D7}" srcOrd="6" destOrd="0" presId="urn:microsoft.com/office/officeart/2005/8/layout/hProcess7"/>
-    <dgm:cxn modelId="{2D4E1C2C-74DF-4B88-806D-57210B20A18E}" type="presParOf" srcId="{651A902E-E4EF-4BE5-A3EB-7EC7114520D7}" destId="{7387DD2D-2D87-48D4-8833-09359ACD6409}" srcOrd="0" destOrd="0" presId="urn:microsoft.com/office/officeart/2005/8/layout/hProcess7"/>
-    <dgm:cxn modelId="{21F54DBF-35AF-4943-A4EA-FCECE7B8FFE5}" type="presParOf" srcId="{651A902E-E4EF-4BE5-A3EB-7EC7114520D7}" destId="{A4A3366A-C914-4596-BD30-55F951F84C58}" srcOrd="1" destOrd="0" presId="urn:microsoft.com/office/officeart/2005/8/layout/hProcess7"/>
-    <dgm:cxn modelId="{98554B8A-EA06-44EE-85B5-B29558D5228B}" type="presParOf" srcId="{651A902E-E4EF-4BE5-A3EB-7EC7114520D7}" destId="{66FD636E-7EE3-4F9C-A439-0D87FCF962A9}" srcOrd="2" destOrd="0" presId="urn:microsoft.com/office/officeart/2005/8/layout/hProcess7"/>
-    <dgm:cxn modelId="{659E58B2-6C15-4C5B-9743-1ADA3CAA63BF}" type="presParOf" srcId="{E36243BA-743F-4042-AD08-F23C42D17CD2}" destId="{774B3F2C-7DDC-4E76-BAFA-DFE75048E6B9}" srcOrd="7" destOrd="0" presId="urn:microsoft.com/office/officeart/2005/8/layout/hProcess7"/>
-    <dgm:cxn modelId="{D4E1B9AB-AA5B-4D27-BDC5-82EAA70F7AA2}" type="presParOf" srcId="{E36243BA-743F-4042-AD08-F23C42D17CD2}" destId="{3543DFED-309D-4086-AF02-D6218F5356C2}" srcOrd="8" destOrd="0" presId="urn:microsoft.com/office/officeart/2005/8/layout/hProcess7"/>
-    <dgm:cxn modelId="{065DA63B-6FB8-499C-B208-736F5C967C26}" type="presParOf" srcId="{3543DFED-309D-4086-AF02-D6218F5356C2}" destId="{9C17B0C7-EFC7-477F-8080-909280801ED3}" srcOrd="0" destOrd="0" presId="urn:microsoft.com/office/officeart/2005/8/layout/hProcess7"/>
-    <dgm:cxn modelId="{A793D724-1A69-4E32-92C0-FB8D82A379DA}" type="presParOf" srcId="{3543DFED-309D-4086-AF02-D6218F5356C2}" destId="{10A5F8B1-5BAC-47A3-9AB5-B9C79C2450BC}" srcOrd="1" destOrd="0" presId="urn:microsoft.com/office/officeart/2005/8/layout/hProcess7"/>
-    <dgm:cxn modelId="{3E1D9324-110E-4AEF-B6BD-E3E5E7217F0D}" type="presParOf" srcId="{3543DFED-309D-4086-AF02-D6218F5356C2}" destId="{78C60AE9-8046-4121-9399-60884B5D2F50}" srcOrd="2" destOrd="0" presId="urn:microsoft.com/office/officeart/2005/8/layout/hProcess7"/>
-    <dgm:cxn modelId="{F6564F5E-DED5-4A32-8337-C494196AC609}" type="presParOf" srcId="{E36243BA-743F-4042-AD08-F23C42D17CD2}" destId="{5FD7878D-B160-4C2C-98D3-A616FDAA9EA7}" srcOrd="9" destOrd="0" presId="urn:microsoft.com/office/officeart/2005/8/layout/hProcess7"/>
-    <dgm:cxn modelId="{C57D3F52-65A7-4239-B9A9-DC492970C81E}" type="presParOf" srcId="{E36243BA-743F-4042-AD08-F23C42D17CD2}" destId="{A3BE3DDB-758D-4FD9-9BAE-E302A48FAEF1}" srcOrd="10" destOrd="0" presId="urn:microsoft.com/office/officeart/2005/8/layout/hProcess7"/>
-    <dgm:cxn modelId="{C7D168A5-5AA0-4965-AC32-D7D5EDA4352B}" type="presParOf" srcId="{A3BE3DDB-758D-4FD9-9BAE-E302A48FAEF1}" destId="{36D2CEF4-8F41-4315-B94C-A4280E7F9903}" srcOrd="0" destOrd="0" presId="urn:microsoft.com/office/officeart/2005/8/layout/hProcess7"/>
-    <dgm:cxn modelId="{9A99A341-3658-40A8-9EB8-006E9B03F799}" type="presParOf" srcId="{A3BE3DDB-758D-4FD9-9BAE-E302A48FAEF1}" destId="{ED9207CD-B51E-492C-9B07-F1B5D103B657}" srcOrd="1" destOrd="0" presId="urn:microsoft.com/office/officeart/2005/8/layout/hProcess7"/>
-    <dgm:cxn modelId="{BD922576-460B-4FF0-845F-B6CB127C3CB4}" type="presParOf" srcId="{A3BE3DDB-758D-4FD9-9BAE-E302A48FAEF1}" destId="{5F05A89D-43B2-448E-BA78-F02B07204FC6}" srcOrd="2" destOrd="0" presId="urn:microsoft.com/office/officeart/2005/8/layout/hProcess7"/>
-    <dgm:cxn modelId="{DDC9945E-D5FE-491C-9C35-72A5DFFE4859}" type="presParOf" srcId="{E36243BA-743F-4042-AD08-F23C42D17CD2}" destId="{5765922A-FA4C-4968-9253-8D89CAC111F8}" srcOrd="11" destOrd="0" presId="urn:microsoft.com/office/officeart/2005/8/layout/hProcess7"/>
-    <dgm:cxn modelId="{32161B15-C2D4-4C6D-9404-F06098CD4C0F}" type="presParOf" srcId="{E36243BA-743F-4042-AD08-F23C42D17CD2}" destId="{186BEA57-4D7E-4785-90E7-B091A8619184}" srcOrd="12" destOrd="0" presId="urn:microsoft.com/office/officeart/2005/8/layout/hProcess7"/>
-    <dgm:cxn modelId="{22A4D6BB-592C-46BA-986D-558B81185CBE}" type="presParOf" srcId="{186BEA57-4D7E-4785-90E7-B091A8619184}" destId="{58C317E8-1F04-49C0-9B07-F9D479104094}" srcOrd="0" destOrd="0" presId="urn:microsoft.com/office/officeart/2005/8/layout/hProcess7"/>
-    <dgm:cxn modelId="{CE7F1683-DF44-4CBE-90A9-F70B6A1CD80D}" type="presParOf" srcId="{186BEA57-4D7E-4785-90E7-B091A8619184}" destId="{A87B0397-91A9-4FDA-832A-887538E3E39A}" srcOrd="1" destOrd="0" presId="urn:microsoft.com/office/officeart/2005/8/layout/hProcess7"/>
-    <dgm:cxn modelId="{15CE1FC3-74B2-4856-8D10-ED6CF173FF2D}" type="presParOf" srcId="{186BEA57-4D7E-4785-90E7-B091A8619184}" destId="{03C543D7-1896-4C0F-8B6A-E6BFC5169822}" srcOrd="2" destOrd="0" presId="urn:microsoft.com/office/officeart/2005/8/layout/hProcess7"/>
-    <dgm:cxn modelId="{E5048DF5-9864-4F5E-8AFC-C2B64E80C820}" type="presParOf" srcId="{E36243BA-743F-4042-AD08-F23C42D17CD2}" destId="{E6A2B839-0DDE-4D61-85D5-8C4947AAA033}" srcOrd="13" destOrd="0" presId="urn:microsoft.com/office/officeart/2005/8/layout/hProcess7"/>
-    <dgm:cxn modelId="{60DB266C-A0E8-4C8D-9517-F695E78D1E6C}" type="presParOf" srcId="{E36243BA-743F-4042-AD08-F23C42D17CD2}" destId="{48099DDB-0894-440F-B47B-923E83552525}" srcOrd="14" destOrd="0" presId="urn:microsoft.com/office/officeart/2005/8/layout/hProcess7"/>
-    <dgm:cxn modelId="{30E50228-E6AD-45EB-9C34-D6C94D10E13C}" type="presParOf" srcId="{48099DDB-0894-440F-B47B-923E83552525}" destId="{B2A55F91-C4D7-4924-8F98-AC399F05DE9E}" srcOrd="0" destOrd="0" presId="urn:microsoft.com/office/officeart/2005/8/layout/hProcess7"/>
-    <dgm:cxn modelId="{224E4215-1413-447D-8C8D-CC31543EA286}" type="presParOf" srcId="{48099DDB-0894-440F-B47B-923E83552525}" destId="{7C5CFA38-39E4-4CE8-AE0B-B032E79F1FF7}" srcOrd="1" destOrd="0" presId="urn:microsoft.com/office/officeart/2005/8/layout/hProcess7"/>
-    <dgm:cxn modelId="{716F3DCF-644C-4BC0-B1F6-2166EDD78F1A}" type="presParOf" srcId="{48099DDB-0894-440F-B47B-923E83552525}" destId="{CA6DFC88-288C-4A00-AA49-AC3625D6307C}" srcOrd="2" destOrd="0" presId="urn:microsoft.com/office/officeart/2005/8/layout/hProcess7"/>
-    <dgm:cxn modelId="{ADFA581D-79F9-4919-A939-1A253586849D}" type="presParOf" srcId="{E36243BA-743F-4042-AD08-F23C42D17CD2}" destId="{373D78B9-6ADA-4E42-B643-3E7CFAD00380}" srcOrd="15" destOrd="0" presId="urn:microsoft.com/office/officeart/2005/8/layout/hProcess7"/>
-    <dgm:cxn modelId="{B9EA3E69-7D91-4FE6-BADA-ABC9E949EA77}" type="presParOf" srcId="{E36243BA-743F-4042-AD08-F23C42D17CD2}" destId="{7884429D-D526-4F69-AB9D-C8989E38B63F}" srcOrd="16" destOrd="0" presId="urn:microsoft.com/office/officeart/2005/8/layout/hProcess7"/>
-    <dgm:cxn modelId="{065F94A1-F2B8-4145-BE90-FF361A09CAE1}" type="presParOf" srcId="{7884429D-D526-4F69-AB9D-C8989E38B63F}" destId="{073EAD77-6DC4-4185-AF91-F0FC2408C2DE}" srcOrd="0" destOrd="0" presId="urn:microsoft.com/office/officeart/2005/8/layout/hProcess7"/>
-    <dgm:cxn modelId="{BA182900-D385-4B11-910F-8B49E7664A1B}" type="presParOf" srcId="{7884429D-D526-4F69-AB9D-C8989E38B63F}" destId="{B09FDC9A-276E-40CD-84DD-1E2D82DD3AC7}" srcOrd="1" destOrd="0" presId="urn:microsoft.com/office/officeart/2005/8/layout/hProcess7"/>
-    <dgm:cxn modelId="{7652516D-5A5C-4872-BB09-3136FA2CB1EB}" type="presParOf" srcId="{7884429D-D526-4F69-AB9D-C8989E38B63F}" destId="{F395DE95-9EB9-49BD-A06D-E6418CF83799}" srcOrd="2" destOrd="0" presId="urn:microsoft.com/office/officeart/2005/8/layout/hProcess7"/>
-  </dgm:cxnLst>
-  <dgm:bg/>
-  <dgm:whole/>
-  <dgm:extLst>
-    <a:ext uri="http://schemas.microsoft.com/office/drawing/2008/diagram">
-      <dsp:dataModelExt xmlns:dsp="http://schemas.microsoft.com/office/drawing/2008/diagram" relId="rId6" minVer="http://schemas.openxmlformats.org/drawingml/2006/diagram"/>
-    </a:ext>
-  </dgm:extLst>
-</dgm:dataModel>
-</file>
-
-<file path=ppt/diagrams/drawing1.xml><?xml version="1.0" encoding="utf-8"?>
-<dsp:drawing xmlns:dgm="http://schemas.openxmlformats.org/drawingml/2006/diagram" xmlns:dsp="http://schemas.microsoft.com/office/drawing/2008/diagram" xmlns:a="http://schemas.openxmlformats.org/drawingml/2006/main">
-  <dsp:spTree>
-    <dsp:nvGrpSpPr>
-      <dsp:cNvPr id="0" name=""/>
-      <dsp:cNvGrpSpPr/>
-    </dsp:nvGrpSpPr>
-    <dsp:grpSpPr/>
-    <dsp:sp modelId="{B6FCD7B7-199F-44A3-B6BF-5E3FACA6C604}">
-      <dsp:nvSpPr>
-        <dsp:cNvPr id="0" name=""/>
-        <dsp:cNvSpPr/>
-      </dsp:nvSpPr>
-      <dsp:spPr>
-        <a:xfrm>
-          <a:off x="5351" y="678435"/>
-          <a:ext cx="1868326" cy="2241991"/>
-        </a:xfrm>
-        <a:prstGeom prst="roundRect">
-          <a:avLst>
-            <a:gd name="adj" fmla="val 5000"/>
-          </a:avLst>
-        </a:prstGeom>
-        <a:gradFill rotWithShape="0">
-          <a:gsLst>
-            <a:gs pos="0">
-              <a:schemeClr val="accent1">
-                <a:alpha val="90000"/>
-                <a:hueOff val="0"/>
-                <a:satOff val="0"/>
-                <a:lumOff val="0"/>
-                <a:alphaOff val="0"/>
-                <a:tint val="94000"/>
-                <a:satMod val="103000"/>
-                <a:lumMod val="102000"/>
-              </a:schemeClr>
-            </a:gs>
-            <a:gs pos="50000">
-              <a:schemeClr val="accent1">
-                <a:alpha val="90000"/>
-                <a:hueOff val="0"/>
-                <a:satOff val="0"/>
-                <a:lumOff val="0"/>
-                <a:alphaOff val="0"/>
-                <a:shade val="100000"/>
-                <a:satMod val="110000"/>
-                <a:lumMod val="100000"/>
-              </a:schemeClr>
-            </a:gs>
-            <a:gs pos="100000">
-              <a:schemeClr val="accent1">
-                <a:alpha val="90000"/>
-                <a:hueOff val="0"/>
-                <a:satOff val="0"/>
-                <a:lumOff val="0"/>
-                <a:alphaOff val="0"/>
-                <a:shade val="78000"/>
-                <a:satMod val="120000"/>
-                <a:lumMod val="99000"/>
-              </a:schemeClr>
-            </a:gs>
-          </a:gsLst>
-          <a:lin ang="5400000" scaled="0"/>
-        </a:gradFill>
-        <a:ln>
-          <a:noFill/>
-        </a:ln>
-        <a:effectLst>
-          <a:outerShdw blurRad="57150" dist="19050" dir="5400000" algn="ctr" rotWithShape="0">
-            <a:srgbClr val="000000">
-              <a:alpha val="63000"/>
-            </a:srgbClr>
-          </a:outerShdw>
-        </a:effectLst>
-      </dsp:spPr>
-      <dsp:style>
-        <a:lnRef idx="0">
-          <a:scrgbClr r="0" g="0" b="0"/>
-        </a:lnRef>
-        <a:fillRef idx="3">
-          <a:scrgbClr r="0" g="0" b="0"/>
-        </a:fillRef>
-        <a:effectRef idx="3">
-          <a:scrgbClr r="0" g="0" b="0"/>
-        </a:effectRef>
-        <a:fontRef idx="minor">
-          <a:schemeClr val="lt1"/>
-        </a:fontRef>
-      </dsp:style>
-      <dsp:txBody>
-        <a:bodyPr spcFirstLastPara="0" vert="horz" wrap="square" lIns="0" tIns="75438" rIns="97790" bIns="0" numCol="1" spcCol="1270" anchor="t" anchorCtr="0">
-          <a:noAutofit/>
-        </a:bodyPr>
-        <a:lstStyle/>
-        <a:p>
-          <a:pPr marL="0" lvl="0" indent="0" algn="r" defTabSz="977900">
-            <a:lnSpc>
-              <a:spcPct val="90000"/>
-            </a:lnSpc>
-            <a:spcBef>
-              <a:spcPct val="0"/>
-            </a:spcBef>
-            <a:spcAft>
-              <a:spcPct val="35000"/>
-            </a:spcAft>
-            <a:buNone/>
-          </a:pPr>
-          <a:r>
-            <a:rPr lang="en-US" sz="2200" kern="1200"/>
-            <a:t>Item</a:t>
-          </a:r>
-        </a:p>
-      </dsp:txBody>
-      <dsp:txXfrm rot="16200000">
-        <a:off x="-727032" y="1410819"/>
-        <a:ext cx="1838433" cy="373665"/>
-      </dsp:txXfrm>
-    </dsp:sp>
-    <dsp:sp modelId="{586ABF2D-8623-413E-8ED0-11EDC83194A9}">
-      <dsp:nvSpPr>
-        <dsp:cNvPr id="0" name=""/>
-        <dsp:cNvSpPr/>
-      </dsp:nvSpPr>
-      <dsp:spPr>
-        <a:xfrm>
-          <a:off x="379016" y="678435"/>
-          <a:ext cx="1391903" cy="2241991"/>
-        </a:xfrm>
-        <a:prstGeom prst="rect">
-          <a:avLst/>
-        </a:prstGeom>
-        <a:noFill/>
-        <a:ln>
-          <a:noFill/>
-        </a:ln>
-        <a:effectLst>
-          <a:outerShdw blurRad="57150" dist="19050" dir="5400000" algn="ctr" rotWithShape="0">
-            <a:srgbClr val="000000">
-              <a:alpha val="63000"/>
-            </a:srgbClr>
-          </a:outerShdw>
-        </a:effectLst>
-        <a:sp3d/>
-      </dsp:spPr>
-      <dsp:style>
-        <a:lnRef idx="0">
-          <a:scrgbClr r="0" g="0" b="0"/>
-        </a:lnRef>
-        <a:fillRef idx="3">
-          <a:scrgbClr r="0" g="0" b="0"/>
-        </a:fillRef>
-        <a:effectRef idx="3">
-          <a:scrgbClr r="0" g="0" b="0"/>
-        </a:effectRef>
-        <a:fontRef idx="minor">
-          <a:schemeClr val="lt1"/>
-        </a:fontRef>
-      </dsp:style>
-      <dsp:txBody>
-        <a:bodyPr spcFirstLastPara="0" vert="horz" wrap="square" lIns="0" tIns="195453" rIns="0" bIns="0" numCol="1" spcCol="1270" anchor="t" anchorCtr="0">
-          <a:noAutofit/>
-        </a:bodyPr>
-        <a:lstStyle/>
-        <a:p>
-          <a:pPr marL="0" lvl="0" indent="0" algn="l" defTabSz="2533650">
-            <a:lnSpc>
-              <a:spcPct val="90000"/>
-            </a:lnSpc>
-            <a:spcBef>
-              <a:spcPct val="0"/>
-            </a:spcBef>
-            <a:spcAft>
-              <a:spcPct val="35000"/>
-            </a:spcAft>
-            <a:buNone/>
-          </a:pPr>
-          <a:r>
-            <a:rPr lang="en-US" sz="5700" kern="1200"/>
-            <a:t>Text</a:t>
-          </a:r>
-        </a:p>
-      </dsp:txBody>
-      <dsp:txXfrm>
-        <a:off x="379016" y="678435"/>
-        <a:ext cx="1391903" cy="2241991"/>
-      </dsp:txXfrm>
-    </dsp:sp>
-    <dsp:sp modelId="{65CAE1A9-4C5D-44E8-B2ED-F097165FA6E4}">
-      <dsp:nvSpPr>
-        <dsp:cNvPr id="0" name=""/>
-        <dsp:cNvSpPr/>
-      </dsp:nvSpPr>
-      <dsp:spPr>
-        <a:xfrm>
-          <a:off x="1939069" y="678435"/>
-          <a:ext cx="1868326" cy="2241991"/>
-        </a:xfrm>
-        <a:prstGeom prst="roundRect">
-          <a:avLst>
-            <a:gd name="adj" fmla="val 5000"/>
-          </a:avLst>
-        </a:prstGeom>
-        <a:gradFill rotWithShape="0">
-          <a:gsLst>
-            <a:gs pos="0">
-              <a:schemeClr val="accent1">
-                <a:alpha val="90000"/>
-                <a:hueOff val="0"/>
-                <a:satOff val="0"/>
-                <a:lumOff val="0"/>
-                <a:alphaOff val="-10000"/>
-                <a:tint val="94000"/>
-                <a:satMod val="103000"/>
-                <a:lumMod val="102000"/>
-              </a:schemeClr>
-            </a:gs>
-            <a:gs pos="50000">
-              <a:schemeClr val="accent1">
-                <a:alpha val="90000"/>
-                <a:hueOff val="0"/>
-                <a:satOff val="0"/>
-                <a:lumOff val="0"/>
-                <a:alphaOff val="-10000"/>
-                <a:shade val="100000"/>
-                <a:satMod val="110000"/>
-                <a:lumMod val="100000"/>
-              </a:schemeClr>
-            </a:gs>
-            <a:gs pos="100000">
-              <a:schemeClr val="accent1">
-                <a:alpha val="90000"/>
-                <a:hueOff val="0"/>
-                <a:satOff val="0"/>
-                <a:lumOff val="0"/>
-                <a:alphaOff val="-10000"/>
-                <a:shade val="78000"/>
-                <a:satMod val="120000"/>
-                <a:lumMod val="99000"/>
-              </a:schemeClr>
-            </a:gs>
-          </a:gsLst>
-          <a:lin ang="5400000" scaled="0"/>
-        </a:gradFill>
-        <a:ln>
-          <a:noFill/>
-        </a:ln>
-        <a:effectLst>
-          <a:outerShdw blurRad="57150" dist="19050" dir="5400000" algn="ctr" rotWithShape="0">
-            <a:srgbClr val="000000">
-              <a:alpha val="63000"/>
-            </a:srgbClr>
-          </a:outerShdw>
-        </a:effectLst>
-      </dsp:spPr>
-      <dsp:style>
-        <a:lnRef idx="0">
-          <a:scrgbClr r="0" g="0" b="0"/>
-        </a:lnRef>
-        <a:fillRef idx="3">
-          <a:scrgbClr r="0" g="0" b="0"/>
-        </a:fillRef>
-        <a:effectRef idx="3">
-          <a:scrgbClr r="0" g="0" b="0"/>
-        </a:effectRef>
-        <a:fontRef idx="minor">
-          <a:schemeClr val="lt1"/>
-        </a:fontRef>
-      </dsp:style>
-      <dsp:txBody>
-        <a:bodyPr spcFirstLastPara="0" vert="horz" wrap="square" lIns="0" tIns="75438" rIns="97790" bIns="0" numCol="1" spcCol="1270" anchor="t" anchorCtr="0">
-          <a:noAutofit/>
-        </a:bodyPr>
-        <a:lstStyle/>
-        <a:p>
-          <a:pPr marL="0" lvl="0" indent="0" algn="r" defTabSz="977900">
-            <a:lnSpc>
-              <a:spcPct val="90000"/>
-            </a:lnSpc>
-            <a:spcBef>
-              <a:spcPct val="0"/>
-            </a:spcBef>
-            <a:spcAft>
-              <a:spcPct val="35000"/>
-            </a:spcAft>
-            <a:buNone/>
-          </a:pPr>
-          <a:r>
-            <a:rPr lang="en-US" sz="2200" kern="1200"/>
-            <a:t>Item</a:t>
-          </a:r>
-        </a:p>
-      </dsp:txBody>
-      <dsp:txXfrm rot="16200000">
-        <a:off x="1206685" y="1410819"/>
-        <a:ext cx="1838433" cy="373665"/>
-      </dsp:txXfrm>
-    </dsp:sp>
-    <dsp:sp modelId="{575D6E97-7D1F-4E7F-8320-35996600DDD6}">
-      <dsp:nvSpPr>
-        <dsp:cNvPr id="0" name=""/>
-        <dsp:cNvSpPr/>
-      </dsp:nvSpPr>
-      <dsp:spPr>
-        <a:xfrm rot="5400000">
-          <a:off x="1783673" y="2460244"/>
-          <a:ext cx="329474" cy="280248"/>
-        </a:xfrm>
-        <a:prstGeom prst="flowChartExtract">
-          <a:avLst/>
-        </a:prstGeom>
-        <a:solidFill>
-          <a:schemeClr val="lt1">
-            <a:hueOff val="0"/>
-            <a:satOff val="0"/>
-            <a:lumOff val="0"/>
-            <a:alphaOff val="0"/>
-          </a:schemeClr>
-        </a:solidFill>
-        <a:ln w="9525" cap="flat" cmpd="sng" algn="ctr">
-          <a:solidFill>
-            <a:schemeClr val="accent1">
-              <a:alpha val="90000"/>
-              <a:hueOff val="0"/>
-              <a:satOff val="0"/>
-              <a:lumOff val="0"/>
-              <a:alphaOff val="0"/>
-            </a:schemeClr>
-          </a:solidFill>
-          <a:prstDash val="solid"/>
-        </a:ln>
-        <a:effectLst/>
-      </dsp:spPr>
-      <dsp:style>
-        <a:lnRef idx="1">
-          <a:scrgbClr r="0" g="0" b="0"/>
-        </a:lnRef>
-        <a:fillRef idx="1">
-          <a:scrgbClr r="0" g="0" b="0"/>
-        </a:fillRef>
-        <a:effectRef idx="2">
-          <a:scrgbClr r="0" g="0" b="0"/>
-        </a:effectRef>
-        <a:fontRef idx="minor"/>
-      </dsp:style>
-    </dsp:sp>
-    <dsp:sp modelId="{4F74D6F0-9C4F-466B-BCFF-5DE26B1648F7}">
-      <dsp:nvSpPr>
-        <dsp:cNvPr id="0" name=""/>
-        <dsp:cNvSpPr/>
-      </dsp:nvSpPr>
-      <dsp:spPr>
-        <a:xfrm>
-          <a:off x="2312734" y="678435"/>
-          <a:ext cx="1391903" cy="2241991"/>
-        </a:xfrm>
-        <a:prstGeom prst="rect">
-          <a:avLst/>
-        </a:prstGeom>
-        <a:noFill/>
-        <a:ln>
-          <a:noFill/>
-        </a:ln>
-        <a:effectLst>
-          <a:outerShdw blurRad="57150" dist="19050" dir="5400000" algn="ctr" rotWithShape="0">
-            <a:srgbClr val="000000">
-              <a:alpha val="63000"/>
-            </a:srgbClr>
-          </a:outerShdw>
-        </a:effectLst>
-        <a:sp3d/>
-      </dsp:spPr>
-      <dsp:style>
-        <a:lnRef idx="0">
-          <a:scrgbClr r="0" g="0" b="0"/>
-        </a:lnRef>
-        <a:fillRef idx="3">
-          <a:scrgbClr r="0" g="0" b="0"/>
-        </a:fillRef>
-        <a:effectRef idx="3">
-          <a:scrgbClr r="0" g="0" b="0"/>
-        </a:effectRef>
-        <a:fontRef idx="minor">
-          <a:schemeClr val="lt1"/>
-        </a:fontRef>
-      </dsp:style>
-      <dsp:txBody>
-        <a:bodyPr spcFirstLastPara="0" vert="horz" wrap="square" lIns="0" tIns="195453" rIns="0" bIns="0" numCol="1" spcCol="1270" anchor="t" anchorCtr="0">
-          <a:noAutofit/>
-        </a:bodyPr>
-        <a:lstStyle/>
-        <a:p>
-          <a:pPr marL="0" lvl="0" indent="0" algn="l" defTabSz="2533650">
-            <a:lnSpc>
-              <a:spcPct val="90000"/>
-            </a:lnSpc>
-            <a:spcBef>
-              <a:spcPct val="0"/>
-            </a:spcBef>
-            <a:spcAft>
-              <a:spcPct val="35000"/>
-            </a:spcAft>
-            <a:buNone/>
-          </a:pPr>
-          <a:r>
-            <a:rPr lang="en-US" sz="5700" kern="1200"/>
-            <a:t>Text</a:t>
-          </a:r>
-        </a:p>
-      </dsp:txBody>
-      <dsp:txXfrm>
-        <a:off x="2312734" y="678435"/>
-        <a:ext cx="1391903" cy="2241991"/>
-      </dsp:txXfrm>
-    </dsp:sp>
-    <dsp:sp modelId="{9C17B0C7-EFC7-477F-8080-909280801ED3}">
-      <dsp:nvSpPr>
-        <dsp:cNvPr id="0" name=""/>
-        <dsp:cNvSpPr/>
-      </dsp:nvSpPr>
-      <dsp:spPr>
-        <a:xfrm>
-          <a:off x="3872786" y="678435"/>
-          <a:ext cx="1868326" cy="2241991"/>
-        </a:xfrm>
-        <a:prstGeom prst="roundRect">
-          <a:avLst>
-            <a:gd name="adj" fmla="val 5000"/>
-          </a:avLst>
-        </a:prstGeom>
-        <a:gradFill rotWithShape="0">
-          <a:gsLst>
-            <a:gs pos="0">
-              <a:schemeClr val="accent1">
-                <a:alpha val="90000"/>
-                <a:hueOff val="0"/>
-                <a:satOff val="0"/>
-                <a:lumOff val="0"/>
-                <a:alphaOff val="-20000"/>
-                <a:tint val="94000"/>
-                <a:satMod val="103000"/>
-                <a:lumMod val="102000"/>
-              </a:schemeClr>
-            </a:gs>
-            <a:gs pos="50000">
-              <a:schemeClr val="accent1">
-                <a:alpha val="90000"/>
-                <a:hueOff val="0"/>
-                <a:satOff val="0"/>
-                <a:lumOff val="0"/>
-                <a:alphaOff val="-20000"/>
-                <a:shade val="100000"/>
-                <a:satMod val="110000"/>
-                <a:lumMod val="100000"/>
-              </a:schemeClr>
-            </a:gs>
-            <a:gs pos="100000">
-              <a:schemeClr val="accent1">
-                <a:alpha val="90000"/>
-                <a:hueOff val="0"/>
-                <a:satOff val="0"/>
-                <a:lumOff val="0"/>
-                <a:alphaOff val="-20000"/>
-                <a:shade val="78000"/>
-                <a:satMod val="120000"/>
-                <a:lumMod val="99000"/>
-              </a:schemeClr>
-            </a:gs>
-          </a:gsLst>
-          <a:lin ang="5400000" scaled="0"/>
-        </a:gradFill>
-        <a:ln>
-          <a:noFill/>
-        </a:ln>
-        <a:effectLst>
-          <a:outerShdw blurRad="57150" dist="19050" dir="5400000" algn="ctr" rotWithShape="0">
-            <a:srgbClr val="000000">
-              <a:alpha val="63000"/>
-            </a:srgbClr>
-          </a:outerShdw>
-        </a:effectLst>
-      </dsp:spPr>
-      <dsp:style>
-        <a:lnRef idx="0">
-          <a:scrgbClr r="0" g="0" b="0"/>
-        </a:lnRef>
-        <a:fillRef idx="3">
-          <a:scrgbClr r="0" g="0" b="0"/>
-        </a:fillRef>
-        <a:effectRef idx="3">
-          <a:scrgbClr r="0" g="0" b="0"/>
-        </a:effectRef>
-        <a:fontRef idx="minor">
-          <a:schemeClr val="lt1"/>
-        </a:fontRef>
-      </dsp:style>
-      <dsp:txBody>
-        <a:bodyPr spcFirstLastPara="0" vert="horz" wrap="square" lIns="0" tIns="75438" rIns="97790" bIns="0" numCol="1" spcCol="1270" anchor="t" anchorCtr="0">
-          <a:noAutofit/>
-        </a:bodyPr>
-        <a:lstStyle/>
-        <a:p>
-          <a:pPr marL="0" lvl="0" indent="0" algn="r" defTabSz="977900">
-            <a:lnSpc>
-              <a:spcPct val="90000"/>
-            </a:lnSpc>
-            <a:spcBef>
-              <a:spcPct val="0"/>
-            </a:spcBef>
-            <a:spcAft>
-              <a:spcPct val="35000"/>
-            </a:spcAft>
-            <a:buNone/>
-          </a:pPr>
-          <a:r>
-            <a:rPr lang="en-US" sz="2200" kern="1200"/>
-            <a:t>Item</a:t>
-          </a:r>
-        </a:p>
-      </dsp:txBody>
-      <dsp:txXfrm rot="16200000">
-        <a:off x="3140402" y="1410819"/>
-        <a:ext cx="1838433" cy="373665"/>
-      </dsp:txXfrm>
-    </dsp:sp>
-    <dsp:sp modelId="{A4A3366A-C914-4596-BD30-55F951F84C58}">
-      <dsp:nvSpPr>
-        <dsp:cNvPr id="0" name=""/>
-        <dsp:cNvSpPr/>
-      </dsp:nvSpPr>
-      <dsp:spPr>
-        <a:xfrm rot="5400000">
-          <a:off x="3717391" y="2460244"/>
-          <a:ext cx="329474" cy="280248"/>
-        </a:xfrm>
-        <a:prstGeom prst="flowChartExtract">
-          <a:avLst/>
-        </a:prstGeom>
-        <a:solidFill>
-          <a:schemeClr val="lt1">
-            <a:hueOff val="0"/>
-            <a:satOff val="0"/>
-            <a:lumOff val="0"/>
-            <a:alphaOff val="0"/>
-          </a:schemeClr>
-        </a:solidFill>
-        <a:ln w="9525" cap="flat" cmpd="sng" algn="ctr">
-          <a:solidFill>
-            <a:schemeClr val="accent1">
-              <a:alpha val="90000"/>
-              <a:hueOff val="0"/>
-              <a:satOff val="0"/>
-              <a:lumOff val="0"/>
-              <a:alphaOff val="-13333"/>
-            </a:schemeClr>
-          </a:solidFill>
-          <a:prstDash val="solid"/>
-        </a:ln>
-        <a:effectLst/>
-      </dsp:spPr>
-      <dsp:style>
-        <a:lnRef idx="1">
-          <a:scrgbClr r="0" g="0" b="0"/>
-        </a:lnRef>
-        <a:fillRef idx="1">
-          <a:scrgbClr r="0" g="0" b="0"/>
-        </a:fillRef>
-        <a:effectRef idx="2">
-          <a:scrgbClr r="0" g="0" b="0"/>
-        </a:effectRef>
-        <a:fontRef idx="minor"/>
-      </dsp:style>
-    </dsp:sp>
-    <dsp:sp modelId="{78C60AE9-8046-4121-9399-60884B5D2F50}">
-      <dsp:nvSpPr>
-        <dsp:cNvPr id="0" name=""/>
-        <dsp:cNvSpPr/>
-      </dsp:nvSpPr>
-      <dsp:spPr>
-        <a:xfrm>
-          <a:off x="4246452" y="678435"/>
-          <a:ext cx="1391903" cy="2241991"/>
-        </a:xfrm>
-        <a:prstGeom prst="rect">
-          <a:avLst/>
-        </a:prstGeom>
-        <a:noFill/>
-        <a:ln>
-          <a:noFill/>
-        </a:ln>
-        <a:effectLst>
-          <a:outerShdw blurRad="57150" dist="19050" dir="5400000" algn="ctr" rotWithShape="0">
-            <a:srgbClr val="000000">
-              <a:alpha val="63000"/>
-            </a:srgbClr>
-          </a:outerShdw>
-        </a:effectLst>
-        <a:sp3d/>
-      </dsp:spPr>
-      <dsp:style>
-        <a:lnRef idx="0">
-          <a:scrgbClr r="0" g="0" b="0"/>
-        </a:lnRef>
-        <a:fillRef idx="3">
-          <a:scrgbClr r="0" g="0" b="0"/>
-        </a:fillRef>
-        <a:effectRef idx="3">
-          <a:scrgbClr r="0" g="0" b="0"/>
-        </a:effectRef>
-        <a:fontRef idx="minor">
-          <a:schemeClr val="lt1"/>
-        </a:fontRef>
-      </dsp:style>
-      <dsp:txBody>
-        <a:bodyPr spcFirstLastPara="0" vert="horz" wrap="square" lIns="0" tIns="195453" rIns="0" bIns="0" numCol="1" spcCol="1270" anchor="t" anchorCtr="0">
-          <a:noAutofit/>
-        </a:bodyPr>
-        <a:lstStyle/>
-        <a:p>
-          <a:pPr marL="0" lvl="0" indent="0" algn="l" defTabSz="2533650">
-            <a:lnSpc>
-              <a:spcPct val="90000"/>
-            </a:lnSpc>
-            <a:spcBef>
-              <a:spcPct val="0"/>
-            </a:spcBef>
-            <a:spcAft>
-              <a:spcPct val="35000"/>
-            </a:spcAft>
-            <a:buNone/>
-          </a:pPr>
-          <a:r>
-            <a:rPr lang="en-US" sz="5700" kern="1200"/>
-            <a:t>Text</a:t>
-          </a:r>
-        </a:p>
-      </dsp:txBody>
-      <dsp:txXfrm>
-        <a:off x="4246452" y="678435"/>
-        <a:ext cx="1391903" cy="2241991"/>
-      </dsp:txXfrm>
-    </dsp:sp>
-    <dsp:sp modelId="{58C317E8-1F04-49C0-9B07-F9D479104094}">
-      <dsp:nvSpPr>
-        <dsp:cNvPr id="0" name=""/>
-        <dsp:cNvSpPr/>
-      </dsp:nvSpPr>
-      <dsp:spPr>
-        <a:xfrm>
-          <a:off x="5806504" y="678435"/>
-          <a:ext cx="1868326" cy="2241991"/>
-        </a:xfrm>
-        <a:prstGeom prst="roundRect">
-          <a:avLst>
-            <a:gd name="adj" fmla="val 5000"/>
-          </a:avLst>
-        </a:prstGeom>
-        <a:gradFill rotWithShape="0">
-          <a:gsLst>
-            <a:gs pos="0">
-              <a:schemeClr val="accent1">
-                <a:alpha val="90000"/>
-                <a:hueOff val="0"/>
-                <a:satOff val="0"/>
-                <a:lumOff val="0"/>
-                <a:alphaOff val="-30000"/>
-                <a:tint val="94000"/>
-                <a:satMod val="103000"/>
-                <a:lumMod val="102000"/>
-              </a:schemeClr>
-            </a:gs>
-            <a:gs pos="50000">
-              <a:schemeClr val="accent1">
-                <a:alpha val="90000"/>
-                <a:hueOff val="0"/>
-                <a:satOff val="0"/>
-                <a:lumOff val="0"/>
-                <a:alphaOff val="-30000"/>
-                <a:shade val="100000"/>
-                <a:satMod val="110000"/>
-                <a:lumMod val="100000"/>
-              </a:schemeClr>
-            </a:gs>
-            <a:gs pos="100000">
-              <a:schemeClr val="accent1">
-                <a:alpha val="90000"/>
-                <a:hueOff val="0"/>
-                <a:satOff val="0"/>
-                <a:lumOff val="0"/>
-                <a:alphaOff val="-30000"/>
-                <a:shade val="78000"/>
-                <a:satMod val="120000"/>
-                <a:lumMod val="99000"/>
-              </a:schemeClr>
-            </a:gs>
-          </a:gsLst>
-          <a:lin ang="5400000" scaled="0"/>
-        </a:gradFill>
-        <a:ln>
-          <a:noFill/>
-        </a:ln>
-        <a:effectLst>
-          <a:outerShdw blurRad="57150" dist="19050" dir="5400000" algn="ctr" rotWithShape="0">
-            <a:srgbClr val="000000">
-              <a:alpha val="63000"/>
-            </a:srgbClr>
-          </a:outerShdw>
-        </a:effectLst>
-      </dsp:spPr>
-      <dsp:style>
-        <a:lnRef idx="0">
-          <a:scrgbClr r="0" g="0" b="0"/>
-        </a:lnRef>
-        <a:fillRef idx="3">
-          <a:scrgbClr r="0" g="0" b="0"/>
-        </a:fillRef>
-        <a:effectRef idx="3">
-          <a:scrgbClr r="0" g="0" b="0"/>
-        </a:effectRef>
-        <a:fontRef idx="minor">
-          <a:schemeClr val="lt1"/>
-        </a:fontRef>
-      </dsp:style>
-      <dsp:txBody>
-        <a:bodyPr spcFirstLastPara="0" vert="horz" wrap="square" lIns="0" tIns="75438" rIns="97790" bIns="0" numCol="1" spcCol="1270" anchor="t" anchorCtr="0">
-          <a:noAutofit/>
-        </a:bodyPr>
-        <a:lstStyle/>
-        <a:p>
-          <a:pPr marL="0" lvl="0" indent="0" algn="r" defTabSz="977900">
-            <a:lnSpc>
-              <a:spcPct val="90000"/>
-            </a:lnSpc>
-            <a:spcBef>
-              <a:spcPct val="0"/>
-            </a:spcBef>
-            <a:spcAft>
-              <a:spcPct val="35000"/>
-            </a:spcAft>
-            <a:buNone/>
-          </a:pPr>
-          <a:r>
-            <a:rPr lang="en-US" sz="2200" kern="1200"/>
-            <a:t>Item</a:t>
-          </a:r>
-        </a:p>
-      </dsp:txBody>
-      <dsp:txXfrm rot="16200000">
-        <a:off x="5074120" y="1410819"/>
-        <a:ext cx="1838433" cy="373665"/>
-      </dsp:txXfrm>
-    </dsp:sp>
-    <dsp:sp modelId="{ED9207CD-B51E-492C-9B07-F1B5D103B657}">
-      <dsp:nvSpPr>
-        <dsp:cNvPr id="0" name=""/>
-        <dsp:cNvSpPr/>
-      </dsp:nvSpPr>
-      <dsp:spPr>
-        <a:xfrm rot="5400000">
-          <a:off x="5651109" y="2460244"/>
-          <a:ext cx="329474" cy="280248"/>
-        </a:xfrm>
-        <a:prstGeom prst="flowChartExtract">
-          <a:avLst/>
-        </a:prstGeom>
-        <a:solidFill>
-          <a:schemeClr val="lt1">
-            <a:hueOff val="0"/>
-            <a:satOff val="0"/>
-            <a:lumOff val="0"/>
-            <a:alphaOff val="0"/>
-          </a:schemeClr>
-        </a:solidFill>
-        <a:ln w="9525" cap="flat" cmpd="sng" algn="ctr">
-          <a:solidFill>
-            <a:schemeClr val="accent1">
-              <a:alpha val="90000"/>
-              <a:hueOff val="0"/>
-              <a:satOff val="0"/>
-              <a:lumOff val="0"/>
-              <a:alphaOff val="-26667"/>
-            </a:schemeClr>
-          </a:solidFill>
-          <a:prstDash val="solid"/>
-        </a:ln>
-        <a:effectLst/>
-      </dsp:spPr>
-      <dsp:style>
-        <a:lnRef idx="1">
-          <a:scrgbClr r="0" g="0" b="0"/>
-        </a:lnRef>
-        <a:fillRef idx="1">
-          <a:scrgbClr r="0" g="0" b="0"/>
-        </a:fillRef>
-        <a:effectRef idx="2">
-          <a:scrgbClr r="0" g="0" b="0"/>
-        </a:effectRef>
-        <a:fontRef idx="minor"/>
-      </dsp:style>
-    </dsp:sp>
-    <dsp:sp modelId="{03C543D7-1896-4C0F-8B6A-E6BFC5169822}">
-      <dsp:nvSpPr>
-        <dsp:cNvPr id="0" name=""/>
-        <dsp:cNvSpPr/>
-      </dsp:nvSpPr>
-      <dsp:spPr>
-        <a:xfrm>
-          <a:off x="6180169" y="678435"/>
-          <a:ext cx="1391903" cy="2241991"/>
-        </a:xfrm>
-        <a:prstGeom prst="rect">
-          <a:avLst/>
-        </a:prstGeom>
-        <a:noFill/>
-        <a:ln>
-          <a:noFill/>
-        </a:ln>
-        <a:effectLst>
-          <a:outerShdw blurRad="57150" dist="19050" dir="5400000" algn="ctr" rotWithShape="0">
-            <a:srgbClr val="000000">
-              <a:alpha val="63000"/>
-            </a:srgbClr>
-          </a:outerShdw>
-        </a:effectLst>
-        <a:sp3d/>
-      </dsp:spPr>
-      <dsp:style>
-        <a:lnRef idx="0">
-          <a:scrgbClr r="0" g="0" b="0"/>
-        </a:lnRef>
-        <a:fillRef idx="3">
-          <a:scrgbClr r="0" g="0" b="0"/>
-        </a:fillRef>
-        <a:effectRef idx="3">
-          <a:scrgbClr r="0" g="0" b="0"/>
-        </a:effectRef>
-        <a:fontRef idx="minor">
-          <a:schemeClr val="lt1"/>
-        </a:fontRef>
-      </dsp:style>
-      <dsp:txBody>
-        <a:bodyPr spcFirstLastPara="0" vert="horz" wrap="square" lIns="0" tIns="195453" rIns="0" bIns="0" numCol="1" spcCol="1270" anchor="t" anchorCtr="0">
-          <a:noAutofit/>
-        </a:bodyPr>
-        <a:lstStyle/>
-        <a:p>
-          <a:pPr marL="0" lvl="0" indent="0" algn="l" defTabSz="2533650">
-            <a:lnSpc>
-              <a:spcPct val="90000"/>
-            </a:lnSpc>
-            <a:spcBef>
-              <a:spcPct val="0"/>
-            </a:spcBef>
-            <a:spcAft>
-              <a:spcPct val="35000"/>
-            </a:spcAft>
-            <a:buNone/>
-          </a:pPr>
-          <a:r>
-            <a:rPr lang="en-US" sz="5700" kern="1200"/>
-            <a:t>Text</a:t>
-          </a:r>
-        </a:p>
-      </dsp:txBody>
-      <dsp:txXfrm>
-        <a:off x="6180169" y="678435"/>
-        <a:ext cx="1391903" cy="2241991"/>
-      </dsp:txXfrm>
-    </dsp:sp>
-    <dsp:sp modelId="{073EAD77-6DC4-4185-AF91-F0FC2408C2DE}">
-      <dsp:nvSpPr>
-        <dsp:cNvPr id="0" name=""/>
-        <dsp:cNvSpPr/>
-      </dsp:nvSpPr>
-      <dsp:spPr>
-        <a:xfrm>
-          <a:off x="7740222" y="678435"/>
-          <a:ext cx="1868326" cy="2241991"/>
-        </a:xfrm>
-        <a:prstGeom prst="roundRect">
-          <a:avLst>
-            <a:gd name="adj" fmla="val 5000"/>
-          </a:avLst>
-        </a:prstGeom>
-        <a:gradFill rotWithShape="0">
-          <a:gsLst>
-            <a:gs pos="0">
-              <a:schemeClr val="accent1">
-                <a:alpha val="90000"/>
-                <a:hueOff val="0"/>
-                <a:satOff val="0"/>
-                <a:lumOff val="0"/>
-                <a:alphaOff val="-40000"/>
-                <a:tint val="94000"/>
-                <a:satMod val="103000"/>
-                <a:lumMod val="102000"/>
-              </a:schemeClr>
-            </a:gs>
-            <a:gs pos="50000">
-              <a:schemeClr val="accent1">
-                <a:alpha val="90000"/>
-                <a:hueOff val="0"/>
-                <a:satOff val="0"/>
-                <a:lumOff val="0"/>
-                <a:alphaOff val="-40000"/>
-                <a:shade val="100000"/>
-                <a:satMod val="110000"/>
-                <a:lumMod val="100000"/>
-              </a:schemeClr>
-            </a:gs>
-            <a:gs pos="100000">
-              <a:schemeClr val="accent1">
-                <a:alpha val="90000"/>
-                <a:hueOff val="0"/>
-                <a:satOff val="0"/>
-                <a:lumOff val="0"/>
-                <a:alphaOff val="-40000"/>
-                <a:shade val="78000"/>
-                <a:satMod val="120000"/>
-                <a:lumMod val="99000"/>
-              </a:schemeClr>
-            </a:gs>
-          </a:gsLst>
-          <a:lin ang="5400000" scaled="0"/>
-        </a:gradFill>
-        <a:ln>
-          <a:noFill/>
-        </a:ln>
-        <a:effectLst>
-          <a:outerShdw blurRad="57150" dist="19050" dir="5400000" algn="ctr" rotWithShape="0">
-            <a:srgbClr val="000000">
-              <a:alpha val="63000"/>
-            </a:srgbClr>
-          </a:outerShdw>
-        </a:effectLst>
-      </dsp:spPr>
-      <dsp:style>
-        <a:lnRef idx="0">
-          <a:scrgbClr r="0" g="0" b="0"/>
-        </a:lnRef>
-        <a:fillRef idx="3">
-          <a:scrgbClr r="0" g="0" b="0"/>
-        </a:fillRef>
-        <a:effectRef idx="3">
-          <a:scrgbClr r="0" g="0" b="0"/>
-        </a:effectRef>
-        <a:fontRef idx="minor">
-          <a:schemeClr val="lt1"/>
-        </a:fontRef>
-      </dsp:style>
-      <dsp:txBody>
-        <a:bodyPr spcFirstLastPara="0" vert="horz" wrap="square" lIns="0" tIns="75438" rIns="97790" bIns="0" numCol="1" spcCol="1270" anchor="t" anchorCtr="0">
-          <a:noAutofit/>
-        </a:bodyPr>
-        <a:lstStyle/>
-        <a:p>
-          <a:pPr marL="0" lvl="0" indent="0" algn="r" defTabSz="977900">
-            <a:lnSpc>
-              <a:spcPct val="90000"/>
-            </a:lnSpc>
-            <a:spcBef>
-              <a:spcPct val="0"/>
-            </a:spcBef>
-            <a:spcAft>
-              <a:spcPct val="35000"/>
-            </a:spcAft>
-            <a:buNone/>
-          </a:pPr>
-          <a:r>
-            <a:rPr lang="en-US" sz="2200" kern="1200"/>
-            <a:t>Item</a:t>
-          </a:r>
-        </a:p>
-      </dsp:txBody>
-      <dsp:txXfrm rot="16200000">
-        <a:off x="7007838" y="1410819"/>
-        <a:ext cx="1838433" cy="373665"/>
-      </dsp:txXfrm>
-    </dsp:sp>
-    <dsp:sp modelId="{7C5CFA38-39E4-4CE8-AE0B-B032E79F1FF7}">
-      <dsp:nvSpPr>
-        <dsp:cNvPr id="0" name=""/>
-        <dsp:cNvSpPr/>
-      </dsp:nvSpPr>
-      <dsp:spPr>
-        <a:xfrm rot="5400000">
-          <a:off x="7584826" y="2460244"/>
-          <a:ext cx="329474" cy="280248"/>
-        </a:xfrm>
-        <a:prstGeom prst="flowChartExtract">
-          <a:avLst/>
-        </a:prstGeom>
-        <a:solidFill>
-          <a:schemeClr val="lt1">
-            <a:hueOff val="0"/>
-            <a:satOff val="0"/>
-            <a:lumOff val="0"/>
-            <a:alphaOff val="0"/>
-          </a:schemeClr>
-        </a:solidFill>
-        <a:ln w="9525" cap="flat" cmpd="sng" algn="ctr">
-          <a:solidFill>
-            <a:schemeClr val="accent1">
-              <a:alpha val="90000"/>
-              <a:hueOff val="0"/>
-              <a:satOff val="0"/>
-              <a:lumOff val="0"/>
-              <a:alphaOff val="-40000"/>
-            </a:schemeClr>
-          </a:solidFill>
-          <a:prstDash val="solid"/>
-        </a:ln>
-        <a:effectLst/>
-      </dsp:spPr>
-      <dsp:style>
-        <a:lnRef idx="1">
-          <a:scrgbClr r="0" g="0" b="0"/>
-        </a:lnRef>
-        <a:fillRef idx="1">
-          <a:scrgbClr r="0" g="0" b="0"/>
-        </a:fillRef>
-        <a:effectRef idx="2">
-          <a:scrgbClr r="0" g="0" b="0"/>
-        </a:effectRef>
-        <a:fontRef idx="minor"/>
-      </dsp:style>
-    </dsp:sp>
-    <dsp:sp modelId="{F395DE95-9EB9-49BD-A06D-E6418CF83799}">
-      <dsp:nvSpPr>
-        <dsp:cNvPr id="0" name=""/>
-        <dsp:cNvSpPr/>
-      </dsp:nvSpPr>
-      <dsp:spPr>
-        <a:xfrm>
-          <a:off x="8113887" y="678435"/>
-          <a:ext cx="1391903" cy="2241991"/>
-        </a:xfrm>
-        <a:prstGeom prst="rect">
-          <a:avLst/>
-        </a:prstGeom>
-        <a:noFill/>
-        <a:ln>
-          <a:noFill/>
-        </a:ln>
-        <a:effectLst>
-          <a:outerShdw blurRad="57150" dist="19050" dir="5400000" algn="ctr" rotWithShape="0">
-            <a:srgbClr val="000000">
-              <a:alpha val="63000"/>
-            </a:srgbClr>
-          </a:outerShdw>
-        </a:effectLst>
-        <a:sp3d/>
-      </dsp:spPr>
-      <dsp:style>
-        <a:lnRef idx="0">
-          <a:scrgbClr r="0" g="0" b="0"/>
-        </a:lnRef>
-        <a:fillRef idx="3">
-          <a:scrgbClr r="0" g="0" b="0"/>
-        </a:fillRef>
-        <a:effectRef idx="3">
-          <a:scrgbClr r="0" g="0" b="0"/>
-        </a:effectRef>
-        <a:fontRef idx="minor">
-          <a:schemeClr val="lt1"/>
-        </a:fontRef>
-      </dsp:style>
-      <dsp:txBody>
-        <a:bodyPr spcFirstLastPara="0" vert="horz" wrap="square" lIns="0" tIns="195453" rIns="0" bIns="0" numCol="1" spcCol="1270" anchor="t" anchorCtr="0">
-          <a:noAutofit/>
-        </a:bodyPr>
-        <a:lstStyle/>
-        <a:p>
-          <a:pPr marL="0" lvl="0" indent="0" algn="l" defTabSz="2533650">
-            <a:lnSpc>
-              <a:spcPct val="90000"/>
-            </a:lnSpc>
-            <a:spcBef>
-              <a:spcPct val="0"/>
-            </a:spcBef>
-            <a:spcAft>
-              <a:spcPct val="35000"/>
-            </a:spcAft>
-            <a:buNone/>
-          </a:pPr>
-          <a:r>
-            <a:rPr lang="en-US" sz="5700" kern="1200"/>
-            <a:t>Text</a:t>
-          </a:r>
-        </a:p>
-      </dsp:txBody>
-      <dsp:txXfrm>
-        <a:off x="8113887" y="678435"/>
-        <a:ext cx="1391903" cy="2241991"/>
-      </dsp:txXfrm>
-    </dsp:sp>
-  </dsp:spTree>
-</dsp:drawing>
-</file>
-
-<file path=ppt/diagrams/layout1.xml><?xml version="1.0" encoding="utf-8"?>
-<dgm:layoutDef xmlns:dgm="http://schemas.openxmlformats.org/drawingml/2006/diagram" xmlns:a="http://schemas.openxmlformats.org/drawingml/2006/main" uniqueId="urn:microsoft.com/office/officeart/2005/8/layout/hProcess7">
-  <dgm:title val=""/>
-  <dgm:desc val=""/>
-  <dgm:catLst>
-    <dgm:cat type="process" pri="21000"/>
-    <dgm:cat type="list" pri="9000"/>
-  </dgm:catLst>
-  <dgm:sampData>
-    <dgm:dataModel>
-      <dgm:ptLst>
-        <dgm:pt modelId="0" type="doc"/>
-        <dgm:pt modelId="1">
-          <dgm:prSet phldr="1"/>
-        </dgm:pt>
-        <dgm:pt modelId="11">
-          <dgm:prSet phldr="1"/>
-        </dgm:pt>
-        <dgm:pt modelId="2">
-          <dgm:prSet phldr="1"/>
-        </dgm:pt>
-        <dgm:pt modelId="21">
-          <dgm:prSet phldr="1"/>
-        </dgm:pt>
-        <dgm:pt modelId="3">
-          <dgm:prSet phldr="1"/>
-        </dgm:pt>
-        <dgm:pt modelId="31">
-          <dgm:prSet phldr="1"/>
-        </dgm:pt>
-      </dgm:ptLst>
-      <dgm:cxnLst>
-        <dgm:cxn modelId="4" srcId="0" destId="1" srcOrd="0" destOrd="0"/>
-        <dgm:cxn modelId="5" srcId="0" destId="2" srcOrd="1" destOrd="0"/>
-        <dgm:cxn modelId="6" srcId="0" destId="3" srcOrd="2" destOrd="0"/>
-        <dgm:cxn modelId="13" srcId="1" destId="11" srcOrd="0" destOrd="0"/>
-        <dgm:cxn modelId="23" srcId="2" destId="21" srcOrd="0" destOrd="0"/>
-        <dgm:cxn modelId="33" srcId="3" destId="31" srcOrd="0" destOrd="0"/>
-      </dgm:cxnLst>
-      <dgm:bg/>
-      <dgm:whole/>
-    </dgm:dataModel>
-  </dgm:sampData>
-  <dgm:styleData>
-    <dgm:dataModel>
-      <dgm:ptLst>
-        <dgm:pt modelId="0" type="doc"/>
-        <dgm:pt modelId="1"/>
-        <dgm:pt modelId="11"/>
-        <dgm:pt modelId="2"/>
-        <dgm:pt modelId="21"/>
-      </dgm:ptLst>
-      <dgm:cxnLst>
-        <dgm:cxn modelId="4" srcId="0" destId="1" srcOrd="0" destOrd="0"/>
-        <dgm:cxn modelId="5" srcId="0" destId="2" srcOrd="1" destOrd="0"/>
-        <dgm:cxn modelId="13" srcId="1" destId="11" srcOrd="0" destOrd="0"/>
-        <dgm:cxn modelId="23" srcId="2" destId="21" srcOrd="0" destOrd="0"/>
-      </dgm:cxnLst>
-      <dgm:bg/>
-      <dgm:whole/>
-    </dgm:dataModel>
-  </dgm:styleData>
-  <dgm:clrData>
-    <dgm:dataModel>
-      <dgm:ptLst>
-        <dgm:pt modelId="0" type="doc"/>
-        <dgm:pt modelId="1"/>
-        <dgm:pt modelId="11"/>
-        <dgm:pt modelId="2"/>
-        <dgm:pt modelId="21"/>
-        <dgm:pt modelId="3"/>
-        <dgm:pt modelId="31"/>
-        <dgm:pt modelId="4"/>
-        <dgm:pt modelId="41"/>
-      </dgm:ptLst>
-      <dgm:cxnLst>
-        <dgm:cxn modelId="5" srcId="0" destId="1" srcOrd="0" destOrd="0"/>
-        <dgm:cxn modelId="6" srcId="0" destId="2" srcOrd="1" destOrd="0"/>
-        <dgm:cxn modelId="7" srcId="0" destId="3" srcOrd="2" destOrd="0"/>
-        <dgm:cxn modelId="8" srcId="0" destId="4" srcOrd="3" destOrd="0"/>
-        <dgm:cxn modelId="13" srcId="1" destId="11" srcOrd="0" destOrd="0"/>
-        <dgm:cxn modelId="23" srcId="2" destId="21" srcOrd="0" destOrd="0"/>
-        <dgm:cxn modelId="33" srcId="3" destId="31" srcOrd="0" destOrd="0"/>
-        <dgm:cxn modelId="43" srcId="4" destId="41" srcOrd="0" destOrd="0"/>
-      </dgm:cxnLst>
-      <dgm:bg/>
-      <dgm:whole/>
-    </dgm:dataModel>
-  </dgm:clrData>
-  <dgm:layoutNode name="Name0">
-    <dgm:varLst>
-      <dgm:dir/>
-      <dgm:animLvl val="lvl"/>
-      <dgm:resizeHandles val="exact"/>
-    </dgm:varLst>
-    <dgm:choose name="Name1">
-      <dgm:if name="Name2" func="var" arg="dir" op="equ" val="norm">
-        <dgm:alg type="lin">
-          <dgm:param type="linDir" val="fromL"/>
-          <dgm:param type="nodeVertAlign" val="t"/>
-        </dgm:alg>
-      </dgm:if>
-      <dgm:else name="Name3">
-        <dgm:alg type="lin">
-          <dgm:param type="linDir" val="fromR"/>
-          <dgm:param type="nodeVertAlign" val="t"/>
-        </dgm:alg>
-      </dgm:else>
-    </dgm:choose>
-    <dgm:shape xmlns:r="http://schemas.openxmlformats.org/officeDocument/2006/relationships" r:blip="">
-      <dgm:adjLst/>
-    </dgm:shape>
-    <dgm:presOf/>
-    <dgm:constrLst>
-      <dgm:constr type="h" for="ch" forName="compositeNode" refType="h"/>
-      <dgm:constr type="w" for="ch" forName="compositeNode" refType="w"/>
-      <dgm:constr type="w" for="ch" forName="hSp" refType="w" refFor="ch" refForName="compositeNode" fact="-0.035"/>
-      <dgm:constr type="w" for="des" forName="simulatedConn" refType="w" refFor="ch" refForName="compositeNode" fact="0.15"/>
-      <dgm:constr type="h" for="des" forName="simulatedConn" refType="w" refFor="des" refForName="simulatedConn"/>
-      <dgm:constr type="h" for="des" forName="vSp1" refType="w" refFor="ch" refForName="compositeNode" fact="0.8"/>
-      <dgm:constr type="h" for="des" forName="vSp2" refType="w" refFor="ch" refForName="compositeNode" fact="0.07"/>
-      <dgm:constr type="w" for="ch" forName="vProcSp" refType="w" refFor="des" refForName="simulatedConn" op="equ"/>
-      <dgm:constr type="h" for="ch" forName="vProcSp" refType="h" refFor="ch" refForName="compositeNode" op="equ"/>
-      <dgm:constr type="w" for="ch" forName="sibTrans" refType="w" refFor="ch" refForName="compositeNode" fact="-0.08"/>
-      <dgm:constr type="primFontSz" for="des" forName="parentNode" op="equ"/>
-      <dgm:constr type="primFontSz" for="des" forName="childNode" op="equ"/>
-    </dgm:constrLst>
-    <dgm:ruleLst/>
-    <dgm:forEach name="Name4" axis="ch" ptType="node">
-      <dgm:layoutNode name="compositeNode">
-        <dgm:varLst>
-          <dgm:bulletEnabled val="1"/>
-        </dgm:varLst>
-        <dgm:alg type="composite"/>
-        <dgm:choose name="Name5">
-          <dgm:if name="Name6" func="var" arg="dir" op="equ" val="norm">
-            <dgm:constrLst>
-              <dgm:constr type="h" refType="w" op="lte" fact="1.2"/>
-              <dgm:constr type="w" for="ch" forName="bgRect" refType="w"/>
-              <dgm:constr type="h" for="ch" forName="bgRect" refType="h"/>
-              <dgm:constr type="t" for="ch" forName="bgRect"/>
-              <dgm:constr type="l" for="ch" forName="bgRect"/>
-              <dgm:constr type="w" for="ch" forName="parentNode" refType="w" refFor="ch" refForName="bgRect" fact="0.2"/>
-              <dgm:constr type="h" for="ch" forName="parentNode" refType="h" fact="0.82"/>
-              <dgm:constr type="t" for="ch" forName="parentNode"/>
-              <dgm:constr type="l" for="ch" forName="parentNode"/>
-              <dgm:constr type="r" for="ch" forName="childNode" refType="r" refFor="ch" refForName="bgRect" fact="0.945"/>
-              <dgm:constr type="h" for="ch" forName="childNode" refType="h" refFor="ch" refForName="bgRect" op="equ"/>
-              <dgm:constr type="t" for="ch" forName="childNode"/>
-              <dgm:constr type="l" for="ch" forName="childNode" refType="r" refFor="ch" refForName="parentNode"/>
-            </dgm:constrLst>
-          </dgm:if>
-          <dgm:else name="Name7">
-            <dgm:constrLst>
-              <dgm:constr type="h" refType="w" op="lte" fact="1.2"/>
-              <dgm:constr type="w" for="ch" forName="bgRect" refType="w"/>
-              <dgm:constr type="h" for="ch" forName="bgRect" refType="h"/>
-              <dgm:constr type="t" for="ch" forName="bgRect"/>
-              <dgm:constr type="r" for="ch" forName="bgRect" refType="w"/>
-              <dgm:constr type="w" for="ch" forName="parentNode" refType="w" refFor="ch" refForName="bgRect" fact="0.2"/>
-              <dgm:constr type="h" for="ch" forName="parentNode" refType="h" fact="0.82"/>
-              <dgm:constr type="t" for="ch" forName="parentNode"/>
-              <dgm:constr type="r" for="ch" forName="parentNode" refType="w"/>
-              <dgm:constr type="h" for="ch" forName="childNode" refType="h" refFor="ch" refForName="bgRect"/>
-              <dgm:constr type="t" for="ch" forName="childNode"/>
-              <dgm:constr type="r" for="ch" forName="childNode" refType="l" refFor="ch" refForName="parentNode"/>
-              <dgm:constr type="l" for="ch" forName="childNode" refType="w" refFor="ch" refForName="bgRect" fact="0.055"/>
-            </dgm:constrLst>
-          </dgm:else>
-        </dgm:choose>
-        <dgm:ruleLst>
-          <dgm:rule type="w" for="ch" forName="childNode" val="NaN" fact="NaN" max="30"/>
-        </dgm:ruleLst>
-        <dgm:layoutNode name="bgRect" styleLbl="node1">
-          <dgm:alg type="sp"/>
-          <dgm:shape xmlns:r="http://schemas.openxmlformats.org/officeDocument/2006/relationships" type="roundRect" r:blip="" zOrderOff="-1">
-            <dgm:adjLst>
-              <dgm:adj idx="1" val="0.05"/>
-            </dgm:adjLst>
-          </dgm:shape>
-          <dgm:presOf axis="self"/>
-          <dgm:constrLst/>
-          <dgm:ruleLst/>
-        </dgm:layoutNode>
-        <dgm:layoutNode name="parentNode" styleLbl="node1">
-          <dgm:varLst>
-            <dgm:chMax val="0"/>
-            <dgm:bulletEnabled val="1"/>
-          </dgm:varLst>
-          <dgm:presOf axis="self"/>
-          <dgm:choose name="Name8">
-            <dgm:if name="Name9" func="var" arg="dir" op="equ" val="norm">
-              <dgm:alg type="tx">
-                <dgm:param type="autoTxRot" val="grav"/>
-                <dgm:param type="txAnchorVert" val="t"/>
-                <dgm:param type="parTxLTRAlign" val="r"/>
-                <dgm:param type="parTxRTLAlign" val="r"/>
-              </dgm:alg>
-              <dgm:shape xmlns:r="http://schemas.openxmlformats.org/officeDocument/2006/relationships" rot="270" type="rect" r:blip="" hideGeom="1">
-                <dgm:adjLst/>
-              </dgm:shape>
-              <dgm:constrLst>
-                <dgm:constr type="primFontSz" val="65"/>
-                <dgm:constr type="lMarg"/>
-                <dgm:constr type="rMarg" refType="primFontSz" fact="0.35"/>
-                <dgm:constr type="tMarg" refType="primFontSz" fact="0.27"/>
-                <dgm:constr type="bMarg"/>
-              </dgm:constrLst>
-            </dgm:if>
-            <dgm:else name="Name10">
-              <dgm:alg type="tx">
-                <dgm:param type="autoTxRot" val="grav"/>
-                <dgm:param type="txAnchorVert" val="t"/>
-                <dgm:param type="parTxLTRAlign" val="l"/>
-                <dgm:param type="parTxRTLAlign" val="l"/>
-              </dgm:alg>
-              <dgm:shape xmlns:r="http://schemas.openxmlformats.org/officeDocument/2006/relationships" rot="90" type="rect" r:blip="" hideGeom="1">
-                <dgm:adjLst/>
-              </dgm:shape>
-              <dgm:constrLst>
-                <dgm:constr type="primFontSz" val="65"/>
-                <dgm:constr type="lMarg" refType="primFontSz" fact="0.35"/>
-                <dgm:constr type="rMarg"/>
-                <dgm:constr type="tMarg" refType="primFontSz" fact="0.27"/>
-                <dgm:constr type="bMarg"/>
-              </dgm:constrLst>
-            </dgm:else>
-          </dgm:choose>
-          <dgm:ruleLst>
-            <dgm:rule type="primFontSz" val="5" fact="NaN" max="NaN"/>
-          </dgm:ruleLst>
-        </dgm:layoutNode>
-        <dgm:choose name="Name11">
-          <dgm:if name="Name12" axis="ch" ptType="node" func="cnt" op="gte" val="1">
-            <dgm:layoutNode name="childNode" styleLbl="node1" moveWith="bgRect">
-              <dgm:varLst>
-                <dgm:bulletEnabled val="1"/>
-              </dgm:varLst>
-              <dgm:alg type="tx">
-                <dgm:param type="parTxLTRAlign" val="l"/>
-                <dgm:param type="parTxRTLAlign" val="r"/>
-                <dgm:param type="txAnchorVert" val="t"/>
-              </dgm:alg>
-              <dgm:shape xmlns:r="http://schemas.openxmlformats.org/officeDocument/2006/relationships" type="rect" r:blip="" hideGeom="1">
-                <dgm:adjLst/>
-              </dgm:shape>
-              <dgm:presOf axis="des" ptType="node"/>
-              <dgm:constrLst>
-                <dgm:constr type="primFontSz" val="65"/>
-                <dgm:constr type="lMarg"/>
-                <dgm:constr type="bMarg"/>
-                <dgm:constr type="tMarg" refType="primFontSz" fact="0.27"/>
-                <dgm:constr type="rMarg"/>
-              </dgm:constrLst>
-              <dgm:ruleLst>
-                <dgm:rule type="primFontSz" val="5" fact="NaN" max="NaN"/>
-              </dgm:ruleLst>
-            </dgm:layoutNode>
-          </dgm:if>
-          <dgm:else name="Name13"/>
-        </dgm:choose>
-      </dgm:layoutNode>
-      <dgm:forEach name="Name14" axis="followSib" ptType="sibTrans" cnt="1">
-        <dgm:layoutNode name="hSp">
-          <dgm:alg type="sp"/>
-          <dgm:shape xmlns:r="http://schemas.openxmlformats.org/officeDocument/2006/relationships" r:blip="">
-            <dgm:adjLst/>
-          </dgm:shape>
-          <dgm:presOf/>
-          <dgm:constrLst/>
-          <dgm:ruleLst/>
-        </dgm:layoutNode>
-        <dgm:layoutNode name="vProcSp" moveWith="bgRect">
-          <dgm:alg type="lin">
-            <dgm:param type="linDir" val="fromT"/>
-          </dgm:alg>
-          <dgm:shape xmlns:r="http://schemas.openxmlformats.org/officeDocument/2006/relationships" r:blip="">
-            <dgm:adjLst/>
-          </dgm:shape>
-          <dgm:presOf/>
-          <dgm:constrLst>
-            <dgm:constr type="w" for="ch" forName="vSp1" refType="w"/>
-            <dgm:constr type="w" for="ch" forName="simulatedConn" refType="w"/>
-            <dgm:constr type="w" for="ch" forName="vSp2" refType="w"/>
-          </dgm:constrLst>
-          <dgm:ruleLst/>
-          <dgm:layoutNode name="vSp1">
-            <dgm:alg type="sp"/>
-            <dgm:shape xmlns:r="http://schemas.openxmlformats.org/officeDocument/2006/relationships" r:blip="">
-              <dgm:adjLst/>
-            </dgm:shape>
-            <dgm:presOf/>
-            <dgm:constrLst/>
-            <dgm:ruleLst/>
-          </dgm:layoutNode>
-          <dgm:layoutNode name="simulatedConn" styleLbl="solidFgAcc1">
-            <dgm:alg type="sp"/>
-            <dgm:choose name="Name15">
-              <dgm:if name="Name16" func="var" arg="dir" op="equ" val="norm">
-                <dgm:shape xmlns:r="http://schemas.openxmlformats.org/officeDocument/2006/relationships" rot="90" type="flowChartExtract" r:blip="">
-                  <dgm:adjLst/>
-                </dgm:shape>
-              </dgm:if>
-              <dgm:else name="Name17">
-                <dgm:shape xmlns:r="http://schemas.openxmlformats.org/officeDocument/2006/relationships" rot="-90" type="flowChartExtract" r:blip="">
-                  <dgm:adjLst/>
-                </dgm:shape>
-              </dgm:else>
-            </dgm:choose>
-            <dgm:presOf/>
-            <dgm:constrLst/>
-            <dgm:ruleLst/>
-          </dgm:layoutNode>
-          <dgm:layoutNode name="vSp2">
-            <dgm:alg type="sp"/>
-            <dgm:shape xmlns:r="http://schemas.openxmlformats.org/officeDocument/2006/relationships" r:blip="">
-              <dgm:adjLst/>
-            </dgm:shape>
-            <dgm:presOf/>
-            <dgm:constrLst/>
-            <dgm:ruleLst/>
-          </dgm:layoutNode>
-        </dgm:layoutNode>
-        <dgm:layoutNode name="sibTrans">
-          <dgm:alg type="sp"/>
-          <dgm:shape xmlns:r="http://schemas.openxmlformats.org/officeDocument/2006/relationships" r:blip="">
-            <dgm:adjLst/>
-          </dgm:shape>
-          <dgm:presOf/>
-          <dgm:constrLst/>
-          <dgm:ruleLst/>
-        </dgm:layoutNode>
-      </dgm:forEach>
-    </dgm:forEach>
-  </dgm:layoutNode>
-</dgm:layoutDef>
-</file>
-
-<file path=ppt/diagrams/quickStyle1.xml><?xml version="1.0" encoding="utf-8"?>
-<dgm:styleDef xmlns:dgm="http://schemas.openxmlformats.org/drawingml/2006/diagram" xmlns:a="http://schemas.openxmlformats.org/drawingml/2006/main" uniqueId="urn:microsoft.com/office/officeart/2005/8/quickstyle/simple5">
-  <dgm:title val=""/>
-  <dgm:desc val=""/>
-  <dgm:catLst>
-    <dgm:cat type="simple" pri="10500"/>
-  </dgm:catLst>
-  <dgm:scene3d>
-    <a:camera prst="orthographicFront"/>
-    <a:lightRig rig="threePt" dir="t"/>
-  </dgm:scene3d>
-  <dgm:styleLbl name="node0">
-    <dgm:scene3d>
-      <a:camera prst="orthographicFront"/>
-      <a:lightRig rig="threePt" dir="t"/>
-    </dgm:scene3d>
-    <dgm:sp3d/>
-    <dgm:txPr/>
-    <dgm:style>
-      <a:lnRef idx="0">
-        <a:scrgbClr r="0" g="0" b="0"/>
-      </a:lnRef>
-      <a:fillRef idx="3">
-        <a:scrgbClr r="0" g="0" b="0"/>
-      </a:fillRef>
-      <a:effectRef idx="3">
-        <a:scrgbClr r="0" g="0" b="0"/>
-      </a:effectRef>
-      <a:fontRef idx="minor">
-        <a:schemeClr val="lt1"/>
-      </a:fontRef>
-    </dgm:style>
-  </dgm:styleLbl>
-  <dgm:styleLbl name="lnNode1">
-    <dgm:scene3d>
-      <a:camera prst="orthographicFront"/>
-      <a:lightRig rig="threePt" dir="t"/>
-    </dgm:scene3d>
-    <dgm:sp3d/>
-    <dgm:txPr/>
-    <dgm:style>
-      <a:lnRef idx="0">
-        <a:scrgbClr r="0" g="0" b="0"/>
-      </a:lnRef>
-      <a:fillRef idx="3">
-        <a:scrgbClr r="0" g="0" b="0"/>
-      </a:fillRef>
-      <a:effectRef idx="3">
-        <a:scrgbClr r="0" g="0" b="0"/>
-      </a:effectRef>
-      <a:fontRef idx="minor">
-        <a:schemeClr val="lt1"/>
-      </a:fontRef>
-    </dgm:style>
-  </dgm:styleLbl>
-  <dgm:styleLbl name="vennNode1">
-    <dgm:scene3d>
-      <a:camera prst="orthographicFront"/>
-      <a:lightRig rig="threePt" dir="t"/>
-    </dgm:scene3d>
-    <dgm:sp3d/>
-    <dgm:txPr/>
-    <dgm:style>
-      <a:lnRef idx="0">
-        <a:scrgbClr r="0" g="0" b="0"/>
-      </a:lnRef>
-      <a:fillRef idx="3">
-        <a:scrgbClr r="0" g="0" b="0"/>
-      </a:fillRef>
-      <a:effectRef idx="3">
-        <a:scrgbClr r="0" g="0" b="0"/>
-      </a:effectRef>
-      <a:fontRef idx="minor">
-        <a:schemeClr val="tx1"/>
-      </a:fontRef>
-    </dgm:style>
-  </dgm:styleLbl>
-  <dgm:styleLbl name="alignNode1">
-    <dgm:scene3d>
-      <a:camera prst="orthographicFront"/>
-      <a:lightRig rig="threePt" dir="t"/>
-    </dgm:scene3d>
-    <dgm:sp3d/>
-    <dgm:txPr/>
-    <dgm:style>
-      <a:lnRef idx="1">
-        <a:scrgbClr r="0" g="0" b="0"/>
-      </a:lnRef>
-      <a:fillRef idx="3">
-        <a:scrgbClr r="0" g="0" b="0"/>
-      </a:fillRef>
-      <a:effectRef idx="3">
-        <a:scrgbClr r="0" g="0" b="0"/>
-      </a:effectRef>
-      <a:fontRef idx="minor">
-        <a:schemeClr val="lt1"/>
-      </a:fontRef>
-    </dgm:style>
-  </dgm:styleLbl>
-  <dgm:styleLbl name="node1">
-    <dgm:scene3d>
-      <a:camera prst="orthographicFront"/>
-      <a:lightRig rig="threePt" dir="t"/>
-    </dgm:scene3d>
-    <dgm:sp3d/>
-    <dgm:txPr/>
-    <dgm:style>
-      <a:lnRef idx="0">
-        <a:scrgbClr r="0" g="0" b="0"/>
-      </a:lnRef>
-      <a:fillRef idx="3">
-        <a:scrgbClr r="0" g="0" b="0"/>
-      </a:fillRef>
-      <a:effectRef idx="3">
-        <a:scrgbClr r="0" g="0" b="0"/>
-      </a:effectRef>
-      <a:fontRef idx="minor">
-        <a:schemeClr val="lt1"/>
-      </a:fontRef>
-    </dgm:style>
-  </dgm:styleLbl>
-  <dgm:styleLbl name="node2">
-    <dgm:scene3d>
-      <a:camera prst="orthographicFront"/>
-      <a:lightRig rig="threePt" dir="t"/>
-    </dgm:scene3d>
-    <dgm:sp3d/>
-    <dgm:txPr/>
-    <dgm:style>
-      <a:lnRef idx="0">
-        <a:scrgbClr r="0" g="0" b="0"/>
-      </a:lnRef>
-      <a:fillRef idx="3">
-        <a:scrgbClr r="0" g="0" b="0"/>
-      </a:fillRef>
-      <a:effectRef idx="3">
-        <a:scrgbClr r="0" g="0" b="0"/>
-      </a:effectRef>
-      <a:fontRef idx="minor">
-        <a:schemeClr val="lt1"/>
-      </a:fontRef>
-    </dgm:style>
-  </dgm:styleLbl>
-  <dgm:styleLbl name="node3">
-    <dgm:scene3d>
-      <a:camera prst="orthographicFront"/>
-      <a:lightRig rig="threePt" dir="t"/>
-    </dgm:scene3d>
-    <dgm:sp3d/>
-    <dgm:txPr/>
-    <dgm:style>
-      <a:lnRef idx="0">
-        <a:scrgbClr r="0" g="0" b="0"/>
-      </a:lnRef>
-      <a:fillRef idx="3">
-        <a:scrgbClr r="0" g="0" b="0"/>
-      </a:fillRef>
-      <a:effectRef idx="3">
-        <a:scrgbClr r="0" g="0" b="0"/>
-      </a:effectRef>
-      <a:fontRef idx="minor">
-        <a:schemeClr val="lt1"/>
-      </a:fontRef>
-    </dgm:style>
-  </dgm:styleLbl>
-  <dgm:styleLbl name="node4">
-    <dgm:scene3d>
-      <a:camera prst="orthographicFront"/>
-      <a:lightRig rig="threePt" dir="t"/>
-    </dgm:scene3d>
-    <dgm:sp3d/>
-    <dgm:txPr/>
-    <dgm:style>
-      <a:lnRef idx="0">
-        <a:scrgbClr r="0" g="0" b="0"/>
-      </a:lnRef>
-      <a:fillRef idx="3">
-        <a:scrgbClr r="0" g="0" b="0"/>
-      </a:fillRef>
-      <a:effectRef idx="3">
-        <a:scrgbClr r="0" g="0" b="0"/>
-      </a:effectRef>
-      <a:fontRef idx="minor">
-        <a:schemeClr val="lt1"/>
-      </a:fontRef>
-    </dgm:style>
-  </dgm:styleLbl>
-  <dgm:styleLbl name="fgImgPlace1">
-    <dgm:scene3d>
-      <a:camera prst="orthographicFront"/>
-      <a:lightRig rig="threePt" dir="t"/>
-    </dgm:scene3d>
-    <dgm:sp3d/>
-    <dgm:txPr/>
-    <dgm:style>
-      <a:lnRef idx="0">
-        <a:scrgbClr r="0" g="0" b="0"/>
-      </a:lnRef>
-      <a:fillRef idx="1">
-        <a:scrgbClr r="0" g="0" b="0"/>
-      </a:fillRef>
-      <a:effectRef idx="3">
-        <a:scrgbClr r="0" g="0" b="0"/>
-      </a:effectRef>
-      <a:fontRef idx="minor"/>
-    </dgm:style>
-  </dgm:styleLbl>
-  <dgm:styleLbl name="alignImgPlace1">
-    <dgm:scene3d>
-      <a:camera prst="orthographicFront"/>
-      <a:lightRig rig="threePt" dir="t"/>
-    </dgm:scene3d>
-    <dgm:sp3d/>
-    <dgm:txPr/>
-    <dgm:style>
-      <a:lnRef idx="0">
-        <a:scrgbClr r="0" g="0" b="0"/>
-      </a:lnRef>
-      <a:fillRef idx="1">
-        <a:scrgbClr r="0" g="0" b="0"/>
-      </a:fillRef>
-      <a:effectRef idx="3">
-        <a:scrgbClr r="0" g="0" b="0"/>
-      </a:effectRef>
-      <a:fontRef idx="minor"/>
-    </dgm:style>
-  </dgm:styleLbl>
-  <dgm:styleLbl name="bgImgPlace1">
-    <dgm:scene3d>
-      <a:camera prst="orthographicFront"/>
-      <a:lightRig rig="threePt" dir="t"/>
-    </dgm:scene3d>
-    <dgm:sp3d/>
-    <dgm:txPr/>
-    <dgm:style>
-      <a:lnRef idx="0">
-        <a:scrgbClr r="0" g="0" b="0"/>
-      </a:lnRef>
-      <a:fillRef idx="1">
-        <a:scrgbClr r="0" g="0" b="0"/>
-      </a:fillRef>
-      <a:effectRef idx="3">
-        <a:scrgbClr r="0" g="0" b="0"/>
-      </a:effectRef>
-      <a:fontRef idx="minor"/>
-    </dgm:style>
-  </dgm:styleLbl>
-  <dgm:styleLbl name="sibTrans2D1">
-    <dgm:scene3d>
-      <a:camera prst="orthographicFront"/>
-      <a:lightRig rig="threePt" dir="t"/>
-    </dgm:scene3d>
-    <dgm:sp3d/>
-    <dgm:txPr/>
-    <dgm:style>
-      <a:lnRef idx="0">
-        <a:scrgbClr r="0" g="0" b="0"/>
-      </a:lnRef>
-      <a:fillRef idx="3">
-        <a:scrgbClr r="0" g="0" b="0"/>
-      </a:fillRef>
-      <a:effectRef idx="3">
-        <a:scrgbClr r="0" g="0" b="0"/>
-      </a:effectRef>
-      <a:fontRef idx="minor">
-        <a:schemeClr val="lt1"/>
-      </a:fontRef>
-    </dgm:style>
-  </dgm:styleLbl>
-  <dgm:styleLbl name="fgSibTrans2D1">
-    <dgm:scene3d>
-      <a:camera prst="orthographicFront"/>
-      <a:lightRig rig="threePt" dir="t"/>
-    </dgm:scene3d>
-    <dgm:sp3d/>
-    <dgm:txPr/>
-    <dgm:style>
-      <a:lnRef idx="0">
-        <a:scrgbClr r="0" g="0" b="0"/>
-      </a:lnRef>
-      <a:fillRef idx="3">
-        <a:scrgbClr r="0" g="0" b="0"/>
-      </a:fillRef>
-      <a:effectRef idx="3">
-        <a:scrgbClr r="0" g="0" b="0"/>
-      </a:effectRef>
-      <a:fontRef idx="minor">
-        <a:schemeClr val="lt1"/>
-      </a:fontRef>
-    </dgm:style>
-  </dgm:styleLbl>
-  <dgm:styleLbl name="bgSibTrans2D1">
-    <dgm:scene3d>
-      <a:camera prst="orthographicFront"/>
-      <a:lightRig rig="threePt" dir="t"/>
-    </dgm:scene3d>
-    <dgm:sp3d/>
-    <dgm:txPr/>
-    <dgm:style>
-      <a:lnRef idx="0">
-        <a:scrgbClr r="0" g="0" b="0"/>
-      </a:lnRef>
-      <a:fillRef idx="3">
-        <a:scrgbClr r="0" g="0" b="0"/>
-      </a:fillRef>
-      <a:effectRef idx="3">
-        <a:scrgbClr r="0" g="0" b="0"/>
-      </a:effectRef>
-      <a:fontRef idx="minor">
-        <a:schemeClr val="lt1"/>
-      </a:fontRef>
-    </dgm:style>
-  </dgm:styleLbl>
-  <dgm:styleLbl name="sibTrans1D1">
-    <dgm:scene3d>
-      <a:camera prst="orthographicFront"/>
-      <a:lightRig rig="threePt" dir="t"/>
-    </dgm:scene3d>
-    <dgm:sp3d/>
-    <dgm:txPr/>
-    <dgm:style>
-      <a:lnRef idx="1">
-        <a:scrgbClr r="0" g="0" b="0"/>
-      </a:lnRef>
-      <a:fillRef idx="0">
-        <a:scrgbClr r="0" g="0" b="0"/>
-      </a:fillRef>
-      <a:effectRef idx="0">
-        <a:scrgbClr r="0" g="0" b="0"/>
-      </a:effectRef>
-      <a:fontRef idx="minor"/>
-    </dgm:style>
-  </dgm:styleLbl>
-  <dgm:styleLbl name="callout">
-    <dgm:scene3d>
-      <a:camera prst="orthographicFront"/>
-      <a:lightRig rig="threePt" dir="t"/>
-    </dgm:scene3d>
-    <dgm:sp3d/>
-    <dgm:txPr/>
-    <dgm:style>
-      <a:lnRef idx="1">
-        <a:scrgbClr r="0" g="0" b="0"/>
-      </a:lnRef>
-      <a:fillRef idx="0">
-        <a:scrgbClr r="0" g="0" b="0"/>
-      </a:fillRef>
-      <a:effectRef idx="1">
-        <a:scrgbClr r="0" g="0" b="0"/>
-      </a:effectRef>
-      <a:fontRef idx="minor"/>
-    </dgm:style>
-  </dgm:styleLbl>
-  <dgm:styleLbl name="asst0">
-    <dgm:scene3d>
-      <a:camera prst="orthographicFront"/>
-      <a:lightRig rig="threePt" dir="t"/>
-    </dgm:scene3d>
-    <dgm:sp3d/>
-    <dgm:txPr/>
-    <dgm:style>
-      <a:lnRef idx="0">
-        <a:scrgbClr r="0" g="0" b="0"/>
-      </a:lnRef>
-      <a:fillRef idx="3">
-        <a:scrgbClr r="0" g="0" b="0"/>
-      </a:fillRef>
-      <a:effectRef idx="3">
-        <a:scrgbClr r="0" g="0" b="0"/>
-      </a:effectRef>
-      <a:fontRef idx="minor">
-        <a:schemeClr val="lt1"/>
-      </a:fontRef>
-    </dgm:style>
-  </dgm:styleLbl>
-  <dgm:styleLbl name="asst1">
-    <dgm:scene3d>
-      <a:camera prst="orthographicFront"/>
-      <a:lightRig rig="threePt" dir="t"/>
-    </dgm:scene3d>
-    <dgm:sp3d/>
-    <dgm:txPr/>
-    <dgm:style>
-      <a:lnRef idx="0">
-        <a:scrgbClr r="0" g="0" b="0"/>
-      </a:lnRef>
-      <a:fillRef idx="3">
-        <a:scrgbClr r="0" g="0" b="0"/>
-      </a:fillRef>
-      <a:effectRef idx="3">
-        <a:scrgbClr r="0" g="0" b="0"/>
-      </a:effectRef>
-      <a:fontRef idx="minor">
-        <a:schemeClr val="lt1"/>
-      </a:fontRef>
-    </dgm:style>
-  </dgm:styleLbl>
-  <dgm:styleLbl name="asst2">
-    <dgm:scene3d>
-      <a:camera prst="orthographicFront"/>
-      <a:lightRig rig="threePt" dir="t"/>
-    </dgm:scene3d>
-    <dgm:sp3d/>
-    <dgm:txPr/>
-    <dgm:style>
-      <a:lnRef idx="0">
-        <a:scrgbClr r="0" g="0" b="0"/>
-      </a:lnRef>
-      <a:fillRef idx="3">
-        <a:scrgbClr r="0" g="0" b="0"/>
-      </a:fillRef>
-      <a:effectRef idx="3">
-        <a:scrgbClr r="0" g="0" b="0"/>
-      </a:effectRef>
-      <a:fontRef idx="minor">
-        <a:schemeClr val="lt1"/>
-      </a:fontRef>
-    </dgm:style>
-  </dgm:styleLbl>
-  <dgm:styleLbl name="asst3">
-    <dgm:scene3d>
-      <a:camera prst="orthographicFront"/>
-      <a:lightRig rig="threePt" dir="t"/>
-    </dgm:scene3d>
-    <dgm:sp3d/>
-    <dgm:txPr/>
-    <dgm:style>
-      <a:lnRef idx="0">
-        <a:scrgbClr r="0" g="0" b="0"/>
-      </a:lnRef>
-      <a:fillRef idx="3">
-        <a:scrgbClr r="0" g="0" b="0"/>
-      </a:fillRef>
-      <a:effectRef idx="3">
-        <a:scrgbClr r="0" g="0" b="0"/>
-      </a:effectRef>
-      <a:fontRef idx="minor">
-        <a:schemeClr val="lt1"/>
-      </a:fontRef>
-    </dgm:style>
-  </dgm:styleLbl>
-  <dgm:styleLbl name="asst4">
-    <dgm:scene3d>
-      <a:camera prst="orthographicFront"/>
-      <a:lightRig rig="threePt" dir="t"/>
-    </dgm:scene3d>
-    <dgm:sp3d/>
-    <dgm:txPr/>
-    <dgm:style>
-      <a:lnRef idx="0">
-        <a:scrgbClr r="0" g="0" b="0"/>
-      </a:lnRef>
-      <a:fillRef idx="3">
-        <a:scrgbClr r="0" g="0" b="0"/>
-      </a:fillRef>
-      <a:effectRef idx="3">
-        <a:scrgbClr r="0" g="0" b="0"/>
-      </a:effectRef>
-      <a:fontRef idx="minor">
-        <a:schemeClr val="lt1"/>
-      </a:fontRef>
-    </dgm:style>
-  </dgm:styleLbl>
-  <dgm:styleLbl name="parChTrans2D1">
-    <dgm:scene3d>
-      <a:camera prst="orthographicFront"/>
-      <a:lightRig rig="threePt" dir="t"/>
-    </dgm:scene3d>
-    <dgm:sp3d/>
-    <dgm:txPr/>
-    <dgm:style>
-      <a:lnRef idx="0">
-        <a:scrgbClr r="0" g="0" b="0"/>
-      </a:lnRef>
-      <a:fillRef idx="3">
-        <a:scrgbClr r="0" g="0" b="0"/>
-      </a:fillRef>
-      <a:effectRef idx="3">
-        <a:scrgbClr r="0" g="0" b="0"/>
-      </a:effectRef>
-      <a:fontRef idx="minor">
-        <a:schemeClr val="lt1"/>
-      </a:fontRef>
-    </dgm:style>
-  </dgm:styleLbl>
-  <dgm:styleLbl name="parChTrans2D2">
-    <dgm:scene3d>
-      <a:camera prst="orthographicFront"/>
-      <a:lightRig rig="threePt" dir="t"/>
-    </dgm:scene3d>
-    <dgm:sp3d/>
-    <dgm:txPr/>
-    <dgm:style>
-      <a:lnRef idx="0">
-        <a:scrgbClr r="0" g="0" b="0"/>
-      </a:lnRef>
-      <a:fillRef idx="3">
-        <a:scrgbClr r="0" g="0" b="0"/>
-      </a:fillRef>
-      <a:effectRef idx="3">
-        <a:scrgbClr r="0" g="0" b="0"/>
-      </a:effectRef>
-      <a:fontRef idx="minor">
-        <a:schemeClr val="lt1"/>
-      </a:fontRef>
-    </dgm:style>
-  </dgm:styleLbl>
-  <dgm:styleLbl name="parChTrans2D3">
-    <dgm:scene3d>
-      <a:camera prst="orthographicFront"/>
-      <a:lightRig rig="threePt" dir="t"/>
-    </dgm:scene3d>
-    <dgm:sp3d/>
-    <dgm:txPr/>
-    <dgm:style>
-      <a:lnRef idx="0">
-        <a:scrgbClr r="0" g="0" b="0"/>
-      </a:lnRef>
-      <a:fillRef idx="3">
-        <a:scrgbClr r="0" g="0" b="0"/>
-      </a:fillRef>
-      <a:effectRef idx="3">
-        <a:scrgbClr r="0" g="0" b="0"/>
-      </a:effectRef>
-      <a:fontRef idx="minor">
-        <a:schemeClr val="lt1"/>
-      </a:fontRef>
-    </dgm:style>
-  </dgm:styleLbl>
-  <dgm:styleLbl name="parChTrans2D4">
-    <dgm:scene3d>
-      <a:camera prst="orthographicFront"/>
-      <a:lightRig rig="threePt" dir="t"/>
-    </dgm:scene3d>
-    <dgm:sp3d/>
-    <dgm:txPr/>
-    <dgm:style>
-      <a:lnRef idx="0">
-        <a:scrgbClr r="0" g="0" b="0"/>
-      </a:lnRef>
-      <a:fillRef idx="3">
-        <a:scrgbClr r="0" g="0" b="0"/>
-      </a:fillRef>
-      <a:effectRef idx="3">
-        <a:scrgbClr r="0" g="0" b="0"/>
-      </a:effectRef>
-      <a:fontRef idx="minor">
-        <a:schemeClr val="lt1"/>
-      </a:fontRef>
-    </dgm:style>
-  </dgm:styleLbl>
-  <dgm:styleLbl name="parChTrans1D1">
-    <dgm:scene3d>
-      <a:camera prst="orthographicFront"/>
-      <a:lightRig rig="threePt" dir="t"/>
-    </dgm:scene3d>
-    <dgm:sp3d/>
-    <dgm:txPr/>
-    <dgm:style>
-      <a:lnRef idx="2">
-        <a:scrgbClr r="0" g="0" b="0"/>
-      </a:lnRef>
-      <a:fillRef idx="0">
-        <a:scrgbClr r="0" g="0" b="0"/>
-      </a:fillRef>
-      <a:effectRef idx="0">
-        <a:scrgbClr r="0" g="0" b="0"/>
-      </a:effectRef>
-      <a:fontRef idx="minor"/>
-    </dgm:style>
-  </dgm:styleLbl>
-  <dgm:styleLbl name="parChTrans1D2">
-    <dgm:scene3d>
-      <a:camera prst="orthographicFront"/>
-      <a:lightRig rig="threePt" dir="t"/>
-    </dgm:scene3d>
-    <dgm:sp3d/>
-    <dgm:txPr/>
-    <dgm:style>
-      <a:lnRef idx="2">
-        <a:scrgbClr r="0" g="0" b="0"/>
-      </a:lnRef>
-      <a:fillRef idx="0">
-        <a:scrgbClr r="0" g="0" b="0"/>
-      </a:fillRef>
-      <a:effectRef idx="0">
-        <a:scrgbClr r="0" g="0" b="0"/>
-      </a:effectRef>
-      <a:fontRef idx="minor"/>
-    </dgm:style>
-  </dgm:styleLbl>
-  <dgm:styleLbl name="parChTrans1D3">
-    <dgm:scene3d>
-      <a:camera prst="orthographicFront"/>
-      <a:lightRig rig="threePt" dir="t"/>
-    </dgm:scene3d>
-    <dgm:sp3d/>
-    <dgm:txPr/>
-    <dgm:style>
-      <a:lnRef idx="2">
-        <a:scrgbClr r="0" g="0" b="0"/>
-      </a:lnRef>
-      <a:fillRef idx="0">
-        <a:scrgbClr r="0" g="0" b="0"/>
-      </a:fillRef>
-      <a:effectRef idx="0">
-        <a:scrgbClr r="0" g="0" b="0"/>
-      </a:effectRef>
-      <a:fontRef idx="minor"/>
-    </dgm:style>
-  </dgm:styleLbl>
-  <dgm:styleLbl name="parChTrans1D4">
-    <dgm:scene3d>
-      <a:camera prst="orthographicFront"/>
-      <a:lightRig rig="threePt" dir="t"/>
-    </dgm:scene3d>
-    <dgm:sp3d/>
-    <dgm:txPr/>
-    <dgm:style>
-      <a:lnRef idx="2">
-        <a:scrgbClr r="0" g="0" b="0"/>
-      </a:lnRef>
-      <a:fillRef idx="0">
-        <a:scrgbClr r="0" g="0" b="0"/>
-      </a:fillRef>
-      <a:effectRef idx="0">
-        <a:scrgbClr r="0" g="0" b="0"/>
-      </a:effectRef>
-      <a:fontRef idx="minor"/>
-    </dgm:style>
-  </dgm:styleLbl>
-  <dgm:styleLbl name="fgAcc1">
-    <dgm:scene3d>
-      <a:camera prst="orthographicFront"/>
-      <a:lightRig rig="threePt" dir="t"/>
-    </dgm:scene3d>
-    <dgm:sp3d/>
-    <dgm:txPr/>
-    <dgm:style>
-      <a:lnRef idx="1">
-        <a:scrgbClr r="0" g="0" b="0"/>
-      </a:lnRef>
-      <a:fillRef idx="1">
-        <a:scrgbClr r="0" g="0" b="0"/>
-      </a:fillRef>
-      <a:effectRef idx="2">
-        <a:scrgbClr r="0" g="0" b="0"/>
-      </a:effectRef>
-      <a:fontRef idx="minor"/>
-    </dgm:style>
-  </dgm:styleLbl>
-  <dgm:styleLbl name="conFgAcc1">
-    <dgm:scene3d>
-      <a:camera prst="orthographicFront"/>
-      <a:lightRig rig="threePt" dir="t"/>
-    </dgm:scene3d>
-    <dgm:sp3d/>
-    <dgm:txPr/>
-    <dgm:style>
-      <a:lnRef idx="1">
-        <a:scrgbClr r="0" g="0" b="0"/>
-      </a:lnRef>
-      <a:fillRef idx="1">
-        <a:scrgbClr r="0" g="0" b="0"/>
-      </a:fillRef>
-      <a:effectRef idx="2">
-        <a:scrgbClr r="0" g="0" b="0"/>
-      </a:effectRef>
-      <a:fontRef idx="minor"/>
-    </dgm:style>
-  </dgm:styleLbl>
-  <dgm:styleLbl name="alignAcc1">
-    <dgm:scene3d>
-      <a:camera prst="orthographicFront"/>
-      <a:lightRig rig="threePt" dir="t"/>
-    </dgm:scene3d>
-    <dgm:sp3d/>
-    <dgm:txPr/>
-    <dgm:style>
-      <a:lnRef idx="1">
-        <a:scrgbClr r="0" g="0" b="0"/>
-      </a:lnRef>
-      <a:fillRef idx="1">
-        <a:scrgbClr r="0" g="0" b="0"/>
-      </a:fillRef>
-      <a:effectRef idx="2">
-        <a:scrgbClr r="0" g="0" b="0"/>
-      </a:effectRef>
-      <a:fontRef idx="minor"/>
-    </dgm:style>
-  </dgm:styleLbl>
-  <dgm:styleLbl name="trAlignAcc1">
-    <dgm:scene3d>
-      <a:camera prst="orthographicFront"/>
-      <a:lightRig rig="threePt" dir="t"/>
-    </dgm:scene3d>
-    <dgm:sp3d/>
-    <dgm:txPr/>
-    <dgm:style>
-      <a:lnRef idx="1">
-        <a:scrgbClr r="0" g="0" b="0"/>
-      </a:lnRef>
-      <a:fillRef idx="1">
-        <a:scrgbClr r="0" g="0" b="0"/>
-      </a:fillRef>
-      <a:effectRef idx="0">
-        <a:scrgbClr r="0" g="0" b="0"/>
-      </a:effectRef>
-      <a:fontRef idx="minor"/>
-    </dgm:style>
-  </dgm:styleLbl>
-  <dgm:styleLbl name="bgAcc1">
-    <dgm:scene3d>
-      <a:camera prst="orthographicFront"/>
-      <a:lightRig rig="threePt" dir="t"/>
-    </dgm:scene3d>
-    <dgm:sp3d/>
-    <dgm:txPr/>
-    <dgm:style>
-      <a:lnRef idx="1">
-        <a:scrgbClr r="0" g="0" b="0"/>
-      </a:lnRef>
-      <a:fillRef idx="1">
-        <a:scrgbClr r="0" g="0" b="0"/>
-      </a:fillRef>
-      <a:effectRef idx="2">
-        <a:scrgbClr r="0" g="0" b="0"/>
-      </a:effectRef>
-      <a:fontRef idx="minor"/>
-    </dgm:style>
-  </dgm:styleLbl>
-  <dgm:styleLbl name="solidFgAcc1">
-    <dgm:scene3d>
-      <a:camera prst="orthographicFront"/>
-      <a:lightRig rig="threePt" dir="t"/>
-    </dgm:scene3d>
-    <dgm:sp3d/>
-    <dgm:txPr/>
-    <dgm:style>
-      <a:lnRef idx="1">
-        <a:scrgbClr r="0" g="0" b="0"/>
-      </a:lnRef>
-      <a:fillRef idx="1">
-        <a:scrgbClr r="0" g="0" b="0"/>
-      </a:fillRef>
-      <a:effectRef idx="2">
-        <a:scrgbClr r="0" g="0" b="0"/>
-      </a:effectRef>
-      <a:fontRef idx="minor"/>
-    </dgm:style>
-  </dgm:styleLbl>
-  <dgm:styleLbl name="solidAlignAcc1">
-    <dgm:scene3d>
-      <a:camera prst="orthographicFront"/>
-      <a:lightRig rig="threePt" dir="t"/>
-    </dgm:scene3d>
-    <dgm:sp3d/>
-    <dgm:txPr/>
-    <dgm:style>
-      <a:lnRef idx="1">
-        <a:scrgbClr r="0" g="0" b="0"/>
-      </a:lnRef>
-      <a:fillRef idx="1">
-        <a:scrgbClr r="0" g="0" b="0"/>
-      </a:fillRef>
-      <a:effectRef idx="3">
-        <a:scrgbClr r="0" g="0" b="0"/>
-      </a:effectRef>
-      <a:fontRef idx="minor"/>
-    </dgm:style>
-  </dgm:styleLbl>
-  <dgm:styleLbl name="solidBgAcc1">
-    <dgm:scene3d>
-      <a:camera prst="orthographicFront"/>
-      <a:lightRig rig="threePt" dir="t"/>
-    </dgm:scene3d>
-    <dgm:sp3d/>
-    <dgm:txPr/>
-    <dgm:style>
-      <a:lnRef idx="1">
-        <a:scrgbClr r="0" g="0" b="0"/>
-      </a:lnRef>
-      <a:fillRef idx="1">
-        <a:scrgbClr r="0" g="0" b="0"/>
-      </a:fillRef>
-      <a:effectRef idx="3">
-        <a:scrgbClr r="0" g="0" b="0"/>
-      </a:effectRef>
-      <a:fontRef idx="minor"/>
-    </dgm:style>
-  </dgm:styleLbl>
-  <dgm:styleLbl name="fgAccFollowNode1">
-    <dgm:scene3d>
-      <a:camera prst="orthographicFront"/>
-      <a:lightRig rig="threePt" dir="t"/>
-    </dgm:scene3d>
-    <dgm:sp3d/>
-    <dgm:txPr/>
-    <dgm:style>
-      <a:lnRef idx="1">
-        <a:scrgbClr r="0" g="0" b="0"/>
-      </a:lnRef>
-      <a:fillRef idx="1">
-        <a:scrgbClr r="0" g="0" b="0"/>
-      </a:fillRef>
-      <a:effectRef idx="2">
-        <a:scrgbClr r="0" g="0" b="0"/>
-      </a:effectRef>
-      <a:fontRef idx="minor"/>
-    </dgm:style>
-  </dgm:styleLbl>
-  <dgm:styleLbl name="alignAccFollowNode1">
-    <dgm:scene3d>
-      <a:camera prst="orthographicFront"/>
-      <a:lightRig rig="threePt" dir="t"/>
-    </dgm:scene3d>
-    <dgm:sp3d/>
-    <dgm:txPr/>
-    <dgm:style>
-      <a:lnRef idx="1">
-        <a:scrgbClr r="0" g="0" b="0"/>
-      </a:lnRef>
-      <a:fillRef idx="1">
-        <a:scrgbClr r="0" g="0" b="0"/>
-      </a:fillRef>
-      <a:effectRef idx="2">
-        <a:scrgbClr r="0" g="0" b="0"/>
-      </a:effectRef>
-      <a:fontRef idx="minor"/>
-    </dgm:style>
-  </dgm:styleLbl>
-  <dgm:styleLbl name="bgAccFollowNode1">
-    <dgm:scene3d>
-      <a:camera prst="orthographicFront"/>
-      <a:lightRig rig="threePt" dir="t"/>
-    </dgm:scene3d>
-    <dgm:sp3d/>
-    <dgm:txPr/>
-    <dgm:style>
-      <a:lnRef idx="1">
-        <a:scrgbClr r="0" g="0" b="0"/>
-      </a:lnRef>
-      <a:fillRef idx="1">
-        <a:scrgbClr r="0" g="0" b="0"/>
-      </a:fillRef>
-      <a:effectRef idx="2">
-        <a:scrgbClr r="0" g="0" b="0"/>
-      </a:effectRef>
-      <a:fontRef idx="minor"/>
-    </dgm:style>
-  </dgm:styleLbl>
-  <dgm:styleLbl name="fgAcc0">
-    <dgm:scene3d>
-      <a:camera prst="orthographicFront"/>
-      <a:lightRig rig="threePt" dir="t"/>
-    </dgm:scene3d>
-    <dgm:sp3d/>
-    <dgm:txPr/>
-    <dgm:style>
-      <a:lnRef idx="1">
-        <a:scrgbClr r="0" g="0" b="0"/>
-      </a:lnRef>
-      <a:fillRef idx="1">
-        <a:scrgbClr r="0" g="0" b="0"/>
-      </a:fillRef>
-      <a:effectRef idx="2">
-        <a:scrgbClr r="0" g="0" b="0"/>
-      </a:effectRef>
-      <a:fontRef idx="minor"/>
-    </dgm:style>
-  </dgm:styleLbl>
-  <dgm:styleLbl name="fgAcc2">
-    <dgm:scene3d>
-      <a:camera prst="orthographicFront"/>
-      <a:lightRig rig="threePt" dir="t"/>
-    </dgm:scene3d>
-    <dgm:sp3d/>
-    <dgm:txPr/>
-    <dgm:style>
-      <a:lnRef idx="1">
-        <a:scrgbClr r="0" g="0" b="0"/>
-      </a:lnRef>
-      <a:fillRef idx="1">
-        <a:scrgbClr r="0" g="0" b="0"/>
-      </a:fillRef>
-      <a:effectRef idx="2">
-        <a:scrgbClr r="0" g="0" b="0"/>
-      </a:effectRef>
-      <a:fontRef idx="minor"/>
-    </dgm:style>
-  </dgm:styleLbl>
-  <dgm:styleLbl name="fgAcc3">
-    <dgm:scene3d>
-      <a:camera prst="orthographicFront"/>
-      <a:lightRig rig="threePt" dir="t"/>
-    </dgm:scene3d>
-    <dgm:sp3d/>
-    <dgm:txPr/>
-    <dgm:style>
-      <a:lnRef idx="1">
-        <a:scrgbClr r="0" g="0" b="0"/>
-      </a:lnRef>
-      <a:fillRef idx="1">
-        <a:scrgbClr r="0" g="0" b="0"/>
-      </a:fillRef>
-      <a:effectRef idx="2">
-        <a:scrgbClr r="0" g="0" b="0"/>
-      </a:effectRef>
-      <a:fontRef idx="minor"/>
-    </dgm:style>
-  </dgm:styleLbl>
-  <dgm:styleLbl name="fgAcc4">
-    <dgm:scene3d>
-      <a:camera prst="orthographicFront"/>
-      <a:lightRig rig="threePt" dir="t"/>
-    </dgm:scene3d>
-    <dgm:sp3d/>
-    <dgm:txPr/>
-    <dgm:style>
-      <a:lnRef idx="1">
-        <a:scrgbClr r="0" g="0" b="0"/>
-      </a:lnRef>
-      <a:fillRef idx="1">
-        <a:scrgbClr r="0" g="0" b="0"/>
-      </a:fillRef>
-      <a:effectRef idx="2">
-        <a:scrgbClr r="0" g="0" b="0"/>
-      </a:effectRef>
-      <a:fontRef idx="minor"/>
-    </dgm:style>
-  </dgm:styleLbl>
-  <dgm:styleLbl name="bgShp">
-    <dgm:scene3d>
-      <a:camera prst="orthographicFront"/>
-      <a:lightRig rig="threePt" dir="t"/>
-    </dgm:scene3d>
-    <dgm:sp3d/>
-    <dgm:txPr/>
-    <dgm:style>
-      <a:lnRef idx="0">
-        <a:scrgbClr r="0" g="0" b="0"/>
-      </a:lnRef>
-      <a:fillRef idx="1">
-        <a:scrgbClr r="0" g="0" b="0"/>
-      </a:fillRef>
-      <a:effectRef idx="2">
-        <a:scrgbClr r="0" g="0" b="0"/>
-      </a:effectRef>
-      <a:fontRef idx="minor"/>
-    </dgm:style>
-  </dgm:styleLbl>
-  <dgm:styleLbl name="dkBgShp">
-    <dgm:scene3d>
-      <a:camera prst="orthographicFront"/>
-      <a:lightRig rig="threePt" dir="t"/>
-    </dgm:scene3d>
-    <dgm:sp3d/>
-    <dgm:txPr/>
-    <dgm:style>
-      <a:lnRef idx="0">
-        <a:scrgbClr r="0" g="0" b="0"/>
-      </a:lnRef>
-      <a:fillRef idx="1">
-        <a:scrgbClr r="0" g="0" b="0"/>
-      </a:fillRef>
-      <a:effectRef idx="3">
-        <a:scrgbClr r="0" g="0" b="0"/>
-      </a:effectRef>
-      <a:fontRef idx="minor"/>
-    </dgm:style>
-  </dgm:styleLbl>
-  <dgm:styleLbl name="trBgShp">
-    <dgm:scene3d>
-      <a:camera prst="orthographicFront"/>
-      <a:lightRig rig="threePt" dir="t"/>
-    </dgm:scene3d>
-    <dgm:sp3d/>
-    <dgm:txPr/>
-    <dgm:style>
-      <a:lnRef idx="0">
-        <a:scrgbClr r="0" g="0" b="0"/>
-      </a:lnRef>
-      <a:fillRef idx="1">
-        <a:scrgbClr r="0" g="0" b="0"/>
-      </a:fillRef>
-      <a:effectRef idx="0">
-        <a:scrgbClr r="0" g="0" b="0"/>
-      </a:effectRef>
-      <a:fontRef idx="minor"/>
-    </dgm:style>
-  </dgm:styleLbl>
-  <dgm:styleLbl name="fgShp">
-    <dgm:scene3d>
-      <a:camera prst="orthographicFront"/>
-      <a:lightRig rig="threePt" dir="t"/>
-    </dgm:scene3d>
-    <dgm:sp3d/>
-    <dgm:txPr/>
-    <dgm:style>
-      <a:lnRef idx="0">
-        <a:scrgbClr r="0" g="0" b="0"/>
-      </a:lnRef>
-      <a:fillRef idx="3">
-        <a:scrgbClr r="0" g="0" b="0"/>
-      </a:fillRef>
-      <a:effectRef idx="3">
-        <a:scrgbClr r="0" g="0" b="0"/>
-      </a:effectRef>
-      <a:fontRef idx="minor"/>
-    </dgm:style>
-  </dgm:styleLbl>
-  <dgm:styleLbl name="revTx">
-    <dgm:scene3d>
-      <a:camera prst="orthographicFront"/>
-      <a:lightRig rig="threePt" dir="t"/>
-    </dgm:scene3d>
-    <dgm:sp3d/>
-    <dgm:txPr/>
-    <dgm:style>
-      <a:lnRef idx="0">
-        <a:scrgbClr r="0" g="0" b="0"/>
-      </a:lnRef>
-      <a:fillRef idx="0">
-        <a:scrgbClr r="0" g="0" b="0"/>
-      </a:fillRef>
-      <a:effectRef idx="0">
-        <a:scrgbClr r="0" g="0" b="0"/>
-      </a:effectRef>
-      <a:fontRef idx="minor"/>
-    </dgm:style>
-  </dgm:styleLbl>
-</dgm:styleDef>
-</file>
-
 <file path=ppt/notesMasters/notesMaster1.xml><?xml version="1.0" encoding="utf-8"?>
 <p:notesMaster xmlns:a="http://schemas.openxmlformats.org/drawingml/2006/main" xmlns:r="http://schemas.openxmlformats.org/officeDocument/2006/relationships" xmlns:p="http://schemas.openxmlformats.org/presentationml/2006/main">
   <p:cSld>
@@ -9055,7 +3765,7 @@
           <a:p>
             <a:fld id="{A7666ED7-631A-46AF-B451-227D0A8685A0}" type="slidenum">
               <a:rPr lang="en-US"/>
-              <a:t>22</a:t>
+              <a:t>21</a:t>
             </a:fld>
             <a:endParaRPr lang="en-US"/>
           </a:p>
@@ -9064,7 +3774,7 @@
     </p:spTree>
     <p:extLst>
       <p:ext uri="{BB962C8B-B14F-4D97-AF65-F5344CB8AC3E}">
-        <p14:creationId xmlns:p14="http://schemas.microsoft.com/office/powerpoint/2010/main" val="1312812"/>
+        <p14:creationId xmlns:p14="http://schemas.microsoft.com/office/powerpoint/2010/main" val="3499347042"/>
       </p:ext>
     </p:extLst>
   </p:cSld>
@@ -9139,7 +3849,7 @@
           <a:p>
             <a:fld id="{A7666ED7-631A-46AF-B451-227D0A8685A0}" type="slidenum">
               <a:rPr lang="en-US"/>
-              <a:t>23</a:t>
+              <a:t>22</a:t>
             </a:fld>
             <a:endParaRPr lang="en-US"/>
           </a:p>
@@ -9223,7 +3933,7 @@
           <a:p>
             <a:fld id="{A7666ED7-631A-46AF-B451-227D0A8685A0}" type="slidenum">
               <a:rPr lang="en-US"/>
-              <a:t>24</a:t>
+              <a:t>23</a:t>
             </a:fld>
             <a:endParaRPr lang="en-US"/>
           </a:p>
@@ -9307,7 +4017,7 @@
           <a:p>
             <a:fld id="{A7666ED7-631A-46AF-B451-227D0A8685A0}" type="slidenum">
               <a:rPr lang="en-US"/>
-              <a:t>26</a:t>
+              <a:t>25</a:t>
             </a:fld>
             <a:endParaRPr lang="en-US"/>
           </a:p>
@@ -9391,7 +4101,7 @@
           <a:p>
             <a:fld id="{A7666ED7-631A-46AF-B451-227D0A8685A0}" type="slidenum">
               <a:rPr lang="en-US"/>
-              <a:t>27</a:t>
+              <a:t>26</a:t>
             </a:fld>
             <a:endParaRPr lang="en-US"/>
           </a:p>
@@ -9475,7 +4185,7 @@
           <a:p>
             <a:fld id="{A7666ED7-631A-46AF-B451-227D0A8685A0}" type="slidenum">
               <a:rPr lang="en-US"/>
-              <a:t>30</a:t>
+              <a:t>29</a:t>
             </a:fld>
             <a:endParaRPr lang="en-US"/>
           </a:p>
@@ -9559,7 +4269,7 @@
           <a:p>
             <a:fld id="{A7666ED7-631A-46AF-B451-227D0A8685A0}" type="slidenum">
               <a:rPr lang="en-US"/>
-              <a:t>32</a:t>
+              <a:t>31</a:t>
             </a:fld>
             <a:endParaRPr lang="en-US"/>
           </a:p>
@@ -9643,7 +4353,7 @@
           <a:p>
             <a:fld id="{B37B1F30-39B2-4CE2-8EF3-91F3179569A5}" type="slidenum">
               <a:rPr lang="en-US" smtClean="0"/>
-              <a:t>33</a:t>
+              <a:t>32</a:t>
             </a:fld>
             <a:endParaRPr lang="en-US"/>
           </a:p>
@@ -41808,7 +36518,7 @@
             </a:r>
             <a:r>
               <a:rPr lang="en-AU" sz="1600" b="1" dirty="0"/>
-              <a:t> Denning, Jeya Emmanuel, </a:t>
+              <a:t> Denning, Jeya Emmanuel, Radhika Alapati </a:t>
             </a:r>
           </a:p>
         </p:txBody>
@@ -41969,13 +36679,13 @@
   <p:clrMapOvr>
     <a:masterClrMapping/>
   </p:clrMapOvr>
-  <mc:AlternateContent xmlns:mc="http://schemas.openxmlformats.org/markup-compatibility/2006">
-    <mc:Choice xmlns:p14="http://schemas.microsoft.com/office/powerpoint/2010/main" Requires="p14">
+  <mc:AlternateContent xmlns:mc="http://schemas.openxmlformats.org/markup-compatibility/2006" xmlns:p14="http://schemas.microsoft.com/office/powerpoint/2010/main">
+    <mc:Choice Requires="p14">
       <p:transition spd="med" p14:dur="700">
         <p:fade/>
       </p:transition>
     </mc:Choice>
-    <mc:Fallback>
+    <mc:Fallback xmlns="">
       <p:transition spd="med">
         <p:fade/>
       </p:transition>
@@ -43213,118 +37923,84 @@
       </p:sp>
       <p:sp>
         <p:nvSpPr>
-          <p:cNvPr id="3" name="Text Placeholder 2"/>
-          <p:cNvSpPr>
-            <a:spLocks noGrp="1"/>
-          </p:cNvSpPr>
-          <p:nvPr>
-            <p:ph type="body" idx="1"/>
-          </p:nvPr>
-        </p:nvSpPr>
-        <p:spPr/>
-        <p:txBody>
-          <a:bodyPr/>
+          <p:cNvPr id="4" name="Content Placeholder 3"/>
+          <p:cNvSpPr>
+            <a:spLocks noGrp="1"/>
+          </p:cNvSpPr>
+          <p:nvPr>
+            <p:ph sz="half" idx="2"/>
+          </p:nvPr>
+        </p:nvSpPr>
+        <p:spPr>
+          <a:xfrm>
+            <a:off x="680322" y="2217420"/>
+            <a:ext cx="5316618" cy="4145280"/>
+          </a:xfrm>
+        </p:spPr>
+        <p:txBody>
+          <a:bodyPr>
+            <a:normAutofit fontScale="92500" lnSpcReduction="10000"/>
+          </a:bodyPr>
           <a:lstStyle/>
           <a:p>
             <a:r>
-              <a:rPr lang="en-US"/>
-              <a:t>Heading</a:t>
-            </a:r>
+              <a:rPr lang="en-US" dirty="0"/>
+              <a:t>Logistic Regression is used when the dependent variable(target) is categorical. For example, To predict whether an email is spam (1) or (0)</a:t>
+            </a:r>
+          </a:p>
+          <a:p>
             <a:endParaRPr lang="en-US" dirty="0"/>
           </a:p>
-        </p:txBody>
-      </p:sp>
-      <p:sp>
-        <p:nvSpPr>
-          <p:cNvPr id="4" name="Content Placeholder 3"/>
-          <p:cNvSpPr>
-            <a:spLocks noGrp="1"/>
-          </p:cNvSpPr>
-          <p:nvPr>
-            <p:ph sz="half" idx="2"/>
-          </p:nvPr>
-        </p:nvSpPr>
-        <p:spPr/>
-        <p:txBody>
-          <a:bodyPr/>
-          <a:lstStyle/>
           <a:p>
             <a:r>
               <a:rPr lang="en-US" dirty="0"/>
-              <a:t>List item</a:t>
-            </a:r>
+              <a:t>Its a statistical method to predict a discrete output or category within Machine Learning</a:t>
+            </a:r>
+          </a:p>
+          <a:p>
+            <a:endParaRPr lang="en-US" dirty="0"/>
           </a:p>
           <a:p>
             <a:r>
               <a:rPr lang="en-US" dirty="0"/>
-              <a:t>List item</a:t>
-            </a:r>
-          </a:p>
-          <a:p>
-            <a:r>
-              <a:rPr lang="en-US" dirty="0"/>
-              <a:t>List item</a:t>
-            </a:r>
-          </a:p>
-        </p:txBody>
-      </p:sp>
-      <p:sp>
-        <p:nvSpPr>
-          <p:cNvPr id="5" name="Text Placeholder 4"/>
-          <p:cNvSpPr>
-            <a:spLocks noGrp="1"/>
-          </p:cNvSpPr>
-          <p:nvPr>
-            <p:ph type="body" sz="quarter" idx="3"/>
-          </p:nvPr>
-        </p:nvSpPr>
-        <p:spPr/>
-        <p:txBody>
-          <a:bodyPr/>
-          <a:lstStyle/>
-          <a:p>
-            <a:r>
-              <a:rPr lang="en-US"/>
-              <a:t>Heading</a:t>
-            </a:r>
+              <a:t>Since the outcome is a probability, the dependent variable is bounded between 0 and 1</a:t>
+            </a:r>
+          </a:p>
+          <a:p>
             <a:endParaRPr lang="en-US" dirty="0"/>
           </a:p>
         </p:txBody>
       </p:sp>
-      <p:sp>
-        <p:nvSpPr>
-          <p:cNvPr id="6" name="Content Placeholder 5"/>
-          <p:cNvSpPr>
-            <a:spLocks noGrp="1"/>
-          </p:cNvSpPr>
-          <p:nvPr>
-            <p:ph sz="quarter" idx="4"/>
-          </p:nvPr>
-        </p:nvSpPr>
-        <p:spPr/>
-        <p:txBody>
-          <a:bodyPr/>
-          <a:lstStyle/>
-          <a:p>
-            <a:r>
-              <a:rPr lang="en-US" dirty="0"/>
-              <a:t>List item</a:t>
-            </a:r>
-          </a:p>
-          <a:p>
-            <a:r>
-              <a:rPr lang="en-US" dirty="0"/>
-              <a:t>List item</a:t>
-            </a:r>
-          </a:p>
-          <a:p>
-            <a:r>
-              <a:rPr lang="en-US" dirty="0"/>
-              <a:t>List item</a:t>
-            </a:r>
-          </a:p>
-        </p:txBody>
-      </p:sp>
+      <p:pic>
+        <p:nvPicPr>
+          <p:cNvPr id="14" name="Picture 13">
+            <a:extLst>
+              <a:ext uri="{FF2B5EF4-FFF2-40B4-BE49-F238E27FC236}">
+                <a16:creationId xmlns:a16="http://schemas.microsoft.com/office/drawing/2014/main" id="{3D50F939-9C8D-36E2-4046-EDB2953F89E8}"/>
+              </a:ext>
+            </a:extLst>
+          </p:cNvPr>
+          <p:cNvPicPr>
+            <a:picLocks noChangeAspect="1"/>
+          </p:cNvPicPr>
+          <p:nvPr/>
+        </p:nvPicPr>
+        <p:blipFill>
+          <a:blip r:embed="rId3"/>
+          <a:stretch>
+            <a:fillRect/>
+          </a:stretch>
+        </p:blipFill>
+        <p:spPr>
+          <a:xfrm>
+            <a:off x="6263640" y="2553459"/>
+            <a:ext cx="5553903" cy="2772162"/>
+          </a:xfrm>
+          <a:prstGeom prst="rect">
+            <a:avLst/>
+          </a:prstGeom>
+        </p:spPr>
+      </p:pic>
     </p:spTree>
     <p:extLst>
       <p:ext uri="{BB962C8B-B14F-4D97-AF65-F5344CB8AC3E}">
@@ -43389,35 +38065,95 @@
           </a:p>
         </p:txBody>
       </p:sp>
-      <p:graphicFrame>
-        <p:nvGraphicFramePr>
-          <p:cNvPr id="5" name="Content Placeholder 4" title="SmartArt Detailed Process diagram"/>
-          <p:cNvGraphicFramePr>
-            <a:graphicFrameLocks noGrp="1"/>
-          </p:cNvGraphicFramePr>
-          <p:nvPr>
-            <p:ph idx="1"/>
-            <p:extLst>
-              <p:ext uri="{D42A27DB-BD31-4B8C-83A1-F6EECF244321}">
-                <p14:modId xmlns:p14="http://schemas.microsoft.com/office/powerpoint/2010/main" val="3091982002"/>
-              </p:ext>
-            </p:extLst>
-          </p:nvPr>
-        </p:nvGraphicFramePr>
-        <p:xfrm>
-          <a:off x="681038" y="2336800"/>
-          <a:ext cx="9613900" cy="3598863"/>
-        </p:xfrm>
-        <a:graphic>
-          <a:graphicData uri="http://schemas.openxmlformats.org/drawingml/2006/diagram">
-            <dgm:relIds xmlns:dgm="http://schemas.openxmlformats.org/drawingml/2006/diagram" xmlns:r="http://schemas.openxmlformats.org/officeDocument/2006/relationships" r:dm="rId2" r:lo="rId3" r:qs="rId4" r:cs="rId5"/>
-          </a:graphicData>
-        </a:graphic>
-      </p:graphicFrame>
+      <p:sp>
+        <p:nvSpPr>
+          <p:cNvPr id="4" name="Content Placeholder 3"/>
+          <p:cNvSpPr>
+            <a:spLocks noGrp="1"/>
+          </p:cNvSpPr>
+          <p:nvPr>
+            <p:ph sz="half" idx="2"/>
+          </p:nvPr>
+        </p:nvSpPr>
+        <p:spPr>
+          <a:xfrm>
+            <a:off x="680322" y="2217420"/>
+            <a:ext cx="6002418" cy="4335780"/>
+          </a:xfrm>
+        </p:spPr>
+        <p:txBody>
+          <a:bodyPr>
+            <a:normAutofit fontScale="92500"/>
+          </a:bodyPr>
+          <a:lstStyle/>
+          <a:p>
+            <a:r>
+              <a:rPr lang="en-US" dirty="0"/>
+              <a:t>In order to create less complex model we turned L1 and L2 </a:t>
+            </a:r>
+            <a:r>
+              <a:rPr lang="en-US" dirty="0" err="1"/>
+              <a:t>Regularzation</a:t>
+            </a:r>
+            <a:r>
+              <a:rPr lang="en-US" dirty="0"/>
+              <a:t>. Although it changed the confusion matrix, it wasn't a significant one.</a:t>
+            </a:r>
+          </a:p>
+          <a:p>
+            <a:endParaRPr lang="en-US" dirty="0"/>
+          </a:p>
+          <a:p>
+            <a:r>
+              <a:rPr lang="en-US" dirty="0"/>
+              <a:t>The key difference between these techniques is that L1 shrinks the less important feature’s coefficient to zero thus, removing some feature altogether.</a:t>
+            </a:r>
+          </a:p>
+          <a:p>
+            <a:endParaRPr lang="en-US" dirty="0"/>
+          </a:p>
+          <a:p>
+            <a:r>
+              <a:rPr lang="en-US" dirty="0"/>
+              <a:t> This works well for feature selection in case we have a huge number of features.</a:t>
+            </a:r>
+          </a:p>
+        </p:txBody>
+      </p:sp>
+      <p:pic>
+        <p:nvPicPr>
+          <p:cNvPr id="5" name="Picture 4">
+            <a:extLst>
+              <a:ext uri="{FF2B5EF4-FFF2-40B4-BE49-F238E27FC236}">
+                <a16:creationId xmlns:a16="http://schemas.microsoft.com/office/drawing/2014/main" id="{1A248D2F-C81D-3674-D8FC-9736741492A7}"/>
+              </a:ext>
+            </a:extLst>
+          </p:cNvPr>
+          <p:cNvPicPr>
+            <a:picLocks noChangeAspect="1"/>
+          </p:cNvPicPr>
+          <p:nvPr/>
+        </p:nvPicPr>
+        <p:blipFill>
+          <a:blip r:embed="rId3"/>
+          <a:stretch>
+            <a:fillRect/>
+          </a:stretch>
+        </p:blipFill>
+        <p:spPr>
+          <a:xfrm>
+            <a:off x="7002780" y="2217420"/>
+            <a:ext cx="4730009" cy="4102021"/>
+          </a:xfrm>
+          <a:prstGeom prst="rect">
+            <a:avLst/>
+          </a:prstGeom>
+        </p:spPr>
+      </p:pic>
     </p:spTree>
     <p:extLst>
       <p:ext uri="{BB962C8B-B14F-4D97-AF65-F5344CB8AC3E}">
-        <p14:creationId xmlns:p14="http://schemas.microsoft.com/office/powerpoint/2010/main" val="3195037894"/>
+        <p14:creationId xmlns:p14="http://schemas.microsoft.com/office/powerpoint/2010/main" val="1391282870"/>
       </p:ext>
     </p:extLst>
   </p:cSld>
@@ -43463,7 +38199,7 @@
             <a:spLocks noGrp="1"/>
           </p:cNvSpPr>
           <p:nvPr>
-            <p:ph type="title"/>
+            <p:ph type="ctrTitle"/>
           </p:nvPr>
         </p:nvSpPr>
         <p:spPr/>
@@ -43472,42 +38208,42 @@
           <a:lstStyle/>
           <a:p>
             <a:r>
-              <a:rPr lang="en-US"/>
-              <a:t>Data observations</a:t>
-            </a:r>
-            <a:endParaRPr lang="en-US" dirty="0"/>
-          </a:p>
-        </p:txBody>
-      </p:sp>
-      <p:graphicFrame>
-        <p:nvGraphicFramePr>
-          <p:cNvPr id="7" name="Content Placeholder 6" title="Sample Clustered Column chart"/>
-          <p:cNvGraphicFramePr>
-            <a:graphicFrameLocks noGrp="1"/>
-          </p:cNvGraphicFramePr>
-          <p:nvPr>
-            <p:ph idx="1"/>
-            <p:extLst>
-              <p:ext uri="{D42A27DB-BD31-4B8C-83A1-F6EECF244321}">
-                <p14:modId xmlns:p14="http://schemas.microsoft.com/office/powerpoint/2010/main" val="1467431418"/>
-              </p:ext>
-            </p:extLst>
-          </p:nvPr>
-        </p:nvGraphicFramePr>
-        <p:xfrm>
-          <a:off x="681038" y="2336800"/>
-          <a:ext cx="9613900" cy="3598863"/>
-        </p:xfrm>
-        <a:graphic>
-          <a:graphicData uri="http://schemas.openxmlformats.org/drawingml/2006/chart">
-            <c:chart xmlns:c="http://schemas.openxmlformats.org/drawingml/2006/chart" xmlns:r="http://schemas.openxmlformats.org/officeDocument/2006/relationships" r:id="rId3"/>
-          </a:graphicData>
-        </a:graphic>
-      </p:graphicFrame>
+              <a:rPr lang="en-US" dirty="0"/>
+              <a:t>K-Nearest Neighbor(KNN)</a:t>
+            </a:r>
+          </a:p>
+        </p:txBody>
+      </p:sp>
+      <p:sp>
+        <p:nvSpPr>
+          <p:cNvPr id="3" name="Subtitle 2"/>
+          <p:cNvSpPr>
+            <a:spLocks noGrp="1"/>
+          </p:cNvSpPr>
+          <p:nvPr>
+            <p:ph type="subTitle" idx="1"/>
+          </p:nvPr>
+        </p:nvSpPr>
+        <p:spPr/>
+        <p:txBody>
+          <a:bodyPr/>
+          <a:lstStyle/>
+          <a:p>
+            <a:r>
+              <a:rPr lang="en-US" dirty="0" err="1"/>
+              <a:t>Kinlay</a:t>
+            </a:r>
+            <a:r>
+              <a:rPr lang="en-US" dirty="0"/>
+              <a:t> Denning</a:t>
+            </a:r>
+          </a:p>
+        </p:txBody>
+      </p:sp>
     </p:spTree>
     <p:extLst>
       <p:ext uri="{BB962C8B-B14F-4D97-AF65-F5344CB8AC3E}">
-        <p14:creationId xmlns:p14="http://schemas.microsoft.com/office/powerpoint/2010/main" val="370758679"/>
+        <p14:creationId xmlns:p14="http://schemas.microsoft.com/office/powerpoint/2010/main" val="2062253349"/>
       </p:ext>
     </p:extLst>
   </p:cSld>
@@ -43553,7 +38289,7 @@
             <a:spLocks noGrp="1"/>
           </p:cNvSpPr>
           <p:nvPr>
-            <p:ph type="ctrTitle"/>
+            <p:ph type="title"/>
           </p:nvPr>
         </p:nvSpPr>
         <p:spPr/>
@@ -43562,20 +38298,20 @@
           <a:lstStyle/>
           <a:p>
             <a:r>
-              <a:rPr lang="en-US" dirty="0"/>
-              <a:t>K-Nearest Neighbor(KNN)</a:t>
-            </a:r>
-          </a:p>
-        </p:txBody>
-      </p:sp>
-      <p:sp>
-        <p:nvSpPr>
-          <p:cNvPr id="3" name="Subtitle 2"/>
-          <p:cNvSpPr>
-            <a:spLocks noGrp="1"/>
-          </p:cNvSpPr>
-          <p:nvPr>
-            <p:ph type="subTitle" idx="1"/>
+              <a:rPr lang="en-US"/>
+              <a:t>Supporting content</a:t>
+            </a:r>
+          </a:p>
+        </p:txBody>
+      </p:sp>
+      <p:sp>
+        <p:nvSpPr>
+          <p:cNvPr id="4" name="Text Placeholder 3"/>
+          <p:cNvSpPr>
+            <a:spLocks noGrp="1"/>
+          </p:cNvSpPr>
+          <p:nvPr>
+            <p:ph type="body" idx="1"/>
           </p:nvPr>
         </p:nvSpPr>
         <p:spPr/>
@@ -43584,20 +38320,112 @@
           <a:lstStyle/>
           <a:p>
             <a:r>
-              <a:rPr lang="en-US" dirty="0" err="1"/>
-              <a:t>Kinlay</a:t>
-            </a:r>
-            <a:r>
-              <a:rPr lang="en-US" dirty="0"/>
-              <a:t> Denning</a:t>
-            </a:r>
+              <a:rPr lang="en-US"/>
+              <a:t>Heading</a:t>
+            </a:r>
+            <a:endParaRPr lang="en-US" dirty="0"/>
+          </a:p>
+        </p:txBody>
+      </p:sp>
+      <p:sp>
+        <p:nvSpPr>
+          <p:cNvPr id="3" name="Content Placeholder 2"/>
+          <p:cNvSpPr>
+            <a:spLocks noGrp="1"/>
+          </p:cNvSpPr>
+          <p:nvPr>
+            <p:ph sz="half" idx="2"/>
+          </p:nvPr>
+        </p:nvSpPr>
+        <p:spPr/>
+        <p:txBody>
+          <a:bodyPr/>
+          <a:lstStyle/>
+          <a:p>
+            <a:r>
+              <a:rPr lang="en-US"/>
+              <a:t>List item</a:t>
+            </a:r>
+          </a:p>
+          <a:p>
+            <a:r>
+              <a:rPr lang="en-US"/>
+              <a:t>List item</a:t>
+            </a:r>
+          </a:p>
+          <a:p>
+            <a:r>
+              <a:rPr lang="en-US"/>
+              <a:t>List item</a:t>
+            </a:r>
+            <a:endParaRPr lang="en-US" dirty="0"/>
+          </a:p>
+        </p:txBody>
+      </p:sp>
+      <p:sp>
+        <p:nvSpPr>
+          <p:cNvPr id="5" name="Text Placeholder 4"/>
+          <p:cNvSpPr>
+            <a:spLocks noGrp="1"/>
+          </p:cNvSpPr>
+          <p:nvPr>
+            <p:ph type="body" sz="quarter" idx="3"/>
+          </p:nvPr>
+        </p:nvSpPr>
+        <p:spPr/>
+        <p:txBody>
+          <a:bodyPr/>
+          <a:lstStyle/>
+          <a:p>
+            <a:r>
+              <a:rPr lang="en-US"/>
+              <a:t>Heading</a:t>
+            </a:r>
+            <a:endParaRPr lang="en-US" dirty="0"/>
+          </a:p>
+        </p:txBody>
+      </p:sp>
+      <p:sp>
+        <p:nvSpPr>
+          <p:cNvPr id="6" name="Content Placeholder 5"/>
+          <p:cNvSpPr>
+            <a:spLocks noGrp="1"/>
+          </p:cNvSpPr>
+          <p:nvPr>
+            <p:ph sz="quarter" idx="4"/>
+          </p:nvPr>
+        </p:nvSpPr>
+        <p:spPr/>
+        <p:txBody>
+          <a:bodyPr/>
+          <a:lstStyle/>
+          <a:p>
+            <a:r>
+              <a:rPr lang="en-US"/>
+              <a:t>List item</a:t>
+            </a:r>
+          </a:p>
+          <a:p>
+            <a:r>
+              <a:rPr lang="en-US"/>
+              <a:t>List item</a:t>
+            </a:r>
+          </a:p>
+          <a:p>
+            <a:r>
+              <a:rPr lang="en-US"/>
+              <a:t>List item</a:t>
+            </a:r>
+          </a:p>
+          <a:p>
+            <a:endParaRPr lang="en-US" dirty="0"/>
           </a:p>
         </p:txBody>
       </p:sp>
     </p:spTree>
     <p:extLst>
       <p:ext uri="{BB962C8B-B14F-4D97-AF65-F5344CB8AC3E}">
-        <p14:creationId xmlns:p14="http://schemas.microsoft.com/office/powerpoint/2010/main" val="2062253349"/>
+        <p14:creationId xmlns:p14="http://schemas.microsoft.com/office/powerpoint/2010/main" val="1672275006"/>
       </p:ext>
     </p:extLst>
   </p:cSld>
@@ -43653,188 +38481,6 @@
           <a:p>
             <a:r>
               <a:rPr lang="en-US"/>
-              <a:t>Supporting content</a:t>
-            </a:r>
-          </a:p>
-        </p:txBody>
-      </p:sp>
-      <p:sp>
-        <p:nvSpPr>
-          <p:cNvPr id="4" name="Text Placeholder 3"/>
-          <p:cNvSpPr>
-            <a:spLocks noGrp="1"/>
-          </p:cNvSpPr>
-          <p:nvPr>
-            <p:ph type="body" idx="1"/>
-          </p:nvPr>
-        </p:nvSpPr>
-        <p:spPr/>
-        <p:txBody>
-          <a:bodyPr/>
-          <a:lstStyle/>
-          <a:p>
-            <a:r>
-              <a:rPr lang="en-US"/>
-              <a:t>Heading</a:t>
-            </a:r>
-            <a:endParaRPr lang="en-US" dirty="0"/>
-          </a:p>
-        </p:txBody>
-      </p:sp>
-      <p:sp>
-        <p:nvSpPr>
-          <p:cNvPr id="3" name="Content Placeholder 2"/>
-          <p:cNvSpPr>
-            <a:spLocks noGrp="1"/>
-          </p:cNvSpPr>
-          <p:nvPr>
-            <p:ph sz="half" idx="2"/>
-          </p:nvPr>
-        </p:nvSpPr>
-        <p:spPr/>
-        <p:txBody>
-          <a:bodyPr/>
-          <a:lstStyle/>
-          <a:p>
-            <a:r>
-              <a:rPr lang="en-US"/>
-              <a:t>List item</a:t>
-            </a:r>
-          </a:p>
-          <a:p>
-            <a:r>
-              <a:rPr lang="en-US"/>
-              <a:t>List item</a:t>
-            </a:r>
-          </a:p>
-          <a:p>
-            <a:r>
-              <a:rPr lang="en-US"/>
-              <a:t>List item</a:t>
-            </a:r>
-            <a:endParaRPr lang="en-US" dirty="0"/>
-          </a:p>
-        </p:txBody>
-      </p:sp>
-      <p:sp>
-        <p:nvSpPr>
-          <p:cNvPr id="5" name="Text Placeholder 4"/>
-          <p:cNvSpPr>
-            <a:spLocks noGrp="1"/>
-          </p:cNvSpPr>
-          <p:nvPr>
-            <p:ph type="body" sz="quarter" idx="3"/>
-          </p:nvPr>
-        </p:nvSpPr>
-        <p:spPr/>
-        <p:txBody>
-          <a:bodyPr/>
-          <a:lstStyle/>
-          <a:p>
-            <a:r>
-              <a:rPr lang="en-US"/>
-              <a:t>Heading</a:t>
-            </a:r>
-            <a:endParaRPr lang="en-US" dirty="0"/>
-          </a:p>
-        </p:txBody>
-      </p:sp>
-      <p:sp>
-        <p:nvSpPr>
-          <p:cNvPr id="6" name="Content Placeholder 5"/>
-          <p:cNvSpPr>
-            <a:spLocks noGrp="1"/>
-          </p:cNvSpPr>
-          <p:nvPr>
-            <p:ph sz="quarter" idx="4"/>
-          </p:nvPr>
-        </p:nvSpPr>
-        <p:spPr/>
-        <p:txBody>
-          <a:bodyPr/>
-          <a:lstStyle/>
-          <a:p>
-            <a:r>
-              <a:rPr lang="en-US"/>
-              <a:t>List item</a:t>
-            </a:r>
-          </a:p>
-          <a:p>
-            <a:r>
-              <a:rPr lang="en-US"/>
-              <a:t>List item</a:t>
-            </a:r>
-          </a:p>
-          <a:p>
-            <a:r>
-              <a:rPr lang="en-US"/>
-              <a:t>List item</a:t>
-            </a:r>
-          </a:p>
-          <a:p>
-            <a:endParaRPr lang="en-US" dirty="0"/>
-          </a:p>
-        </p:txBody>
-      </p:sp>
-    </p:spTree>
-    <p:extLst>
-      <p:ext uri="{BB962C8B-B14F-4D97-AF65-F5344CB8AC3E}">
-        <p14:creationId xmlns:p14="http://schemas.microsoft.com/office/powerpoint/2010/main" val="1672275006"/>
-      </p:ext>
-    </p:extLst>
-  </p:cSld>
-  <p:clrMapOvr>
-    <a:masterClrMapping/>
-  </p:clrMapOvr>
-  <mc:AlternateContent xmlns:mc="http://schemas.openxmlformats.org/markup-compatibility/2006" xmlns:p14="http://schemas.microsoft.com/office/powerpoint/2010/main">
-    <mc:Choice Requires="p14">
-      <p:transition spd="med" p14:dur="700">
-        <p:fade/>
-      </p:transition>
-    </mc:Choice>
-    <mc:Fallback xmlns="">
-      <p:transition spd="med">
-        <p:fade/>
-      </p:transition>
-    </mc:Fallback>
-  </mc:AlternateContent>
-</p:sld>
-</file>
-
-<file path=ppt/slides/slide25.xml><?xml version="1.0" encoding="utf-8"?>
-<p:sld xmlns:a="http://schemas.openxmlformats.org/drawingml/2006/main" xmlns:r="http://schemas.openxmlformats.org/officeDocument/2006/relationships" xmlns:p="http://schemas.openxmlformats.org/presentationml/2006/main">
-  <p:cSld>
-    <p:spTree>
-      <p:nvGrpSpPr>
-        <p:cNvPr id="1" name=""/>
-        <p:cNvGrpSpPr/>
-        <p:nvPr/>
-      </p:nvGrpSpPr>
-      <p:grpSpPr>
-        <a:xfrm>
-          <a:off x="0" y="0"/>
-          <a:ext cx="0" cy="0"/>
-          <a:chOff x="0" y="0"/>
-          <a:chExt cx="0" cy="0"/>
-        </a:xfrm>
-      </p:grpSpPr>
-      <p:sp>
-        <p:nvSpPr>
-          <p:cNvPr id="2" name="Title 1"/>
-          <p:cNvSpPr>
-            <a:spLocks noGrp="1"/>
-          </p:cNvSpPr>
-          <p:nvPr>
-            <p:ph type="title"/>
-          </p:nvPr>
-        </p:nvSpPr>
-        <p:spPr/>
-        <p:txBody>
-          <a:bodyPr/>
-          <a:lstStyle/>
-          <a:p>
-            <a:r>
-              <a:rPr lang="en-US"/>
               <a:t>Data observations</a:t>
             </a:r>
           </a:p>
@@ -43890,7 +38536,7 @@
 </p:sld>
 </file>
 
-<file path=ppt/slides/slide26.xml><?xml version="1.0" encoding="utf-8"?>
+<file path=ppt/slides/slide25.xml><?xml version="1.0" encoding="utf-8"?>
 <p:sld xmlns:a="http://schemas.openxmlformats.org/drawingml/2006/main" xmlns:r="http://schemas.openxmlformats.org/officeDocument/2006/relationships" xmlns:p="http://schemas.openxmlformats.org/presentationml/2006/main">
   <p:cSld>
     <p:bg>
@@ -44275,6 +38921,275 @@
     <p:extLst>
       <p:ext uri="{BB962C8B-B14F-4D97-AF65-F5344CB8AC3E}">
         <p14:creationId xmlns:p14="http://schemas.microsoft.com/office/powerpoint/2010/main" val="627411463"/>
+      </p:ext>
+    </p:extLst>
+  </p:cSld>
+  <p:clrMapOvr>
+    <a:masterClrMapping/>
+  </p:clrMapOvr>
+  <mc:AlternateContent xmlns:mc="http://schemas.openxmlformats.org/markup-compatibility/2006" xmlns:p14="http://schemas.microsoft.com/office/powerpoint/2010/main">
+    <mc:Choice Requires="p14">
+      <p:transition spd="med" p14:dur="700">
+        <p:fade/>
+      </p:transition>
+    </mc:Choice>
+    <mc:Fallback xmlns="">
+      <p:transition spd="med">
+        <p:fade/>
+      </p:transition>
+    </mc:Fallback>
+  </mc:AlternateContent>
+  <p:timing>
+    <p:tnLst>
+      <p:par>
+        <p:cTn id="1" dur="indefinite" restart="never" nodeType="tmRoot">
+          <p:childTnLst>
+            <p:seq concurrent="1" nextAc="seek">
+              <p:cTn id="2" dur="indefinite" nodeType="mainSeq">
+                <p:childTnLst>
+                  <p:par>
+                    <p:cTn id="3" fill="hold">
+                      <p:stCondLst>
+                        <p:cond delay="indefinite"/>
+                        <p:cond evt="onBegin" delay="0">
+                          <p:tn val="2"/>
+                        </p:cond>
+                      </p:stCondLst>
+                      <p:childTnLst>
+                        <p:par>
+                          <p:cTn id="4" fill="hold">
+                            <p:stCondLst>
+                              <p:cond delay="0"/>
+                            </p:stCondLst>
+                            <p:childTnLst>
+                              <p:par>
+                                <p:cTn id="5" presetID="10" presetClass="entr" presetSubtype="0" fill="hold" grpId="0" nodeType="withEffect">
+                                  <p:stCondLst>
+                                    <p:cond delay="2000"/>
+                                  </p:stCondLst>
+                                  <p:iterate type="lt">
+                                    <p:tmPct val="10000"/>
+                                  </p:iterate>
+                                  <p:childTnLst>
+                                    <p:set>
+                                      <p:cBhvr>
+                                        <p:cTn id="6" dur="1" fill="hold">
+                                          <p:stCondLst>
+                                            <p:cond delay="0"/>
+                                          </p:stCondLst>
+                                        </p:cTn>
+                                        <p:tgtEl>
+                                          <p:spTgt spid="3">
+                                            <p:txEl>
+                                              <p:pRg st="0" end="0"/>
+                                            </p:txEl>
+                                          </p:spTgt>
+                                        </p:tgtEl>
+                                        <p:attrNameLst>
+                                          <p:attrName>style.visibility</p:attrName>
+                                        </p:attrNameLst>
+                                      </p:cBhvr>
+                                      <p:to>
+                                        <p:strVal val="visible"/>
+                                      </p:to>
+                                    </p:set>
+                                    <p:animEffect transition="in" filter="fade">
+                                      <p:cBhvr>
+                                        <p:cTn id="7" dur="400"/>
+                                        <p:tgtEl>
+                                          <p:spTgt spid="3">
+                                            <p:txEl>
+                                              <p:pRg st="0" end="0"/>
+                                            </p:txEl>
+                                          </p:spTgt>
+                                        </p:tgtEl>
+                                      </p:cBhvr>
+                                    </p:animEffect>
+                                  </p:childTnLst>
+                                </p:cTn>
+                              </p:par>
+                              <p:par>
+                                <p:cTn id="8" presetID="10" presetClass="entr" presetSubtype="0" fill="hold" grpId="0" nodeType="withEffect">
+                                  <p:stCondLst>
+                                    <p:cond delay="500"/>
+                                  </p:stCondLst>
+                                  <p:iterate type="lt">
+                                    <p:tmPct val="10000"/>
+                                  </p:iterate>
+                                  <p:childTnLst>
+                                    <p:set>
+                                      <p:cBhvr>
+                                        <p:cTn id="9" dur="1" fill="hold">
+                                          <p:stCondLst>
+                                            <p:cond delay="0"/>
+                                          </p:stCondLst>
+                                        </p:cTn>
+                                        <p:tgtEl>
+                                          <p:spTgt spid="2"/>
+                                        </p:tgtEl>
+                                        <p:attrNameLst>
+                                          <p:attrName>style.visibility</p:attrName>
+                                        </p:attrNameLst>
+                                      </p:cBhvr>
+                                      <p:to>
+                                        <p:strVal val="visible"/>
+                                      </p:to>
+                                    </p:set>
+                                    <p:animEffect transition="in" filter="fade">
+                                      <p:cBhvr>
+                                        <p:cTn id="10" dur="400"/>
+                                        <p:tgtEl>
+                                          <p:spTgt spid="2"/>
+                                        </p:tgtEl>
+                                      </p:cBhvr>
+                                    </p:animEffect>
+                                  </p:childTnLst>
+                                </p:cTn>
+                              </p:par>
+                            </p:childTnLst>
+                          </p:cTn>
+                        </p:par>
+                      </p:childTnLst>
+                    </p:cTn>
+                  </p:par>
+                </p:childTnLst>
+              </p:cTn>
+              <p:prevCondLst>
+                <p:cond evt="onPrev" delay="0">
+                  <p:tgtEl>
+                    <p:sldTgt/>
+                  </p:tgtEl>
+                </p:cond>
+              </p:prevCondLst>
+              <p:nextCondLst>
+                <p:cond evt="onNext" delay="0">
+                  <p:tgtEl>
+                    <p:sldTgt/>
+                  </p:tgtEl>
+                </p:cond>
+              </p:nextCondLst>
+            </p:seq>
+          </p:childTnLst>
+        </p:cTn>
+      </p:par>
+    </p:tnLst>
+    <p:bldLst>
+      <p:bldP spid="2" grpId="0"/>
+      <p:bldP spid="3" grpId="0" build="p"/>
+    </p:bldLst>
+  </p:timing>
+</p:sld>
+</file>
+
+<file path=ppt/slides/slide26.xml><?xml version="1.0" encoding="utf-8"?>
+<p:sld xmlns:a="http://schemas.openxmlformats.org/drawingml/2006/main" xmlns:r="http://schemas.openxmlformats.org/officeDocument/2006/relationships" xmlns:p="http://schemas.openxmlformats.org/presentationml/2006/main">
+  <p:cSld>
+    <p:bg>
+      <p:bgPr>
+        <a:gradFill rotWithShape="1">
+          <a:gsLst>
+            <a:gs pos="0">
+              <a:srgbClr val="FFFF00"/>
+            </a:gs>
+            <a:gs pos="100000">
+              <a:schemeClr val="bg2">
+                <a:shade val="78000"/>
+                <a:hueMod val="118000"/>
+                <a:satMod val="120000"/>
+                <a:lumMod val="69000"/>
+              </a:schemeClr>
+            </a:gs>
+          </a:gsLst>
+          <a:lin ang="2520000" scaled="0"/>
+        </a:gradFill>
+        <a:effectLst/>
+      </p:bgPr>
+    </p:bg>
+    <p:spTree>
+      <p:nvGrpSpPr>
+        <p:cNvPr id="1" name=""/>
+        <p:cNvGrpSpPr/>
+        <p:nvPr/>
+      </p:nvGrpSpPr>
+      <p:grpSpPr>
+        <a:xfrm>
+          <a:off x="0" y="0"/>
+          <a:ext cx="0" cy="0"/>
+          <a:chOff x="0" y="0"/>
+          <a:chExt cx="0" cy="0"/>
+        </a:xfrm>
+      </p:grpSpPr>
+      <p:sp>
+        <p:nvSpPr>
+          <p:cNvPr id="2" name="Title 1"/>
+          <p:cNvSpPr>
+            <a:spLocks noGrp="1"/>
+          </p:cNvSpPr>
+          <p:nvPr>
+            <p:ph type="ctrTitle"/>
+          </p:nvPr>
+        </p:nvSpPr>
+        <p:spPr>
+          <a:xfrm>
+            <a:off x="840510" y="2733709"/>
+            <a:ext cx="7657792" cy="1373070"/>
+          </a:xfrm>
+        </p:spPr>
+        <p:txBody>
+          <a:bodyPr>
+            <a:normAutofit fontScale="90000"/>
+          </a:bodyPr>
+          <a:lstStyle/>
+          <a:p>
+            <a:r>
+              <a:rPr lang="en-AU" dirty="0" err="1"/>
+              <a:t>Tensar</a:t>
+            </a:r>
+            <a:r>
+              <a:rPr lang="en-AU" dirty="0"/>
+              <a:t> Flow (Deep Learning)</a:t>
+            </a:r>
+            <a:endParaRPr lang="en-US" sz="5000" dirty="0">
+              <a:solidFill>
+                <a:srgbClr val="FFFFFF"/>
+              </a:solidFill>
+            </a:endParaRPr>
+          </a:p>
+        </p:txBody>
+      </p:sp>
+      <p:sp>
+        <p:nvSpPr>
+          <p:cNvPr id="3" name="Subtitle 2"/>
+          <p:cNvSpPr>
+            <a:spLocks noGrp="1"/>
+          </p:cNvSpPr>
+          <p:nvPr>
+            <p:ph type="subTitle" idx="1"/>
+          </p:nvPr>
+        </p:nvSpPr>
+        <p:spPr>
+          <a:xfrm>
+            <a:off x="1194149" y="4394039"/>
+            <a:ext cx="7304152" cy="1117687"/>
+          </a:xfrm>
+        </p:spPr>
+        <p:txBody>
+          <a:bodyPr>
+            <a:normAutofit/>
+          </a:bodyPr>
+          <a:lstStyle/>
+          <a:p>
+            <a:r>
+              <a:rPr lang="en-US" dirty="0"/>
+              <a:t>Deepa Nair</a:t>
+            </a:r>
+          </a:p>
+        </p:txBody>
+      </p:sp>
+    </p:spTree>
+    <p:extLst>
+      <p:ext uri="{BB962C8B-B14F-4D97-AF65-F5344CB8AC3E}">
+        <p14:creationId xmlns:p14="http://schemas.microsoft.com/office/powerpoint/2010/main" val="2129928531"/>
       </p:ext>
     </p:extLst>
   </p:cSld>
@@ -44445,6 +39360,14 @@
             <a:gs pos="0">
               <a:srgbClr val="FFFF00"/>
             </a:gs>
+            <a:gs pos="50000">
+              <a:schemeClr val="bg2">
+                <a:shade val="100000"/>
+                <a:hueMod val="100000"/>
+                <a:satMod val="110000"/>
+                <a:lumMod val="130000"/>
+              </a:schemeClr>
+            </a:gs>
             <a:gs pos="100000">
               <a:schemeClr val="bg2">
                 <a:shade val="78000"/>
@@ -44475,75 +39398,124 @@
       </p:grpSpPr>
       <p:sp>
         <p:nvSpPr>
-          <p:cNvPr id="2" name="Title 1"/>
-          <p:cNvSpPr>
-            <a:spLocks noGrp="1"/>
-          </p:cNvSpPr>
-          <p:nvPr>
-            <p:ph type="ctrTitle"/>
-          </p:nvPr>
-        </p:nvSpPr>
-        <p:spPr>
-          <a:xfrm>
-            <a:off x="840510" y="2733709"/>
-            <a:ext cx="7657792" cy="1373070"/>
-          </a:xfrm>
-        </p:spPr>
+          <p:cNvPr id="2" name="Title 1">
+            <a:extLst>
+              <a:ext uri="{FF2B5EF4-FFF2-40B4-BE49-F238E27FC236}">
+                <a16:creationId xmlns:a16="http://schemas.microsoft.com/office/drawing/2014/main" id="{8D75C170-1729-83A2-FBDF-3579E10CE7CE}"/>
+              </a:ext>
+            </a:extLst>
+          </p:cNvPr>
+          <p:cNvSpPr>
+            <a:spLocks noGrp="1"/>
+          </p:cNvSpPr>
+          <p:nvPr>
+            <p:ph type="title"/>
+          </p:nvPr>
+        </p:nvSpPr>
+        <p:spPr/>
         <p:txBody>
           <a:bodyPr>
             <a:normAutofit fontScale="90000"/>
           </a:bodyPr>
           <a:lstStyle/>
           <a:p>
-            <a:r>
-              <a:rPr lang="en-AU" dirty="0" err="1"/>
-              <a:t>Tensar</a:t>
-            </a:r>
-            <a:r>
-              <a:rPr lang="en-AU" dirty="0"/>
-              <a:t> Flow (Deep Learning)</a:t>
-            </a:r>
-            <a:endParaRPr lang="en-US" sz="5000" dirty="0">
-              <a:solidFill>
-                <a:srgbClr val="FFFFFF"/>
-              </a:solidFill>
+            <a:pPr algn="ctr"/>
+            <a:r>
+              <a:rPr lang="en-AU" sz="2700" dirty="0">
+                <a:effectLst/>
+                <a:latin typeface="Calibri" panose="020F0502020204030204" pitchFamily="34" charset="0"/>
+                <a:ea typeface="Calibri" panose="020F0502020204030204" pitchFamily="34" charset="0"/>
+                <a:cs typeface="Times New Roman" panose="02020603050405020304" pitchFamily="18" charset="0"/>
+              </a:rPr>
+              <a:t>TensorFlow is an open-source library developed by Google primarily for deep learning applications</a:t>
+            </a:r>
+            <a:br>
+              <a:rPr lang="en-AU" sz="3600" dirty="0">
+                <a:effectLst/>
+                <a:latin typeface="Calibri" panose="020F0502020204030204" pitchFamily="34" charset="0"/>
+                <a:ea typeface="Calibri" panose="020F0502020204030204" pitchFamily="34" charset="0"/>
+                <a:cs typeface="Times New Roman" panose="02020603050405020304" pitchFamily="18" charset="0"/>
+              </a:rPr>
+            </a:br>
+            <a:endParaRPr lang="en-AU" dirty="0"/>
+          </a:p>
+        </p:txBody>
+      </p:sp>
+      <p:sp>
+        <p:nvSpPr>
+          <p:cNvPr id="3" name="Content Placeholder 2">
+            <a:extLst>
+              <a:ext uri="{FF2B5EF4-FFF2-40B4-BE49-F238E27FC236}">
+                <a16:creationId xmlns:a16="http://schemas.microsoft.com/office/drawing/2014/main" id="{92797544-059E-092B-40D4-049B53D6B6D2}"/>
+              </a:ext>
+            </a:extLst>
+          </p:cNvPr>
+          <p:cNvSpPr>
+            <a:spLocks noGrp="1"/>
+          </p:cNvSpPr>
+          <p:nvPr>
+            <p:ph idx="1"/>
+          </p:nvPr>
+        </p:nvSpPr>
+        <p:spPr>
+          <a:xfrm>
+            <a:off x="680321" y="2348448"/>
+            <a:ext cx="9613861" cy="3599316"/>
+          </a:xfrm>
+        </p:spPr>
+        <p:txBody>
+          <a:bodyPr/>
+          <a:lstStyle/>
+          <a:p>
+            <a:pPr marL="0" indent="0">
+              <a:buNone/>
+            </a:pPr>
+            <a:endParaRPr lang="en-AU" sz="1800" dirty="0">
+              <a:effectLst/>
+              <a:latin typeface="Calibri" panose="020F0502020204030204" pitchFamily="34" charset="0"/>
+              <a:ea typeface="Calibri" panose="020F0502020204030204" pitchFamily="34" charset="0"/>
+              <a:cs typeface="Times New Roman" panose="02020603050405020304" pitchFamily="18" charset="0"/>
             </a:endParaRPr>
           </a:p>
-        </p:txBody>
-      </p:sp>
-      <p:sp>
-        <p:nvSpPr>
-          <p:cNvPr id="3" name="Subtitle 2"/>
-          <p:cNvSpPr>
-            <a:spLocks noGrp="1"/>
-          </p:cNvSpPr>
-          <p:nvPr>
-            <p:ph type="subTitle" idx="1"/>
-          </p:nvPr>
-        </p:nvSpPr>
-        <p:spPr>
-          <a:xfrm>
-            <a:off x="1194149" y="4394039"/>
-            <a:ext cx="7304152" cy="1117687"/>
-          </a:xfrm>
-        </p:spPr>
-        <p:txBody>
-          <a:bodyPr>
-            <a:normAutofit/>
-          </a:bodyPr>
-          <a:lstStyle/>
-          <a:p>
-            <a:r>
-              <a:rPr lang="en-US" dirty="0"/>
-              <a:t>Deepa Nair</a:t>
-            </a:r>
-          </a:p>
-        </p:txBody>
-      </p:sp>
+          <a:p>
+            <a:endParaRPr lang="en-AU" dirty="0"/>
+          </a:p>
+        </p:txBody>
+      </p:sp>
+      <p:pic>
+        <p:nvPicPr>
+          <p:cNvPr id="4" name="Picture 3" descr="Text&#10;&#10;Description automatically generated">
+            <a:extLst>
+              <a:ext uri="{FF2B5EF4-FFF2-40B4-BE49-F238E27FC236}">
+                <a16:creationId xmlns:a16="http://schemas.microsoft.com/office/drawing/2014/main" id="{D4581185-5509-253E-A0D5-FE149FDA9EFC}"/>
+              </a:ext>
+            </a:extLst>
+          </p:cNvPr>
+          <p:cNvPicPr>
+            <a:picLocks noChangeAspect="1"/>
+          </p:cNvPicPr>
+          <p:nvPr/>
+        </p:nvPicPr>
+        <p:blipFill>
+          <a:blip r:embed="rId2"/>
+          <a:stretch>
+            <a:fillRect/>
+          </a:stretch>
+        </p:blipFill>
+        <p:spPr>
+          <a:xfrm>
+            <a:off x="1410182" y="2176807"/>
+            <a:ext cx="7664370" cy="4474640"/>
+          </a:xfrm>
+          <a:prstGeom prst="rect">
+            <a:avLst/>
+          </a:prstGeom>
+        </p:spPr>
+      </p:pic>
     </p:spTree>
     <p:extLst>
       <p:ext uri="{BB962C8B-B14F-4D97-AF65-F5344CB8AC3E}">
-        <p14:creationId xmlns:p14="http://schemas.microsoft.com/office/powerpoint/2010/main" val="2129928531"/>
+        <p14:creationId xmlns:p14="http://schemas.microsoft.com/office/powerpoint/2010/main" val="1566038683"/>
       </p:ext>
     </p:extLst>
   </p:cSld>
@@ -44562,145 +39534,6 @@
       </p:transition>
     </mc:Fallback>
   </mc:AlternateContent>
-  <p:timing>
-    <p:tnLst>
-      <p:par>
-        <p:cTn id="1" dur="indefinite" restart="never" nodeType="tmRoot">
-          <p:childTnLst>
-            <p:seq concurrent="1" nextAc="seek">
-              <p:cTn id="2" dur="indefinite" nodeType="mainSeq">
-                <p:childTnLst>
-                  <p:par>
-                    <p:cTn id="3" fill="hold">
-                      <p:stCondLst>
-                        <p:cond delay="indefinite"/>
-                        <p:cond evt="onBegin" delay="0">
-                          <p:tn val="2"/>
-                        </p:cond>
-                      </p:stCondLst>
-                      <p:childTnLst>
-                        <p:par>
-                          <p:cTn id="4" fill="hold">
-                            <p:stCondLst>
-                              <p:cond delay="0"/>
-                            </p:stCondLst>
-                            <p:childTnLst>
-                              <p:par>
-                                <p:cTn id="5" presetID="10" presetClass="entr" presetSubtype="0" fill="hold" grpId="0" nodeType="withEffect">
-                                  <p:stCondLst>
-                                    <p:cond delay="2000"/>
-                                  </p:stCondLst>
-                                  <p:iterate type="lt">
-                                    <p:tmPct val="10000"/>
-                                  </p:iterate>
-                                  <p:childTnLst>
-                                    <p:set>
-                                      <p:cBhvr>
-                                        <p:cTn id="6" dur="1" fill="hold">
-                                          <p:stCondLst>
-                                            <p:cond delay="0"/>
-                                          </p:stCondLst>
-                                        </p:cTn>
-                                        <p:tgtEl>
-                                          <p:spTgt spid="3">
-                                            <p:txEl>
-                                              <p:pRg st="0" end="0"/>
-                                            </p:txEl>
-                                          </p:spTgt>
-                                        </p:tgtEl>
-                                        <p:attrNameLst>
-                                          <p:attrName>style.visibility</p:attrName>
-                                        </p:attrNameLst>
-                                      </p:cBhvr>
-                                      <p:to>
-                                        <p:strVal val="visible"/>
-                                      </p:to>
-                                    </p:set>
-                                    <p:animEffect transition="in" filter="fade">
-                                      <p:cBhvr>
-                                        <p:cTn id="7" dur="400"/>
-                                        <p:tgtEl>
-                                          <p:spTgt spid="3">
-                                            <p:txEl>
-                                              <p:pRg st="0" end="0"/>
-                                            </p:txEl>
-                                          </p:spTgt>
-                                        </p:tgtEl>
-                                      </p:cBhvr>
-                                    </p:animEffect>
-                                  </p:childTnLst>
-                                </p:cTn>
-                              </p:par>
-                              <p:par>
-                                <p:cTn id="8" presetID="10" presetClass="entr" presetSubtype="0" fill="hold" grpId="0" nodeType="withEffect">
-                                  <p:stCondLst>
-                                    <p:cond delay="500"/>
-                                  </p:stCondLst>
-                                  <p:iterate type="lt">
-                                    <p:tmPct val="10000"/>
-                                  </p:iterate>
-                                  <p:childTnLst>
-                                    <p:set>
-                                      <p:cBhvr>
-                                        <p:cTn id="9" dur="1" fill="hold">
-                                          <p:stCondLst>
-                                            <p:cond delay="0"/>
-                                          </p:stCondLst>
-                                        </p:cTn>
-                                        <p:tgtEl>
-                                          <p:spTgt spid="2"/>
-                                        </p:tgtEl>
-                                        <p:attrNameLst>
-                                          <p:attrName>style.visibility</p:attrName>
-                                        </p:attrNameLst>
-                                      </p:cBhvr>
-                                      <p:to>
-                                        <p:strVal val="visible"/>
-                                      </p:to>
-                                    </p:set>
-                                    <p:animEffect transition="in" filter="fade">
-                                      <p:cBhvr>
-                                        <p:cTn id="10" dur="400"/>
-                                        <p:tgtEl>
-                                          <p:spTgt spid="2"/>
-                                        </p:tgtEl>
-                                      </p:cBhvr>
-                                    </p:animEffect>
-                                  </p:childTnLst>
-                                </p:cTn>
-                              </p:par>
-                            </p:childTnLst>
-                          </p:cTn>
-                        </p:par>
-                      </p:childTnLst>
-                    </p:cTn>
-                  </p:par>
-                </p:childTnLst>
-              </p:cTn>
-              <p:prevCondLst>
-                <p:cond evt="onPrev" delay="0">
-                  <p:tgtEl>
-                    <p:sldTgt/>
-                  </p:tgtEl>
-                </p:cond>
-              </p:prevCondLst>
-              <p:nextCondLst>
-                <p:cond evt="onNext" delay="0">
-                  <p:tgtEl>
-                    <p:sldTgt/>
-                  </p:tgtEl>
-                </p:cond>
-              </p:nextCondLst>
-            </p:seq>
-          </p:childTnLst>
-        </p:cTn>
-      </p:par>
-    </p:tnLst>
-    <p:bldLst>
-      <p:bldP spid="2" grpId="0"/>
-      <p:bldP spid="3" grpId="0" build="p"/>
-    </p:bldLst>
-  </p:timing>
 </p:sld>
 </file>
 
@@ -44755,7 +39588,7 @@
           <p:cNvPr id="2" name="Title 1">
             <a:extLst>
               <a:ext uri="{FF2B5EF4-FFF2-40B4-BE49-F238E27FC236}">
-                <a16:creationId xmlns:a16="http://schemas.microsoft.com/office/drawing/2014/main" id="{8D75C170-1729-83A2-FBDF-3579E10CE7CE}"/>
+                <a16:creationId xmlns:a16="http://schemas.microsoft.com/office/drawing/2014/main" id="{3B360B5D-43E1-82EA-534D-CCB70FA46E28}"/>
               </a:ext>
             </a:extLst>
           </p:cNvPr>
@@ -44768,80 +39601,23 @@
         </p:nvSpPr>
         <p:spPr/>
         <p:txBody>
-          <a:bodyPr>
-            <a:normAutofit fontScale="90000"/>
-          </a:bodyPr>
+          <a:bodyPr/>
           <a:lstStyle/>
           <a:p>
-            <a:pPr algn="ctr"/>
-            <a:r>
-              <a:rPr lang="en-AU" sz="2700" dirty="0">
-                <a:effectLst/>
-                <a:latin typeface="Calibri" panose="020F0502020204030204" pitchFamily="34" charset="0"/>
-                <a:ea typeface="Calibri" panose="020F0502020204030204" pitchFamily="34" charset="0"/>
-                <a:cs typeface="Times New Roman" panose="02020603050405020304" pitchFamily="18" charset="0"/>
-              </a:rPr>
-              <a:t>TensorFlow is an open-source library developed by Google primarily for deep learning applications</a:t>
-            </a:r>
-            <a:br>
-              <a:rPr lang="en-AU" sz="3600" dirty="0">
-                <a:effectLst/>
-                <a:latin typeface="Calibri" panose="020F0502020204030204" pitchFamily="34" charset="0"/>
-                <a:ea typeface="Calibri" panose="020F0502020204030204" pitchFamily="34" charset="0"/>
-                <a:cs typeface="Times New Roman" panose="02020603050405020304" pitchFamily="18" charset="0"/>
-              </a:rPr>
-            </a:br>
+            <a:r>
+              <a:rPr lang="en-US" dirty="0"/>
+              <a:t>Graphs</a:t>
+            </a:r>
             <a:endParaRPr lang="en-AU" dirty="0"/>
           </a:p>
         </p:txBody>
       </p:sp>
-      <p:sp>
-        <p:nvSpPr>
-          <p:cNvPr id="3" name="Content Placeholder 2">
+      <p:pic>
+        <p:nvPicPr>
+          <p:cNvPr id="6" name="Picture 5">
             <a:extLst>
               <a:ext uri="{FF2B5EF4-FFF2-40B4-BE49-F238E27FC236}">
-                <a16:creationId xmlns:a16="http://schemas.microsoft.com/office/drawing/2014/main" id="{92797544-059E-092B-40D4-049B53D6B6D2}"/>
-              </a:ext>
-            </a:extLst>
-          </p:cNvPr>
-          <p:cNvSpPr>
-            <a:spLocks noGrp="1"/>
-          </p:cNvSpPr>
-          <p:nvPr>
-            <p:ph idx="1"/>
-          </p:nvPr>
-        </p:nvSpPr>
-        <p:spPr>
-          <a:xfrm>
-            <a:off x="680321" y="2348448"/>
-            <a:ext cx="9613861" cy="3599316"/>
-          </a:xfrm>
-        </p:spPr>
-        <p:txBody>
-          <a:bodyPr/>
-          <a:lstStyle/>
-          <a:p>
-            <a:pPr marL="0" indent="0">
-              <a:buNone/>
-            </a:pPr>
-            <a:endParaRPr lang="en-AU" sz="1800" dirty="0">
-              <a:effectLst/>
-              <a:latin typeface="Calibri" panose="020F0502020204030204" pitchFamily="34" charset="0"/>
-              <a:ea typeface="Calibri" panose="020F0502020204030204" pitchFamily="34" charset="0"/>
-              <a:cs typeface="Times New Roman" panose="02020603050405020304" pitchFamily="18" charset="0"/>
-            </a:endParaRPr>
-          </a:p>
-          <a:p>
-            <a:endParaRPr lang="en-AU" dirty="0"/>
-          </a:p>
-        </p:txBody>
-      </p:sp>
-      <p:pic>
-        <p:nvPicPr>
-          <p:cNvPr id="4" name="Picture 3" descr="Text&#10;&#10;Description automatically generated">
-            <a:extLst>
-              <a:ext uri="{FF2B5EF4-FFF2-40B4-BE49-F238E27FC236}">
-                <a16:creationId xmlns:a16="http://schemas.microsoft.com/office/drawing/2014/main" id="{D4581185-5509-253E-A0D5-FE149FDA9EFC}"/>
+                <a16:creationId xmlns:a16="http://schemas.microsoft.com/office/drawing/2014/main" id="{B094F31F-3865-E49F-F271-557E95E87FC9}"/>
               </a:ext>
             </a:extLst>
           </p:cNvPr>
@@ -44858,8 +39634,38 @@
         </p:blipFill>
         <p:spPr>
           <a:xfrm>
-            <a:off x="1410182" y="2176807"/>
-            <a:ext cx="7664370" cy="4474640"/>
+            <a:off x="680321" y="2469717"/>
+            <a:ext cx="4282811" cy="3635055"/>
+          </a:xfrm>
+          <a:prstGeom prst="rect">
+            <a:avLst/>
+          </a:prstGeom>
+        </p:spPr>
+      </p:pic>
+      <p:pic>
+        <p:nvPicPr>
+          <p:cNvPr id="8" name="Picture 7">
+            <a:extLst>
+              <a:ext uri="{FF2B5EF4-FFF2-40B4-BE49-F238E27FC236}">
+                <a16:creationId xmlns:a16="http://schemas.microsoft.com/office/drawing/2014/main" id="{BE606B6C-8D9C-CA02-957C-DD974BC0B3A9}"/>
+              </a:ext>
+            </a:extLst>
+          </p:cNvPr>
+          <p:cNvPicPr>
+            <a:picLocks noChangeAspect="1"/>
+          </p:cNvPicPr>
+          <p:nvPr/>
+        </p:nvPicPr>
+        <p:blipFill>
+          <a:blip r:embed="rId3"/>
+          <a:stretch>
+            <a:fillRect/>
+          </a:stretch>
+        </p:blipFill>
+        <p:spPr>
+          <a:xfrm>
+            <a:off x="5759591" y="2469717"/>
+            <a:ext cx="4889118" cy="3635055"/>
           </a:xfrm>
           <a:prstGeom prst="rect">
             <a:avLst/>
@@ -44869,7 +39675,7 @@
     </p:spTree>
     <p:extLst>
       <p:ext uri="{BB962C8B-B14F-4D97-AF65-F5344CB8AC3E}">
-        <p14:creationId xmlns:p14="http://schemas.microsoft.com/office/powerpoint/2010/main" val="1566038683"/>
+        <p14:creationId xmlns:p14="http://schemas.microsoft.com/office/powerpoint/2010/main" val="1863965586"/>
       </p:ext>
     </p:extLst>
   </p:cSld>
@@ -44894,35 +39700,6 @@
 <file path=ppt/slides/slide29.xml><?xml version="1.0" encoding="utf-8"?>
 <p:sld xmlns:a="http://schemas.openxmlformats.org/drawingml/2006/main" xmlns:r="http://schemas.openxmlformats.org/officeDocument/2006/relationships" xmlns:p="http://schemas.openxmlformats.org/presentationml/2006/main">
   <p:cSld>
-    <p:bg>
-      <p:bgPr>
-        <a:gradFill rotWithShape="1">
-          <a:gsLst>
-            <a:gs pos="0">
-              <a:srgbClr val="FFFF00"/>
-            </a:gs>
-            <a:gs pos="50000">
-              <a:schemeClr val="bg2">
-                <a:shade val="100000"/>
-                <a:hueMod val="100000"/>
-                <a:satMod val="110000"/>
-                <a:lumMod val="130000"/>
-              </a:schemeClr>
-            </a:gs>
-            <a:gs pos="100000">
-              <a:schemeClr val="bg2">
-                <a:shade val="78000"/>
-                <a:hueMod val="118000"/>
-                <a:satMod val="120000"/>
-                <a:lumMod val="69000"/>
-              </a:schemeClr>
-            </a:gs>
-          </a:gsLst>
-          <a:lin ang="2520000" scaled="0"/>
-        </a:gradFill>
-        <a:effectLst/>
-      </p:bgPr>
-    </p:bg>
     <p:spTree>
       <p:nvGrpSpPr>
         <p:cNvPr id="1" name=""/>
@@ -44939,18 +39716,12 @@
       </p:grpSpPr>
       <p:sp>
         <p:nvSpPr>
-          <p:cNvPr id="2" name="Title 1">
-            <a:extLst>
-              <a:ext uri="{FF2B5EF4-FFF2-40B4-BE49-F238E27FC236}">
-                <a16:creationId xmlns:a16="http://schemas.microsoft.com/office/drawing/2014/main" id="{3B360B5D-43E1-82EA-534D-CCB70FA46E28}"/>
-              </a:ext>
-            </a:extLst>
-          </p:cNvPr>
-          <p:cNvSpPr>
-            <a:spLocks noGrp="1"/>
-          </p:cNvSpPr>
-          <p:nvPr>
-            <p:ph type="title"/>
+          <p:cNvPr id="2" name="Title 1"/>
+          <p:cNvSpPr>
+            <a:spLocks noGrp="1"/>
+          </p:cNvSpPr>
+          <p:nvPr>
+            <p:ph type="ctrTitle"/>
           </p:nvPr>
         </p:nvSpPr>
         <p:spPr/>
@@ -44959,77 +39730,38 @@
           <a:lstStyle/>
           <a:p>
             <a:r>
+              <a:rPr lang="en-US"/>
+              <a:t>Project Summary</a:t>
+            </a:r>
+          </a:p>
+        </p:txBody>
+      </p:sp>
+      <p:sp>
+        <p:nvSpPr>
+          <p:cNvPr id="3" name="Subtitle 2"/>
+          <p:cNvSpPr>
+            <a:spLocks noGrp="1"/>
+          </p:cNvSpPr>
+          <p:nvPr>
+            <p:ph type="subTitle" idx="1"/>
+          </p:nvPr>
+        </p:nvSpPr>
+        <p:spPr/>
+        <p:txBody>
+          <a:bodyPr/>
+          <a:lstStyle/>
+          <a:p>
+            <a:r>
               <a:rPr lang="en-US" dirty="0"/>
-              <a:t>Graphs</a:t>
-            </a:r>
-            <a:endParaRPr lang="en-AU" dirty="0"/>
-          </a:p>
-        </p:txBody>
-      </p:sp>
-      <p:pic>
-        <p:nvPicPr>
-          <p:cNvPr id="6" name="Picture 5">
-            <a:extLst>
-              <a:ext uri="{FF2B5EF4-FFF2-40B4-BE49-F238E27FC236}">
-                <a16:creationId xmlns:a16="http://schemas.microsoft.com/office/drawing/2014/main" id="{B094F31F-3865-E49F-F271-557E95E87FC9}"/>
-              </a:ext>
-            </a:extLst>
-          </p:cNvPr>
-          <p:cNvPicPr>
-            <a:picLocks noChangeAspect="1"/>
-          </p:cNvPicPr>
-          <p:nvPr/>
-        </p:nvPicPr>
-        <p:blipFill>
-          <a:blip r:embed="rId2"/>
-          <a:stretch>
-            <a:fillRect/>
-          </a:stretch>
-        </p:blipFill>
-        <p:spPr>
-          <a:xfrm>
-            <a:off x="680321" y="2469717"/>
-            <a:ext cx="4282811" cy="3635055"/>
-          </a:xfrm>
-          <a:prstGeom prst="rect">
-            <a:avLst/>
-          </a:prstGeom>
-        </p:spPr>
-      </p:pic>
-      <p:pic>
-        <p:nvPicPr>
-          <p:cNvPr id="8" name="Picture 7">
-            <a:extLst>
-              <a:ext uri="{FF2B5EF4-FFF2-40B4-BE49-F238E27FC236}">
-                <a16:creationId xmlns:a16="http://schemas.microsoft.com/office/drawing/2014/main" id="{BE606B6C-8D9C-CA02-957C-DD974BC0B3A9}"/>
-              </a:ext>
-            </a:extLst>
-          </p:cNvPr>
-          <p:cNvPicPr>
-            <a:picLocks noChangeAspect="1"/>
-          </p:cNvPicPr>
-          <p:nvPr/>
-        </p:nvPicPr>
-        <p:blipFill>
-          <a:blip r:embed="rId3"/>
-          <a:stretch>
-            <a:fillRect/>
-          </a:stretch>
-        </p:blipFill>
-        <p:spPr>
-          <a:xfrm>
-            <a:off x="5759591" y="2469717"/>
-            <a:ext cx="4889118" cy="3635055"/>
-          </a:xfrm>
-          <a:prstGeom prst="rect">
-            <a:avLst/>
-          </a:prstGeom>
-        </p:spPr>
-      </p:pic>
+              <a:t>Optional statement</a:t>
+            </a:r>
+          </a:p>
+        </p:txBody>
+      </p:sp>
     </p:spTree>
     <p:extLst>
       <p:ext uri="{BB962C8B-B14F-4D97-AF65-F5344CB8AC3E}">
-        <p14:creationId xmlns:p14="http://schemas.microsoft.com/office/powerpoint/2010/main" val="1863965586"/>
+        <p14:creationId xmlns:p14="http://schemas.microsoft.com/office/powerpoint/2010/main" val="3589653851"/>
       </p:ext>
     </p:extLst>
   </p:cSld>
@@ -45253,12 +39985,18 @@
       </p:grpSpPr>
       <p:sp>
         <p:nvSpPr>
-          <p:cNvPr id="2" name="Title 1"/>
-          <p:cNvSpPr>
-            <a:spLocks noGrp="1"/>
-          </p:cNvSpPr>
-          <p:nvPr>
-            <p:ph type="ctrTitle"/>
+          <p:cNvPr id="2" name="Title 1">
+            <a:extLst>
+              <a:ext uri="{FF2B5EF4-FFF2-40B4-BE49-F238E27FC236}">
+                <a16:creationId xmlns:a16="http://schemas.microsoft.com/office/drawing/2014/main" id="{52DF2A18-C538-D150-4407-6243CF1E0C5A}"/>
+              </a:ext>
+            </a:extLst>
+          </p:cNvPr>
+          <p:cNvSpPr>
+            <a:spLocks noGrp="1"/>
+          </p:cNvSpPr>
+          <p:nvPr>
+            <p:ph type="title"/>
           </p:nvPr>
         </p:nvSpPr>
         <p:spPr/>
@@ -45267,30 +40005,115 @@
           <a:lstStyle/>
           <a:p>
             <a:r>
-              <a:rPr lang="en-US"/>
-              <a:t>Project Summary</a:t>
-            </a:r>
-          </a:p>
-        </p:txBody>
-      </p:sp>
-      <p:sp>
-        <p:nvSpPr>
-          <p:cNvPr id="3" name="Subtitle 2"/>
-          <p:cNvSpPr>
-            <a:spLocks noGrp="1"/>
-          </p:cNvSpPr>
-          <p:nvPr>
-            <p:ph type="subTitle" idx="1"/>
-          </p:nvPr>
-        </p:nvSpPr>
-        <p:spPr/>
-        <p:txBody>
-          <a:bodyPr/>
+              <a:rPr lang="en-US" dirty="0"/>
+              <a:t>Conclusion</a:t>
+            </a:r>
+            <a:endParaRPr lang="en-AU" dirty="0"/>
+          </a:p>
+        </p:txBody>
+      </p:sp>
+      <p:pic>
+        <p:nvPicPr>
+          <p:cNvPr id="4" name="Picture 3">
+            <a:extLst>
+              <a:ext uri="{FF2B5EF4-FFF2-40B4-BE49-F238E27FC236}">
+                <a16:creationId xmlns:a16="http://schemas.microsoft.com/office/drawing/2014/main" id="{F02CE017-A968-4309-12CB-E806EA58E2A4}"/>
+              </a:ext>
+            </a:extLst>
+          </p:cNvPr>
+          <p:cNvPicPr>
+            <a:picLocks noChangeAspect="1"/>
+          </p:cNvPicPr>
+          <p:nvPr/>
+        </p:nvPicPr>
+        <p:blipFill>
+          <a:blip r:embed="rId2"/>
+          <a:stretch>
+            <a:fillRect/>
+          </a:stretch>
+        </p:blipFill>
+        <p:spPr>
+          <a:xfrm>
+            <a:off x="792677" y="2440300"/>
+            <a:ext cx="4668580" cy="2710434"/>
+          </a:xfrm>
+          <a:prstGeom prst="rect">
+            <a:avLst/>
+          </a:prstGeom>
+        </p:spPr>
+      </p:pic>
+      <p:pic>
+        <p:nvPicPr>
+          <p:cNvPr id="5" name="Picture 4">
+            <a:extLst>
+              <a:ext uri="{FF2B5EF4-FFF2-40B4-BE49-F238E27FC236}">
+                <a16:creationId xmlns:a16="http://schemas.microsoft.com/office/drawing/2014/main" id="{855D99B0-EE8F-6614-26F2-2BF70F743465}"/>
+              </a:ext>
+            </a:extLst>
+          </p:cNvPr>
+          <p:cNvPicPr>
+            <a:picLocks noChangeAspect="1"/>
+          </p:cNvPicPr>
+          <p:nvPr/>
+        </p:nvPicPr>
+        <p:blipFill>
+          <a:blip r:embed="rId3"/>
+          <a:stretch>
+            <a:fillRect/>
+          </a:stretch>
+        </p:blipFill>
+        <p:spPr>
+          <a:xfrm>
+            <a:off x="5964117" y="2472372"/>
+            <a:ext cx="4765615" cy="2678362"/>
+          </a:xfrm>
+          <a:prstGeom prst="rect">
+            <a:avLst/>
+          </a:prstGeom>
+        </p:spPr>
+      </p:pic>
+      <p:sp>
+        <p:nvSpPr>
+          <p:cNvPr id="6" name="Content Placeholder 2">
+            <a:extLst>
+              <a:ext uri="{FF2B5EF4-FFF2-40B4-BE49-F238E27FC236}">
+                <a16:creationId xmlns:a16="http://schemas.microsoft.com/office/drawing/2014/main" id="{52B3831E-B76A-5CB2-63AE-9094BA938FC5}"/>
+              </a:ext>
+            </a:extLst>
+          </p:cNvPr>
+          <p:cNvSpPr>
+            <a:spLocks noGrp="1"/>
+          </p:cNvSpPr>
+          <p:nvPr>
+            <p:ph idx="1"/>
+          </p:nvPr>
+        </p:nvSpPr>
+        <p:spPr>
+          <a:xfrm>
+            <a:off x="1115871" y="5427314"/>
+            <a:ext cx="9613861" cy="3599316"/>
+          </a:xfrm>
+        </p:spPr>
+        <p:txBody>
+          <a:bodyPr>
+            <a:normAutofit/>
+          </a:bodyPr>
           <a:lstStyle/>
           <a:p>
-            <a:r>
-              <a:rPr lang="en-US" dirty="0"/>
-              <a:t>Optional statement</a:t>
+            <a:pPr marL="0" indent="0">
+              <a:buNone/>
+            </a:pPr>
+            <a:r>
+              <a:rPr lang="en-US" sz="1400" dirty="0"/>
+              <a:t>In this project, we have walked through a complete end-to-end machine learning project using the Telecom customer Churn dataset. We started by cleaning the data and analyzing it with visualization. Then, to be able to build a machine learning model, we transformed the categorical data into numeric variables (feature engineering). After transforming the data, we tried 6 different machine learning algorithms (including Deep Learning) using default parameters. Finally, we tuned the hyperparameters of the </a:t>
+            </a:r>
+            <a:r>
+              <a:rPr lang="en-US" sz="1400" dirty="0" err="1"/>
+              <a:t>Adaboost</a:t>
+            </a:r>
+            <a:r>
+              <a:rPr lang="en-US" sz="1400" dirty="0"/>
+              <a:t> (best performance model) for model optimization, obtaining an accuracy of nearly 81%.</a:t>
             </a:r>
           </a:p>
         </p:txBody>
@@ -45298,7 +40121,7 @@
     </p:spTree>
     <p:extLst>
       <p:ext uri="{BB962C8B-B14F-4D97-AF65-F5344CB8AC3E}">
-        <p14:creationId xmlns:p14="http://schemas.microsoft.com/office/powerpoint/2010/main" val="3589653851"/>
+        <p14:creationId xmlns:p14="http://schemas.microsoft.com/office/powerpoint/2010/main" val="2106282225"/>
       </p:ext>
     </p:extLst>
   </p:cSld>
@@ -45339,39 +40162,61 @@
       </p:grpSpPr>
       <p:sp>
         <p:nvSpPr>
-          <p:cNvPr id="2" name="Title 1">
+          <p:cNvPr id="2" name="Title 1"/>
+          <p:cNvSpPr>
+            <a:spLocks noGrp="1"/>
+          </p:cNvSpPr>
+          <p:nvPr>
+            <p:ph type="title"/>
+          </p:nvPr>
+        </p:nvSpPr>
+        <p:spPr/>
+        <p:txBody>
+          <a:bodyPr/>
+          <a:lstStyle/>
+          <a:p>
+            <a:r>
+              <a:rPr lang="en-US" dirty="0"/>
+              <a:t>The APP</a:t>
+            </a:r>
+          </a:p>
+        </p:txBody>
+      </p:sp>
+      <p:pic>
+        <p:nvPicPr>
+          <p:cNvPr id="11" name="Content Placeholder 10">
             <a:extLst>
               <a:ext uri="{FF2B5EF4-FFF2-40B4-BE49-F238E27FC236}">
-                <a16:creationId xmlns:a16="http://schemas.microsoft.com/office/drawing/2014/main" id="{52DF2A18-C538-D150-4407-6243CF1E0C5A}"/>
+                <a16:creationId xmlns:a16="http://schemas.microsoft.com/office/drawing/2014/main" id="{115C91F9-F6A0-4CB2-A620-B5EBCAEC5108}"/>
               </a:ext>
             </a:extLst>
           </p:cNvPr>
-          <p:cNvSpPr>
-            <a:spLocks noGrp="1"/>
-          </p:cNvSpPr>
-          <p:nvPr>
-            <p:ph type="title"/>
-          </p:nvPr>
-        </p:nvSpPr>
-        <p:spPr/>
-        <p:txBody>
-          <a:bodyPr/>
-          <a:lstStyle/>
-          <a:p>
-            <a:r>
-              <a:rPr lang="en-US" dirty="0"/>
-              <a:t>Conclusion</a:t>
-            </a:r>
-            <a:endParaRPr lang="en-AU" dirty="0"/>
-          </a:p>
-        </p:txBody>
-      </p:sp>
+          <p:cNvPicPr>
+            <a:picLocks noGrp="1" noChangeAspect="1"/>
+          </p:cNvPicPr>
+          <p:nvPr>
+            <p:ph idx="1"/>
+          </p:nvPr>
+        </p:nvPicPr>
+        <p:blipFill>
+          <a:blip r:embed="rId3"/>
+          <a:stretch>
+            <a:fillRect/>
+          </a:stretch>
+        </p:blipFill>
+        <p:spPr>
+          <a:xfrm>
+            <a:off x="345955" y="2024546"/>
+            <a:ext cx="3215640" cy="4544060"/>
+          </a:xfrm>
+        </p:spPr>
+      </p:pic>
       <p:pic>
         <p:nvPicPr>
-          <p:cNvPr id="4" name="Picture 3">
+          <p:cNvPr id="15" name="Picture 14">
             <a:extLst>
               <a:ext uri="{FF2B5EF4-FFF2-40B4-BE49-F238E27FC236}">
-                <a16:creationId xmlns:a16="http://schemas.microsoft.com/office/drawing/2014/main" id="{F02CE017-A968-4309-12CB-E806EA58E2A4}"/>
+                <a16:creationId xmlns:a16="http://schemas.microsoft.com/office/drawing/2014/main" id="{62C2F20A-EB28-B06F-4C0A-B007F33C7BC7}"/>
               </a:ext>
             </a:extLst>
           </p:cNvPr>
@@ -45381,15 +40226,15 @@
           <p:nvPr/>
         </p:nvPicPr>
         <p:blipFill>
-          <a:blip r:embed="rId2"/>
+          <a:blip r:embed="rId4"/>
           <a:stretch>
             <a:fillRect/>
           </a:stretch>
         </p:blipFill>
         <p:spPr>
           <a:xfrm>
-            <a:off x="792677" y="2440300"/>
-            <a:ext cx="4668580" cy="2710434"/>
+            <a:off x="4151386" y="2160270"/>
+            <a:ext cx="3360420" cy="2235200"/>
           </a:xfrm>
           <a:prstGeom prst="rect">
             <a:avLst/>
@@ -45398,10 +40243,10 @@
       </p:pic>
       <p:pic>
         <p:nvPicPr>
-          <p:cNvPr id="5" name="Picture 4">
+          <p:cNvPr id="17" name="Picture 16">
             <a:extLst>
               <a:ext uri="{FF2B5EF4-FFF2-40B4-BE49-F238E27FC236}">
-                <a16:creationId xmlns:a16="http://schemas.microsoft.com/office/drawing/2014/main" id="{855D99B0-EE8F-6614-26F2-2BF70F743465}"/>
+                <a16:creationId xmlns:a16="http://schemas.microsoft.com/office/drawing/2014/main" id="{9EA43CFC-1B29-4DD9-47EB-0FCB1F0995F5}"/>
               </a:ext>
             </a:extLst>
           </p:cNvPr>
@@ -45411,162 +40256,51 @@
           <p:nvPr/>
         </p:nvPicPr>
         <p:blipFill>
-          <a:blip r:embed="rId3"/>
+          <a:blip r:embed="rId5"/>
           <a:stretch>
             <a:fillRect/>
           </a:stretch>
         </p:blipFill>
         <p:spPr>
           <a:xfrm>
-            <a:off x="5964117" y="2472372"/>
-            <a:ext cx="4765615" cy="2678362"/>
+            <a:off x="9089148" y="2300137"/>
+            <a:ext cx="2737092" cy="3804635"/>
           </a:xfrm>
           <a:prstGeom prst="rect">
             <a:avLst/>
           </a:prstGeom>
         </p:spPr>
       </p:pic>
-      <p:sp>
-        <p:nvSpPr>
-          <p:cNvPr id="6" name="Content Placeholder 2">
+      <p:pic>
+        <p:nvPicPr>
+          <p:cNvPr id="19" name="Picture 18">
             <a:extLst>
               <a:ext uri="{FF2B5EF4-FFF2-40B4-BE49-F238E27FC236}">
-                <a16:creationId xmlns:a16="http://schemas.microsoft.com/office/drawing/2014/main" id="{52B3831E-B76A-5CB2-63AE-9094BA938FC5}"/>
+                <a16:creationId xmlns:a16="http://schemas.microsoft.com/office/drawing/2014/main" id="{D9C75A8F-751A-44E9-260E-6825A0A7B0E5}"/>
               </a:ext>
             </a:extLst>
           </p:cNvPr>
-          <p:cNvSpPr>
-            <a:spLocks noGrp="1"/>
-          </p:cNvSpPr>
-          <p:nvPr>
-            <p:ph idx="1"/>
-          </p:nvPr>
-        </p:nvSpPr>
-        <p:spPr>
-          <a:xfrm>
-            <a:off x="1115871" y="5427314"/>
-            <a:ext cx="9613861" cy="3599316"/>
-          </a:xfrm>
-        </p:spPr>
-        <p:txBody>
-          <a:bodyPr>
-            <a:normAutofit/>
-          </a:bodyPr>
-          <a:lstStyle/>
-          <a:p>
-            <a:pPr marL="0" indent="0">
-              <a:buNone/>
-            </a:pPr>
-            <a:r>
-              <a:rPr lang="en-US" sz="1400" dirty="0"/>
-              <a:t>In this project, we have walked through a complete end-to-end machine learning project using the Telecom customer Churn dataset. We started by cleaning the data and analyzing it with visualization. Then, to be able to build a machine learning model, we transformed the categorical data into numeric variables (feature engineering). After transforming the data, we tried 6 different machine learning algorithms (including Deep Learning) using default parameters. Finally, we tuned the hyperparameters of the </a:t>
-            </a:r>
-            <a:r>
-              <a:rPr lang="en-US" sz="1400" dirty="0" err="1"/>
-              <a:t>Adaboost</a:t>
-            </a:r>
-            <a:r>
-              <a:rPr lang="en-US" sz="1400" dirty="0"/>
-              <a:t> (best performance model) for model optimization, obtaining an accuracy of nearly 81%.</a:t>
-            </a:r>
-          </a:p>
-        </p:txBody>
-      </p:sp>
-    </p:spTree>
-    <p:extLst>
-      <p:ext uri="{BB962C8B-B14F-4D97-AF65-F5344CB8AC3E}">
-        <p14:creationId xmlns:p14="http://schemas.microsoft.com/office/powerpoint/2010/main" val="2106282225"/>
-      </p:ext>
-    </p:extLst>
-  </p:cSld>
-  <p:clrMapOvr>
-    <a:masterClrMapping/>
-  </p:clrMapOvr>
-  <mc:AlternateContent xmlns:mc="http://schemas.openxmlformats.org/markup-compatibility/2006" xmlns:p14="http://schemas.microsoft.com/office/powerpoint/2010/main">
-    <mc:Choice Requires="p14">
-      <p:transition spd="med" p14:dur="700">
-        <p:fade/>
-      </p:transition>
-    </mc:Choice>
-    <mc:Fallback xmlns="">
-      <p:transition spd="med">
-        <p:fade/>
-      </p:transition>
-    </mc:Fallback>
-  </mc:AlternateContent>
-</p:sld>
-</file>
-
-<file path=ppt/slides/slide32.xml><?xml version="1.0" encoding="utf-8"?>
-<p:sld xmlns:a="http://schemas.openxmlformats.org/drawingml/2006/main" xmlns:r="http://schemas.openxmlformats.org/officeDocument/2006/relationships" xmlns:p="http://schemas.openxmlformats.org/presentationml/2006/main">
-  <p:cSld>
-    <p:spTree>
-      <p:nvGrpSpPr>
-        <p:cNvPr id="1" name=""/>
-        <p:cNvGrpSpPr/>
-        <p:nvPr/>
-      </p:nvGrpSpPr>
-      <p:grpSpPr>
-        <a:xfrm>
-          <a:off x="0" y="0"/>
-          <a:ext cx="0" cy="0"/>
-          <a:chOff x="0" y="0"/>
-          <a:chExt cx="0" cy="0"/>
-        </a:xfrm>
-      </p:grpSpPr>
-      <p:sp>
-        <p:nvSpPr>
-          <p:cNvPr id="2" name="Title 1"/>
-          <p:cNvSpPr>
-            <a:spLocks noGrp="1"/>
-          </p:cNvSpPr>
-          <p:nvPr>
-            <p:ph type="title"/>
-          </p:nvPr>
-        </p:nvSpPr>
-        <p:spPr/>
-        <p:txBody>
-          <a:bodyPr/>
-          <a:lstStyle/>
-          <a:p>
-            <a:r>
-              <a:rPr lang="en-US" dirty="0"/>
-              <a:t>The APP</a:t>
-            </a:r>
-          </a:p>
-        </p:txBody>
-      </p:sp>
-      <p:sp>
-        <p:nvSpPr>
-          <p:cNvPr id="3" name="Content Placeholder 2"/>
-          <p:cNvSpPr>
-            <a:spLocks noGrp="1"/>
-          </p:cNvSpPr>
-          <p:nvPr>
-            <p:ph idx="1"/>
-          </p:nvPr>
-        </p:nvSpPr>
-        <p:spPr/>
-        <p:txBody>
-          <a:bodyPr/>
-          <a:lstStyle/>
-          <a:p>
-            <a:r>
-              <a:rPr lang="en-US" dirty="0"/>
-              <a:t>Works cited</a:t>
-            </a:r>
-          </a:p>
-          <a:p>
-            <a:r>
-              <a:rPr lang="en-US" dirty="0"/>
-              <a:t>Additional supporting data</a:t>
-            </a:r>
-          </a:p>
-          <a:p>
-            <a:endParaRPr lang="en-US" dirty="0"/>
-          </a:p>
-        </p:txBody>
-      </p:sp>
+          <p:cNvPicPr>
+            <a:picLocks noChangeAspect="1"/>
+          </p:cNvPicPr>
+          <p:nvPr/>
+        </p:nvPicPr>
+        <p:blipFill>
+          <a:blip r:embed="rId6"/>
+          <a:stretch>
+            <a:fillRect/>
+          </a:stretch>
+        </p:blipFill>
+        <p:spPr>
+          <a:xfrm>
+            <a:off x="4404362" y="5023835"/>
+            <a:ext cx="4114800" cy="1544771"/>
+          </a:xfrm>
+          <a:prstGeom prst="rect">
+            <a:avLst/>
+          </a:prstGeom>
+        </p:spPr>
+      </p:pic>
     </p:spTree>
     <p:extLst>
       <p:ext uri="{BB962C8B-B14F-4D97-AF65-F5344CB8AC3E}">
@@ -45592,7 +40326,7 @@
 </p:sld>
 </file>
 
-<file path=ppt/slides/slide33.xml><?xml version="1.0" encoding="utf-8"?>
+<file path=ppt/slides/slide32.xml><?xml version="1.0" encoding="utf-8"?>
 <p:sld xmlns:a="http://schemas.openxmlformats.org/drawingml/2006/main" xmlns:r="http://schemas.openxmlformats.org/officeDocument/2006/relationships" xmlns:p="http://schemas.openxmlformats.org/presentationml/2006/main">
   <p:cSld>
     <p:bg>
@@ -46883,13 +41617,13 @@
   <p:clrMapOvr>
     <a:masterClrMapping/>
   </p:clrMapOvr>
-  <mc:AlternateContent xmlns:mc="http://schemas.openxmlformats.org/markup-compatibility/2006">
-    <mc:Choice xmlns:p14="http://schemas.microsoft.com/office/powerpoint/2010/main" Requires="p14">
+  <mc:AlternateContent xmlns:mc="http://schemas.openxmlformats.org/markup-compatibility/2006" xmlns:p14="http://schemas.microsoft.com/office/powerpoint/2010/main">
+    <mc:Choice Requires="p14">
       <p:transition spd="med" p14:dur="700">
         <p:fade/>
       </p:transition>
     </mc:Choice>
-    <mc:Fallback>
+    <mc:Fallback xmlns="">
       <p:transition spd="med">
         <p:fade/>
       </p:transition>
@@ -47060,13 +41794,13 @@
   <p:clrMapOvr>
     <a:masterClrMapping/>
   </p:clrMapOvr>
-  <mc:AlternateContent xmlns:mc="http://schemas.openxmlformats.org/markup-compatibility/2006">
-    <mc:Choice xmlns:p14="http://schemas.microsoft.com/office/powerpoint/2010/main" Requires="p14">
+  <mc:AlternateContent xmlns:mc="http://schemas.openxmlformats.org/markup-compatibility/2006" xmlns:p14="http://schemas.microsoft.com/office/powerpoint/2010/main">
+    <mc:Choice Requires="p14">
       <p:transition spd="med" p14:dur="700">
         <p:fade/>
       </p:transition>
     </mc:Choice>
-    <mc:Fallback>
+    <mc:Fallback xmlns="">
       <p:transition spd="med">
         <p:fade/>
       </p:transition>

--- a/Telecom Customer Churn - Presentation.pptx
+++ b/Telecom Customer Churn - Presentation.pptx
@@ -8,17 +8,17 @@
     <p:sldMasterId id="2147483723" r:id="rId4"/>
   </p:sldMasterIdLst>
   <p:notesMasterIdLst>
-    <p:notesMasterId r:id="rId38"/>
+    <p:notesMasterId r:id="rId39"/>
   </p:notesMasterIdLst>
   <p:sldIdLst>
     <p:sldId id="257" r:id="rId5"/>
     <p:sldId id="258" r:id="rId6"/>
     <p:sldId id="277" r:id="rId7"/>
     <p:sldId id="259" r:id="rId8"/>
-    <p:sldId id="294" r:id="rId9"/>
-    <p:sldId id="295" r:id="rId10"/>
-    <p:sldId id="296" r:id="rId11"/>
-    <p:sldId id="260" r:id="rId12"/>
+    <p:sldId id="260" r:id="rId9"/>
+    <p:sldId id="294" r:id="rId10"/>
+    <p:sldId id="295" r:id="rId11"/>
+    <p:sldId id="296" r:id="rId12"/>
     <p:sldId id="278" r:id="rId13"/>
     <p:sldId id="280" r:id="rId14"/>
     <p:sldId id="281" r:id="rId15"/>
@@ -40,10 +40,11 @@
     <p:sldId id="285" r:id="rId31"/>
     <p:sldId id="292" r:id="rId32"/>
     <p:sldId id="293" r:id="rId33"/>
-    <p:sldId id="274" r:id="rId34"/>
-    <p:sldId id="288" r:id="rId35"/>
-    <p:sldId id="276" r:id="rId36"/>
-    <p:sldId id="291" r:id="rId37"/>
+    <p:sldId id="297" r:id="rId34"/>
+    <p:sldId id="274" r:id="rId35"/>
+    <p:sldId id="288" r:id="rId36"/>
+    <p:sldId id="276" r:id="rId37"/>
+    <p:sldId id="291" r:id="rId38"/>
   </p:sldIdLst>
   <p:sldSz cx="12192000" cy="6858000"/>
   <p:notesSz cx="6858000" cy="9144000"/>
@@ -151,10 +152,10 @@
             <p14:sldId id="258"/>
             <p14:sldId id="277"/>
             <p14:sldId id="259"/>
+            <p14:sldId id="260"/>
             <p14:sldId id="294"/>
             <p14:sldId id="295"/>
             <p14:sldId id="296"/>
-            <p14:sldId id="260"/>
             <p14:sldId id="278"/>
           </p14:sldIdLst>
         </p14:section>
@@ -196,6 +197,7 @@
             <p14:sldId id="285"/>
             <p14:sldId id="292"/>
             <p14:sldId id="293"/>
+            <p14:sldId id="297"/>
           </p14:sldIdLst>
         </p14:section>
         <p14:section name="General Closing" id="{4AB6C702-EE4D-4283-ACB0-770710E41AE6}">
@@ -221,6 +223,7 @@
 <file path=ppt/revisionInfo.xml><?xml version="1.0" encoding="utf-8"?>
 <p1510:revInfo xmlns:a="http://schemas.openxmlformats.org/drawingml/2006/main" xmlns:r="http://schemas.openxmlformats.org/officeDocument/2006/relationships" xmlns:p1510="http://schemas.microsoft.com/office/powerpoint/2015/10/main">
   <p1510:revLst>
+    <p1510:client id="{0CE8A5F7-92B1-46A5-8332-1EBAD2FBC191}" v="2" dt="2022-10-16T23:08:42.672"/>
     <p1510:client id="{E8AB9CB6-2101-4549-960E-33CAD8E46830}" v="525" dt="2022-10-16T19:11:46.691"/>
   </p1510:revLst>
 </p1510:revInfo>
@@ -228,6 +231,76 @@
 
 <file path=ppt/changesInfos/changesInfo1.xml><?xml version="1.0" encoding="utf-8"?>
 <pc:chgInfo xmlns:a="http://schemas.openxmlformats.org/drawingml/2006/main" xmlns:r="http://schemas.openxmlformats.org/officeDocument/2006/relationships" xmlns:ac="http://schemas.microsoft.com/office/drawing/2013/main/command" xmlns:pc="http://schemas.microsoft.com/office/powerpoint/2013/main/command">
+  <pc:docChgLst>
+    <pc:chgData name="deepa nair" userId="754ec774447e2cd8" providerId="LiveId" clId="{0CE8A5F7-92B1-46A5-8332-1EBAD2FBC191}"/>
+    <pc:docChg chg="addSld modSld sldOrd modSection">
+      <pc:chgData name="deepa nair" userId="754ec774447e2cd8" providerId="LiveId" clId="{0CE8A5F7-92B1-46A5-8332-1EBAD2FBC191}" dt="2022-10-16T23:09:16.689" v="141" actId="20577"/>
+      <pc:docMkLst>
+        <pc:docMk/>
+      </pc:docMkLst>
+      <pc:sldChg chg="modSp mod ord">
+        <pc:chgData name="deepa nair" userId="754ec774447e2cd8" providerId="LiveId" clId="{0CE8A5F7-92B1-46A5-8332-1EBAD2FBC191}" dt="2022-10-16T23:05:29.450" v="126" actId="20577"/>
+        <pc:sldMkLst>
+          <pc:docMk/>
+          <pc:sldMk cId="3369225394" sldId="259"/>
+        </pc:sldMkLst>
+        <pc:spChg chg="mod">
+          <ac:chgData name="deepa nair" userId="754ec774447e2cd8" providerId="LiveId" clId="{0CE8A5F7-92B1-46A5-8332-1EBAD2FBC191}" dt="2022-10-16T23:05:29.450" v="126" actId="20577"/>
+          <ac:spMkLst>
+            <pc:docMk/>
+            <pc:sldMk cId="3369225394" sldId="259"/>
+            <ac:spMk id="3" creationId="{00000000-0000-0000-0000-000000000000}"/>
+          </ac:spMkLst>
+        </pc:spChg>
+      </pc:sldChg>
+      <pc:sldChg chg="ord">
+        <pc:chgData name="deepa nair" userId="754ec774447e2cd8" providerId="LiveId" clId="{0CE8A5F7-92B1-46A5-8332-1EBAD2FBC191}" dt="2022-10-16T23:03:39.123" v="1"/>
+        <pc:sldMkLst>
+          <pc:docMk/>
+          <pc:sldMk cId="1575721539" sldId="260"/>
+        </pc:sldMkLst>
+      </pc:sldChg>
+      <pc:sldChg chg="addSp delSp modSp new mod">
+        <pc:chgData name="deepa nair" userId="754ec774447e2cd8" providerId="LiveId" clId="{0CE8A5F7-92B1-46A5-8332-1EBAD2FBC191}" dt="2022-10-16T23:09:16.689" v="141" actId="20577"/>
+        <pc:sldMkLst>
+          <pc:docMk/>
+          <pc:sldMk cId="2546810795" sldId="297"/>
+        </pc:sldMkLst>
+        <pc:spChg chg="mod">
+          <ac:chgData name="deepa nair" userId="754ec774447e2cd8" providerId="LiveId" clId="{0CE8A5F7-92B1-46A5-8332-1EBAD2FBC191}" dt="2022-10-16T23:09:16.689" v="141" actId="20577"/>
+          <ac:spMkLst>
+            <pc:docMk/>
+            <pc:sldMk cId="2546810795" sldId="297"/>
+            <ac:spMk id="2" creationId="{54D0CDA2-F0A0-770D-EB63-96E4DAB02DBB}"/>
+          </ac:spMkLst>
+        </pc:spChg>
+        <pc:spChg chg="del">
+          <ac:chgData name="deepa nair" userId="754ec774447e2cd8" providerId="LiveId" clId="{0CE8A5F7-92B1-46A5-8332-1EBAD2FBC191}" dt="2022-10-16T23:06:32.675" v="128"/>
+          <ac:spMkLst>
+            <pc:docMk/>
+            <pc:sldMk cId="2546810795" sldId="297"/>
+            <ac:spMk id="3" creationId="{38AC192E-3392-830B-8667-EE1891C397E4}"/>
+          </ac:spMkLst>
+        </pc:spChg>
+        <pc:picChg chg="add mod">
+          <ac:chgData name="deepa nair" userId="754ec774447e2cd8" providerId="LiveId" clId="{0CE8A5F7-92B1-46A5-8332-1EBAD2FBC191}" dt="2022-10-16T23:09:00.942" v="133" actId="14100"/>
+          <ac:picMkLst>
+            <pc:docMk/>
+            <pc:sldMk cId="2546810795" sldId="297"/>
+            <ac:picMk id="4" creationId="{2CEBC98D-8810-0E02-6931-BE74F3BD2E5A}"/>
+          </ac:picMkLst>
+        </pc:picChg>
+        <pc:picChg chg="add mod">
+          <ac:chgData name="deepa nair" userId="754ec774447e2cd8" providerId="LiveId" clId="{0CE8A5F7-92B1-46A5-8332-1EBAD2FBC191}" dt="2022-10-16T23:09:03.984" v="134" actId="1076"/>
+          <ac:picMkLst>
+            <pc:docMk/>
+            <pc:sldMk cId="2546810795" sldId="297"/>
+            <ac:picMk id="5" creationId="{8A2BBC19-8189-A895-E0BB-7E11491846BC}"/>
+          </ac:picMkLst>
+        </pc:picChg>
+      </pc:sldChg>
+    </pc:docChg>
+  </pc:docChgLst>
   <pc:docChgLst>
     <pc:chgData name="Jeya Emmanuel" userId="28e79deefdbe506a" providerId="LiveId" clId="{E8AB9CB6-2101-4549-960E-33CAD8E46830}"/>
     <pc:docChg chg="undo redo custSel addSld delSld modSld sldOrd addMainMaster delMainMaster modMainMaster addSection delSection modSection">
@@ -9454,7 +9527,7 @@
           <a:bodyPr/>
           <a:lstStyle/>
           <a:p>
-            <a:endParaRPr lang="en-US"/>
+            <a:endParaRPr lang="en-AU"/>
           </a:p>
         </p:txBody>
       </p:sp>
@@ -9465,7 +9538,7 @@
             <a:spLocks noGrp="1"/>
           </p:cNvSpPr>
           <p:nvPr>
-            <p:ph type="sldNum" sz="quarter" idx="10"/>
+            <p:ph type="sldNum" sz="quarter" idx="5"/>
           </p:nvPr>
         </p:nvSpPr>
         <p:spPr/>
@@ -9473,8 +9546,8 @@
           <a:bodyPr/>
           <a:lstStyle/>
           <a:p>
-            <a:fld id="{A7666ED7-631A-46AF-B451-227D0A8685A0}" type="slidenum">
-              <a:rPr lang="en-US"/>
+            <a:fld id="{B37B1F30-39B2-4CE2-8EF3-91F3179569A5}" type="slidenum">
+              <a:rPr lang="en-US" smtClean="0"/>
               <a:t>30</a:t>
             </a:fld>
             <a:endParaRPr lang="en-US"/>
@@ -9484,7 +9557,7 @@
     </p:spTree>
     <p:extLst>
       <p:ext uri="{BB962C8B-B14F-4D97-AF65-F5344CB8AC3E}">
-        <p14:creationId xmlns:p14="http://schemas.microsoft.com/office/powerpoint/2010/main" val="3525334322"/>
+        <p14:creationId xmlns:p14="http://schemas.microsoft.com/office/powerpoint/2010/main" val="2332611436"/>
       </p:ext>
     </p:extLst>
   </p:cSld>
@@ -9559,7 +9632,7 @@
           <a:p>
             <a:fld id="{A7666ED7-631A-46AF-B451-227D0A8685A0}" type="slidenum">
               <a:rPr lang="en-US"/>
-              <a:t>32</a:t>
+              <a:t>31</a:t>
             </a:fld>
             <a:endParaRPr lang="en-US"/>
           </a:p>
@@ -9568,7 +9641,7 @@
     </p:spTree>
     <p:extLst>
       <p:ext uri="{BB962C8B-B14F-4D97-AF65-F5344CB8AC3E}">
-        <p14:creationId xmlns:p14="http://schemas.microsoft.com/office/powerpoint/2010/main" val="1891506923"/>
+        <p14:creationId xmlns:p14="http://schemas.microsoft.com/office/powerpoint/2010/main" val="3525334322"/>
       </p:ext>
     </p:extLst>
   </p:cSld>
@@ -9622,7 +9695,7 @@
           <a:bodyPr/>
           <a:lstStyle/>
           <a:p>
-            <a:endParaRPr lang="en-AU" dirty="0"/>
+            <a:endParaRPr lang="en-US"/>
           </a:p>
         </p:txBody>
       </p:sp>
@@ -9633,7 +9706,7 @@
             <a:spLocks noGrp="1"/>
           </p:cNvSpPr>
           <p:nvPr>
-            <p:ph type="sldNum" sz="quarter" idx="5"/>
+            <p:ph type="sldNum" sz="quarter" idx="10"/>
           </p:nvPr>
         </p:nvSpPr>
         <p:spPr/>
@@ -9641,8 +9714,8 @@
           <a:bodyPr/>
           <a:lstStyle/>
           <a:p>
-            <a:fld id="{B37B1F30-39B2-4CE2-8EF3-91F3179569A5}" type="slidenum">
-              <a:rPr lang="en-US" smtClean="0"/>
+            <a:fld id="{A7666ED7-631A-46AF-B451-227D0A8685A0}" type="slidenum">
+              <a:rPr lang="en-US"/>
               <a:t>33</a:t>
             </a:fld>
             <a:endParaRPr lang="en-US"/>
@@ -9652,7 +9725,7 @@
     </p:spTree>
     <p:extLst>
       <p:ext uri="{BB962C8B-B14F-4D97-AF65-F5344CB8AC3E}">
-        <p14:creationId xmlns:p14="http://schemas.microsoft.com/office/powerpoint/2010/main" val="1507608807"/>
+        <p14:creationId xmlns:p14="http://schemas.microsoft.com/office/powerpoint/2010/main" val="1891506923"/>
       </p:ext>
     </p:extLst>
   </p:cSld>
@@ -9737,6 +9810,90 @@
     <p:extLst>
       <p:ext uri="{BB962C8B-B14F-4D97-AF65-F5344CB8AC3E}">
         <p14:creationId xmlns:p14="http://schemas.microsoft.com/office/powerpoint/2010/main" val="3290616734"/>
+      </p:ext>
+    </p:extLst>
+  </p:cSld>
+  <p:clrMapOvr>
+    <a:masterClrMapping/>
+  </p:clrMapOvr>
+</p:notes>
+</file>
+
+<file path=ppt/notesSlides/notesSlide20.xml><?xml version="1.0" encoding="utf-8"?>
+<p:notes xmlns:a="http://schemas.openxmlformats.org/drawingml/2006/main" xmlns:r="http://schemas.openxmlformats.org/officeDocument/2006/relationships" xmlns:p="http://schemas.openxmlformats.org/presentationml/2006/main">
+  <p:cSld>
+    <p:spTree>
+      <p:nvGrpSpPr>
+        <p:cNvPr id="1" name=""/>
+        <p:cNvGrpSpPr/>
+        <p:nvPr/>
+      </p:nvGrpSpPr>
+      <p:grpSpPr>
+        <a:xfrm>
+          <a:off x="0" y="0"/>
+          <a:ext cx="0" cy="0"/>
+          <a:chOff x="0" y="0"/>
+          <a:chExt cx="0" cy="0"/>
+        </a:xfrm>
+      </p:grpSpPr>
+      <p:sp>
+        <p:nvSpPr>
+          <p:cNvPr id="2" name="Slide Image Placeholder 1"/>
+          <p:cNvSpPr>
+            <a:spLocks noGrp="1" noRot="1" noChangeAspect="1"/>
+          </p:cNvSpPr>
+          <p:nvPr>
+            <p:ph type="sldImg"/>
+          </p:nvPr>
+        </p:nvSpPr>
+        <p:spPr/>
+      </p:sp>
+      <p:sp>
+        <p:nvSpPr>
+          <p:cNvPr id="3" name="Notes Placeholder 2"/>
+          <p:cNvSpPr>
+            <a:spLocks noGrp="1"/>
+          </p:cNvSpPr>
+          <p:nvPr>
+            <p:ph type="body" idx="1"/>
+          </p:nvPr>
+        </p:nvSpPr>
+        <p:spPr/>
+        <p:txBody>
+          <a:bodyPr/>
+          <a:lstStyle/>
+          <a:p>
+            <a:endParaRPr lang="en-AU" dirty="0"/>
+          </a:p>
+        </p:txBody>
+      </p:sp>
+      <p:sp>
+        <p:nvSpPr>
+          <p:cNvPr id="4" name="Slide Number Placeholder 3"/>
+          <p:cNvSpPr>
+            <a:spLocks noGrp="1"/>
+          </p:cNvSpPr>
+          <p:nvPr>
+            <p:ph type="sldNum" sz="quarter" idx="5"/>
+          </p:nvPr>
+        </p:nvSpPr>
+        <p:spPr/>
+        <p:txBody>
+          <a:bodyPr/>
+          <a:lstStyle/>
+          <a:p>
+            <a:fld id="{B37B1F30-39B2-4CE2-8EF3-91F3179569A5}" type="slidenum">
+              <a:rPr lang="en-US" smtClean="0"/>
+              <a:t>34</a:t>
+            </a:fld>
+            <a:endParaRPr lang="en-US"/>
+          </a:p>
+        </p:txBody>
+      </p:sp>
+    </p:spTree>
+    <p:extLst>
+      <p:ext uri="{BB962C8B-B14F-4D97-AF65-F5344CB8AC3E}">
+        <p14:creationId xmlns:p14="http://schemas.microsoft.com/office/powerpoint/2010/main" val="1507608807"/>
       </p:ext>
     </p:extLst>
   </p:cSld>
@@ -9895,7 +10052,7 @@
           <a:p>
             <a:fld id="{A7666ED7-631A-46AF-B451-227D0A8685A0}" type="slidenum">
               <a:rPr lang="en-US"/>
-              <a:t>8</a:t>
+              <a:t>5</a:t>
             </a:fld>
             <a:endParaRPr lang="en-US"/>
           </a:p>
@@ -41969,13 +42126,13 @@
   <p:clrMapOvr>
     <a:masterClrMapping/>
   </p:clrMapOvr>
-  <mc:AlternateContent xmlns:mc="http://schemas.openxmlformats.org/markup-compatibility/2006">
-    <mc:Choice xmlns:p14="http://schemas.microsoft.com/office/powerpoint/2010/main" Requires="p14">
+  <mc:AlternateContent xmlns:mc="http://schemas.openxmlformats.org/markup-compatibility/2006" xmlns:p14="http://schemas.microsoft.com/office/powerpoint/2010/main">
+    <mc:Choice Requires="p14">
       <p:transition spd="med" p14:dur="700">
         <p:fade/>
       </p:transition>
     </mc:Choice>
-    <mc:Fallback>
+    <mc:Fallback xmlns="">
       <p:transition spd="med">
         <p:fade/>
       </p:transition>
@@ -45253,12 +45410,18 @@
       </p:grpSpPr>
       <p:sp>
         <p:nvSpPr>
-          <p:cNvPr id="2" name="Title 1"/>
-          <p:cNvSpPr>
-            <a:spLocks noGrp="1"/>
-          </p:cNvSpPr>
-          <p:nvPr>
-            <p:ph type="ctrTitle"/>
+          <p:cNvPr id="2" name="Title 1">
+            <a:extLst>
+              <a:ext uri="{FF2B5EF4-FFF2-40B4-BE49-F238E27FC236}">
+                <a16:creationId xmlns:a16="http://schemas.microsoft.com/office/drawing/2014/main" id="{54D0CDA2-F0A0-770D-EB63-96E4DAB02DBB}"/>
+              </a:ext>
+            </a:extLst>
+          </p:cNvPr>
+          <p:cNvSpPr>
+            <a:spLocks noGrp="1"/>
+          </p:cNvSpPr>
+          <p:nvPr>
+            <p:ph type="title"/>
           </p:nvPr>
         </p:nvSpPr>
         <p:spPr/>
@@ -45267,38 +45430,78 @@
           <a:lstStyle/>
           <a:p>
             <a:r>
-              <a:rPr lang="en-US"/>
-              <a:t>Project Summary</a:t>
-            </a:r>
-          </a:p>
-        </p:txBody>
-      </p:sp>
-      <p:sp>
-        <p:nvSpPr>
-          <p:cNvPr id="3" name="Subtitle 2"/>
-          <p:cNvSpPr>
-            <a:spLocks noGrp="1"/>
-          </p:cNvSpPr>
-          <p:nvPr>
-            <p:ph type="subTitle" idx="1"/>
-          </p:nvPr>
-        </p:nvSpPr>
-        <p:spPr/>
-        <p:txBody>
-          <a:bodyPr/>
-          <a:lstStyle/>
-          <a:p>
-            <a:r>
-              <a:rPr lang="en-US" dirty="0"/>
-              <a:t>Optional statement</a:t>
-            </a:r>
-          </a:p>
-        </p:txBody>
-      </p:sp>
+              <a:rPr lang="en-AU" dirty="0"/>
+              <a:t>Results</a:t>
+            </a:r>
+          </a:p>
+        </p:txBody>
+      </p:sp>
+      <p:pic>
+        <p:nvPicPr>
+          <p:cNvPr id="4" name="Content Placeholder 3">
+            <a:extLst>
+              <a:ext uri="{FF2B5EF4-FFF2-40B4-BE49-F238E27FC236}">
+                <a16:creationId xmlns:a16="http://schemas.microsoft.com/office/drawing/2014/main" id="{2CEBC98D-8810-0E02-6931-BE74F3BD2E5A}"/>
+              </a:ext>
+            </a:extLst>
+          </p:cNvPr>
+          <p:cNvPicPr>
+            <a:picLocks noGrp="1" noChangeAspect="1"/>
+          </p:cNvPicPr>
+          <p:nvPr>
+            <p:ph idx="1"/>
+          </p:nvPr>
+        </p:nvPicPr>
+        <p:blipFill>
+          <a:blip r:embed="rId3"/>
+          <a:stretch>
+            <a:fillRect/>
+          </a:stretch>
+        </p:blipFill>
+        <p:spPr>
+          <a:xfrm>
+            <a:off x="128970" y="2424112"/>
+            <a:ext cx="4871294" cy="2726622"/>
+          </a:xfrm>
+          <a:prstGeom prst="rect">
+            <a:avLst/>
+          </a:prstGeom>
+        </p:spPr>
+      </p:pic>
+      <p:pic>
+        <p:nvPicPr>
+          <p:cNvPr id="5" name="Picture 4">
+            <a:extLst>
+              <a:ext uri="{FF2B5EF4-FFF2-40B4-BE49-F238E27FC236}">
+                <a16:creationId xmlns:a16="http://schemas.microsoft.com/office/drawing/2014/main" id="{8A2BBC19-8189-A895-E0BB-7E11491846BC}"/>
+              </a:ext>
+            </a:extLst>
+          </p:cNvPr>
+          <p:cNvPicPr>
+            <a:picLocks noChangeAspect="1"/>
+          </p:cNvPicPr>
+          <p:nvPr/>
+        </p:nvPicPr>
+        <p:blipFill>
+          <a:blip r:embed="rId4"/>
+          <a:stretch>
+            <a:fillRect/>
+          </a:stretch>
+        </p:blipFill>
+        <p:spPr>
+          <a:xfrm>
+            <a:off x="5487251" y="1974681"/>
+            <a:ext cx="5730737" cy="4883319"/>
+          </a:xfrm>
+          <a:prstGeom prst="rect">
+            <a:avLst/>
+          </a:prstGeom>
+        </p:spPr>
+      </p:pic>
     </p:spTree>
     <p:extLst>
       <p:ext uri="{BB962C8B-B14F-4D97-AF65-F5344CB8AC3E}">
-        <p14:creationId xmlns:p14="http://schemas.microsoft.com/office/powerpoint/2010/main" val="3589653851"/>
+        <p14:creationId xmlns:p14="http://schemas.microsoft.com/office/powerpoint/2010/main" val="2546810795"/>
       </p:ext>
     </p:extLst>
   </p:cSld>
@@ -45339,18 +45542,12 @@
       </p:grpSpPr>
       <p:sp>
         <p:nvSpPr>
-          <p:cNvPr id="2" name="Title 1">
-            <a:extLst>
-              <a:ext uri="{FF2B5EF4-FFF2-40B4-BE49-F238E27FC236}">
-                <a16:creationId xmlns:a16="http://schemas.microsoft.com/office/drawing/2014/main" id="{52DF2A18-C538-D150-4407-6243CF1E0C5A}"/>
-              </a:ext>
-            </a:extLst>
-          </p:cNvPr>
-          <p:cNvSpPr>
-            <a:spLocks noGrp="1"/>
-          </p:cNvSpPr>
-          <p:nvPr>
-            <p:ph type="title"/>
+          <p:cNvPr id="2" name="Title 1"/>
+          <p:cNvSpPr>
+            <a:spLocks noGrp="1"/>
+          </p:cNvSpPr>
+          <p:nvPr>
+            <p:ph type="ctrTitle"/>
           </p:nvPr>
         </p:nvSpPr>
         <p:spPr/>
@@ -45359,115 +45556,30 @@
           <a:lstStyle/>
           <a:p>
             <a:r>
+              <a:rPr lang="en-US"/>
+              <a:t>Project Summary</a:t>
+            </a:r>
+          </a:p>
+        </p:txBody>
+      </p:sp>
+      <p:sp>
+        <p:nvSpPr>
+          <p:cNvPr id="3" name="Subtitle 2"/>
+          <p:cNvSpPr>
+            <a:spLocks noGrp="1"/>
+          </p:cNvSpPr>
+          <p:nvPr>
+            <p:ph type="subTitle" idx="1"/>
+          </p:nvPr>
+        </p:nvSpPr>
+        <p:spPr/>
+        <p:txBody>
+          <a:bodyPr/>
+          <a:lstStyle/>
+          <a:p>
+            <a:r>
               <a:rPr lang="en-US" dirty="0"/>
-              <a:t>Conclusion</a:t>
-            </a:r>
-            <a:endParaRPr lang="en-AU" dirty="0"/>
-          </a:p>
-        </p:txBody>
-      </p:sp>
-      <p:pic>
-        <p:nvPicPr>
-          <p:cNvPr id="4" name="Picture 3">
-            <a:extLst>
-              <a:ext uri="{FF2B5EF4-FFF2-40B4-BE49-F238E27FC236}">
-                <a16:creationId xmlns:a16="http://schemas.microsoft.com/office/drawing/2014/main" id="{F02CE017-A968-4309-12CB-E806EA58E2A4}"/>
-              </a:ext>
-            </a:extLst>
-          </p:cNvPr>
-          <p:cNvPicPr>
-            <a:picLocks noChangeAspect="1"/>
-          </p:cNvPicPr>
-          <p:nvPr/>
-        </p:nvPicPr>
-        <p:blipFill>
-          <a:blip r:embed="rId2"/>
-          <a:stretch>
-            <a:fillRect/>
-          </a:stretch>
-        </p:blipFill>
-        <p:spPr>
-          <a:xfrm>
-            <a:off x="792677" y="2440300"/>
-            <a:ext cx="4668580" cy="2710434"/>
-          </a:xfrm>
-          <a:prstGeom prst="rect">
-            <a:avLst/>
-          </a:prstGeom>
-        </p:spPr>
-      </p:pic>
-      <p:pic>
-        <p:nvPicPr>
-          <p:cNvPr id="5" name="Picture 4">
-            <a:extLst>
-              <a:ext uri="{FF2B5EF4-FFF2-40B4-BE49-F238E27FC236}">
-                <a16:creationId xmlns:a16="http://schemas.microsoft.com/office/drawing/2014/main" id="{855D99B0-EE8F-6614-26F2-2BF70F743465}"/>
-              </a:ext>
-            </a:extLst>
-          </p:cNvPr>
-          <p:cNvPicPr>
-            <a:picLocks noChangeAspect="1"/>
-          </p:cNvPicPr>
-          <p:nvPr/>
-        </p:nvPicPr>
-        <p:blipFill>
-          <a:blip r:embed="rId3"/>
-          <a:stretch>
-            <a:fillRect/>
-          </a:stretch>
-        </p:blipFill>
-        <p:spPr>
-          <a:xfrm>
-            <a:off x="5964117" y="2472372"/>
-            <a:ext cx="4765615" cy="2678362"/>
-          </a:xfrm>
-          <a:prstGeom prst="rect">
-            <a:avLst/>
-          </a:prstGeom>
-        </p:spPr>
-      </p:pic>
-      <p:sp>
-        <p:nvSpPr>
-          <p:cNvPr id="6" name="Content Placeholder 2">
-            <a:extLst>
-              <a:ext uri="{FF2B5EF4-FFF2-40B4-BE49-F238E27FC236}">
-                <a16:creationId xmlns:a16="http://schemas.microsoft.com/office/drawing/2014/main" id="{52B3831E-B76A-5CB2-63AE-9094BA938FC5}"/>
-              </a:ext>
-            </a:extLst>
-          </p:cNvPr>
-          <p:cNvSpPr>
-            <a:spLocks noGrp="1"/>
-          </p:cNvSpPr>
-          <p:nvPr>
-            <p:ph idx="1"/>
-          </p:nvPr>
-        </p:nvSpPr>
-        <p:spPr>
-          <a:xfrm>
-            <a:off x="1115871" y="5427314"/>
-            <a:ext cx="9613861" cy="3599316"/>
-          </a:xfrm>
-        </p:spPr>
-        <p:txBody>
-          <a:bodyPr>
-            <a:normAutofit/>
-          </a:bodyPr>
-          <a:lstStyle/>
-          <a:p>
-            <a:pPr marL="0" indent="0">
-              <a:buNone/>
-            </a:pPr>
-            <a:r>
-              <a:rPr lang="en-US" sz="1400" dirty="0"/>
-              <a:t>In this project, we have walked through a complete end-to-end machine learning project using the Telecom customer Churn dataset. We started by cleaning the data and analyzing it with visualization. Then, to be able to build a machine learning model, we transformed the categorical data into numeric variables (feature engineering). After transforming the data, we tried 6 different machine learning algorithms (including Deep Learning) using default parameters. Finally, we tuned the hyperparameters of the </a:t>
-            </a:r>
-            <a:r>
-              <a:rPr lang="en-US" sz="1400" dirty="0" err="1"/>
-              <a:t>Adaboost</a:t>
-            </a:r>
-            <a:r>
-              <a:rPr lang="en-US" sz="1400" dirty="0"/>
-              <a:t> (best performance model) for model optimization, obtaining an accuracy of nearly 81%.</a:t>
+              <a:t>Optional statement</a:t>
             </a:r>
           </a:p>
         </p:txBody>
@@ -45475,7 +45587,7 @@
     </p:spTree>
     <p:extLst>
       <p:ext uri="{BB962C8B-B14F-4D97-AF65-F5344CB8AC3E}">
-        <p14:creationId xmlns:p14="http://schemas.microsoft.com/office/powerpoint/2010/main" val="2106282225"/>
+        <p14:creationId xmlns:p14="http://schemas.microsoft.com/office/powerpoint/2010/main" val="3589653851"/>
       </p:ext>
     </p:extLst>
   </p:cSld>
@@ -45516,6 +45628,183 @@
       </p:grpSpPr>
       <p:sp>
         <p:nvSpPr>
+          <p:cNvPr id="2" name="Title 1">
+            <a:extLst>
+              <a:ext uri="{FF2B5EF4-FFF2-40B4-BE49-F238E27FC236}">
+                <a16:creationId xmlns:a16="http://schemas.microsoft.com/office/drawing/2014/main" id="{52DF2A18-C538-D150-4407-6243CF1E0C5A}"/>
+              </a:ext>
+            </a:extLst>
+          </p:cNvPr>
+          <p:cNvSpPr>
+            <a:spLocks noGrp="1"/>
+          </p:cNvSpPr>
+          <p:nvPr>
+            <p:ph type="title"/>
+          </p:nvPr>
+        </p:nvSpPr>
+        <p:spPr/>
+        <p:txBody>
+          <a:bodyPr/>
+          <a:lstStyle/>
+          <a:p>
+            <a:r>
+              <a:rPr lang="en-US" dirty="0"/>
+              <a:t>Conclusion</a:t>
+            </a:r>
+            <a:endParaRPr lang="en-AU" dirty="0"/>
+          </a:p>
+        </p:txBody>
+      </p:sp>
+      <p:pic>
+        <p:nvPicPr>
+          <p:cNvPr id="4" name="Picture 3">
+            <a:extLst>
+              <a:ext uri="{FF2B5EF4-FFF2-40B4-BE49-F238E27FC236}">
+                <a16:creationId xmlns:a16="http://schemas.microsoft.com/office/drawing/2014/main" id="{F02CE017-A968-4309-12CB-E806EA58E2A4}"/>
+              </a:ext>
+            </a:extLst>
+          </p:cNvPr>
+          <p:cNvPicPr>
+            <a:picLocks noChangeAspect="1"/>
+          </p:cNvPicPr>
+          <p:nvPr/>
+        </p:nvPicPr>
+        <p:blipFill>
+          <a:blip r:embed="rId2"/>
+          <a:stretch>
+            <a:fillRect/>
+          </a:stretch>
+        </p:blipFill>
+        <p:spPr>
+          <a:xfrm>
+            <a:off x="792677" y="2440300"/>
+            <a:ext cx="4668580" cy="2710434"/>
+          </a:xfrm>
+          <a:prstGeom prst="rect">
+            <a:avLst/>
+          </a:prstGeom>
+        </p:spPr>
+      </p:pic>
+      <p:pic>
+        <p:nvPicPr>
+          <p:cNvPr id="5" name="Picture 4">
+            <a:extLst>
+              <a:ext uri="{FF2B5EF4-FFF2-40B4-BE49-F238E27FC236}">
+                <a16:creationId xmlns:a16="http://schemas.microsoft.com/office/drawing/2014/main" id="{855D99B0-EE8F-6614-26F2-2BF70F743465}"/>
+              </a:ext>
+            </a:extLst>
+          </p:cNvPr>
+          <p:cNvPicPr>
+            <a:picLocks noChangeAspect="1"/>
+          </p:cNvPicPr>
+          <p:nvPr/>
+        </p:nvPicPr>
+        <p:blipFill>
+          <a:blip r:embed="rId3"/>
+          <a:stretch>
+            <a:fillRect/>
+          </a:stretch>
+        </p:blipFill>
+        <p:spPr>
+          <a:xfrm>
+            <a:off x="5964117" y="2472372"/>
+            <a:ext cx="4765615" cy="2678362"/>
+          </a:xfrm>
+          <a:prstGeom prst="rect">
+            <a:avLst/>
+          </a:prstGeom>
+        </p:spPr>
+      </p:pic>
+      <p:sp>
+        <p:nvSpPr>
+          <p:cNvPr id="6" name="Content Placeholder 2">
+            <a:extLst>
+              <a:ext uri="{FF2B5EF4-FFF2-40B4-BE49-F238E27FC236}">
+                <a16:creationId xmlns:a16="http://schemas.microsoft.com/office/drawing/2014/main" id="{52B3831E-B76A-5CB2-63AE-9094BA938FC5}"/>
+              </a:ext>
+            </a:extLst>
+          </p:cNvPr>
+          <p:cNvSpPr>
+            <a:spLocks noGrp="1"/>
+          </p:cNvSpPr>
+          <p:nvPr>
+            <p:ph idx="1"/>
+          </p:nvPr>
+        </p:nvSpPr>
+        <p:spPr>
+          <a:xfrm>
+            <a:off x="1115871" y="5427314"/>
+            <a:ext cx="9613861" cy="3599316"/>
+          </a:xfrm>
+        </p:spPr>
+        <p:txBody>
+          <a:bodyPr>
+            <a:normAutofit/>
+          </a:bodyPr>
+          <a:lstStyle/>
+          <a:p>
+            <a:pPr marL="0" indent="0">
+              <a:buNone/>
+            </a:pPr>
+            <a:r>
+              <a:rPr lang="en-US" sz="1400" dirty="0"/>
+              <a:t>In this project, we have walked through a complete end-to-end machine learning project using the Telecom customer Churn dataset. We started by cleaning the data and analyzing it with visualization. Then, to be able to build a machine learning model, we transformed the categorical data into numeric variables (feature engineering). After transforming the data, we tried 6 different machine learning algorithms (including Deep Learning) using default parameters. Finally, we tuned the hyperparameters of the </a:t>
+            </a:r>
+            <a:r>
+              <a:rPr lang="en-US" sz="1400" dirty="0" err="1"/>
+              <a:t>Adaboost</a:t>
+            </a:r>
+            <a:r>
+              <a:rPr lang="en-US" sz="1400" dirty="0"/>
+              <a:t> (best performance model) for model optimization, obtaining an accuracy of nearly 81%.</a:t>
+            </a:r>
+          </a:p>
+        </p:txBody>
+      </p:sp>
+    </p:spTree>
+    <p:extLst>
+      <p:ext uri="{BB962C8B-B14F-4D97-AF65-F5344CB8AC3E}">
+        <p14:creationId xmlns:p14="http://schemas.microsoft.com/office/powerpoint/2010/main" val="2106282225"/>
+      </p:ext>
+    </p:extLst>
+  </p:cSld>
+  <p:clrMapOvr>
+    <a:masterClrMapping/>
+  </p:clrMapOvr>
+  <mc:AlternateContent xmlns:mc="http://schemas.openxmlformats.org/markup-compatibility/2006" xmlns:p14="http://schemas.microsoft.com/office/powerpoint/2010/main">
+    <mc:Choice Requires="p14">
+      <p:transition spd="med" p14:dur="700">
+        <p:fade/>
+      </p:transition>
+    </mc:Choice>
+    <mc:Fallback xmlns="">
+      <p:transition spd="med">
+        <p:fade/>
+      </p:transition>
+    </mc:Fallback>
+  </mc:AlternateContent>
+</p:sld>
+</file>
+
+<file path=ppt/slides/slide33.xml><?xml version="1.0" encoding="utf-8"?>
+<p:sld xmlns:a="http://schemas.openxmlformats.org/drawingml/2006/main" xmlns:r="http://schemas.openxmlformats.org/officeDocument/2006/relationships" xmlns:p="http://schemas.openxmlformats.org/presentationml/2006/main">
+  <p:cSld>
+    <p:spTree>
+      <p:nvGrpSpPr>
+        <p:cNvPr id="1" name=""/>
+        <p:cNvGrpSpPr/>
+        <p:nvPr/>
+      </p:nvGrpSpPr>
+      <p:grpSpPr>
+        <a:xfrm>
+          <a:off x="0" y="0"/>
+          <a:ext cx="0" cy="0"/>
+          <a:chOff x="0" y="0"/>
+          <a:chExt cx="0" cy="0"/>
+        </a:xfrm>
+      </p:grpSpPr>
+      <p:sp>
+        <p:nvSpPr>
           <p:cNvPr id="2" name="Title 1"/>
           <p:cNvSpPr>
             <a:spLocks noGrp="1"/>
@@ -45592,7 +45881,7 @@
 </p:sld>
 </file>
 
-<file path=ppt/slides/slide33.xml><?xml version="1.0" encoding="utf-8"?>
+<file path=ppt/slides/slide34.xml><?xml version="1.0" encoding="utf-8"?>
 <p:sld xmlns:a="http://schemas.openxmlformats.org/drawingml/2006/main" xmlns:r="http://schemas.openxmlformats.org/officeDocument/2006/relationships" xmlns:p="http://schemas.openxmlformats.org/presentationml/2006/main">
   <p:cSld>
     <p:bg>
@@ -46341,6 +46630,12 @@
               <a:t>Finding a most suited machine learning model for correct classification of churn and non churn customers</a:t>
             </a:r>
           </a:p>
+          <a:p>
+            <a:r>
+              <a:rPr lang="en-US" dirty="0"/>
+              <a:t>Designing an app to predict whether the customer will churn or not using the appropriate explanatory variables</a:t>
+            </a:r>
+          </a:p>
         </p:txBody>
       </p:sp>
     </p:spTree>
@@ -46387,13 +46682,7 @@
       </p:grpSpPr>
       <p:sp>
         <p:nvSpPr>
-          <p:cNvPr id="2" name="Title 1">
-            <a:extLst>
-              <a:ext uri="{FF2B5EF4-FFF2-40B4-BE49-F238E27FC236}">
-                <a16:creationId xmlns:a16="http://schemas.microsoft.com/office/drawing/2014/main" id="{EEB44D3C-8A2F-377E-0D19-B0E8CCB8FC35}"/>
-              </a:ext>
-            </a:extLst>
-          </p:cNvPr>
+          <p:cNvPr id="2" name="Title 1"/>
           <p:cNvSpPr>
             <a:spLocks noGrp="1"/>
           </p:cNvSpPr>
@@ -46407,182 +46696,80 @@
           <a:lstStyle/>
           <a:p>
             <a:r>
-              <a:rPr lang="en-US" dirty="0"/>
-              <a:t>Data Pre-processing – Fulfilling the basic assumptions of modeling </a:t>
-            </a:r>
-            <a:endParaRPr lang="en-AU" dirty="0"/>
-          </a:p>
-        </p:txBody>
-      </p:sp>
-      <p:sp>
-        <p:nvSpPr>
-          <p:cNvPr id="4" name="Content Placeholder 3">
-            <a:extLst>
-              <a:ext uri="{FF2B5EF4-FFF2-40B4-BE49-F238E27FC236}">
-                <a16:creationId xmlns:a16="http://schemas.microsoft.com/office/drawing/2014/main" id="{AD7FADF2-8D27-1609-A174-2F6DBE1DB39E}"/>
-              </a:ext>
-            </a:extLst>
-          </p:cNvPr>
-          <p:cNvSpPr>
-            <a:spLocks noGrp="1"/>
-          </p:cNvSpPr>
-          <p:nvPr>
-            <p:ph sz="half" idx="2"/>
-          </p:nvPr>
-        </p:nvSpPr>
-        <p:spPr>
-          <a:xfrm>
-            <a:off x="680322" y="2314938"/>
-            <a:ext cx="9956812" cy="3621250"/>
-          </a:xfrm>
-        </p:spPr>
+              <a:rPr lang="en-US"/>
+              <a:t>Procedure/Methodology</a:t>
+            </a:r>
+            <a:endParaRPr lang="en-US" dirty="0"/>
+          </a:p>
+        </p:txBody>
+      </p:sp>
+      <p:sp>
+        <p:nvSpPr>
+          <p:cNvPr id="3" name="Content Placeholder 2"/>
+          <p:cNvSpPr>
+            <a:spLocks noGrp="1"/>
+          </p:cNvSpPr>
+          <p:nvPr>
+            <p:ph idx="1"/>
+          </p:nvPr>
+        </p:nvSpPr>
+        <p:spPr/>
         <p:txBody>
           <a:bodyPr>
-            <a:normAutofit fontScale="92500" lnSpcReduction="10000"/>
+            <a:normAutofit fontScale="77500" lnSpcReduction="20000"/>
           </a:bodyPr>
           <a:lstStyle/>
           <a:p>
-            <a:pPr>
-              <a:lnSpc>
-                <a:spcPct val="107000"/>
-              </a:lnSpc>
-              <a:spcAft>
-                <a:spcPts val="800"/>
-              </a:spcAft>
+            <a:pPr marL="0" indent="0">
+              <a:buNone/>
             </a:pPr>
             <a:r>
-              <a:rPr lang="en-AU" b="1" dirty="0">
-                <a:effectLst/>
-                <a:latin typeface="Calibri" panose="020F0502020204030204" pitchFamily="34" charset="0"/>
-                <a:ea typeface="Calibri" panose="020F0502020204030204" pitchFamily="34" charset="0"/>
-                <a:cs typeface="Times New Roman" panose="02020603050405020304" pitchFamily="18" charset="0"/>
-              </a:rPr>
-              <a:t>Prediction Outcome Nature - Binary outcome Predicting whether the customer will churn or not.</a:t>
-            </a:r>
-          </a:p>
-          <a:p>
-            <a:pPr>
-              <a:lnSpc>
-                <a:spcPct val="107000"/>
-              </a:lnSpc>
-              <a:spcAft>
-                <a:spcPts val="800"/>
-              </a:spcAft>
-            </a:pPr>
-            <a:r>
-              <a:rPr lang="en-AU" b="1" dirty="0">
-                <a:effectLst/>
-                <a:latin typeface="Calibri" panose="020F0502020204030204" pitchFamily="34" charset="0"/>
-                <a:ea typeface="Calibri" panose="020F0502020204030204" pitchFamily="34" charset="0"/>
-                <a:cs typeface="Times New Roman" panose="02020603050405020304" pitchFamily="18" charset="0"/>
-              </a:rPr>
-              <a:t>Supervised Learning is applied as we have a labelled data set.</a:t>
-            </a:r>
-          </a:p>
-          <a:p>
-            <a:pPr>
-              <a:lnSpc>
-                <a:spcPct val="107000"/>
-              </a:lnSpc>
-              <a:spcAft>
-                <a:spcPts val="800"/>
-              </a:spcAft>
-            </a:pPr>
-            <a:r>
-              <a:rPr lang="en-AU" b="1" dirty="0">
-                <a:effectLst/>
-                <a:latin typeface="Calibri" panose="020F0502020204030204" pitchFamily="34" charset="0"/>
-                <a:ea typeface="Calibri" panose="020F0502020204030204" pitchFamily="34" charset="0"/>
-                <a:cs typeface="Times New Roman" panose="02020603050405020304" pitchFamily="18" charset="0"/>
-              </a:rPr>
-              <a:t> The Requirements for machine learning models selected based on the prediction outcome</a:t>
-            </a:r>
-          </a:p>
-          <a:p>
-            <a:pPr lvl="1">
-              <a:lnSpc>
-                <a:spcPct val="107000"/>
-              </a:lnSpc>
-              <a:spcAft>
-                <a:spcPts val="800"/>
-              </a:spcAft>
-            </a:pPr>
-            <a:r>
-              <a:rPr lang="en-AU" b="1" dirty="0">
-                <a:effectLst/>
-                <a:latin typeface="Calibri" panose="020F0502020204030204" pitchFamily="34" charset="0"/>
-                <a:ea typeface="Calibri" panose="020F0502020204030204" pitchFamily="34" charset="0"/>
-                <a:cs typeface="Times New Roman" panose="02020603050405020304" pitchFamily="18" charset="0"/>
-              </a:rPr>
-              <a:t>The Response Variable is Binary</a:t>
-            </a:r>
-          </a:p>
-          <a:p>
-            <a:pPr lvl="1">
-              <a:lnSpc>
-                <a:spcPct val="107000"/>
-              </a:lnSpc>
-              <a:spcAft>
-                <a:spcPts val="800"/>
-              </a:spcAft>
-            </a:pPr>
-            <a:r>
-              <a:rPr lang="en-AU" b="1" dirty="0">
-                <a:effectLst/>
-                <a:latin typeface="Calibri" panose="020F0502020204030204" pitchFamily="34" charset="0"/>
-                <a:ea typeface="Calibri" panose="020F0502020204030204" pitchFamily="34" charset="0"/>
-                <a:cs typeface="Times New Roman" panose="02020603050405020304" pitchFamily="18" charset="0"/>
-              </a:rPr>
-              <a:t>There is No Multicollinearity Among Explanatory Variables</a:t>
-            </a:r>
-          </a:p>
-          <a:p>
-            <a:pPr lvl="1">
-              <a:lnSpc>
-                <a:spcPct val="107000"/>
-              </a:lnSpc>
-              <a:spcAft>
-                <a:spcPts val="800"/>
-              </a:spcAft>
-            </a:pPr>
-            <a:r>
-              <a:rPr lang="en-AU" b="1" dirty="0">
-                <a:effectLst/>
-                <a:latin typeface="Calibri" panose="020F0502020204030204" pitchFamily="34" charset="0"/>
-                <a:ea typeface="Calibri" panose="020F0502020204030204" pitchFamily="34" charset="0"/>
-                <a:cs typeface="Times New Roman" panose="02020603050405020304" pitchFamily="18" charset="0"/>
-              </a:rPr>
-              <a:t>The Sample Size is Sufficiently Large (more than 500 data points)</a:t>
-            </a:r>
-          </a:p>
-          <a:p>
-            <a:pPr lvl="1">
-              <a:lnSpc>
-                <a:spcPct val="107000"/>
-              </a:lnSpc>
-              <a:spcAft>
-                <a:spcPts val="800"/>
-              </a:spcAft>
-            </a:pPr>
-            <a:r>
-              <a:rPr lang="en-AU" b="1" dirty="0">
-                <a:effectLst/>
-                <a:latin typeface="Calibri" panose="020F0502020204030204" pitchFamily="34" charset="0"/>
-                <a:ea typeface="Calibri" panose="020F0502020204030204" pitchFamily="34" charset="0"/>
-                <a:cs typeface="Times New Roman" panose="02020603050405020304" pitchFamily="18" charset="0"/>
-              </a:rPr>
-              <a:t>There are No Extreme Outliers </a:t>
-            </a:r>
-          </a:p>
-          <a:p>
-            <a:endParaRPr lang="en-AU" sz="2400" b="1" dirty="0"/>
+              <a:rPr lang="en-US" dirty="0"/>
+              <a:t>We have taken the following suggestive steps to build the model</a:t>
+            </a:r>
+          </a:p>
+          <a:p>
+            <a:r>
+              <a:rPr lang="en-US" dirty="0"/>
+              <a:t>Preprocess data (convert columns to appropriate formats, handle missing values, etc.)</a:t>
+            </a:r>
+          </a:p>
+          <a:p>
+            <a:r>
+              <a:rPr lang="en-US" dirty="0"/>
+              <a:t>Conduct appropriate exploratory analysis to extract useful insights (whether directly useful for business or for eventual modelling/feature engineering)</a:t>
+            </a:r>
+          </a:p>
+          <a:p>
+            <a:r>
+              <a:rPr lang="en-US" dirty="0"/>
+              <a:t>Derive new features</a:t>
+            </a:r>
+          </a:p>
+          <a:p>
+            <a:r>
+              <a:rPr lang="en-US" dirty="0"/>
+              <a:t>Train a variety of models, tune model hyperparameters, etc. (handle class imbalance using appropriate techniques such as Accuracy, Recall, Precision, F1score, F2Score)</a:t>
+            </a:r>
+          </a:p>
+          <a:p>
+            <a:r>
+              <a:rPr lang="en-US" dirty="0"/>
+              <a:t>Evaluate the models using appropriate evaluation metrics. Note that it is more important to identify churners than the non-churners accurately - choose an appropriate evaluation metric which reflects this business goal</a:t>
+            </a:r>
+          </a:p>
+          <a:p>
+            <a:r>
+              <a:rPr lang="en-US" dirty="0"/>
+              <a:t>Finally, choose a model based on some evaluation metric</a:t>
+            </a:r>
           </a:p>
         </p:txBody>
       </p:sp>
     </p:spTree>
     <p:extLst>
       <p:ext uri="{BB962C8B-B14F-4D97-AF65-F5344CB8AC3E}">
-        <p14:creationId xmlns:p14="http://schemas.microsoft.com/office/powerpoint/2010/main" val="3194072311"/>
+        <p14:creationId xmlns:p14="http://schemas.microsoft.com/office/powerpoint/2010/main" val="1575721539"/>
       </p:ext>
     </p:extLst>
   </p:cSld>
@@ -46644,6 +46831,242 @@
           <a:p>
             <a:r>
               <a:rPr lang="en-US" dirty="0"/>
+              <a:t>Data Pre-processing – Fulfilling the basic assumptions of modeling </a:t>
+            </a:r>
+            <a:endParaRPr lang="en-AU" dirty="0"/>
+          </a:p>
+        </p:txBody>
+      </p:sp>
+      <p:sp>
+        <p:nvSpPr>
+          <p:cNvPr id="4" name="Content Placeholder 3">
+            <a:extLst>
+              <a:ext uri="{FF2B5EF4-FFF2-40B4-BE49-F238E27FC236}">
+                <a16:creationId xmlns:a16="http://schemas.microsoft.com/office/drawing/2014/main" id="{AD7FADF2-8D27-1609-A174-2F6DBE1DB39E}"/>
+              </a:ext>
+            </a:extLst>
+          </p:cNvPr>
+          <p:cNvSpPr>
+            <a:spLocks noGrp="1"/>
+          </p:cNvSpPr>
+          <p:nvPr>
+            <p:ph sz="half" idx="2"/>
+          </p:nvPr>
+        </p:nvSpPr>
+        <p:spPr>
+          <a:xfrm>
+            <a:off x="680322" y="2314938"/>
+            <a:ext cx="9956812" cy="3621250"/>
+          </a:xfrm>
+        </p:spPr>
+        <p:txBody>
+          <a:bodyPr>
+            <a:normAutofit fontScale="92500" lnSpcReduction="10000"/>
+          </a:bodyPr>
+          <a:lstStyle/>
+          <a:p>
+            <a:pPr>
+              <a:lnSpc>
+                <a:spcPct val="107000"/>
+              </a:lnSpc>
+              <a:spcAft>
+                <a:spcPts val="800"/>
+              </a:spcAft>
+            </a:pPr>
+            <a:r>
+              <a:rPr lang="en-AU" b="1" dirty="0">
+                <a:effectLst/>
+                <a:latin typeface="Calibri" panose="020F0502020204030204" pitchFamily="34" charset="0"/>
+                <a:ea typeface="Calibri" panose="020F0502020204030204" pitchFamily="34" charset="0"/>
+                <a:cs typeface="Times New Roman" panose="02020603050405020304" pitchFamily="18" charset="0"/>
+              </a:rPr>
+              <a:t>Prediction Outcome Nature - Binary outcome Predicting whether the customer will churn or not.</a:t>
+            </a:r>
+          </a:p>
+          <a:p>
+            <a:pPr>
+              <a:lnSpc>
+                <a:spcPct val="107000"/>
+              </a:lnSpc>
+              <a:spcAft>
+                <a:spcPts val="800"/>
+              </a:spcAft>
+            </a:pPr>
+            <a:r>
+              <a:rPr lang="en-AU" b="1" dirty="0">
+                <a:effectLst/>
+                <a:latin typeface="Calibri" panose="020F0502020204030204" pitchFamily="34" charset="0"/>
+                <a:ea typeface="Calibri" panose="020F0502020204030204" pitchFamily="34" charset="0"/>
+                <a:cs typeface="Times New Roman" panose="02020603050405020304" pitchFamily="18" charset="0"/>
+              </a:rPr>
+              <a:t>Supervised Learning is applied as we have a labelled data set.</a:t>
+            </a:r>
+          </a:p>
+          <a:p>
+            <a:pPr>
+              <a:lnSpc>
+                <a:spcPct val="107000"/>
+              </a:lnSpc>
+              <a:spcAft>
+                <a:spcPts val="800"/>
+              </a:spcAft>
+            </a:pPr>
+            <a:r>
+              <a:rPr lang="en-AU" b="1" dirty="0">
+                <a:effectLst/>
+                <a:latin typeface="Calibri" panose="020F0502020204030204" pitchFamily="34" charset="0"/>
+                <a:ea typeface="Calibri" panose="020F0502020204030204" pitchFamily="34" charset="0"/>
+                <a:cs typeface="Times New Roman" panose="02020603050405020304" pitchFamily="18" charset="0"/>
+              </a:rPr>
+              <a:t> The Requirements for machine learning models selected based on the prediction outcome</a:t>
+            </a:r>
+          </a:p>
+          <a:p>
+            <a:pPr lvl="1">
+              <a:lnSpc>
+                <a:spcPct val="107000"/>
+              </a:lnSpc>
+              <a:spcAft>
+                <a:spcPts val="800"/>
+              </a:spcAft>
+            </a:pPr>
+            <a:r>
+              <a:rPr lang="en-AU" b="1" dirty="0">
+                <a:effectLst/>
+                <a:latin typeface="Calibri" panose="020F0502020204030204" pitchFamily="34" charset="0"/>
+                <a:ea typeface="Calibri" panose="020F0502020204030204" pitchFamily="34" charset="0"/>
+                <a:cs typeface="Times New Roman" panose="02020603050405020304" pitchFamily="18" charset="0"/>
+              </a:rPr>
+              <a:t>The Response Variable is Binary</a:t>
+            </a:r>
+          </a:p>
+          <a:p>
+            <a:pPr lvl="1">
+              <a:lnSpc>
+                <a:spcPct val="107000"/>
+              </a:lnSpc>
+              <a:spcAft>
+                <a:spcPts val="800"/>
+              </a:spcAft>
+            </a:pPr>
+            <a:r>
+              <a:rPr lang="en-AU" b="1" dirty="0">
+                <a:effectLst/>
+                <a:latin typeface="Calibri" panose="020F0502020204030204" pitchFamily="34" charset="0"/>
+                <a:ea typeface="Calibri" panose="020F0502020204030204" pitchFamily="34" charset="0"/>
+                <a:cs typeface="Times New Roman" panose="02020603050405020304" pitchFamily="18" charset="0"/>
+              </a:rPr>
+              <a:t>There is No Multicollinearity Among Explanatory Variables</a:t>
+            </a:r>
+          </a:p>
+          <a:p>
+            <a:pPr lvl="1">
+              <a:lnSpc>
+                <a:spcPct val="107000"/>
+              </a:lnSpc>
+              <a:spcAft>
+                <a:spcPts val="800"/>
+              </a:spcAft>
+            </a:pPr>
+            <a:r>
+              <a:rPr lang="en-AU" b="1" dirty="0">
+                <a:effectLst/>
+                <a:latin typeface="Calibri" panose="020F0502020204030204" pitchFamily="34" charset="0"/>
+                <a:ea typeface="Calibri" panose="020F0502020204030204" pitchFamily="34" charset="0"/>
+                <a:cs typeface="Times New Roman" panose="02020603050405020304" pitchFamily="18" charset="0"/>
+              </a:rPr>
+              <a:t>The Sample Size is Sufficiently Large (more than 500 data points)</a:t>
+            </a:r>
+          </a:p>
+          <a:p>
+            <a:pPr lvl="1">
+              <a:lnSpc>
+                <a:spcPct val="107000"/>
+              </a:lnSpc>
+              <a:spcAft>
+                <a:spcPts val="800"/>
+              </a:spcAft>
+            </a:pPr>
+            <a:r>
+              <a:rPr lang="en-AU" b="1" dirty="0">
+                <a:effectLst/>
+                <a:latin typeface="Calibri" panose="020F0502020204030204" pitchFamily="34" charset="0"/>
+                <a:ea typeface="Calibri" panose="020F0502020204030204" pitchFamily="34" charset="0"/>
+                <a:cs typeface="Times New Roman" panose="02020603050405020304" pitchFamily="18" charset="0"/>
+              </a:rPr>
+              <a:t>There are No Extreme Outliers </a:t>
+            </a:r>
+          </a:p>
+          <a:p>
+            <a:endParaRPr lang="en-AU" sz="2400" b="1" dirty="0"/>
+          </a:p>
+        </p:txBody>
+      </p:sp>
+    </p:spTree>
+    <p:extLst>
+      <p:ext uri="{BB962C8B-B14F-4D97-AF65-F5344CB8AC3E}">
+        <p14:creationId xmlns:p14="http://schemas.microsoft.com/office/powerpoint/2010/main" val="3194072311"/>
+      </p:ext>
+    </p:extLst>
+  </p:cSld>
+  <p:clrMapOvr>
+    <a:masterClrMapping/>
+  </p:clrMapOvr>
+  <mc:AlternateContent xmlns:mc="http://schemas.openxmlformats.org/markup-compatibility/2006" xmlns:p14="http://schemas.microsoft.com/office/powerpoint/2010/main">
+    <mc:Choice Requires="p14">
+      <p:transition spd="med" p14:dur="700">
+        <p:fade/>
+      </p:transition>
+    </mc:Choice>
+    <mc:Fallback xmlns="">
+      <p:transition spd="med">
+        <p:fade/>
+      </p:transition>
+    </mc:Fallback>
+  </mc:AlternateContent>
+</p:sld>
+</file>
+
+<file path=ppt/slides/slide7.xml><?xml version="1.0" encoding="utf-8"?>
+<p:sld xmlns:a="http://schemas.openxmlformats.org/drawingml/2006/main" xmlns:r="http://schemas.openxmlformats.org/officeDocument/2006/relationships" xmlns:p="http://schemas.openxmlformats.org/presentationml/2006/main">
+  <p:cSld>
+    <p:spTree>
+      <p:nvGrpSpPr>
+        <p:cNvPr id="1" name=""/>
+        <p:cNvGrpSpPr/>
+        <p:nvPr/>
+      </p:nvGrpSpPr>
+      <p:grpSpPr>
+        <a:xfrm>
+          <a:off x="0" y="0"/>
+          <a:ext cx="0" cy="0"/>
+          <a:chOff x="0" y="0"/>
+          <a:chExt cx="0" cy="0"/>
+        </a:xfrm>
+      </p:grpSpPr>
+      <p:sp>
+        <p:nvSpPr>
+          <p:cNvPr id="2" name="Title 1">
+            <a:extLst>
+              <a:ext uri="{FF2B5EF4-FFF2-40B4-BE49-F238E27FC236}">
+                <a16:creationId xmlns:a16="http://schemas.microsoft.com/office/drawing/2014/main" id="{EEB44D3C-8A2F-377E-0D19-B0E8CCB8FC35}"/>
+              </a:ext>
+            </a:extLst>
+          </p:cNvPr>
+          <p:cNvSpPr>
+            <a:spLocks noGrp="1"/>
+          </p:cNvSpPr>
+          <p:nvPr>
+            <p:ph type="title"/>
+          </p:nvPr>
+        </p:nvSpPr>
+        <p:spPr/>
+        <p:txBody>
+          <a:bodyPr/>
+          <a:lstStyle/>
+          <a:p>
+            <a:r>
+              <a:rPr lang="en-US" dirty="0"/>
               <a:t>Steps of Processing</a:t>
             </a:r>
             <a:endParaRPr lang="en-AU" dirty="0"/>
@@ -46883,13 +47306,13 @@
   <p:clrMapOvr>
     <a:masterClrMapping/>
   </p:clrMapOvr>
-  <mc:AlternateContent xmlns:mc="http://schemas.openxmlformats.org/markup-compatibility/2006">
-    <mc:Choice xmlns:p14="http://schemas.microsoft.com/office/powerpoint/2010/main" Requires="p14">
+  <mc:AlternateContent xmlns:mc="http://schemas.openxmlformats.org/markup-compatibility/2006" xmlns:p14="http://schemas.microsoft.com/office/powerpoint/2010/main">
+    <mc:Choice Requires="p14">
       <p:transition spd="med" p14:dur="700">
         <p:fade/>
       </p:transition>
     </mc:Choice>
-    <mc:Fallback>
+    <mc:Fallback xmlns="">
       <p:transition spd="med">
         <p:fade/>
       </p:transition>
@@ -46898,7 +47321,7 @@
 </p:sld>
 </file>
 
-<file path=ppt/slides/slide7.xml><?xml version="1.0" encoding="utf-8"?>
+<file path=ppt/slides/slide8.xml><?xml version="1.0" encoding="utf-8"?>
 <p:sld xmlns:a="http://schemas.openxmlformats.org/drawingml/2006/main" xmlns:r="http://schemas.openxmlformats.org/officeDocument/2006/relationships" xmlns:p="http://schemas.openxmlformats.org/presentationml/2006/main">
   <p:cSld>
     <p:spTree>
@@ -47054,134 +47477,6 @@
     <p:extLst>
       <p:ext uri="{BB962C8B-B14F-4D97-AF65-F5344CB8AC3E}">
         <p14:creationId xmlns:p14="http://schemas.microsoft.com/office/powerpoint/2010/main" val="280790843"/>
-      </p:ext>
-    </p:extLst>
-  </p:cSld>
-  <p:clrMapOvr>
-    <a:masterClrMapping/>
-  </p:clrMapOvr>
-  <mc:AlternateContent xmlns:mc="http://schemas.openxmlformats.org/markup-compatibility/2006">
-    <mc:Choice xmlns:p14="http://schemas.microsoft.com/office/powerpoint/2010/main" Requires="p14">
-      <p:transition spd="med" p14:dur="700">
-        <p:fade/>
-      </p:transition>
-    </mc:Choice>
-    <mc:Fallback>
-      <p:transition spd="med">
-        <p:fade/>
-      </p:transition>
-    </mc:Fallback>
-  </mc:AlternateContent>
-</p:sld>
-</file>
-
-<file path=ppt/slides/slide8.xml><?xml version="1.0" encoding="utf-8"?>
-<p:sld xmlns:a="http://schemas.openxmlformats.org/drawingml/2006/main" xmlns:r="http://schemas.openxmlformats.org/officeDocument/2006/relationships" xmlns:p="http://schemas.openxmlformats.org/presentationml/2006/main">
-  <p:cSld>
-    <p:spTree>
-      <p:nvGrpSpPr>
-        <p:cNvPr id="1" name=""/>
-        <p:cNvGrpSpPr/>
-        <p:nvPr/>
-      </p:nvGrpSpPr>
-      <p:grpSpPr>
-        <a:xfrm>
-          <a:off x="0" y="0"/>
-          <a:ext cx="0" cy="0"/>
-          <a:chOff x="0" y="0"/>
-          <a:chExt cx="0" cy="0"/>
-        </a:xfrm>
-      </p:grpSpPr>
-      <p:sp>
-        <p:nvSpPr>
-          <p:cNvPr id="2" name="Title 1"/>
-          <p:cNvSpPr>
-            <a:spLocks noGrp="1"/>
-          </p:cNvSpPr>
-          <p:nvPr>
-            <p:ph type="title"/>
-          </p:nvPr>
-        </p:nvSpPr>
-        <p:spPr/>
-        <p:txBody>
-          <a:bodyPr/>
-          <a:lstStyle/>
-          <a:p>
-            <a:r>
-              <a:rPr lang="en-US"/>
-              <a:t>Procedure/Methodology</a:t>
-            </a:r>
-            <a:endParaRPr lang="en-US" dirty="0"/>
-          </a:p>
-        </p:txBody>
-      </p:sp>
-      <p:sp>
-        <p:nvSpPr>
-          <p:cNvPr id="3" name="Content Placeholder 2"/>
-          <p:cNvSpPr>
-            <a:spLocks noGrp="1"/>
-          </p:cNvSpPr>
-          <p:nvPr>
-            <p:ph idx="1"/>
-          </p:nvPr>
-        </p:nvSpPr>
-        <p:spPr/>
-        <p:txBody>
-          <a:bodyPr>
-            <a:normAutofit fontScale="77500" lnSpcReduction="20000"/>
-          </a:bodyPr>
-          <a:lstStyle/>
-          <a:p>
-            <a:pPr marL="0" indent="0">
-              <a:buNone/>
-            </a:pPr>
-            <a:r>
-              <a:rPr lang="en-US" dirty="0"/>
-              <a:t>We have taken the following suggestive steps to build the model</a:t>
-            </a:r>
-          </a:p>
-          <a:p>
-            <a:r>
-              <a:rPr lang="en-US" dirty="0"/>
-              <a:t>Preprocess data (convert columns to appropriate formats, handle missing values, etc.)</a:t>
-            </a:r>
-          </a:p>
-          <a:p>
-            <a:r>
-              <a:rPr lang="en-US" dirty="0"/>
-              <a:t>Conduct appropriate exploratory analysis to extract useful insights (whether directly useful for business or for eventual modelling/feature engineering)</a:t>
-            </a:r>
-          </a:p>
-          <a:p>
-            <a:r>
-              <a:rPr lang="en-US" dirty="0"/>
-              <a:t>Derive new features</a:t>
-            </a:r>
-          </a:p>
-          <a:p>
-            <a:r>
-              <a:rPr lang="en-US" dirty="0"/>
-              <a:t>Train a variety of models, tune model hyperparameters, etc. (handle class imbalance using appropriate techniques such as Accuracy, Recall, Precision, F1score, F2Score)</a:t>
-            </a:r>
-          </a:p>
-          <a:p>
-            <a:r>
-              <a:rPr lang="en-US" dirty="0"/>
-              <a:t>Evaluate the models using appropriate evaluation metrics. Note that it is more important to identify churners than the non-churners accurately - choose an appropriate evaluation metric which reflects this business goal</a:t>
-            </a:r>
-          </a:p>
-          <a:p>
-            <a:r>
-              <a:rPr lang="en-US" dirty="0"/>
-              <a:t>Finally, choose a model based on some evaluation metric</a:t>
-            </a:r>
-          </a:p>
-        </p:txBody>
-      </p:sp>
-    </p:spTree>
-    <p:extLst>
-      <p:ext uri="{BB962C8B-B14F-4D97-AF65-F5344CB8AC3E}">
-        <p14:creationId xmlns:p14="http://schemas.microsoft.com/office/powerpoint/2010/main" val="1575721539"/>
       </p:ext>
     </p:extLst>
   </p:cSld>

--- a/Telecom Customer Churn - Presentation.pptx
+++ b/Telecom Customer Churn - Presentation.pptx
@@ -8,17 +8,17 @@
     <p:sldMasterId id="2147483723" r:id="rId4"/>
   </p:sldMasterIdLst>
   <p:notesMasterIdLst>
-    <p:notesMasterId r:id="rId37"/>
+    <p:notesMasterId r:id="rId38"/>
   </p:notesMasterIdLst>
   <p:sldIdLst>
     <p:sldId id="257" r:id="rId5"/>
     <p:sldId id="258" r:id="rId6"/>
     <p:sldId id="277" r:id="rId7"/>
     <p:sldId id="259" r:id="rId8"/>
-    <p:sldId id="294" r:id="rId9"/>
-    <p:sldId id="295" r:id="rId10"/>
-    <p:sldId id="296" r:id="rId11"/>
-    <p:sldId id="260" r:id="rId12"/>
+    <p:sldId id="260" r:id="rId9"/>
+    <p:sldId id="294" r:id="rId10"/>
+    <p:sldId id="295" r:id="rId11"/>
+    <p:sldId id="296" r:id="rId12"/>
     <p:sldId id="278" r:id="rId13"/>
     <p:sldId id="280" r:id="rId14"/>
     <p:sldId id="281" r:id="rId15"/>
@@ -39,10 +39,11 @@
     <p:sldId id="285" r:id="rId30"/>
     <p:sldId id="292" r:id="rId31"/>
     <p:sldId id="293" r:id="rId32"/>
-    <p:sldId id="274" r:id="rId33"/>
-    <p:sldId id="288" r:id="rId34"/>
-    <p:sldId id="276" r:id="rId35"/>
-    <p:sldId id="291" r:id="rId36"/>
+    <p:sldId id="298" r:id="rId33"/>
+    <p:sldId id="274" r:id="rId34"/>
+    <p:sldId id="288" r:id="rId35"/>
+    <p:sldId id="276" r:id="rId36"/>
+    <p:sldId id="291" r:id="rId37"/>
   </p:sldIdLst>
   <p:sldSz cx="12192000" cy="6858000"/>
   <p:notesSz cx="6858000" cy="9144000"/>
@@ -150,10 +151,10 @@
             <p14:sldId id="258"/>
             <p14:sldId id="277"/>
             <p14:sldId id="259"/>
+            <p14:sldId id="260"/>
             <p14:sldId id="294"/>
             <p14:sldId id="295"/>
             <p14:sldId id="296"/>
-            <p14:sldId id="260"/>
             <p14:sldId id="278"/>
           </p14:sldIdLst>
         </p14:section>
@@ -194,6 +195,7 @@
             <p14:sldId id="285"/>
             <p14:sldId id="292"/>
             <p14:sldId id="293"/>
+            <p14:sldId id="298"/>
           </p14:sldIdLst>
         </p14:section>
         <p14:section name="General Closing" id="{4AB6C702-EE4D-4283-ACB0-770710E41AE6}">
@@ -219,6 +221,7 @@
 <file path=ppt/revisionInfo.xml><?xml version="1.0" encoding="utf-8"?>
 <p1510:revInfo xmlns:a="http://schemas.openxmlformats.org/drawingml/2006/main" xmlns:r="http://schemas.openxmlformats.org/officeDocument/2006/relationships" xmlns:p1510="http://schemas.microsoft.com/office/powerpoint/2015/10/main">
   <p1510:revLst>
+    <p1510:client id="{0CE8A5F7-92B1-46A5-8332-1EBAD2FBC191}" v="2" dt="2022-10-16T23:15:52.706"/>
     <p1510:client id="{E8AB9CB6-2101-4549-960E-33CAD8E46830}" v="525" dt="2022-10-16T19:11:46.691"/>
   </p1510:revLst>
 </p1510:revInfo>
@@ -226,6 +229,76 @@
 
 <file path=ppt/changesInfos/changesInfo1.xml><?xml version="1.0" encoding="utf-8"?>
 <pc:chgInfo xmlns:a="http://schemas.openxmlformats.org/drawingml/2006/main" xmlns:r="http://schemas.openxmlformats.org/officeDocument/2006/relationships" xmlns:ac="http://schemas.microsoft.com/office/drawing/2013/main/command" xmlns:pc="http://schemas.microsoft.com/office/powerpoint/2013/main/command">
+  <pc:docChgLst>
+    <pc:chgData name="deepa nair" userId="754ec774447e2cd8" providerId="LiveId" clId="{0CE8A5F7-92B1-46A5-8332-1EBAD2FBC191}"/>
+    <pc:docChg chg="custSel addSld modSld sldOrd modSection">
+      <pc:chgData name="deepa nair" userId="754ec774447e2cd8" providerId="LiveId" clId="{0CE8A5F7-92B1-46A5-8332-1EBAD2FBC191}" dt="2022-10-16T23:17:33.820" v="129" actId="20577"/>
+      <pc:docMkLst>
+        <pc:docMk/>
+      </pc:docMkLst>
+      <pc:sldChg chg="modSp mod">
+        <pc:chgData name="deepa nair" userId="754ec774447e2cd8" providerId="LiveId" clId="{0CE8A5F7-92B1-46A5-8332-1EBAD2FBC191}" dt="2022-10-16T23:17:33.820" v="129" actId="20577"/>
+        <pc:sldMkLst>
+          <pc:docMk/>
+          <pc:sldMk cId="3369225394" sldId="259"/>
+        </pc:sldMkLst>
+        <pc:spChg chg="mod">
+          <ac:chgData name="deepa nair" userId="754ec774447e2cd8" providerId="LiveId" clId="{0CE8A5F7-92B1-46A5-8332-1EBAD2FBC191}" dt="2022-10-16T23:17:33.820" v="129" actId="20577"/>
+          <ac:spMkLst>
+            <pc:docMk/>
+            <pc:sldMk cId="3369225394" sldId="259"/>
+            <ac:spMk id="3" creationId="{00000000-0000-0000-0000-000000000000}"/>
+          </ac:spMkLst>
+        </pc:spChg>
+      </pc:sldChg>
+      <pc:sldChg chg="ord">
+        <pc:chgData name="deepa nair" userId="754ec774447e2cd8" providerId="LiveId" clId="{0CE8A5F7-92B1-46A5-8332-1EBAD2FBC191}" dt="2022-10-16T23:16:11.341" v="21"/>
+        <pc:sldMkLst>
+          <pc:docMk/>
+          <pc:sldMk cId="1575721539" sldId="260"/>
+        </pc:sldMkLst>
+      </pc:sldChg>
+      <pc:sldChg chg="addSp delSp modSp new mod">
+        <pc:chgData name="deepa nair" userId="754ec774447e2cd8" providerId="LiveId" clId="{0CE8A5F7-92B1-46A5-8332-1EBAD2FBC191}" dt="2022-10-16T23:16:00.244" v="19" actId="1076"/>
+        <pc:sldMkLst>
+          <pc:docMk/>
+          <pc:sldMk cId="1942785552" sldId="298"/>
+        </pc:sldMkLst>
+        <pc:spChg chg="mod">
+          <ac:chgData name="deepa nair" userId="754ec774447e2cd8" providerId="LiveId" clId="{0CE8A5F7-92B1-46A5-8332-1EBAD2FBC191}" dt="2022-10-16T23:14:40.634" v="7" actId="20577"/>
+          <ac:spMkLst>
+            <pc:docMk/>
+            <pc:sldMk cId="1942785552" sldId="298"/>
+            <ac:spMk id="2" creationId="{76FDA1C1-871D-E241-95D6-29032D6C74FE}"/>
+          </ac:spMkLst>
+        </pc:spChg>
+        <pc:spChg chg="del">
+          <ac:chgData name="deepa nair" userId="754ec774447e2cd8" providerId="LiveId" clId="{0CE8A5F7-92B1-46A5-8332-1EBAD2FBC191}" dt="2022-10-16T23:15:02.485" v="8"/>
+          <ac:spMkLst>
+            <pc:docMk/>
+            <pc:sldMk cId="1942785552" sldId="298"/>
+            <ac:spMk id="3" creationId="{350C6B99-6EDF-D1EF-6492-6A2DEF21BDE6}"/>
+          </ac:spMkLst>
+        </pc:spChg>
+        <pc:picChg chg="add mod">
+          <ac:chgData name="deepa nair" userId="754ec774447e2cd8" providerId="LiveId" clId="{0CE8A5F7-92B1-46A5-8332-1EBAD2FBC191}" dt="2022-10-16T23:16:00.244" v="19" actId="1076"/>
+          <ac:picMkLst>
+            <pc:docMk/>
+            <pc:sldMk cId="1942785552" sldId="298"/>
+            <ac:picMk id="4" creationId="{650F6E8A-0541-0402-BD6D-98630F5DBF4C}"/>
+          </ac:picMkLst>
+        </pc:picChg>
+        <pc:picChg chg="add mod">
+          <ac:chgData name="deepa nair" userId="754ec774447e2cd8" providerId="LiveId" clId="{0CE8A5F7-92B1-46A5-8332-1EBAD2FBC191}" dt="2022-10-16T23:15:58.963" v="18" actId="14100"/>
+          <ac:picMkLst>
+            <pc:docMk/>
+            <pc:sldMk cId="1942785552" sldId="298"/>
+            <ac:picMk id="5" creationId="{256BA277-4F05-B1D1-3CC7-7A78091466AE}"/>
+          </ac:picMkLst>
+        </pc:picChg>
+      </pc:sldChg>
+    </pc:docChg>
+  </pc:docChgLst>
   <pc:docChgLst>
     <pc:chgData name="Jeya Emmanuel" userId="28e79deefdbe506a" providerId="LiveId" clId="{E8AB9CB6-2101-4549-960E-33CAD8E46830}"/>
     <pc:docChg chg="undo redo custSel addSld delSld modSld sldOrd addMainMaster delMainMaster modMainMaster addSection delSection modSection">
@@ -4185,7 +4258,7 @@
           <a:p>
             <a:fld id="{A7666ED7-631A-46AF-B451-227D0A8685A0}" type="slidenum">
               <a:rPr lang="en-US"/>
-              <a:t>29</a:t>
+              <a:t>30</a:t>
             </a:fld>
             <a:endParaRPr lang="en-US"/>
           </a:p>
@@ -4269,7 +4342,7 @@
           <a:p>
             <a:fld id="{A7666ED7-631A-46AF-B451-227D0A8685A0}" type="slidenum">
               <a:rPr lang="en-US"/>
-              <a:t>31</a:t>
+              <a:t>32</a:t>
             </a:fld>
             <a:endParaRPr lang="en-US"/>
           </a:p>
@@ -4353,7 +4426,7 @@
           <a:p>
             <a:fld id="{B37B1F30-39B2-4CE2-8EF3-91F3179569A5}" type="slidenum">
               <a:rPr lang="en-US" smtClean="0"/>
-              <a:t>32</a:t>
+              <a:t>33</a:t>
             </a:fld>
             <a:endParaRPr lang="en-US"/>
           </a:p>
@@ -4605,7 +4678,7 @@
           <a:p>
             <a:fld id="{A7666ED7-631A-46AF-B451-227D0A8685A0}" type="slidenum">
               <a:rPr lang="en-US"/>
-              <a:t>8</a:t>
+              <a:t>5</a:t>
             </a:fld>
             <a:endParaRPr lang="en-US"/>
           </a:p>
@@ -39716,12 +39789,18 @@
       </p:grpSpPr>
       <p:sp>
         <p:nvSpPr>
-          <p:cNvPr id="2" name="Title 1"/>
-          <p:cNvSpPr>
-            <a:spLocks noGrp="1"/>
-          </p:cNvSpPr>
-          <p:nvPr>
-            <p:ph type="ctrTitle"/>
+          <p:cNvPr id="2" name="Title 1">
+            <a:extLst>
+              <a:ext uri="{FF2B5EF4-FFF2-40B4-BE49-F238E27FC236}">
+                <a16:creationId xmlns:a16="http://schemas.microsoft.com/office/drawing/2014/main" id="{76FDA1C1-871D-E241-95D6-29032D6C74FE}"/>
+              </a:ext>
+            </a:extLst>
+          </p:cNvPr>
+          <p:cNvSpPr>
+            <a:spLocks noGrp="1"/>
+          </p:cNvSpPr>
+          <p:nvPr>
+            <p:ph type="title"/>
           </p:nvPr>
         </p:nvSpPr>
         <p:spPr/>
@@ -39730,38 +39809,78 @@
           <a:lstStyle/>
           <a:p>
             <a:r>
-              <a:rPr lang="en-US"/>
-              <a:t>Project Summary</a:t>
-            </a:r>
-          </a:p>
-        </p:txBody>
-      </p:sp>
-      <p:sp>
-        <p:nvSpPr>
-          <p:cNvPr id="3" name="Subtitle 2"/>
-          <p:cNvSpPr>
-            <a:spLocks noGrp="1"/>
-          </p:cNvSpPr>
-          <p:nvPr>
-            <p:ph type="subTitle" idx="1"/>
-          </p:nvPr>
-        </p:nvSpPr>
-        <p:spPr/>
-        <p:txBody>
-          <a:bodyPr/>
-          <a:lstStyle/>
-          <a:p>
-            <a:r>
-              <a:rPr lang="en-US" dirty="0"/>
-              <a:t>Optional statement</a:t>
-            </a:r>
-          </a:p>
-        </p:txBody>
-      </p:sp>
+              <a:rPr lang="en-AU" dirty="0"/>
+              <a:t>Results</a:t>
+            </a:r>
+          </a:p>
+        </p:txBody>
+      </p:sp>
+      <p:pic>
+        <p:nvPicPr>
+          <p:cNvPr id="4" name="Content Placeholder 3" descr="Chart, treemap chart&#10;&#10;Description automatically generated">
+            <a:extLst>
+              <a:ext uri="{FF2B5EF4-FFF2-40B4-BE49-F238E27FC236}">
+                <a16:creationId xmlns:a16="http://schemas.microsoft.com/office/drawing/2014/main" id="{650F6E8A-0541-0402-BD6D-98630F5DBF4C}"/>
+              </a:ext>
+            </a:extLst>
+          </p:cNvPr>
+          <p:cNvPicPr>
+            <a:picLocks noGrp="1" noChangeAspect="1"/>
+          </p:cNvPicPr>
+          <p:nvPr>
+            <p:ph idx="1"/>
+          </p:nvPr>
+        </p:nvPicPr>
+        <p:blipFill>
+          <a:blip r:embed="rId2"/>
+          <a:stretch>
+            <a:fillRect/>
+          </a:stretch>
+        </p:blipFill>
+        <p:spPr>
+          <a:xfrm>
+            <a:off x="196771" y="2025568"/>
+            <a:ext cx="5899230" cy="4844005"/>
+          </a:xfrm>
+          <a:prstGeom prst="rect">
+            <a:avLst/>
+          </a:prstGeom>
+        </p:spPr>
+      </p:pic>
+      <p:pic>
+        <p:nvPicPr>
+          <p:cNvPr id="5" name="Picture 4">
+            <a:extLst>
+              <a:ext uri="{FF2B5EF4-FFF2-40B4-BE49-F238E27FC236}">
+                <a16:creationId xmlns:a16="http://schemas.microsoft.com/office/drawing/2014/main" id="{256BA277-4F05-B1D1-3CC7-7A78091466AE}"/>
+              </a:ext>
+            </a:extLst>
+          </p:cNvPr>
+          <p:cNvPicPr>
+            <a:picLocks noChangeAspect="1"/>
+          </p:cNvPicPr>
+          <p:nvPr/>
+        </p:nvPicPr>
+        <p:blipFill>
+          <a:blip r:embed="rId3"/>
+          <a:stretch>
+            <a:fillRect/>
+          </a:stretch>
+        </p:blipFill>
+        <p:spPr>
+          <a:xfrm>
+            <a:off x="6246531" y="3141743"/>
+            <a:ext cx="5648325" cy="2471979"/>
+          </a:xfrm>
+          <a:prstGeom prst="rect">
+            <a:avLst/>
+          </a:prstGeom>
+        </p:spPr>
+      </p:pic>
     </p:spTree>
     <p:extLst>
       <p:ext uri="{BB962C8B-B14F-4D97-AF65-F5344CB8AC3E}">
-        <p14:creationId xmlns:p14="http://schemas.microsoft.com/office/powerpoint/2010/main" val="3589653851"/>
+        <p14:creationId xmlns:p14="http://schemas.microsoft.com/office/powerpoint/2010/main" val="1942785552"/>
       </p:ext>
     </p:extLst>
   </p:cSld>
@@ -39985,18 +40104,12 @@
       </p:grpSpPr>
       <p:sp>
         <p:nvSpPr>
-          <p:cNvPr id="2" name="Title 1">
-            <a:extLst>
-              <a:ext uri="{FF2B5EF4-FFF2-40B4-BE49-F238E27FC236}">
-                <a16:creationId xmlns:a16="http://schemas.microsoft.com/office/drawing/2014/main" id="{52DF2A18-C538-D150-4407-6243CF1E0C5A}"/>
-              </a:ext>
-            </a:extLst>
-          </p:cNvPr>
-          <p:cNvSpPr>
-            <a:spLocks noGrp="1"/>
-          </p:cNvSpPr>
-          <p:nvPr>
-            <p:ph type="title"/>
+          <p:cNvPr id="2" name="Title 1"/>
+          <p:cNvSpPr>
+            <a:spLocks noGrp="1"/>
+          </p:cNvSpPr>
+          <p:nvPr>
+            <p:ph type="ctrTitle"/>
           </p:nvPr>
         </p:nvSpPr>
         <p:spPr/>
@@ -40005,115 +40118,30 @@
           <a:lstStyle/>
           <a:p>
             <a:r>
+              <a:rPr lang="en-US"/>
+              <a:t>Project Summary</a:t>
+            </a:r>
+          </a:p>
+        </p:txBody>
+      </p:sp>
+      <p:sp>
+        <p:nvSpPr>
+          <p:cNvPr id="3" name="Subtitle 2"/>
+          <p:cNvSpPr>
+            <a:spLocks noGrp="1"/>
+          </p:cNvSpPr>
+          <p:nvPr>
+            <p:ph type="subTitle" idx="1"/>
+          </p:nvPr>
+        </p:nvSpPr>
+        <p:spPr/>
+        <p:txBody>
+          <a:bodyPr/>
+          <a:lstStyle/>
+          <a:p>
+            <a:r>
               <a:rPr lang="en-US" dirty="0"/>
-              <a:t>Conclusion</a:t>
-            </a:r>
-            <a:endParaRPr lang="en-AU" dirty="0"/>
-          </a:p>
-        </p:txBody>
-      </p:sp>
-      <p:pic>
-        <p:nvPicPr>
-          <p:cNvPr id="4" name="Picture 3">
-            <a:extLst>
-              <a:ext uri="{FF2B5EF4-FFF2-40B4-BE49-F238E27FC236}">
-                <a16:creationId xmlns:a16="http://schemas.microsoft.com/office/drawing/2014/main" id="{F02CE017-A968-4309-12CB-E806EA58E2A4}"/>
-              </a:ext>
-            </a:extLst>
-          </p:cNvPr>
-          <p:cNvPicPr>
-            <a:picLocks noChangeAspect="1"/>
-          </p:cNvPicPr>
-          <p:nvPr/>
-        </p:nvPicPr>
-        <p:blipFill>
-          <a:blip r:embed="rId2"/>
-          <a:stretch>
-            <a:fillRect/>
-          </a:stretch>
-        </p:blipFill>
-        <p:spPr>
-          <a:xfrm>
-            <a:off x="792677" y="2440300"/>
-            <a:ext cx="4668580" cy="2710434"/>
-          </a:xfrm>
-          <a:prstGeom prst="rect">
-            <a:avLst/>
-          </a:prstGeom>
-        </p:spPr>
-      </p:pic>
-      <p:pic>
-        <p:nvPicPr>
-          <p:cNvPr id="5" name="Picture 4">
-            <a:extLst>
-              <a:ext uri="{FF2B5EF4-FFF2-40B4-BE49-F238E27FC236}">
-                <a16:creationId xmlns:a16="http://schemas.microsoft.com/office/drawing/2014/main" id="{855D99B0-EE8F-6614-26F2-2BF70F743465}"/>
-              </a:ext>
-            </a:extLst>
-          </p:cNvPr>
-          <p:cNvPicPr>
-            <a:picLocks noChangeAspect="1"/>
-          </p:cNvPicPr>
-          <p:nvPr/>
-        </p:nvPicPr>
-        <p:blipFill>
-          <a:blip r:embed="rId3"/>
-          <a:stretch>
-            <a:fillRect/>
-          </a:stretch>
-        </p:blipFill>
-        <p:spPr>
-          <a:xfrm>
-            <a:off x="5964117" y="2472372"/>
-            <a:ext cx="4765615" cy="2678362"/>
-          </a:xfrm>
-          <a:prstGeom prst="rect">
-            <a:avLst/>
-          </a:prstGeom>
-        </p:spPr>
-      </p:pic>
-      <p:sp>
-        <p:nvSpPr>
-          <p:cNvPr id="6" name="Content Placeholder 2">
-            <a:extLst>
-              <a:ext uri="{FF2B5EF4-FFF2-40B4-BE49-F238E27FC236}">
-                <a16:creationId xmlns:a16="http://schemas.microsoft.com/office/drawing/2014/main" id="{52B3831E-B76A-5CB2-63AE-9094BA938FC5}"/>
-              </a:ext>
-            </a:extLst>
-          </p:cNvPr>
-          <p:cNvSpPr>
-            <a:spLocks noGrp="1"/>
-          </p:cNvSpPr>
-          <p:nvPr>
-            <p:ph idx="1"/>
-          </p:nvPr>
-        </p:nvSpPr>
-        <p:spPr>
-          <a:xfrm>
-            <a:off x="1115871" y="5427314"/>
-            <a:ext cx="9613861" cy="3599316"/>
-          </a:xfrm>
-        </p:spPr>
-        <p:txBody>
-          <a:bodyPr>
-            <a:normAutofit/>
-          </a:bodyPr>
-          <a:lstStyle/>
-          <a:p>
-            <a:pPr marL="0" indent="0">
-              <a:buNone/>
-            </a:pPr>
-            <a:r>
-              <a:rPr lang="en-US" sz="1400" dirty="0"/>
-              <a:t>In this project, we have walked through a complete end-to-end machine learning project using the Telecom customer Churn dataset. We started by cleaning the data and analyzing it with visualization. Then, to be able to build a machine learning model, we transformed the categorical data into numeric variables (feature engineering). After transforming the data, we tried 6 different machine learning algorithms (including Deep Learning) using default parameters. Finally, we tuned the hyperparameters of the </a:t>
-            </a:r>
-            <a:r>
-              <a:rPr lang="en-US" sz="1400" dirty="0" err="1"/>
-              <a:t>Adaboost</a:t>
-            </a:r>
-            <a:r>
-              <a:rPr lang="en-US" sz="1400" dirty="0"/>
-              <a:t> (best performance model) for model optimization, obtaining an accuracy of nearly 81%.</a:t>
+              <a:t>Optional statement</a:t>
             </a:r>
           </a:p>
         </p:txBody>
@@ -40121,7 +40149,7 @@
     </p:spTree>
     <p:extLst>
       <p:ext uri="{BB962C8B-B14F-4D97-AF65-F5344CB8AC3E}">
-        <p14:creationId xmlns:p14="http://schemas.microsoft.com/office/powerpoint/2010/main" val="2106282225"/>
+        <p14:creationId xmlns:p14="http://schemas.microsoft.com/office/powerpoint/2010/main" val="3589653851"/>
       </p:ext>
     </p:extLst>
   </p:cSld>
@@ -40162,6 +40190,183 @@
       </p:grpSpPr>
       <p:sp>
         <p:nvSpPr>
+          <p:cNvPr id="2" name="Title 1">
+            <a:extLst>
+              <a:ext uri="{FF2B5EF4-FFF2-40B4-BE49-F238E27FC236}">
+                <a16:creationId xmlns:a16="http://schemas.microsoft.com/office/drawing/2014/main" id="{52DF2A18-C538-D150-4407-6243CF1E0C5A}"/>
+              </a:ext>
+            </a:extLst>
+          </p:cNvPr>
+          <p:cNvSpPr>
+            <a:spLocks noGrp="1"/>
+          </p:cNvSpPr>
+          <p:nvPr>
+            <p:ph type="title"/>
+          </p:nvPr>
+        </p:nvSpPr>
+        <p:spPr/>
+        <p:txBody>
+          <a:bodyPr/>
+          <a:lstStyle/>
+          <a:p>
+            <a:r>
+              <a:rPr lang="en-US" dirty="0"/>
+              <a:t>Conclusion</a:t>
+            </a:r>
+            <a:endParaRPr lang="en-AU" dirty="0"/>
+          </a:p>
+        </p:txBody>
+      </p:sp>
+      <p:pic>
+        <p:nvPicPr>
+          <p:cNvPr id="4" name="Picture 3">
+            <a:extLst>
+              <a:ext uri="{FF2B5EF4-FFF2-40B4-BE49-F238E27FC236}">
+                <a16:creationId xmlns:a16="http://schemas.microsoft.com/office/drawing/2014/main" id="{F02CE017-A968-4309-12CB-E806EA58E2A4}"/>
+              </a:ext>
+            </a:extLst>
+          </p:cNvPr>
+          <p:cNvPicPr>
+            <a:picLocks noChangeAspect="1"/>
+          </p:cNvPicPr>
+          <p:nvPr/>
+        </p:nvPicPr>
+        <p:blipFill>
+          <a:blip r:embed="rId2"/>
+          <a:stretch>
+            <a:fillRect/>
+          </a:stretch>
+        </p:blipFill>
+        <p:spPr>
+          <a:xfrm>
+            <a:off x="792677" y="2440300"/>
+            <a:ext cx="4668580" cy="2710434"/>
+          </a:xfrm>
+          <a:prstGeom prst="rect">
+            <a:avLst/>
+          </a:prstGeom>
+        </p:spPr>
+      </p:pic>
+      <p:pic>
+        <p:nvPicPr>
+          <p:cNvPr id="5" name="Picture 4">
+            <a:extLst>
+              <a:ext uri="{FF2B5EF4-FFF2-40B4-BE49-F238E27FC236}">
+                <a16:creationId xmlns:a16="http://schemas.microsoft.com/office/drawing/2014/main" id="{855D99B0-EE8F-6614-26F2-2BF70F743465}"/>
+              </a:ext>
+            </a:extLst>
+          </p:cNvPr>
+          <p:cNvPicPr>
+            <a:picLocks noChangeAspect="1"/>
+          </p:cNvPicPr>
+          <p:nvPr/>
+        </p:nvPicPr>
+        <p:blipFill>
+          <a:blip r:embed="rId3"/>
+          <a:stretch>
+            <a:fillRect/>
+          </a:stretch>
+        </p:blipFill>
+        <p:spPr>
+          <a:xfrm>
+            <a:off x="5964117" y="2472372"/>
+            <a:ext cx="4765615" cy="2678362"/>
+          </a:xfrm>
+          <a:prstGeom prst="rect">
+            <a:avLst/>
+          </a:prstGeom>
+        </p:spPr>
+      </p:pic>
+      <p:sp>
+        <p:nvSpPr>
+          <p:cNvPr id="6" name="Content Placeholder 2">
+            <a:extLst>
+              <a:ext uri="{FF2B5EF4-FFF2-40B4-BE49-F238E27FC236}">
+                <a16:creationId xmlns:a16="http://schemas.microsoft.com/office/drawing/2014/main" id="{52B3831E-B76A-5CB2-63AE-9094BA938FC5}"/>
+              </a:ext>
+            </a:extLst>
+          </p:cNvPr>
+          <p:cNvSpPr>
+            <a:spLocks noGrp="1"/>
+          </p:cNvSpPr>
+          <p:nvPr>
+            <p:ph idx="1"/>
+          </p:nvPr>
+        </p:nvSpPr>
+        <p:spPr>
+          <a:xfrm>
+            <a:off x="1115871" y="5427314"/>
+            <a:ext cx="9613861" cy="3599316"/>
+          </a:xfrm>
+        </p:spPr>
+        <p:txBody>
+          <a:bodyPr>
+            <a:normAutofit/>
+          </a:bodyPr>
+          <a:lstStyle/>
+          <a:p>
+            <a:pPr marL="0" indent="0">
+              <a:buNone/>
+            </a:pPr>
+            <a:r>
+              <a:rPr lang="en-US" sz="1400" dirty="0"/>
+              <a:t>In this project, we have walked through a complete end-to-end machine learning project using the Telecom customer Churn dataset. We started by cleaning the data and analyzing it with visualization. Then, to be able to build a machine learning model, we transformed the categorical data into numeric variables (feature engineering). After transforming the data, we tried 6 different machine learning algorithms (including Deep Learning) using default parameters. Finally, we tuned the hyperparameters of the </a:t>
+            </a:r>
+            <a:r>
+              <a:rPr lang="en-US" sz="1400" dirty="0" err="1"/>
+              <a:t>Adaboost</a:t>
+            </a:r>
+            <a:r>
+              <a:rPr lang="en-US" sz="1400" dirty="0"/>
+              <a:t> (best performance model) for model optimization, obtaining an accuracy of nearly 81%.</a:t>
+            </a:r>
+          </a:p>
+        </p:txBody>
+      </p:sp>
+    </p:spTree>
+    <p:extLst>
+      <p:ext uri="{BB962C8B-B14F-4D97-AF65-F5344CB8AC3E}">
+        <p14:creationId xmlns:p14="http://schemas.microsoft.com/office/powerpoint/2010/main" val="2106282225"/>
+      </p:ext>
+    </p:extLst>
+  </p:cSld>
+  <p:clrMapOvr>
+    <a:masterClrMapping/>
+  </p:clrMapOvr>
+  <mc:AlternateContent xmlns:mc="http://schemas.openxmlformats.org/markup-compatibility/2006" xmlns:p14="http://schemas.microsoft.com/office/powerpoint/2010/main">
+    <mc:Choice Requires="p14">
+      <p:transition spd="med" p14:dur="700">
+        <p:fade/>
+      </p:transition>
+    </mc:Choice>
+    <mc:Fallback xmlns="">
+      <p:transition spd="med">
+        <p:fade/>
+      </p:transition>
+    </mc:Fallback>
+  </mc:AlternateContent>
+</p:sld>
+</file>
+
+<file path=ppt/slides/slide32.xml><?xml version="1.0" encoding="utf-8"?>
+<p:sld xmlns:a="http://schemas.openxmlformats.org/drawingml/2006/main" xmlns:r="http://schemas.openxmlformats.org/officeDocument/2006/relationships" xmlns:p="http://schemas.openxmlformats.org/presentationml/2006/main">
+  <p:cSld>
+    <p:spTree>
+      <p:nvGrpSpPr>
+        <p:cNvPr id="1" name=""/>
+        <p:cNvGrpSpPr/>
+        <p:nvPr/>
+      </p:nvGrpSpPr>
+      <p:grpSpPr>
+        <a:xfrm>
+          <a:off x="0" y="0"/>
+          <a:ext cx="0" cy="0"/>
+          <a:chOff x="0" y="0"/>
+          <a:chExt cx="0" cy="0"/>
+        </a:xfrm>
+      </p:grpSpPr>
+      <p:sp>
+        <p:nvSpPr>
           <p:cNvPr id="2" name="Title 1"/>
           <p:cNvSpPr>
             <a:spLocks noGrp="1"/>
@@ -40326,7 +40531,7 @@
 </p:sld>
 </file>
 
-<file path=ppt/slides/slide32.xml><?xml version="1.0" encoding="utf-8"?>
+<file path=ppt/slides/slide33.xml><?xml version="1.0" encoding="utf-8"?>
 <p:sld xmlns:a="http://schemas.openxmlformats.org/drawingml/2006/main" xmlns:r="http://schemas.openxmlformats.org/officeDocument/2006/relationships" xmlns:p="http://schemas.openxmlformats.org/presentationml/2006/main">
   <p:cSld>
     <p:bg>
@@ -41075,6 +41280,17 @@
               <a:t>Finding a most suited machine learning model for correct classification of churn and non churn customers</a:t>
             </a:r>
           </a:p>
+          <a:p>
+            <a:r>
+              <a:rPr lang="en-US" dirty="0"/>
+              <a:t>To develop an application to predict whether the customer will churn or not using the </a:t>
+            </a:r>
+            <a:r>
+              <a:rPr lang="en-US"/>
+              <a:t>explanatory variables</a:t>
+            </a:r>
+            <a:endParaRPr lang="en-US" dirty="0"/>
+          </a:p>
         </p:txBody>
       </p:sp>
     </p:spTree>
@@ -41121,13 +41337,7 @@
       </p:grpSpPr>
       <p:sp>
         <p:nvSpPr>
-          <p:cNvPr id="2" name="Title 1">
-            <a:extLst>
-              <a:ext uri="{FF2B5EF4-FFF2-40B4-BE49-F238E27FC236}">
-                <a16:creationId xmlns:a16="http://schemas.microsoft.com/office/drawing/2014/main" id="{EEB44D3C-8A2F-377E-0D19-B0E8CCB8FC35}"/>
-              </a:ext>
-            </a:extLst>
-          </p:cNvPr>
+          <p:cNvPr id="2" name="Title 1"/>
           <p:cNvSpPr>
             <a:spLocks noGrp="1"/>
           </p:cNvSpPr>
@@ -41141,182 +41351,80 @@
           <a:lstStyle/>
           <a:p>
             <a:r>
-              <a:rPr lang="en-US" dirty="0"/>
-              <a:t>Data Pre-processing – Fulfilling the basic assumptions of modeling </a:t>
-            </a:r>
-            <a:endParaRPr lang="en-AU" dirty="0"/>
-          </a:p>
-        </p:txBody>
-      </p:sp>
-      <p:sp>
-        <p:nvSpPr>
-          <p:cNvPr id="4" name="Content Placeholder 3">
-            <a:extLst>
-              <a:ext uri="{FF2B5EF4-FFF2-40B4-BE49-F238E27FC236}">
-                <a16:creationId xmlns:a16="http://schemas.microsoft.com/office/drawing/2014/main" id="{AD7FADF2-8D27-1609-A174-2F6DBE1DB39E}"/>
-              </a:ext>
-            </a:extLst>
-          </p:cNvPr>
-          <p:cNvSpPr>
-            <a:spLocks noGrp="1"/>
-          </p:cNvSpPr>
-          <p:nvPr>
-            <p:ph sz="half" idx="2"/>
-          </p:nvPr>
-        </p:nvSpPr>
-        <p:spPr>
-          <a:xfrm>
-            <a:off x="680322" y="2314938"/>
-            <a:ext cx="9956812" cy="3621250"/>
-          </a:xfrm>
-        </p:spPr>
+              <a:rPr lang="en-US"/>
+              <a:t>Procedure/Methodology</a:t>
+            </a:r>
+            <a:endParaRPr lang="en-US" dirty="0"/>
+          </a:p>
+        </p:txBody>
+      </p:sp>
+      <p:sp>
+        <p:nvSpPr>
+          <p:cNvPr id="3" name="Content Placeholder 2"/>
+          <p:cNvSpPr>
+            <a:spLocks noGrp="1"/>
+          </p:cNvSpPr>
+          <p:nvPr>
+            <p:ph idx="1"/>
+          </p:nvPr>
+        </p:nvSpPr>
+        <p:spPr/>
         <p:txBody>
           <a:bodyPr>
-            <a:normAutofit fontScale="92500" lnSpcReduction="10000"/>
+            <a:normAutofit fontScale="77500" lnSpcReduction="20000"/>
           </a:bodyPr>
           <a:lstStyle/>
           <a:p>
-            <a:pPr>
-              <a:lnSpc>
-                <a:spcPct val="107000"/>
-              </a:lnSpc>
-              <a:spcAft>
-                <a:spcPts val="800"/>
-              </a:spcAft>
+            <a:pPr marL="0" indent="0">
+              <a:buNone/>
             </a:pPr>
             <a:r>
-              <a:rPr lang="en-AU" b="1" dirty="0">
-                <a:effectLst/>
-                <a:latin typeface="Calibri" panose="020F0502020204030204" pitchFamily="34" charset="0"/>
-                <a:ea typeface="Calibri" panose="020F0502020204030204" pitchFamily="34" charset="0"/>
-                <a:cs typeface="Times New Roman" panose="02020603050405020304" pitchFamily="18" charset="0"/>
-              </a:rPr>
-              <a:t>Prediction Outcome Nature - Binary outcome Predicting whether the customer will churn or not.</a:t>
-            </a:r>
-          </a:p>
-          <a:p>
-            <a:pPr>
-              <a:lnSpc>
-                <a:spcPct val="107000"/>
-              </a:lnSpc>
-              <a:spcAft>
-                <a:spcPts val="800"/>
-              </a:spcAft>
-            </a:pPr>
-            <a:r>
-              <a:rPr lang="en-AU" b="1" dirty="0">
-                <a:effectLst/>
-                <a:latin typeface="Calibri" panose="020F0502020204030204" pitchFamily="34" charset="0"/>
-                <a:ea typeface="Calibri" panose="020F0502020204030204" pitchFamily="34" charset="0"/>
-                <a:cs typeface="Times New Roman" panose="02020603050405020304" pitchFamily="18" charset="0"/>
-              </a:rPr>
-              <a:t>Supervised Learning is applied as we have a labelled data set.</a:t>
-            </a:r>
-          </a:p>
-          <a:p>
-            <a:pPr>
-              <a:lnSpc>
-                <a:spcPct val="107000"/>
-              </a:lnSpc>
-              <a:spcAft>
-                <a:spcPts val="800"/>
-              </a:spcAft>
-            </a:pPr>
-            <a:r>
-              <a:rPr lang="en-AU" b="1" dirty="0">
-                <a:effectLst/>
-                <a:latin typeface="Calibri" panose="020F0502020204030204" pitchFamily="34" charset="0"/>
-                <a:ea typeface="Calibri" panose="020F0502020204030204" pitchFamily="34" charset="0"/>
-                <a:cs typeface="Times New Roman" panose="02020603050405020304" pitchFamily="18" charset="0"/>
-              </a:rPr>
-              <a:t> The Requirements for machine learning models selected based on the prediction outcome</a:t>
-            </a:r>
-          </a:p>
-          <a:p>
-            <a:pPr lvl="1">
-              <a:lnSpc>
-                <a:spcPct val="107000"/>
-              </a:lnSpc>
-              <a:spcAft>
-                <a:spcPts val="800"/>
-              </a:spcAft>
-            </a:pPr>
-            <a:r>
-              <a:rPr lang="en-AU" b="1" dirty="0">
-                <a:effectLst/>
-                <a:latin typeface="Calibri" panose="020F0502020204030204" pitchFamily="34" charset="0"/>
-                <a:ea typeface="Calibri" panose="020F0502020204030204" pitchFamily="34" charset="0"/>
-                <a:cs typeface="Times New Roman" panose="02020603050405020304" pitchFamily="18" charset="0"/>
-              </a:rPr>
-              <a:t>The Response Variable is Binary</a:t>
-            </a:r>
-          </a:p>
-          <a:p>
-            <a:pPr lvl="1">
-              <a:lnSpc>
-                <a:spcPct val="107000"/>
-              </a:lnSpc>
-              <a:spcAft>
-                <a:spcPts val="800"/>
-              </a:spcAft>
-            </a:pPr>
-            <a:r>
-              <a:rPr lang="en-AU" b="1" dirty="0">
-                <a:effectLst/>
-                <a:latin typeface="Calibri" panose="020F0502020204030204" pitchFamily="34" charset="0"/>
-                <a:ea typeface="Calibri" panose="020F0502020204030204" pitchFamily="34" charset="0"/>
-                <a:cs typeface="Times New Roman" panose="02020603050405020304" pitchFamily="18" charset="0"/>
-              </a:rPr>
-              <a:t>There is No Multicollinearity Among Explanatory Variables</a:t>
-            </a:r>
-          </a:p>
-          <a:p>
-            <a:pPr lvl="1">
-              <a:lnSpc>
-                <a:spcPct val="107000"/>
-              </a:lnSpc>
-              <a:spcAft>
-                <a:spcPts val="800"/>
-              </a:spcAft>
-            </a:pPr>
-            <a:r>
-              <a:rPr lang="en-AU" b="1" dirty="0">
-                <a:effectLst/>
-                <a:latin typeface="Calibri" panose="020F0502020204030204" pitchFamily="34" charset="0"/>
-                <a:ea typeface="Calibri" panose="020F0502020204030204" pitchFamily="34" charset="0"/>
-                <a:cs typeface="Times New Roman" panose="02020603050405020304" pitchFamily="18" charset="0"/>
-              </a:rPr>
-              <a:t>The Sample Size is Sufficiently Large (more than 500 data points)</a:t>
-            </a:r>
-          </a:p>
-          <a:p>
-            <a:pPr lvl="1">
-              <a:lnSpc>
-                <a:spcPct val="107000"/>
-              </a:lnSpc>
-              <a:spcAft>
-                <a:spcPts val="800"/>
-              </a:spcAft>
-            </a:pPr>
-            <a:r>
-              <a:rPr lang="en-AU" b="1" dirty="0">
-                <a:effectLst/>
-                <a:latin typeface="Calibri" panose="020F0502020204030204" pitchFamily="34" charset="0"/>
-                <a:ea typeface="Calibri" panose="020F0502020204030204" pitchFamily="34" charset="0"/>
-                <a:cs typeface="Times New Roman" panose="02020603050405020304" pitchFamily="18" charset="0"/>
-              </a:rPr>
-              <a:t>There are No Extreme Outliers </a:t>
-            </a:r>
-          </a:p>
-          <a:p>
-            <a:endParaRPr lang="en-AU" sz="2400" b="1" dirty="0"/>
+              <a:rPr lang="en-US" dirty="0"/>
+              <a:t>We have taken the following suggestive steps to build the model</a:t>
+            </a:r>
+          </a:p>
+          <a:p>
+            <a:r>
+              <a:rPr lang="en-US" dirty="0"/>
+              <a:t>Preprocess data (convert columns to appropriate formats, handle missing values, etc.)</a:t>
+            </a:r>
+          </a:p>
+          <a:p>
+            <a:r>
+              <a:rPr lang="en-US" dirty="0"/>
+              <a:t>Conduct appropriate exploratory analysis to extract useful insights (whether directly useful for business or for eventual modelling/feature engineering)</a:t>
+            </a:r>
+          </a:p>
+          <a:p>
+            <a:r>
+              <a:rPr lang="en-US" dirty="0"/>
+              <a:t>Derive new features</a:t>
+            </a:r>
+          </a:p>
+          <a:p>
+            <a:r>
+              <a:rPr lang="en-US" dirty="0"/>
+              <a:t>Train a variety of models, tune model hyperparameters, etc. (handle class imbalance using appropriate techniques such as Accuracy, Recall, Precision, F1score, F2Score)</a:t>
+            </a:r>
+          </a:p>
+          <a:p>
+            <a:r>
+              <a:rPr lang="en-US" dirty="0"/>
+              <a:t>Evaluate the models using appropriate evaluation metrics. Note that it is more important to identify churners than the non-churners accurately - choose an appropriate evaluation metric which reflects this business goal</a:t>
+            </a:r>
+          </a:p>
+          <a:p>
+            <a:r>
+              <a:rPr lang="en-US" dirty="0"/>
+              <a:t>Finally, choose a model based on some evaluation metric</a:t>
+            </a:r>
           </a:p>
         </p:txBody>
       </p:sp>
     </p:spTree>
     <p:extLst>
       <p:ext uri="{BB962C8B-B14F-4D97-AF65-F5344CB8AC3E}">
-        <p14:creationId xmlns:p14="http://schemas.microsoft.com/office/powerpoint/2010/main" val="3194072311"/>
+        <p14:creationId xmlns:p14="http://schemas.microsoft.com/office/powerpoint/2010/main" val="1575721539"/>
       </p:ext>
     </p:extLst>
   </p:cSld>
@@ -41378,7 +41486,7 @@
           <a:p>
             <a:r>
               <a:rPr lang="en-US" dirty="0"/>
-              <a:t>Steps of Processing</a:t>
+              <a:t>Data Pre-processing – Fulfilling the basic assumptions of modeling </a:t>
             </a:r>
             <a:endParaRPr lang="en-AU" dirty="0"/>
           </a:p>
@@ -41402,205 +41510,147 @@
         </p:nvSpPr>
         <p:spPr>
           <a:xfrm>
-            <a:off x="0" y="2314937"/>
-            <a:ext cx="12192000" cy="4543063"/>
+            <a:off x="680322" y="2314938"/>
+            <a:ext cx="9956812" cy="3621250"/>
           </a:xfrm>
         </p:spPr>
         <p:txBody>
           <a:bodyPr>
-            <a:normAutofit/>
+            <a:normAutofit fontScale="92500" lnSpcReduction="10000"/>
           </a:bodyPr>
           <a:lstStyle/>
           <a:p>
-            <a:pPr marL="342900" indent="-342900">
+            <a:pPr>
               <a:lnSpc>
                 <a:spcPct val="107000"/>
               </a:lnSpc>
               <a:spcAft>
                 <a:spcPts val="800"/>
               </a:spcAft>
-              <a:buFont typeface="+mj-lt"/>
-              <a:buAutoNum type="arabicPeriod"/>
             </a:pPr>
             <a:r>
-              <a:rPr lang="en-AU" sz="1800" dirty="0">
+              <a:rPr lang="en-AU" b="1" dirty="0">
                 <a:effectLst/>
                 <a:latin typeface="Calibri" panose="020F0502020204030204" pitchFamily="34" charset="0"/>
                 <a:ea typeface="Calibri" panose="020F0502020204030204" pitchFamily="34" charset="0"/>
                 <a:cs typeface="Times New Roman" panose="02020603050405020304" pitchFamily="18" charset="0"/>
               </a:rPr>
-              <a:t>Data Imputation </a:t>
-            </a:r>
-          </a:p>
-          <a:p>
-            <a:pPr marL="342900" indent="-342900">
+              <a:t>Prediction Outcome Nature - Binary outcome Predicting whether the customer will churn or not.</a:t>
+            </a:r>
+          </a:p>
+          <a:p>
+            <a:pPr>
               <a:lnSpc>
                 <a:spcPct val="107000"/>
               </a:lnSpc>
               <a:spcAft>
                 <a:spcPts val="800"/>
               </a:spcAft>
-              <a:buFont typeface="+mj-lt"/>
-              <a:buAutoNum type="arabicPeriod"/>
             </a:pPr>
             <a:r>
-              <a:rPr lang="en-AU" sz="1800" dirty="0">
+              <a:rPr lang="en-AU" b="1" dirty="0">
                 <a:effectLst/>
                 <a:latin typeface="Calibri" panose="020F0502020204030204" pitchFamily="34" charset="0"/>
                 <a:ea typeface="Calibri" panose="020F0502020204030204" pitchFamily="34" charset="0"/>
                 <a:cs typeface="Times New Roman" panose="02020603050405020304" pitchFamily="18" charset="0"/>
               </a:rPr>
-              <a:t>Feature selection is one of the first and important steps while performing any machine learning  using heatmaps and box plots. A feature in case of a dataset simply means a column</a:t>
-            </a:r>
-          </a:p>
-          <a:p>
-            <a:pPr marL="342900" indent="-342900">
+              <a:t>Supervised Learning is applied as we have a labelled data set.</a:t>
+            </a:r>
+          </a:p>
+          <a:p>
+            <a:pPr>
               <a:lnSpc>
                 <a:spcPct val="107000"/>
               </a:lnSpc>
               <a:spcAft>
                 <a:spcPts val="800"/>
               </a:spcAft>
-              <a:buFont typeface="+mj-lt"/>
-              <a:buAutoNum type="arabicPeriod"/>
             </a:pPr>
             <a:r>
-              <a:rPr lang="en-AU" sz="1800" dirty="0">
+              <a:rPr lang="en-AU" b="1" dirty="0">
                 <a:effectLst/>
                 <a:latin typeface="Calibri" panose="020F0502020204030204" pitchFamily="34" charset="0"/>
                 <a:ea typeface="Calibri" panose="020F0502020204030204" pitchFamily="34" charset="0"/>
                 <a:cs typeface="Times New Roman" panose="02020603050405020304" pitchFamily="18" charset="0"/>
               </a:rPr>
-              <a:t>Pre-process ordinal and nominal categorical variables differently. [label encoder for ordinal and hot encoding for nominal]</a:t>
-            </a:r>
-          </a:p>
-          <a:p>
-            <a:pPr marL="342900" indent="-342900">
+              <a:t> The Requirements for machine learning models selected based on the prediction outcome</a:t>
+            </a:r>
+          </a:p>
+          <a:p>
+            <a:pPr lvl="1">
               <a:lnSpc>
                 <a:spcPct val="107000"/>
               </a:lnSpc>
               <a:spcAft>
                 <a:spcPts val="800"/>
               </a:spcAft>
-              <a:buFont typeface="+mj-lt"/>
-              <a:buAutoNum type="arabicPeriod"/>
             </a:pPr>
             <a:r>
-              <a:rPr lang="en-AU" sz="1800" dirty="0">
+              <a:rPr lang="en-AU" b="1" dirty="0">
                 <a:effectLst/>
                 <a:latin typeface="Calibri" panose="020F0502020204030204" pitchFamily="34" charset="0"/>
                 <a:ea typeface="Calibri" panose="020F0502020204030204" pitchFamily="34" charset="0"/>
                 <a:cs typeface="Times New Roman" panose="02020603050405020304" pitchFamily="18" charset="0"/>
               </a:rPr>
-              <a:t>Standardization-In Standardization, we transform our values such that the mean of the values is 0 and the standard deviation is 1</a:t>
-            </a:r>
-          </a:p>
-          <a:p>
-            <a:pPr marL="342900" indent="-342900">
+              <a:t>The Response Variable is Binary</a:t>
+            </a:r>
+          </a:p>
+          <a:p>
+            <a:pPr lvl="1">
               <a:lnSpc>
                 <a:spcPct val="107000"/>
               </a:lnSpc>
               <a:spcAft>
                 <a:spcPts val="800"/>
               </a:spcAft>
-              <a:buFont typeface="+mj-lt"/>
-              <a:buAutoNum type="arabicPeriod"/>
             </a:pPr>
             <a:r>
-              <a:rPr lang="en-AU" sz="1800" dirty="0">
+              <a:rPr lang="en-AU" b="1" dirty="0">
                 <a:effectLst/>
                 <a:latin typeface="Calibri" panose="020F0502020204030204" pitchFamily="34" charset="0"/>
                 <a:ea typeface="Calibri" panose="020F0502020204030204" pitchFamily="34" charset="0"/>
                 <a:cs typeface="Times New Roman" panose="02020603050405020304" pitchFamily="18" charset="0"/>
               </a:rPr>
-              <a:t>Check for Multicollinearity. – we have used VIF </a:t>
-            </a:r>
-          </a:p>
-          <a:p>
-            <a:pPr marL="342900" indent="-342900">
+              <a:t>There is No Multicollinearity Among Explanatory Variables</a:t>
+            </a:r>
+          </a:p>
+          <a:p>
+            <a:pPr lvl="1">
               <a:lnSpc>
                 <a:spcPct val="107000"/>
               </a:lnSpc>
               <a:spcAft>
                 <a:spcPts val="800"/>
               </a:spcAft>
-              <a:buFont typeface="+mj-lt"/>
-              <a:buAutoNum type="arabicPeriod"/>
             </a:pPr>
-            <a:endParaRPr lang="en-AU" sz="1800" dirty="0">
-              <a:effectLst/>
-              <a:latin typeface="Calibri" panose="020F0502020204030204" pitchFamily="34" charset="0"/>
-              <a:ea typeface="Calibri" panose="020F0502020204030204" pitchFamily="34" charset="0"/>
-              <a:cs typeface="Times New Roman" panose="02020603050405020304" pitchFamily="18" charset="0"/>
-            </a:endParaRPr>
-          </a:p>
-          <a:p>
-            <a:pPr marL="0" indent="0">
+            <a:r>
+              <a:rPr lang="en-AU" b="1" dirty="0">
+                <a:effectLst/>
+                <a:latin typeface="Calibri" panose="020F0502020204030204" pitchFamily="34" charset="0"/>
+                <a:ea typeface="Calibri" panose="020F0502020204030204" pitchFamily="34" charset="0"/>
+                <a:cs typeface="Times New Roman" panose="02020603050405020304" pitchFamily="18" charset="0"/>
+              </a:rPr>
+              <a:t>The Sample Size is Sufficiently Large (more than 500 data points)</a:t>
+            </a:r>
+          </a:p>
+          <a:p>
+            <a:pPr lvl="1">
               <a:lnSpc>
                 <a:spcPct val="107000"/>
               </a:lnSpc>
               <a:spcAft>
                 <a:spcPts val="800"/>
               </a:spcAft>
-              <a:buNone/>
             </a:pPr>
-            <a:endParaRPr lang="en-AU" sz="1800" dirty="0">
-              <a:effectLst/>
-              <a:latin typeface="Calibri" panose="020F0502020204030204" pitchFamily="34" charset="0"/>
-              <a:ea typeface="Calibri" panose="020F0502020204030204" pitchFamily="34" charset="0"/>
-              <a:cs typeface="Times New Roman" panose="02020603050405020304" pitchFamily="18" charset="0"/>
-            </a:endParaRPr>
-          </a:p>
-          <a:p>
-            <a:pPr marL="0" indent="0">
-              <a:lnSpc>
-                <a:spcPct val="107000"/>
-              </a:lnSpc>
-              <a:spcAft>
-                <a:spcPts val="800"/>
-              </a:spcAft>
-              <a:buNone/>
-            </a:pPr>
-            <a:endParaRPr lang="en-AU" sz="1800" dirty="0">
-              <a:effectLst/>
-              <a:latin typeface="Calibri" panose="020F0502020204030204" pitchFamily="34" charset="0"/>
-              <a:ea typeface="Calibri" panose="020F0502020204030204" pitchFamily="34" charset="0"/>
-              <a:cs typeface="Times New Roman" panose="02020603050405020304" pitchFamily="18" charset="0"/>
-            </a:endParaRPr>
-          </a:p>
-          <a:p>
-            <a:pPr marL="0" indent="0">
-              <a:lnSpc>
-                <a:spcPct val="107000"/>
-              </a:lnSpc>
-              <a:spcAft>
-                <a:spcPts val="800"/>
-              </a:spcAft>
-              <a:buNone/>
-            </a:pPr>
-            <a:endParaRPr lang="en-AU" sz="1800" dirty="0">
-              <a:effectLst/>
-              <a:latin typeface="Calibri" panose="020F0502020204030204" pitchFamily="34" charset="0"/>
-              <a:ea typeface="Calibri" panose="020F0502020204030204" pitchFamily="34" charset="0"/>
-              <a:cs typeface="Times New Roman" panose="02020603050405020304" pitchFamily="18" charset="0"/>
-            </a:endParaRPr>
-          </a:p>
-          <a:p>
-            <a:pPr marL="0" indent="0">
-              <a:lnSpc>
-                <a:spcPct val="107000"/>
-              </a:lnSpc>
-              <a:spcAft>
-                <a:spcPts val="800"/>
-              </a:spcAft>
-              <a:buNone/>
-            </a:pPr>
-            <a:endParaRPr lang="en-AU" sz="1800" dirty="0">
-              <a:effectLst/>
-              <a:latin typeface="Calibri" panose="020F0502020204030204" pitchFamily="34" charset="0"/>
-              <a:ea typeface="Calibri" panose="020F0502020204030204" pitchFamily="34" charset="0"/>
-              <a:cs typeface="Times New Roman" panose="02020603050405020304" pitchFamily="18" charset="0"/>
-            </a:endParaRPr>
+            <a:r>
+              <a:rPr lang="en-AU" b="1" dirty="0">
+                <a:effectLst/>
+                <a:latin typeface="Calibri" panose="020F0502020204030204" pitchFamily="34" charset="0"/>
+                <a:ea typeface="Calibri" panose="020F0502020204030204" pitchFamily="34" charset="0"/>
+                <a:cs typeface="Times New Roman" panose="02020603050405020304" pitchFamily="18" charset="0"/>
+              </a:rPr>
+              <a:t>There are No Extreme Outliers </a:t>
+            </a:r>
           </a:p>
           <a:p>
             <a:endParaRPr lang="en-AU" sz="2400" b="1" dirty="0"/>
@@ -41610,7 +41660,7 @@
     </p:spTree>
     <p:extLst>
       <p:ext uri="{BB962C8B-B14F-4D97-AF65-F5344CB8AC3E}">
-        <p14:creationId xmlns:p14="http://schemas.microsoft.com/office/powerpoint/2010/main" val="522296525"/>
+        <p14:creationId xmlns:p14="http://schemas.microsoft.com/office/powerpoint/2010/main" val="3194072311"/>
       </p:ext>
     </p:extLst>
   </p:cSld>
@@ -41678,116 +41728,233 @@
           </a:p>
         </p:txBody>
       </p:sp>
-      <p:pic>
-        <p:nvPicPr>
-          <p:cNvPr id="6" name="Picture 5">
+      <p:sp>
+        <p:nvSpPr>
+          <p:cNvPr id="4" name="Content Placeholder 3">
             <a:extLst>
               <a:ext uri="{FF2B5EF4-FFF2-40B4-BE49-F238E27FC236}">
-                <a16:creationId xmlns:a16="http://schemas.microsoft.com/office/drawing/2014/main" id="{452F0C96-3B59-AF1D-906A-541B776BB42F}"/>
+                <a16:creationId xmlns:a16="http://schemas.microsoft.com/office/drawing/2014/main" id="{AD7FADF2-8D27-1609-A174-2F6DBE1DB39E}"/>
               </a:ext>
             </a:extLst>
           </p:cNvPr>
-          <p:cNvPicPr>
-            <a:picLocks noChangeAspect="1"/>
-          </p:cNvPicPr>
-          <p:nvPr/>
-        </p:nvPicPr>
-        <p:blipFill>
-          <a:blip r:embed="rId2">
-            <a:extLst>
-              <a:ext uri="{28A0092B-C50C-407E-A947-70E740481C1C}">
-                <a14:useLocalDpi xmlns:a14="http://schemas.microsoft.com/office/drawing/2010/main" val="0"/>
-              </a:ext>
-            </a:extLst>
-          </a:blip>
-          <a:srcRect/>
-          <a:stretch>
-            <a:fillRect/>
-          </a:stretch>
-        </p:blipFill>
-        <p:spPr bwMode="auto">
-          <a:xfrm>
-            <a:off x="0" y="2502423"/>
-            <a:ext cx="4867275" cy="3867150"/>
-          </a:xfrm>
-          <a:prstGeom prst="rect">
-            <a:avLst/>
-          </a:prstGeom>
-          <a:noFill/>
-        </p:spPr>
-      </p:pic>
-      <p:pic>
-        <p:nvPicPr>
-          <p:cNvPr id="7" name="Picture 6">
-            <a:extLst>
-              <a:ext uri="{FF2B5EF4-FFF2-40B4-BE49-F238E27FC236}">
-                <a16:creationId xmlns:a16="http://schemas.microsoft.com/office/drawing/2014/main" id="{D86A47C2-DD16-B828-A998-2EB75F21030A}"/>
-              </a:ext>
-            </a:extLst>
-          </p:cNvPr>
-          <p:cNvPicPr>
-            <a:picLocks noChangeAspect="1"/>
-          </p:cNvPicPr>
-          <p:nvPr/>
-        </p:nvPicPr>
-        <p:blipFill>
-          <a:blip r:embed="rId3">
-            <a:extLst>
-              <a:ext uri="{28A0092B-C50C-407E-A947-70E740481C1C}">
-                <a14:useLocalDpi xmlns:a14="http://schemas.microsoft.com/office/drawing/2010/main" val="0"/>
-              </a:ext>
-            </a:extLst>
-          </a:blip>
-          <a:srcRect/>
-          <a:stretch>
-            <a:fillRect/>
-          </a:stretch>
-        </p:blipFill>
-        <p:spPr bwMode="auto">
-          <a:xfrm>
-            <a:off x="5630939" y="2502423"/>
-            <a:ext cx="6236970" cy="1600200"/>
-          </a:xfrm>
-          <a:prstGeom prst="rect">
-            <a:avLst/>
-          </a:prstGeom>
-          <a:noFill/>
-        </p:spPr>
-      </p:pic>
-      <p:pic>
-        <p:nvPicPr>
-          <p:cNvPr id="8" name="Picture 7">
-            <a:extLst>
-              <a:ext uri="{FF2B5EF4-FFF2-40B4-BE49-F238E27FC236}">
-                <a16:creationId xmlns:a16="http://schemas.microsoft.com/office/drawing/2014/main" id="{A795CD48-3475-2D47-CD00-B843BF205D21}"/>
-              </a:ext>
-            </a:extLst>
-          </p:cNvPr>
-          <p:cNvPicPr>
-            <a:picLocks noChangeAspect="1"/>
-          </p:cNvPicPr>
-          <p:nvPr/>
-        </p:nvPicPr>
-        <p:blipFill>
-          <a:blip r:embed="rId4"/>
-          <a:stretch>
-            <a:fillRect/>
-          </a:stretch>
-        </p:blipFill>
-        <p:spPr>
-          <a:xfrm>
-            <a:off x="6458770" y="4349091"/>
-            <a:ext cx="3672840" cy="2118360"/>
-          </a:xfrm>
-          <a:prstGeom prst="rect">
-            <a:avLst/>
-          </a:prstGeom>
-        </p:spPr>
-      </p:pic>
+          <p:cNvSpPr>
+            <a:spLocks noGrp="1"/>
+          </p:cNvSpPr>
+          <p:nvPr>
+            <p:ph sz="half" idx="2"/>
+          </p:nvPr>
+        </p:nvSpPr>
+        <p:spPr>
+          <a:xfrm>
+            <a:off x="0" y="2314937"/>
+            <a:ext cx="12192000" cy="4543063"/>
+          </a:xfrm>
+        </p:spPr>
+        <p:txBody>
+          <a:bodyPr>
+            <a:normAutofit/>
+          </a:bodyPr>
+          <a:lstStyle/>
+          <a:p>
+            <a:pPr marL="342900" indent="-342900">
+              <a:lnSpc>
+                <a:spcPct val="107000"/>
+              </a:lnSpc>
+              <a:spcAft>
+                <a:spcPts val="800"/>
+              </a:spcAft>
+              <a:buFont typeface="+mj-lt"/>
+              <a:buAutoNum type="arabicPeriod"/>
+            </a:pPr>
+            <a:r>
+              <a:rPr lang="en-AU" sz="1800" dirty="0">
+                <a:effectLst/>
+                <a:latin typeface="Calibri" panose="020F0502020204030204" pitchFamily="34" charset="0"/>
+                <a:ea typeface="Calibri" panose="020F0502020204030204" pitchFamily="34" charset="0"/>
+                <a:cs typeface="Times New Roman" panose="02020603050405020304" pitchFamily="18" charset="0"/>
+              </a:rPr>
+              <a:t>Data Imputation </a:t>
+            </a:r>
+          </a:p>
+          <a:p>
+            <a:pPr marL="342900" indent="-342900">
+              <a:lnSpc>
+                <a:spcPct val="107000"/>
+              </a:lnSpc>
+              <a:spcAft>
+                <a:spcPts val="800"/>
+              </a:spcAft>
+              <a:buFont typeface="+mj-lt"/>
+              <a:buAutoNum type="arabicPeriod"/>
+            </a:pPr>
+            <a:r>
+              <a:rPr lang="en-AU" sz="1800" dirty="0">
+                <a:effectLst/>
+                <a:latin typeface="Calibri" panose="020F0502020204030204" pitchFamily="34" charset="0"/>
+                <a:ea typeface="Calibri" panose="020F0502020204030204" pitchFamily="34" charset="0"/>
+                <a:cs typeface="Times New Roman" panose="02020603050405020304" pitchFamily="18" charset="0"/>
+              </a:rPr>
+              <a:t>Feature selection is one of the first and important steps while performing any machine learning  using heatmaps and box plots. A feature in case of a dataset simply means a column</a:t>
+            </a:r>
+          </a:p>
+          <a:p>
+            <a:pPr marL="342900" indent="-342900">
+              <a:lnSpc>
+                <a:spcPct val="107000"/>
+              </a:lnSpc>
+              <a:spcAft>
+                <a:spcPts val="800"/>
+              </a:spcAft>
+              <a:buFont typeface="+mj-lt"/>
+              <a:buAutoNum type="arabicPeriod"/>
+            </a:pPr>
+            <a:r>
+              <a:rPr lang="en-AU" sz="1800" dirty="0">
+                <a:effectLst/>
+                <a:latin typeface="Calibri" panose="020F0502020204030204" pitchFamily="34" charset="0"/>
+                <a:ea typeface="Calibri" panose="020F0502020204030204" pitchFamily="34" charset="0"/>
+                <a:cs typeface="Times New Roman" panose="02020603050405020304" pitchFamily="18" charset="0"/>
+              </a:rPr>
+              <a:t>Pre-process ordinal and nominal categorical variables differently. [label encoder for ordinal and hot encoding for nominal]</a:t>
+            </a:r>
+          </a:p>
+          <a:p>
+            <a:pPr marL="342900" indent="-342900">
+              <a:lnSpc>
+                <a:spcPct val="107000"/>
+              </a:lnSpc>
+              <a:spcAft>
+                <a:spcPts val="800"/>
+              </a:spcAft>
+              <a:buFont typeface="+mj-lt"/>
+              <a:buAutoNum type="arabicPeriod"/>
+            </a:pPr>
+            <a:r>
+              <a:rPr lang="en-AU" sz="1800" dirty="0">
+                <a:effectLst/>
+                <a:latin typeface="Calibri" panose="020F0502020204030204" pitchFamily="34" charset="0"/>
+                <a:ea typeface="Calibri" panose="020F0502020204030204" pitchFamily="34" charset="0"/>
+                <a:cs typeface="Times New Roman" panose="02020603050405020304" pitchFamily="18" charset="0"/>
+              </a:rPr>
+              <a:t>Standardization-In Standardization, we transform our values such that the mean of the values is 0 and the standard deviation is 1</a:t>
+            </a:r>
+          </a:p>
+          <a:p>
+            <a:pPr marL="342900" indent="-342900">
+              <a:lnSpc>
+                <a:spcPct val="107000"/>
+              </a:lnSpc>
+              <a:spcAft>
+                <a:spcPts val="800"/>
+              </a:spcAft>
+              <a:buFont typeface="+mj-lt"/>
+              <a:buAutoNum type="arabicPeriod"/>
+            </a:pPr>
+            <a:r>
+              <a:rPr lang="en-AU" sz="1800" dirty="0">
+                <a:effectLst/>
+                <a:latin typeface="Calibri" panose="020F0502020204030204" pitchFamily="34" charset="0"/>
+                <a:ea typeface="Calibri" panose="020F0502020204030204" pitchFamily="34" charset="0"/>
+                <a:cs typeface="Times New Roman" panose="02020603050405020304" pitchFamily="18" charset="0"/>
+              </a:rPr>
+              <a:t>Check for Multicollinearity. – we have used VIF </a:t>
+            </a:r>
+          </a:p>
+          <a:p>
+            <a:pPr marL="342900" indent="-342900">
+              <a:lnSpc>
+                <a:spcPct val="107000"/>
+              </a:lnSpc>
+              <a:spcAft>
+                <a:spcPts val="800"/>
+              </a:spcAft>
+              <a:buFont typeface="+mj-lt"/>
+              <a:buAutoNum type="arabicPeriod"/>
+            </a:pPr>
+            <a:endParaRPr lang="en-AU" sz="1800" dirty="0">
+              <a:effectLst/>
+              <a:latin typeface="Calibri" panose="020F0502020204030204" pitchFamily="34" charset="0"/>
+              <a:ea typeface="Calibri" panose="020F0502020204030204" pitchFamily="34" charset="0"/>
+              <a:cs typeface="Times New Roman" panose="02020603050405020304" pitchFamily="18" charset="0"/>
+            </a:endParaRPr>
+          </a:p>
+          <a:p>
+            <a:pPr marL="0" indent="0">
+              <a:lnSpc>
+                <a:spcPct val="107000"/>
+              </a:lnSpc>
+              <a:spcAft>
+                <a:spcPts val="800"/>
+              </a:spcAft>
+              <a:buNone/>
+            </a:pPr>
+            <a:endParaRPr lang="en-AU" sz="1800" dirty="0">
+              <a:effectLst/>
+              <a:latin typeface="Calibri" panose="020F0502020204030204" pitchFamily="34" charset="0"/>
+              <a:ea typeface="Calibri" panose="020F0502020204030204" pitchFamily="34" charset="0"/>
+              <a:cs typeface="Times New Roman" panose="02020603050405020304" pitchFamily="18" charset="0"/>
+            </a:endParaRPr>
+          </a:p>
+          <a:p>
+            <a:pPr marL="0" indent="0">
+              <a:lnSpc>
+                <a:spcPct val="107000"/>
+              </a:lnSpc>
+              <a:spcAft>
+                <a:spcPts val="800"/>
+              </a:spcAft>
+              <a:buNone/>
+            </a:pPr>
+            <a:endParaRPr lang="en-AU" sz="1800" dirty="0">
+              <a:effectLst/>
+              <a:latin typeface="Calibri" panose="020F0502020204030204" pitchFamily="34" charset="0"/>
+              <a:ea typeface="Calibri" panose="020F0502020204030204" pitchFamily="34" charset="0"/>
+              <a:cs typeface="Times New Roman" panose="02020603050405020304" pitchFamily="18" charset="0"/>
+            </a:endParaRPr>
+          </a:p>
+          <a:p>
+            <a:pPr marL="0" indent="0">
+              <a:lnSpc>
+                <a:spcPct val="107000"/>
+              </a:lnSpc>
+              <a:spcAft>
+                <a:spcPts val="800"/>
+              </a:spcAft>
+              <a:buNone/>
+            </a:pPr>
+            <a:endParaRPr lang="en-AU" sz="1800" dirty="0">
+              <a:effectLst/>
+              <a:latin typeface="Calibri" panose="020F0502020204030204" pitchFamily="34" charset="0"/>
+              <a:ea typeface="Calibri" panose="020F0502020204030204" pitchFamily="34" charset="0"/>
+              <a:cs typeface="Times New Roman" panose="02020603050405020304" pitchFamily="18" charset="0"/>
+            </a:endParaRPr>
+          </a:p>
+          <a:p>
+            <a:pPr marL="0" indent="0">
+              <a:lnSpc>
+                <a:spcPct val="107000"/>
+              </a:lnSpc>
+              <a:spcAft>
+                <a:spcPts val="800"/>
+              </a:spcAft>
+              <a:buNone/>
+            </a:pPr>
+            <a:endParaRPr lang="en-AU" sz="1800" dirty="0">
+              <a:effectLst/>
+              <a:latin typeface="Calibri" panose="020F0502020204030204" pitchFamily="34" charset="0"/>
+              <a:ea typeface="Calibri" panose="020F0502020204030204" pitchFamily="34" charset="0"/>
+              <a:cs typeface="Times New Roman" panose="02020603050405020304" pitchFamily="18" charset="0"/>
+            </a:endParaRPr>
+          </a:p>
+          <a:p>
+            <a:endParaRPr lang="en-AU" sz="2400" b="1" dirty="0"/>
+          </a:p>
+        </p:txBody>
+      </p:sp>
     </p:spTree>
     <p:extLst>
       <p:ext uri="{BB962C8B-B14F-4D97-AF65-F5344CB8AC3E}">
-        <p14:creationId xmlns:p14="http://schemas.microsoft.com/office/powerpoint/2010/main" val="280790843"/>
+        <p14:creationId xmlns:p14="http://schemas.microsoft.com/office/powerpoint/2010/main" val="522296525"/>
       </p:ext>
     </p:extLst>
   </p:cSld>
@@ -41828,7 +41995,13 @@
       </p:grpSpPr>
       <p:sp>
         <p:nvSpPr>
-          <p:cNvPr id="2" name="Title 1"/>
+          <p:cNvPr id="2" name="Title 1">
+            <a:extLst>
+              <a:ext uri="{FF2B5EF4-FFF2-40B4-BE49-F238E27FC236}">
+                <a16:creationId xmlns:a16="http://schemas.microsoft.com/office/drawing/2014/main" id="{EEB44D3C-8A2F-377E-0D19-B0E8CCB8FC35}"/>
+              </a:ext>
+            </a:extLst>
+          </p:cNvPr>
           <p:cNvSpPr>
             <a:spLocks noGrp="1"/>
           </p:cNvSpPr>
@@ -41842,80 +42015,123 @@
           <a:lstStyle/>
           <a:p>
             <a:r>
-              <a:rPr lang="en-US"/>
-              <a:t>Procedure/Methodology</a:t>
-            </a:r>
-            <a:endParaRPr lang="en-US" dirty="0"/>
-          </a:p>
-        </p:txBody>
-      </p:sp>
-      <p:sp>
-        <p:nvSpPr>
-          <p:cNvPr id="3" name="Content Placeholder 2"/>
-          <p:cNvSpPr>
-            <a:spLocks noGrp="1"/>
-          </p:cNvSpPr>
-          <p:nvPr>
-            <p:ph idx="1"/>
-          </p:nvPr>
-        </p:nvSpPr>
-        <p:spPr/>
-        <p:txBody>
-          <a:bodyPr>
-            <a:normAutofit fontScale="77500" lnSpcReduction="20000"/>
-          </a:bodyPr>
-          <a:lstStyle/>
-          <a:p>
-            <a:pPr marL="0" indent="0">
-              <a:buNone/>
-            </a:pPr>
-            <a:r>
               <a:rPr lang="en-US" dirty="0"/>
-              <a:t>We have taken the following suggestive steps to build the model</a:t>
-            </a:r>
-          </a:p>
-          <a:p>
-            <a:r>
-              <a:rPr lang="en-US" dirty="0"/>
-              <a:t>Preprocess data (convert columns to appropriate formats, handle missing values, etc.)</a:t>
-            </a:r>
-          </a:p>
-          <a:p>
-            <a:r>
-              <a:rPr lang="en-US" dirty="0"/>
-              <a:t>Conduct appropriate exploratory analysis to extract useful insights (whether directly useful for business or for eventual modelling/feature engineering)</a:t>
-            </a:r>
-          </a:p>
-          <a:p>
-            <a:r>
-              <a:rPr lang="en-US" dirty="0"/>
-              <a:t>Derive new features</a:t>
-            </a:r>
-          </a:p>
-          <a:p>
-            <a:r>
-              <a:rPr lang="en-US" dirty="0"/>
-              <a:t>Train a variety of models, tune model hyperparameters, etc. (handle class imbalance using appropriate techniques such as Accuracy, Recall, Precision, F1score, F2Score)</a:t>
-            </a:r>
-          </a:p>
-          <a:p>
-            <a:r>
-              <a:rPr lang="en-US" dirty="0"/>
-              <a:t>Evaluate the models using appropriate evaluation metrics. Note that it is more important to identify churners than the non-churners accurately - choose an appropriate evaluation metric which reflects this business goal</a:t>
-            </a:r>
-          </a:p>
-          <a:p>
-            <a:r>
-              <a:rPr lang="en-US" dirty="0"/>
-              <a:t>Finally, choose a model based on some evaluation metric</a:t>
-            </a:r>
-          </a:p>
-        </p:txBody>
-      </p:sp>
+              <a:t>Steps of Processing</a:t>
+            </a:r>
+            <a:endParaRPr lang="en-AU" dirty="0"/>
+          </a:p>
+        </p:txBody>
+      </p:sp>
+      <p:pic>
+        <p:nvPicPr>
+          <p:cNvPr id="6" name="Picture 5">
+            <a:extLst>
+              <a:ext uri="{FF2B5EF4-FFF2-40B4-BE49-F238E27FC236}">
+                <a16:creationId xmlns:a16="http://schemas.microsoft.com/office/drawing/2014/main" id="{452F0C96-3B59-AF1D-906A-541B776BB42F}"/>
+              </a:ext>
+            </a:extLst>
+          </p:cNvPr>
+          <p:cNvPicPr>
+            <a:picLocks noChangeAspect="1"/>
+          </p:cNvPicPr>
+          <p:nvPr/>
+        </p:nvPicPr>
+        <p:blipFill>
+          <a:blip r:embed="rId2">
+            <a:extLst>
+              <a:ext uri="{28A0092B-C50C-407E-A947-70E740481C1C}">
+                <a14:useLocalDpi xmlns:a14="http://schemas.microsoft.com/office/drawing/2010/main" val="0"/>
+              </a:ext>
+            </a:extLst>
+          </a:blip>
+          <a:srcRect/>
+          <a:stretch>
+            <a:fillRect/>
+          </a:stretch>
+        </p:blipFill>
+        <p:spPr bwMode="auto">
+          <a:xfrm>
+            <a:off x="0" y="2502423"/>
+            <a:ext cx="4867275" cy="3867150"/>
+          </a:xfrm>
+          <a:prstGeom prst="rect">
+            <a:avLst/>
+          </a:prstGeom>
+          <a:noFill/>
+        </p:spPr>
+      </p:pic>
+      <p:pic>
+        <p:nvPicPr>
+          <p:cNvPr id="7" name="Picture 6">
+            <a:extLst>
+              <a:ext uri="{FF2B5EF4-FFF2-40B4-BE49-F238E27FC236}">
+                <a16:creationId xmlns:a16="http://schemas.microsoft.com/office/drawing/2014/main" id="{D86A47C2-DD16-B828-A998-2EB75F21030A}"/>
+              </a:ext>
+            </a:extLst>
+          </p:cNvPr>
+          <p:cNvPicPr>
+            <a:picLocks noChangeAspect="1"/>
+          </p:cNvPicPr>
+          <p:nvPr/>
+        </p:nvPicPr>
+        <p:blipFill>
+          <a:blip r:embed="rId3">
+            <a:extLst>
+              <a:ext uri="{28A0092B-C50C-407E-A947-70E740481C1C}">
+                <a14:useLocalDpi xmlns:a14="http://schemas.microsoft.com/office/drawing/2010/main" val="0"/>
+              </a:ext>
+            </a:extLst>
+          </a:blip>
+          <a:srcRect/>
+          <a:stretch>
+            <a:fillRect/>
+          </a:stretch>
+        </p:blipFill>
+        <p:spPr bwMode="auto">
+          <a:xfrm>
+            <a:off x="5630939" y="2502423"/>
+            <a:ext cx="6236970" cy="1600200"/>
+          </a:xfrm>
+          <a:prstGeom prst="rect">
+            <a:avLst/>
+          </a:prstGeom>
+          <a:noFill/>
+        </p:spPr>
+      </p:pic>
+      <p:pic>
+        <p:nvPicPr>
+          <p:cNvPr id="8" name="Picture 7">
+            <a:extLst>
+              <a:ext uri="{FF2B5EF4-FFF2-40B4-BE49-F238E27FC236}">
+                <a16:creationId xmlns:a16="http://schemas.microsoft.com/office/drawing/2014/main" id="{A795CD48-3475-2D47-CD00-B843BF205D21}"/>
+              </a:ext>
+            </a:extLst>
+          </p:cNvPr>
+          <p:cNvPicPr>
+            <a:picLocks noChangeAspect="1"/>
+          </p:cNvPicPr>
+          <p:nvPr/>
+        </p:nvPicPr>
+        <p:blipFill>
+          <a:blip r:embed="rId4"/>
+          <a:stretch>
+            <a:fillRect/>
+          </a:stretch>
+        </p:blipFill>
+        <p:spPr>
+          <a:xfrm>
+            <a:off x="6458770" y="4349091"/>
+            <a:ext cx="3672840" cy="2118360"/>
+          </a:xfrm>
+          <a:prstGeom prst="rect">
+            <a:avLst/>
+          </a:prstGeom>
+        </p:spPr>
+      </p:pic>
     </p:spTree>
     <p:extLst>
       <p:ext uri="{BB962C8B-B14F-4D97-AF65-F5344CB8AC3E}">
-        <p14:creationId xmlns:p14="http://schemas.microsoft.com/office/powerpoint/2010/main" val="1575721539"/>
+        <p14:creationId xmlns:p14="http://schemas.microsoft.com/office/powerpoint/2010/main" val="280790843"/>
       </p:ext>
     </p:extLst>
   </p:cSld>
